--- a/write-ups/presentation.pptx
+++ b/write-ups/presentation.pptx
@@ -5,7 +5,7 @@
     <p:sldMasterId id="2147483660" r:id="rId1"/>
   </p:sldMasterIdLst>
   <p:notesMasterIdLst>
-    <p:notesMasterId r:id="rId12"/>
+    <p:notesMasterId r:id="rId13"/>
   </p:notesMasterIdLst>
   <p:sldIdLst>
     <p:sldId id="256" r:id="rId2"/>
@@ -18,6 +18,7 @@
     <p:sldId id="262" r:id="rId9"/>
     <p:sldId id="263" r:id="rId10"/>
     <p:sldId id="264" r:id="rId11"/>
+    <p:sldId id="266" r:id="rId12"/>
   </p:sldIdLst>
   <p:sldSz cx="12192000" cy="6858000"/>
   <p:notesSz cx="6858000" cy="9144000"/>
@@ -116,6 +117,11 @@
       </a:defRPr>
     </a:lvl9pPr>
   </p:defaultTextStyle>
+  <p:extLst>
+    <p:ext uri="{EFAFB233-063F-42B5-8137-9DF3F51BA10A}">
+      <p15:sldGuideLst xmlns:p15="http://schemas.microsoft.com/office/powerpoint/2012/main"/>
+    </p:ext>
+  </p:extLst>
 </p:presentation>
 </file>
 
@@ -849,6 +855,122 @@
     <p:extLst>
       <p:ext uri="{BB962C8B-B14F-4D97-AF65-F5344CB8AC3E}">
         <p14:creationId xmlns:p14="http://schemas.microsoft.com/office/powerpoint/2010/main" val="2734024184"/>
+      </p:ext>
+    </p:extLst>
+  </p:cSld>
+  <p:clrMapOvr>
+    <a:masterClrMapping/>
+  </p:clrMapOvr>
+</p:notes>
+</file>
+
+<file path=ppt/notesSlides/notesSlide5.xml><?xml version="1.0" encoding="utf-8"?>
+<p:notes xmlns:a="http://schemas.openxmlformats.org/drawingml/2006/main" xmlns:r="http://schemas.openxmlformats.org/officeDocument/2006/relationships" xmlns:p="http://schemas.openxmlformats.org/presentationml/2006/main">
+  <p:cSld>
+    <p:spTree>
+      <p:nvGrpSpPr>
+        <p:cNvPr id="1" name=""/>
+        <p:cNvGrpSpPr/>
+        <p:nvPr/>
+      </p:nvGrpSpPr>
+      <p:grpSpPr>
+        <a:xfrm>
+          <a:off x="0" y="0"/>
+          <a:ext cx="0" cy="0"/>
+          <a:chOff x="0" y="0"/>
+          <a:chExt cx="0" cy="0"/>
+        </a:xfrm>
+      </p:grpSpPr>
+      <p:sp>
+        <p:nvSpPr>
+          <p:cNvPr id="2" name="Slide Image Placeholder 1"/>
+          <p:cNvSpPr>
+            <a:spLocks noGrp="1" noRot="1" noChangeAspect="1"/>
+          </p:cNvSpPr>
+          <p:nvPr>
+            <p:ph type="sldImg"/>
+          </p:nvPr>
+        </p:nvSpPr>
+        <p:spPr/>
+      </p:sp>
+      <p:sp>
+        <p:nvSpPr>
+          <p:cNvPr id="3" name="Notes Placeholder 2"/>
+          <p:cNvSpPr>
+            <a:spLocks noGrp="1"/>
+          </p:cNvSpPr>
+          <p:nvPr>
+            <p:ph type="body" idx="1"/>
+          </p:nvPr>
+        </p:nvSpPr>
+        <p:spPr/>
+        <p:txBody>
+          <a:bodyPr/>
+          <a:lstStyle/>
+          <a:p>
+            <a:pPr algn="l">
+              <a:buFont typeface="Arial" panose="020B0604020202020204" pitchFamily="34" charset="0"/>
+              <a:buNone/>
+            </a:pPr>
+            <a:r>
+              <a:rPr lang="en-US" b="0" i="0" dirty="0">
+                <a:solidFill>
+                  <a:srgbClr val="C4BFB7"/>
+                </a:solidFill>
+                <a:effectLst/>
+                <a:latin typeface="Lato Extended"/>
+              </a:rPr>
+              <a:t>Description of the data processing</a:t>
+            </a:r>
+          </a:p>
+          <a:p>
+            <a:pPr algn="l">
+              <a:buFont typeface="Arial" panose="020B0604020202020204" pitchFamily="34" charset="0"/>
+              <a:buNone/>
+            </a:pPr>
+            <a:r>
+              <a:rPr lang="en-US" b="0" i="0" dirty="0">
+                <a:solidFill>
+                  <a:srgbClr val="C4BFB7"/>
+                </a:solidFill>
+                <a:effectLst/>
+                <a:latin typeface="Lato Extended"/>
+              </a:rPr>
+              <a:t>Description of the curated data</a:t>
+            </a:r>
+          </a:p>
+          <a:p>
+            <a:endParaRPr lang="en-US" dirty="0"/>
+          </a:p>
+        </p:txBody>
+      </p:sp>
+      <p:sp>
+        <p:nvSpPr>
+          <p:cNvPr id="4" name="Slide Number Placeholder 3"/>
+          <p:cNvSpPr>
+            <a:spLocks noGrp="1"/>
+          </p:cNvSpPr>
+          <p:nvPr>
+            <p:ph type="sldNum" sz="quarter" idx="5"/>
+          </p:nvPr>
+        </p:nvSpPr>
+        <p:spPr/>
+        <p:txBody>
+          <a:bodyPr/>
+          <a:lstStyle/>
+          <a:p>
+            <a:fld id="{8793C440-CB3B-49CE-807A-74AE90D71E23}" type="slidenum">
+              <a:rPr lang="en-US" smtClean="0"/>
+              <a:t>5</a:t>
+            </a:fld>
+            <a:endParaRPr lang="en-US"/>
+          </a:p>
+        </p:txBody>
+      </p:sp>
+    </p:spTree>
+    <p:extLst>
+      <p:ext uri="{BB962C8B-B14F-4D97-AF65-F5344CB8AC3E}">
+        <p14:creationId xmlns:p14="http://schemas.microsoft.com/office/powerpoint/2010/main" val="1702362099"/>
       </p:ext>
     </p:extLst>
   </p:cSld>
@@ -7130,6 +7252,89 @@
 </p:sld>
 </file>
 
+<file path=ppt/slides/slide11.xml><?xml version="1.0" encoding="utf-8"?>
+<p:sld xmlns:a="http://schemas.openxmlformats.org/drawingml/2006/main" xmlns:r="http://schemas.openxmlformats.org/officeDocument/2006/relationships" xmlns:p="http://schemas.openxmlformats.org/presentationml/2006/main">
+  <p:cSld>
+    <p:spTree>
+      <p:nvGrpSpPr>
+        <p:cNvPr id="1" name=""/>
+        <p:cNvGrpSpPr/>
+        <p:nvPr/>
+      </p:nvGrpSpPr>
+      <p:grpSpPr>
+        <a:xfrm>
+          <a:off x="0" y="0"/>
+          <a:ext cx="0" cy="0"/>
+          <a:chOff x="0" y="0"/>
+          <a:chExt cx="0" cy="0"/>
+        </a:xfrm>
+      </p:grpSpPr>
+      <p:sp>
+        <p:nvSpPr>
+          <p:cNvPr id="2" name="Title 1">
+            <a:extLst>
+              <a:ext uri="{FF2B5EF4-FFF2-40B4-BE49-F238E27FC236}">
+                <a16:creationId xmlns:a16="http://schemas.microsoft.com/office/drawing/2014/main" id="{5DD29271-B0F7-733B-DCBF-BF6584D55403}"/>
+              </a:ext>
+            </a:extLst>
+          </p:cNvPr>
+          <p:cNvSpPr>
+            <a:spLocks noGrp="1"/>
+          </p:cNvSpPr>
+          <p:nvPr>
+            <p:ph type="title"/>
+          </p:nvPr>
+        </p:nvSpPr>
+        <p:spPr/>
+        <p:txBody>
+          <a:bodyPr/>
+          <a:lstStyle/>
+          <a:p>
+            <a:r>
+              <a:rPr lang="en-US" dirty="0"/>
+              <a:t>Questions?</a:t>
+            </a:r>
+          </a:p>
+        </p:txBody>
+      </p:sp>
+      <p:sp>
+        <p:nvSpPr>
+          <p:cNvPr id="3" name="Content Placeholder 2">
+            <a:extLst>
+              <a:ext uri="{FF2B5EF4-FFF2-40B4-BE49-F238E27FC236}">
+                <a16:creationId xmlns:a16="http://schemas.microsoft.com/office/drawing/2014/main" id="{E5CF1DEC-99F5-75A3-4DD5-D1D06D78D1FB}"/>
+              </a:ext>
+            </a:extLst>
+          </p:cNvPr>
+          <p:cNvSpPr>
+            <a:spLocks noGrp="1"/>
+          </p:cNvSpPr>
+          <p:nvPr>
+            <p:ph idx="1"/>
+          </p:nvPr>
+        </p:nvSpPr>
+        <p:spPr/>
+        <p:txBody>
+          <a:bodyPr/>
+          <a:lstStyle/>
+          <a:p>
+            <a:endParaRPr lang="en-US"/>
+          </a:p>
+        </p:txBody>
+      </p:sp>
+    </p:spTree>
+    <p:extLst>
+      <p:ext uri="{BB962C8B-B14F-4D97-AF65-F5344CB8AC3E}">
+        <p14:creationId xmlns:p14="http://schemas.microsoft.com/office/powerpoint/2010/main" val="2105574859"/>
+      </p:ext>
+    </p:extLst>
+  </p:cSld>
+  <p:clrMapOvr>
+    <a:masterClrMapping/>
+  </p:clrMapOvr>
+</p:sld>
+</file>
+
 <file path=ppt/slides/slide2.xml><?xml version="1.0" encoding="utf-8"?>
 <p:sld xmlns:a="http://schemas.openxmlformats.org/drawingml/2006/main" xmlns:r="http://schemas.openxmlformats.org/officeDocument/2006/relationships" xmlns:p="http://schemas.openxmlformats.org/presentationml/2006/main">
   <p:cSld>
@@ -7318,7 +7523,7 @@
           <a:p>
             <a:r>
               <a:rPr lang="en-US" dirty="0"/>
-              <a:t>What?</a:t>
+              <a:t>Overview</a:t>
             </a:r>
           </a:p>
         </p:txBody>
@@ -7494,11 +7699,43 @@
           <a:p>
             <a:r>
               <a:rPr lang="en-US" dirty="0"/>
-              <a:t>Original Data was structured by </a:t>
-            </a:r>
-            <a:r>
-              <a:rPr lang="en-US"/>
-              <a:t>Microsoft Forms</a:t>
+              <a:t>Survey Questions produce the Features of the Data Set</a:t>
+            </a:r>
+          </a:p>
+          <a:p>
+            <a:pPr lvl="1"/>
+            <a:r>
+              <a:rPr lang="en-US" dirty="0"/>
+              <a:t>Survey Outline can be found at: </a:t>
+            </a:r>
+            <a:r>
+              <a:rPr lang="en-US" dirty="0">
+                <a:hlinkClick r:id="rId3"/>
+              </a:rPr>
+              <a:t>https://github.com/sevenwwu/sevenwwu.github.io/blob/main/write-ups/milestone_one_delieverable/surveyoutline.md</a:t>
+            </a:r>
+            <a:r>
+              <a:rPr lang="en-US" dirty="0"/>
+              <a:t> </a:t>
+            </a:r>
+          </a:p>
+          <a:p>
+            <a:r>
+              <a:rPr lang="en-US" dirty="0"/>
+              <a:t>Original Data was structured by Microsoft Forms</a:t>
+            </a:r>
+          </a:p>
+          <a:p>
+            <a:pPr lvl="1"/>
+            <a:r>
+              <a:rPr lang="en-US" dirty="0"/>
+              <a:t>Downloadable .xlsx is available</a:t>
+            </a:r>
+          </a:p>
+          <a:p>
+            <a:r>
+              <a:rPr lang="en-US" dirty="0"/>
+              <a:t>Data was primarily collected by asking random students on Campus</a:t>
             </a:r>
           </a:p>
           <a:p>
@@ -7559,7 +7796,7 @@
           <a:p>
             <a:r>
               <a:rPr lang="en-US" dirty="0"/>
-              <a:t>Description of the data processing</a:t>
+              <a:t>Data Cleaning and Curation</a:t>
             </a:r>
           </a:p>
         </p:txBody>
@@ -7585,7 +7822,40 @@
           <a:bodyPr/>
           <a:lstStyle/>
           <a:p>
-            <a:endParaRPr lang="en-US"/>
+            <a:r>
+              <a:rPr lang="en-US" dirty="0"/>
+              <a:t>Drop Metadata</a:t>
+            </a:r>
+          </a:p>
+          <a:p>
+            <a:r>
+              <a:rPr lang="en-US" dirty="0"/>
+              <a:t>Rename Questions to Concise Field Names</a:t>
+            </a:r>
+          </a:p>
+          <a:p>
+            <a:r>
+              <a:rPr lang="en-US" dirty="0"/>
+              <a:t>Transform Multi-Select Questions</a:t>
+            </a:r>
+          </a:p>
+          <a:p>
+            <a:r>
+              <a:rPr lang="en-US" dirty="0"/>
+              <a:t>Manual Bucketing of Area of Study Freeform Responses</a:t>
+            </a:r>
+          </a:p>
+          <a:p>
+            <a:r>
+              <a:rPr lang="en-US" dirty="0"/>
+              <a:t>Shorten Categorical Strings for Easier Analysis</a:t>
+            </a:r>
+          </a:p>
+          <a:p>
+            <a:r>
+              <a:rPr lang="en-US" dirty="0"/>
+              <a:t>Assign Order to some Categorical Variables</a:t>
+            </a:r>
           </a:p>
         </p:txBody>
       </p:sp>
@@ -7642,7 +7912,7 @@
           <a:p>
             <a:r>
               <a:rPr lang="en-US" dirty="0"/>
-              <a:t>Description of the curated data</a:t>
+              <a:t>Curated Data Feature Outline</a:t>
             </a:r>
           </a:p>
         </p:txBody>
@@ -7663,12 +7933,824 @@
             <p:ph idx="1"/>
           </p:nvPr>
         </p:nvSpPr>
-        <p:spPr/>
-        <p:txBody>
-          <a:bodyPr/>
-          <a:lstStyle/>
-          <a:p>
-            <a:endParaRPr lang="en-US"/>
+        <p:spPr>
+          <a:xfrm>
+            <a:off x="913795" y="1732449"/>
+            <a:ext cx="5182205" cy="4058751"/>
+          </a:xfrm>
+        </p:spPr>
+        <p:txBody>
+          <a:bodyPr>
+            <a:normAutofit/>
+          </a:bodyPr>
+          <a:lstStyle/>
+          <a:p>
+            <a:r>
+              <a:rPr lang="en-US" dirty="0"/>
+              <a:t>Demographic info includes survey responses for:</a:t>
+            </a:r>
+          </a:p>
+          <a:p>
+            <a:pPr lvl="1"/>
+            <a:r>
+              <a:rPr lang="en-US" dirty="0"/>
+              <a:t>Student/Faculty Member Status</a:t>
+            </a:r>
+          </a:p>
+          <a:p>
+            <a:pPr lvl="1"/>
+            <a:r>
+              <a:rPr lang="en-US" dirty="0"/>
+              <a:t>Gender Identity</a:t>
+            </a:r>
+          </a:p>
+          <a:p>
+            <a:pPr lvl="1"/>
+            <a:r>
+              <a:rPr lang="en-US" dirty="0"/>
+              <a:t>Age</a:t>
+            </a:r>
+          </a:p>
+          <a:p>
+            <a:pPr lvl="1"/>
+            <a:r>
+              <a:rPr lang="en-US" dirty="0"/>
+              <a:t>Race</a:t>
+            </a:r>
+          </a:p>
+          <a:p>
+            <a:pPr lvl="1"/>
+            <a:r>
+              <a:rPr lang="en-US" dirty="0"/>
+              <a:t>Employment Status</a:t>
+            </a:r>
+          </a:p>
+          <a:p>
+            <a:pPr lvl="1"/>
+            <a:r>
+              <a:rPr lang="en-US" dirty="0"/>
+              <a:t>Corrective Vision</a:t>
+            </a:r>
+          </a:p>
+          <a:p>
+            <a:pPr lvl="1"/>
+            <a:r>
+              <a:rPr lang="en-US" dirty="0"/>
+              <a:t>Religiosity</a:t>
+            </a:r>
+          </a:p>
+          <a:p>
+            <a:pPr lvl="1"/>
+            <a:r>
+              <a:rPr lang="en-US" dirty="0"/>
+              <a:t>Area of Study</a:t>
+            </a:r>
+          </a:p>
+        </p:txBody>
+      </p:sp>
+      <p:sp>
+        <p:nvSpPr>
+          <p:cNvPr id="4" name="Content Placeholder 2">
+            <a:extLst>
+              <a:ext uri="{FF2B5EF4-FFF2-40B4-BE49-F238E27FC236}">
+                <a16:creationId xmlns:a16="http://schemas.microsoft.com/office/drawing/2014/main" id="{459E8BB9-42BB-676D-B338-365E82C5F3C2}"/>
+              </a:ext>
+            </a:extLst>
+          </p:cNvPr>
+          <p:cNvSpPr txBox="1">
+            <a:spLocks/>
+          </p:cNvSpPr>
+          <p:nvPr/>
+        </p:nvSpPr>
+        <p:spPr>
+          <a:xfrm>
+            <a:off x="6085352" y="1732448"/>
+            <a:ext cx="5182205" cy="4058751"/>
+          </a:xfrm>
+          <a:prstGeom prst="rect">
+            <a:avLst/>
+          </a:prstGeom>
+          <a:effectLst>
+            <a:outerShdw blurRad="25400" dir="17880000">
+              <a:srgbClr val="000000">
+                <a:alpha val="46000"/>
+              </a:srgbClr>
+            </a:outerShdw>
+          </a:effectLst>
+        </p:spPr>
+        <p:txBody>
+          <a:bodyPr vert="horz" lIns="91440" tIns="45720" rIns="91440" bIns="45720" rtlCol="0" anchor="t">
+            <a:normAutofit/>
+          </a:bodyPr>
+          <a:lstStyle>
+            <a:lvl1pPr marL="342900" indent="-306000" algn="l" defTabSz="457200" rtl="0" eaLnBrk="1" latinLnBrk="0" hangingPunct="1">
+              <a:spcBef>
+                <a:spcPct val="20000"/>
+              </a:spcBef>
+              <a:spcAft>
+                <a:spcPts val="600"/>
+              </a:spcAft>
+              <a:buClr>
+                <a:schemeClr val="tx2"/>
+              </a:buClr>
+              <a:buSzPct val="70000"/>
+              <a:buFont typeface="Wingdings 2" charset="2"/>
+              <a:buChar char=""/>
+              <a:defRPr sz="2000" kern="1200">
+                <a:ln>
+                  <a:solidFill>
+                    <a:schemeClr val="bg1">
+                      <a:lumMod val="75000"/>
+                      <a:lumOff val="25000"/>
+                      <a:alpha val="10000"/>
+                    </a:schemeClr>
+                  </a:solidFill>
+                </a:ln>
+                <a:solidFill>
+                  <a:schemeClr val="tx2"/>
+                </a:solidFill>
+                <a:effectLst>
+                  <a:outerShdw blurRad="9525" dist="25400" dir="14640000" algn="tl" rotWithShape="0">
+                    <a:schemeClr val="bg1">
+                      <a:alpha val="30000"/>
+                    </a:schemeClr>
+                  </a:outerShdw>
+                </a:effectLst>
+                <a:latin typeface="+mn-lt"/>
+                <a:ea typeface="+mn-ea"/>
+                <a:cs typeface="+mn-cs"/>
+              </a:defRPr>
+            </a:lvl1pPr>
+            <a:lvl2pPr marL="720000" indent="-270000" algn="l" defTabSz="457200" rtl="0" eaLnBrk="1" latinLnBrk="0" hangingPunct="1">
+              <a:spcBef>
+                <a:spcPct val="20000"/>
+              </a:spcBef>
+              <a:spcAft>
+                <a:spcPts val="600"/>
+              </a:spcAft>
+              <a:buClr>
+                <a:schemeClr val="tx2"/>
+              </a:buClr>
+              <a:buSzPct val="70000"/>
+              <a:buFont typeface="Wingdings 2" charset="2"/>
+              <a:buChar char=""/>
+              <a:defRPr sz="1800" kern="1200">
+                <a:ln>
+                  <a:solidFill>
+                    <a:schemeClr val="bg1">
+                      <a:lumMod val="75000"/>
+                      <a:lumOff val="25000"/>
+                      <a:alpha val="10000"/>
+                    </a:schemeClr>
+                  </a:solidFill>
+                </a:ln>
+                <a:solidFill>
+                  <a:schemeClr val="tx2"/>
+                </a:solidFill>
+                <a:effectLst>
+                  <a:outerShdw blurRad="9525" dist="25400" dir="14640000" algn="tl" rotWithShape="0">
+                    <a:schemeClr val="bg1">
+                      <a:alpha val="30000"/>
+                    </a:schemeClr>
+                  </a:outerShdw>
+                </a:effectLst>
+                <a:latin typeface="+mn-lt"/>
+                <a:ea typeface="+mn-ea"/>
+                <a:cs typeface="+mn-cs"/>
+              </a:defRPr>
+            </a:lvl2pPr>
+            <a:lvl3pPr marL="1026000" indent="-216000" algn="l" defTabSz="457200" rtl="0" eaLnBrk="1" latinLnBrk="0" hangingPunct="1">
+              <a:spcBef>
+                <a:spcPct val="20000"/>
+              </a:spcBef>
+              <a:spcAft>
+                <a:spcPts val="600"/>
+              </a:spcAft>
+              <a:buClr>
+                <a:schemeClr val="tx2"/>
+              </a:buClr>
+              <a:buSzPct val="70000"/>
+              <a:buFont typeface="Wingdings 2" charset="2"/>
+              <a:buChar char=""/>
+              <a:defRPr sz="1600" kern="1200">
+                <a:ln>
+                  <a:solidFill>
+                    <a:schemeClr val="bg1">
+                      <a:lumMod val="75000"/>
+                      <a:lumOff val="25000"/>
+                      <a:alpha val="10000"/>
+                    </a:schemeClr>
+                  </a:solidFill>
+                </a:ln>
+                <a:solidFill>
+                  <a:schemeClr val="tx2"/>
+                </a:solidFill>
+                <a:effectLst>
+                  <a:outerShdw blurRad="9525" dist="25400" dir="14640000" algn="tl" rotWithShape="0">
+                    <a:schemeClr val="bg1">
+                      <a:alpha val="30000"/>
+                    </a:schemeClr>
+                  </a:outerShdw>
+                </a:effectLst>
+                <a:latin typeface="+mn-lt"/>
+                <a:ea typeface="+mn-ea"/>
+                <a:cs typeface="+mn-cs"/>
+              </a:defRPr>
+            </a:lvl3pPr>
+            <a:lvl4pPr marL="1386000" indent="-216000" algn="l" defTabSz="457200" rtl="0" eaLnBrk="1" latinLnBrk="0" hangingPunct="1">
+              <a:spcBef>
+                <a:spcPct val="20000"/>
+              </a:spcBef>
+              <a:spcAft>
+                <a:spcPts val="600"/>
+              </a:spcAft>
+              <a:buClr>
+                <a:schemeClr val="tx2"/>
+              </a:buClr>
+              <a:buSzPct val="70000"/>
+              <a:buFont typeface="Wingdings 2" charset="2"/>
+              <a:buChar char=""/>
+              <a:defRPr sz="1400" kern="1200">
+                <a:ln>
+                  <a:solidFill>
+                    <a:schemeClr val="bg1">
+                      <a:lumMod val="75000"/>
+                      <a:lumOff val="25000"/>
+                      <a:alpha val="10000"/>
+                    </a:schemeClr>
+                  </a:solidFill>
+                </a:ln>
+                <a:solidFill>
+                  <a:schemeClr val="tx2"/>
+                </a:solidFill>
+                <a:effectLst>
+                  <a:outerShdw blurRad="9525" dist="25400" dir="14640000" algn="tl" rotWithShape="0">
+                    <a:schemeClr val="bg1">
+                      <a:alpha val="30000"/>
+                    </a:schemeClr>
+                  </a:outerShdw>
+                </a:effectLst>
+                <a:latin typeface="+mn-lt"/>
+                <a:ea typeface="+mn-ea"/>
+                <a:cs typeface="+mn-cs"/>
+              </a:defRPr>
+            </a:lvl4pPr>
+            <a:lvl5pPr marL="1674000" indent="-216000" algn="l" defTabSz="457200" rtl="0" eaLnBrk="1" latinLnBrk="0" hangingPunct="1">
+              <a:spcBef>
+                <a:spcPct val="20000"/>
+              </a:spcBef>
+              <a:spcAft>
+                <a:spcPts val="600"/>
+              </a:spcAft>
+              <a:buClr>
+                <a:schemeClr val="tx2"/>
+              </a:buClr>
+              <a:buSzPct val="70000"/>
+              <a:buFont typeface="Wingdings 2" charset="2"/>
+              <a:buChar char=""/>
+              <a:defRPr sz="1400" kern="1200">
+                <a:ln>
+                  <a:solidFill>
+                    <a:schemeClr val="bg1">
+                      <a:lumMod val="75000"/>
+                      <a:lumOff val="25000"/>
+                      <a:alpha val="10000"/>
+                    </a:schemeClr>
+                  </a:solidFill>
+                </a:ln>
+                <a:solidFill>
+                  <a:schemeClr val="tx2"/>
+                </a:solidFill>
+                <a:effectLst>
+                  <a:outerShdw blurRad="9525" dist="25400" dir="14640000" algn="tl" rotWithShape="0">
+                    <a:schemeClr val="bg1">
+                      <a:alpha val="30000"/>
+                    </a:schemeClr>
+                  </a:outerShdw>
+                </a:effectLst>
+                <a:latin typeface="+mn-lt"/>
+                <a:ea typeface="+mn-ea"/>
+                <a:cs typeface="+mn-cs"/>
+              </a:defRPr>
+            </a:lvl5pPr>
+            <a:lvl6pPr marL="2014600" indent="-228600" algn="l" defTabSz="457200" rtl="0" eaLnBrk="1" latinLnBrk="0" hangingPunct="1">
+              <a:spcBef>
+                <a:spcPct val="20000"/>
+              </a:spcBef>
+              <a:spcAft>
+                <a:spcPts val="600"/>
+              </a:spcAft>
+              <a:buClr>
+                <a:schemeClr val="tx2"/>
+              </a:buClr>
+              <a:buSzPct val="70000"/>
+              <a:buFont typeface="Wingdings 2" charset="2"/>
+              <a:buChar char=""/>
+              <a:defRPr sz="1400" kern="1200">
+                <a:ln>
+                  <a:solidFill>
+                    <a:schemeClr val="bg1">
+                      <a:lumMod val="75000"/>
+                      <a:lumOff val="25000"/>
+                      <a:alpha val="10000"/>
+                    </a:schemeClr>
+                  </a:solidFill>
+                </a:ln>
+                <a:solidFill>
+                  <a:schemeClr val="tx2"/>
+                </a:solidFill>
+                <a:effectLst>
+                  <a:outerShdw blurRad="9525" dist="25400" dir="14640000" algn="tl" rotWithShape="0">
+                    <a:schemeClr val="bg1">
+                      <a:alpha val="30000"/>
+                    </a:schemeClr>
+                  </a:outerShdw>
+                </a:effectLst>
+                <a:latin typeface="+mn-lt"/>
+                <a:ea typeface="+mn-ea"/>
+                <a:cs typeface="+mn-cs"/>
+              </a:defRPr>
+            </a:lvl6pPr>
+            <a:lvl7pPr marL="2401800" indent="-228600" algn="l" defTabSz="457200" rtl="0" eaLnBrk="1" latinLnBrk="0" hangingPunct="1">
+              <a:spcBef>
+                <a:spcPct val="20000"/>
+              </a:spcBef>
+              <a:spcAft>
+                <a:spcPts val="600"/>
+              </a:spcAft>
+              <a:buClr>
+                <a:schemeClr val="tx2"/>
+              </a:buClr>
+              <a:buSzPct val="70000"/>
+              <a:buFont typeface="Wingdings 2" charset="2"/>
+              <a:buChar char=""/>
+              <a:defRPr sz="1400" kern="1200">
+                <a:ln>
+                  <a:solidFill>
+                    <a:schemeClr val="bg1">
+                      <a:lumMod val="75000"/>
+                      <a:lumOff val="25000"/>
+                      <a:alpha val="10000"/>
+                    </a:schemeClr>
+                  </a:solidFill>
+                </a:ln>
+                <a:solidFill>
+                  <a:schemeClr val="tx2"/>
+                </a:solidFill>
+                <a:effectLst>
+                  <a:outerShdw blurRad="9525" dist="25400" dir="14640000" algn="tl" rotWithShape="0">
+                    <a:schemeClr val="bg1">
+                      <a:alpha val="30000"/>
+                    </a:schemeClr>
+                  </a:outerShdw>
+                </a:effectLst>
+                <a:latin typeface="+mn-lt"/>
+                <a:ea typeface="+mn-ea"/>
+                <a:cs typeface="+mn-cs"/>
+              </a:defRPr>
+            </a:lvl7pPr>
+            <a:lvl8pPr marL="2789000" indent="-228600" algn="l" defTabSz="457200" rtl="0" eaLnBrk="1" latinLnBrk="0" hangingPunct="1">
+              <a:spcBef>
+                <a:spcPct val="20000"/>
+              </a:spcBef>
+              <a:spcAft>
+                <a:spcPts val="600"/>
+              </a:spcAft>
+              <a:buClr>
+                <a:schemeClr val="tx2"/>
+              </a:buClr>
+              <a:buSzPct val="70000"/>
+              <a:buFont typeface="Wingdings 2" charset="2"/>
+              <a:buChar char=""/>
+              <a:defRPr sz="1400" kern="1200">
+                <a:ln>
+                  <a:solidFill>
+                    <a:schemeClr val="bg1">
+                      <a:lumMod val="75000"/>
+                      <a:lumOff val="25000"/>
+                      <a:alpha val="10000"/>
+                    </a:schemeClr>
+                  </a:solidFill>
+                </a:ln>
+                <a:solidFill>
+                  <a:schemeClr val="tx2"/>
+                </a:solidFill>
+                <a:effectLst>
+                  <a:outerShdw blurRad="9525" dist="25400" dir="14640000" algn="tl" rotWithShape="0">
+                    <a:schemeClr val="bg1">
+                      <a:alpha val="30000"/>
+                    </a:schemeClr>
+                  </a:outerShdw>
+                </a:effectLst>
+                <a:latin typeface="+mn-lt"/>
+                <a:ea typeface="+mn-ea"/>
+                <a:cs typeface="+mn-cs"/>
+              </a:defRPr>
+            </a:lvl8pPr>
+            <a:lvl9pPr marL="3106200" indent="-228600" algn="l" defTabSz="457200" rtl="0" eaLnBrk="1" latinLnBrk="0" hangingPunct="1">
+              <a:spcBef>
+                <a:spcPct val="20000"/>
+              </a:spcBef>
+              <a:spcAft>
+                <a:spcPts val="600"/>
+              </a:spcAft>
+              <a:buClr>
+                <a:schemeClr val="tx2"/>
+              </a:buClr>
+              <a:buSzPct val="70000"/>
+              <a:buFont typeface="Wingdings 2" charset="2"/>
+              <a:buChar char=""/>
+              <a:defRPr sz="1400" kern="1200">
+                <a:ln>
+                  <a:solidFill>
+                    <a:schemeClr val="bg1">
+                      <a:lumMod val="75000"/>
+                      <a:lumOff val="25000"/>
+                      <a:alpha val="10000"/>
+                    </a:schemeClr>
+                  </a:solidFill>
+                </a:ln>
+                <a:solidFill>
+                  <a:schemeClr val="tx2"/>
+                </a:solidFill>
+                <a:effectLst>
+                  <a:outerShdw blurRad="9525" dist="25400" dir="14640000" algn="tl" rotWithShape="0">
+                    <a:schemeClr val="bg1">
+                      <a:alpha val="30000"/>
+                    </a:schemeClr>
+                  </a:outerShdw>
+                </a:effectLst>
+                <a:latin typeface="+mn-lt"/>
+                <a:ea typeface="+mn-ea"/>
+                <a:cs typeface="+mn-cs"/>
+              </a:defRPr>
+            </a:lvl9pPr>
+          </a:lstStyle>
+          <a:p>
+            <a:pPr marL="347472" indent="-301752" algn="l" rtl="0" eaLnBrk="1" latinLnBrk="0" hangingPunct="1">
+              <a:spcBef>
+                <a:spcPts val="192"/>
+              </a:spcBef>
+              <a:spcAft>
+                <a:spcPts val="600"/>
+              </a:spcAft>
+              <a:buClr>
+                <a:schemeClr val="tx2"/>
+              </a:buClr>
+              <a:buSzPct val="70000"/>
+              <a:buFont typeface="Wingdings 2" panose="05020102010507070707" pitchFamily="18" charset="2"/>
+              <a:buChar char="±"/>
+            </a:pPr>
+            <a:r>
+              <a:rPr lang="en-US" sz="1800" kern="1200" dirty="0">
+                <a:ln w="9525" cap="flat" cmpd="sng" algn="ctr">
+                  <a:solidFill>
+                    <a:srgbClr val="404040">
+                      <a:alpha val="10000"/>
+                    </a:srgbClr>
+                  </a:solidFill>
+                  <a:prstDash val="solid"/>
+                  <a:round/>
+                </a:ln>
+                <a:solidFill>
+                  <a:srgbClr val="DADADA"/>
+                </a:solidFill>
+                <a:effectLst>
+                  <a:outerShdw blurRad="9525" dist="25400" dir="14640000" algn="tl" rotWithShape="0">
+                    <a:schemeClr val="bg1">
+                      <a:alpha val="30000"/>
+                    </a:schemeClr>
+                  </a:outerShdw>
+                </a:effectLst>
+                <a:latin typeface="Calisto MT" panose="02040603050505030304" pitchFamily="18" charset="0"/>
+                <a:ea typeface="+mn-ea"/>
+                <a:cs typeface="+mn-cs"/>
+              </a:rPr>
+              <a:t>Board Game info includes survey responses for:</a:t>
+            </a:r>
+            <a:endParaRPr lang="en-US" sz="1800" dirty="0">
+              <a:effectLst/>
+            </a:endParaRPr>
+          </a:p>
+          <a:p>
+            <a:pPr marL="722376" indent="-274320" algn="l" rtl="0" eaLnBrk="1" latinLnBrk="0" hangingPunct="1">
+              <a:spcBef>
+                <a:spcPts val="168"/>
+              </a:spcBef>
+              <a:spcAft>
+                <a:spcPts val="600"/>
+              </a:spcAft>
+            </a:pPr>
+            <a:r>
+              <a:rPr lang="en-US" sz="1800" kern="1200" dirty="0">
+                <a:ln w="9525" cap="flat" cmpd="sng" algn="ctr">
+                  <a:solidFill>
+                    <a:srgbClr val="404040">
+                      <a:alpha val="10000"/>
+                    </a:srgbClr>
+                  </a:solidFill>
+                  <a:prstDash val="solid"/>
+                  <a:round/>
+                </a:ln>
+                <a:solidFill>
+                  <a:srgbClr val="DADADA"/>
+                </a:solidFill>
+                <a:effectLst>
+                  <a:outerShdw blurRad="9525" dist="25400" dir="14640000" algn="tl" rotWithShape="0">
+                    <a:schemeClr val="bg1">
+                      <a:alpha val="30000"/>
+                    </a:schemeClr>
+                  </a:outerShdw>
+                </a:effectLst>
+                <a:latin typeface="Calisto MT" panose="02040603050505030304" pitchFamily="18" charset="0"/>
+                <a:ea typeface="+mn-ea"/>
+                <a:cs typeface="+mn-cs"/>
+              </a:rPr>
+              <a:t>Enjoyment of Board Games</a:t>
+            </a:r>
+            <a:endParaRPr lang="en-US" dirty="0">
+              <a:effectLst/>
+            </a:endParaRPr>
+          </a:p>
+          <a:p>
+            <a:pPr marL="722376" indent="-274320" algn="l" rtl="0" eaLnBrk="1" latinLnBrk="0" hangingPunct="1">
+              <a:spcBef>
+                <a:spcPts val="168"/>
+              </a:spcBef>
+              <a:spcAft>
+                <a:spcPts val="600"/>
+              </a:spcAft>
+            </a:pPr>
+            <a:r>
+              <a:rPr lang="en-US" sz="1800" kern="1200" dirty="0">
+                <a:ln w="9525" cap="flat" cmpd="sng" algn="ctr">
+                  <a:solidFill>
+                    <a:srgbClr val="404040">
+                      <a:alpha val="10000"/>
+                    </a:srgbClr>
+                  </a:solidFill>
+                  <a:prstDash val="solid"/>
+                  <a:round/>
+                </a:ln>
+                <a:solidFill>
+                  <a:srgbClr val="DADADA"/>
+                </a:solidFill>
+                <a:effectLst>
+                  <a:outerShdw blurRad="9525" dist="25400" dir="14640000" algn="tl" rotWithShape="0">
+                    <a:schemeClr val="bg1">
+                      <a:alpha val="30000"/>
+                    </a:schemeClr>
+                  </a:outerShdw>
+                </a:effectLst>
+                <a:latin typeface="Calisto MT" panose="02040603050505030304" pitchFamily="18" charset="0"/>
+                <a:ea typeface="+mn-ea"/>
+                <a:cs typeface="+mn-cs"/>
+              </a:rPr>
+              <a:t># of Board Games Owned</a:t>
+            </a:r>
+            <a:endParaRPr lang="en-US" dirty="0">
+              <a:effectLst/>
+            </a:endParaRPr>
+          </a:p>
+          <a:p>
+            <a:pPr marL="722376" indent="-274320" algn="l" rtl="0" eaLnBrk="1" latinLnBrk="0" hangingPunct="1">
+              <a:spcBef>
+                <a:spcPts val="168"/>
+              </a:spcBef>
+              <a:spcAft>
+                <a:spcPts val="600"/>
+              </a:spcAft>
+            </a:pPr>
+            <a:r>
+              <a:rPr lang="en-US" sz="1800" kern="1200" dirty="0">
+                <a:ln w="9525" cap="flat" cmpd="sng" algn="ctr">
+                  <a:solidFill>
+                    <a:srgbClr val="404040">
+                      <a:alpha val="10000"/>
+                    </a:srgbClr>
+                  </a:solidFill>
+                  <a:prstDash val="solid"/>
+                  <a:round/>
+                </a:ln>
+                <a:solidFill>
+                  <a:srgbClr val="DADADA"/>
+                </a:solidFill>
+                <a:effectLst>
+                  <a:outerShdw blurRad="9525" dist="25400" dir="14640000" algn="tl" rotWithShape="0">
+                    <a:schemeClr val="bg1">
+                      <a:alpha val="30000"/>
+                    </a:schemeClr>
+                  </a:outerShdw>
+                </a:effectLst>
+                <a:latin typeface="Calisto MT" panose="02040603050505030304" pitchFamily="18" charset="0"/>
+                <a:ea typeface="+mn-ea"/>
+                <a:cs typeface="+mn-cs"/>
+              </a:rPr>
+              <a:t>Frequency of Board Game Play</a:t>
+            </a:r>
+            <a:endParaRPr lang="en-US" dirty="0">
+              <a:effectLst/>
+            </a:endParaRPr>
+          </a:p>
+          <a:p>
+            <a:pPr marL="722376" indent="-274320" algn="l" rtl="0" eaLnBrk="1" latinLnBrk="0" hangingPunct="1">
+              <a:spcBef>
+                <a:spcPts val="168"/>
+              </a:spcBef>
+              <a:spcAft>
+                <a:spcPts val="600"/>
+              </a:spcAft>
+            </a:pPr>
+            <a:r>
+              <a:rPr lang="en-US" sz="1800" kern="1200" dirty="0">
+                <a:ln w="9525" cap="flat" cmpd="sng" algn="ctr">
+                  <a:solidFill>
+                    <a:srgbClr val="404040">
+                      <a:alpha val="10000"/>
+                    </a:srgbClr>
+                  </a:solidFill>
+                  <a:prstDash val="solid"/>
+                  <a:round/>
+                </a:ln>
+                <a:solidFill>
+                  <a:srgbClr val="DADADA"/>
+                </a:solidFill>
+                <a:effectLst>
+                  <a:outerShdw blurRad="9525" dist="25400" dir="14640000" algn="tl" rotWithShape="0">
+                    <a:schemeClr val="bg1">
+                      <a:alpha val="30000"/>
+                    </a:schemeClr>
+                  </a:outerShdw>
+                </a:effectLst>
+                <a:latin typeface="Calisto MT" panose="02040603050505030304" pitchFamily="18" charset="0"/>
+                <a:ea typeface="+mn-ea"/>
+                <a:cs typeface="+mn-cs"/>
+              </a:rPr>
+              <a:t>Style of Player</a:t>
+            </a:r>
+            <a:endParaRPr lang="en-US" dirty="0">
+              <a:effectLst/>
+            </a:endParaRPr>
+          </a:p>
+          <a:p>
+            <a:pPr marL="722376" indent="-274320" algn="l" rtl="0" eaLnBrk="1" latinLnBrk="0" hangingPunct="1">
+              <a:spcBef>
+                <a:spcPts val="168"/>
+              </a:spcBef>
+              <a:spcAft>
+                <a:spcPts val="600"/>
+              </a:spcAft>
+            </a:pPr>
+            <a:r>
+              <a:rPr lang="en-US" sz="1800" kern="1200" dirty="0">
+                <a:ln w="9525" cap="flat" cmpd="sng" algn="ctr">
+                  <a:solidFill>
+                    <a:srgbClr val="404040">
+                      <a:alpha val="10000"/>
+                    </a:srgbClr>
+                  </a:solidFill>
+                  <a:prstDash val="solid"/>
+                  <a:round/>
+                </a:ln>
+                <a:solidFill>
+                  <a:srgbClr val="DADADA"/>
+                </a:solidFill>
+                <a:effectLst>
+                  <a:outerShdw blurRad="9525" dist="25400" dir="14640000" algn="tl" rotWithShape="0">
+                    <a:schemeClr val="bg1">
+                      <a:alpha val="30000"/>
+                    </a:schemeClr>
+                  </a:outerShdw>
+                </a:effectLst>
+                <a:latin typeface="Calisto MT" panose="02040603050505030304" pitchFamily="18" charset="0"/>
+                <a:ea typeface="+mn-ea"/>
+                <a:cs typeface="+mn-cs"/>
+              </a:rPr>
+              <a:t>Desirable Gameplay Elements</a:t>
+            </a:r>
+            <a:endParaRPr lang="en-US" dirty="0">
+              <a:effectLst/>
+            </a:endParaRPr>
+          </a:p>
+          <a:p>
+            <a:pPr marL="722376" indent="-274320" algn="l" rtl="0" eaLnBrk="1" latinLnBrk="0" hangingPunct="1">
+              <a:spcBef>
+                <a:spcPts val="168"/>
+              </a:spcBef>
+              <a:spcAft>
+                <a:spcPts val="600"/>
+              </a:spcAft>
+            </a:pPr>
+            <a:r>
+              <a:rPr lang="en-US" sz="1800" kern="1200" dirty="0">
+                <a:ln w="9525" cap="flat" cmpd="sng" algn="ctr">
+                  <a:solidFill>
+                    <a:srgbClr val="404040">
+                      <a:alpha val="10000"/>
+                    </a:srgbClr>
+                  </a:solidFill>
+                  <a:prstDash val="solid"/>
+                  <a:round/>
+                </a:ln>
+                <a:solidFill>
+                  <a:srgbClr val="DADADA"/>
+                </a:solidFill>
+                <a:effectLst>
+                  <a:outerShdw blurRad="9525" dist="25400" dir="14640000" algn="tl" rotWithShape="0">
+                    <a:schemeClr val="bg1">
+                      <a:alpha val="30000"/>
+                    </a:schemeClr>
+                  </a:outerShdw>
+                </a:effectLst>
+                <a:latin typeface="Calisto MT" panose="02040603050505030304" pitchFamily="18" charset="0"/>
+                <a:ea typeface="+mn-ea"/>
+                <a:cs typeface="+mn-cs"/>
+              </a:rPr>
+              <a:t>Enjoyed Board Games</a:t>
+            </a:r>
+            <a:endParaRPr lang="en-US" dirty="0">
+              <a:effectLst/>
+            </a:endParaRPr>
+          </a:p>
+          <a:p>
+            <a:pPr marL="722376" indent="-274320" algn="l" rtl="0" eaLnBrk="1" latinLnBrk="0" hangingPunct="1">
+              <a:spcBef>
+                <a:spcPts val="168"/>
+              </a:spcBef>
+              <a:spcAft>
+                <a:spcPts val="600"/>
+              </a:spcAft>
+            </a:pPr>
+            <a:r>
+              <a:rPr lang="en-US" sz="1800" kern="1200" dirty="0">
+                <a:ln w="9525" cap="flat" cmpd="sng" algn="ctr">
+                  <a:solidFill>
+                    <a:srgbClr val="404040">
+                      <a:alpha val="10000"/>
+                    </a:srgbClr>
+                  </a:solidFill>
+                  <a:prstDash val="solid"/>
+                  <a:round/>
+                </a:ln>
+                <a:solidFill>
+                  <a:srgbClr val="DADADA"/>
+                </a:solidFill>
+                <a:effectLst>
+                  <a:outerShdw blurRad="9525" dist="25400" dir="14640000" algn="tl" rotWithShape="0">
+                    <a:schemeClr val="bg1">
+                      <a:alpha val="30000"/>
+                    </a:schemeClr>
+                  </a:outerShdw>
+                </a:effectLst>
+                <a:latin typeface="Calisto MT" panose="02040603050505030304" pitchFamily="18" charset="0"/>
+                <a:ea typeface="+mn-ea"/>
+                <a:cs typeface="+mn-cs"/>
+              </a:rPr>
+              <a:t>Scale Rating of Chess</a:t>
+            </a:r>
+            <a:endParaRPr lang="en-US" dirty="0">
+              <a:effectLst/>
+            </a:endParaRPr>
+          </a:p>
+          <a:p>
+            <a:pPr marL="722376" indent="-274320" algn="l" rtl="0" eaLnBrk="1" latinLnBrk="0" hangingPunct="1">
+              <a:spcBef>
+                <a:spcPts val="168"/>
+              </a:spcBef>
+              <a:spcAft>
+                <a:spcPts val="600"/>
+              </a:spcAft>
+            </a:pPr>
+            <a:r>
+              <a:rPr lang="en-US" sz="1800" kern="1200" dirty="0">
+                <a:ln w="9525" cap="flat" cmpd="sng" algn="ctr">
+                  <a:solidFill>
+                    <a:srgbClr val="404040">
+                      <a:alpha val="10000"/>
+                    </a:srgbClr>
+                  </a:solidFill>
+                  <a:prstDash val="solid"/>
+                  <a:round/>
+                </a:ln>
+                <a:solidFill>
+                  <a:srgbClr val="DADADA"/>
+                </a:solidFill>
+                <a:effectLst>
+                  <a:outerShdw blurRad="9525" dist="25400" dir="14640000" algn="tl" rotWithShape="0">
+                    <a:schemeClr val="bg1">
+                      <a:alpha val="30000"/>
+                    </a:schemeClr>
+                  </a:outerShdw>
+                </a:effectLst>
+                <a:latin typeface="Calisto MT" panose="02040603050505030304" pitchFamily="18" charset="0"/>
+                <a:ea typeface="+mn-ea"/>
+                <a:cs typeface="+mn-cs"/>
+              </a:rPr>
+              <a:t>Desirable Board Game Genres</a:t>
+            </a:r>
+            <a:endParaRPr lang="en-US" dirty="0">
+              <a:effectLst/>
+            </a:endParaRPr>
           </a:p>
         </p:txBody>
       </p:sp>

--- a/write-ups/presentation.pptx
+++ b/write-ups/presentation.pptx
@@ -5,7 +5,7 @@
     <p:sldMasterId id="2147483660" r:id="rId1"/>
   </p:sldMasterIdLst>
   <p:notesMasterIdLst>
-    <p:notesMasterId r:id="rId13"/>
+    <p:notesMasterId r:id="rId15"/>
   </p:notesMasterIdLst>
   <p:sldIdLst>
     <p:sldId id="256" r:id="rId2"/>
@@ -15,10 +15,12 @@
     <p:sldId id="259" r:id="rId6"/>
     <p:sldId id="260" r:id="rId7"/>
     <p:sldId id="261" r:id="rId8"/>
-    <p:sldId id="262" r:id="rId9"/>
-    <p:sldId id="263" r:id="rId10"/>
-    <p:sldId id="264" r:id="rId11"/>
-    <p:sldId id="266" r:id="rId12"/>
+    <p:sldId id="267" r:id="rId9"/>
+    <p:sldId id="268" r:id="rId10"/>
+    <p:sldId id="262" r:id="rId11"/>
+    <p:sldId id="263" r:id="rId12"/>
+    <p:sldId id="264" r:id="rId13"/>
+    <p:sldId id="266" r:id="rId14"/>
   </p:sldIdLst>
   <p:sldSz cx="12192000" cy="6858000"/>
   <p:notesSz cx="6858000" cy="9144000"/>
@@ -207,7 +209,7 @@
           <a:p>
             <a:fld id="{BD82AF91-E7F2-4A39-BC23-24C00B262936}" type="datetimeFigureOut">
               <a:rPr lang="en-US" smtClean="0"/>
-              <a:t>12/4/2023</a:t>
+              <a:t>12/5/2023</a:t>
             </a:fld>
             <a:endParaRPr lang="en-US"/>
           </a:p>
@@ -1165,7 +1167,7 @@
           <a:p>
             <a:fld id="{BE7F38CD-72C9-4398-A24D-7646E8955F77}" type="datetimeFigureOut">
               <a:rPr lang="en-US" smtClean="0"/>
-              <a:t>12/4/2023</a:t>
+              <a:t>12/5/2023</a:t>
             </a:fld>
             <a:endParaRPr lang="en-US"/>
           </a:p>
@@ -1463,7 +1465,7 @@
           <a:p>
             <a:fld id="{BE7F38CD-72C9-4398-A24D-7646E8955F77}" type="datetimeFigureOut">
               <a:rPr lang="en-US" smtClean="0"/>
-              <a:t>12/4/2023</a:t>
+              <a:t>12/5/2023</a:t>
             </a:fld>
             <a:endParaRPr lang="en-US"/>
           </a:p>
@@ -1655,7 +1657,7 @@
           <a:p>
             <a:fld id="{BE7F38CD-72C9-4398-A24D-7646E8955F77}" type="datetimeFigureOut">
               <a:rPr lang="en-US" smtClean="0"/>
-              <a:t>12/4/2023</a:t>
+              <a:t>12/5/2023</a:t>
             </a:fld>
             <a:endParaRPr lang="en-US"/>
           </a:p>
@@ -1916,7 +1918,7 @@
           <a:p>
             <a:fld id="{BE7F38CD-72C9-4398-A24D-7646E8955F77}" type="datetimeFigureOut">
               <a:rPr lang="en-US" smtClean="0"/>
-              <a:t>12/4/2023</a:t>
+              <a:t>12/5/2023</a:t>
             </a:fld>
             <a:endParaRPr lang="en-US"/>
           </a:p>
@@ -2340,7 +2342,7 @@
           <a:p>
             <a:fld id="{BE7F38CD-72C9-4398-A24D-7646E8955F77}" type="datetimeFigureOut">
               <a:rPr lang="en-US" smtClean="0"/>
-              <a:t>12/4/2023</a:t>
+              <a:t>12/5/2023</a:t>
             </a:fld>
             <a:endParaRPr lang="en-US"/>
           </a:p>
@@ -2877,7 +2879,7 @@
           <a:p>
             <a:fld id="{BE7F38CD-72C9-4398-A24D-7646E8955F77}" type="datetimeFigureOut">
               <a:rPr lang="en-US" smtClean="0"/>
-              <a:t>12/4/2023</a:t>
+              <a:t>12/5/2023</a:t>
             </a:fld>
             <a:endParaRPr lang="en-US"/>
           </a:p>
@@ -3741,7 +3743,7 @@
           <a:p>
             <a:fld id="{BE7F38CD-72C9-4398-A24D-7646E8955F77}" type="datetimeFigureOut">
               <a:rPr lang="en-US" smtClean="0"/>
-              <a:t>12/4/2023</a:t>
+              <a:t>12/5/2023</a:t>
             </a:fld>
             <a:endParaRPr lang="en-US"/>
           </a:p>
@@ -3911,7 +3913,7 @@
           <a:p>
             <a:fld id="{BE7F38CD-72C9-4398-A24D-7646E8955F77}" type="datetimeFigureOut">
               <a:rPr lang="en-US" smtClean="0"/>
-              <a:t>12/4/2023</a:t>
+              <a:t>12/5/2023</a:t>
             </a:fld>
             <a:endParaRPr lang="en-US"/>
           </a:p>
@@ -4095,7 +4097,7 @@
           <a:p>
             <a:fld id="{BE7F38CD-72C9-4398-A24D-7646E8955F77}" type="datetimeFigureOut">
               <a:rPr lang="en-US" smtClean="0"/>
-              <a:t>12/4/2023</a:t>
+              <a:t>12/5/2023</a:t>
             </a:fld>
             <a:endParaRPr lang="en-US"/>
           </a:p>
@@ -4265,7 +4267,7 @@
           <a:p>
             <a:fld id="{BE7F38CD-72C9-4398-A24D-7646E8955F77}" type="datetimeFigureOut">
               <a:rPr lang="en-US" smtClean="0"/>
-              <a:t>12/4/2023</a:t>
+              <a:t>12/5/2023</a:t>
             </a:fld>
             <a:endParaRPr lang="en-US"/>
           </a:p>
@@ -4509,7 +4511,7 @@
           <a:p>
             <a:fld id="{BE7F38CD-72C9-4398-A24D-7646E8955F77}" type="datetimeFigureOut">
               <a:rPr lang="en-US" smtClean="0"/>
-              <a:t>12/4/2023</a:t>
+              <a:t>12/5/2023</a:t>
             </a:fld>
             <a:endParaRPr lang="en-US"/>
           </a:p>
@@ -4745,7 +4747,7 @@
           <a:p>
             <a:fld id="{BE7F38CD-72C9-4398-A24D-7646E8955F77}" type="datetimeFigureOut">
               <a:rPr lang="en-US" smtClean="0"/>
-              <a:t>12/4/2023</a:t>
+              <a:t>12/5/2023</a:t>
             </a:fld>
             <a:endParaRPr lang="en-US"/>
           </a:p>
@@ -5211,7 +5213,7 @@
           <a:p>
             <a:fld id="{BE7F38CD-72C9-4398-A24D-7646E8955F77}" type="datetimeFigureOut">
               <a:rPr lang="en-US" smtClean="0"/>
-              <a:t>12/4/2023</a:t>
+              <a:t>12/5/2023</a:t>
             </a:fld>
             <a:endParaRPr lang="en-US"/>
           </a:p>
@@ -5329,7 +5331,7 @@
           <a:p>
             <a:fld id="{BE7F38CD-72C9-4398-A24D-7646E8955F77}" type="datetimeFigureOut">
               <a:rPr lang="en-US" smtClean="0"/>
-              <a:t>12/4/2023</a:t>
+              <a:t>12/5/2023</a:t>
             </a:fld>
             <a:endParaRPr lang="en-US"/>
           </a:p>
@@ -5424,7 +5426,7 @@
           <a:p>
             <a:fld id="{BE7F38CD-72C9-4398-A24D-7646E8955F77}" type="datetimeFigureOut">
               <a:rPr lang="en-US" smtClean="0"/>
-              <a:t>12/4/2023</a:t>
+              <a:t>12/5/2023</a:t>
             </a:fld>
             <a:endParaRPr lang="en-US"/>
           </a:p>
@@ -5679,7 +5681,7 @@
           <a:p>
             <a:fld id="{BE7F38CD-72C9-4398-A24D-7646E8955F77}" type="datetimeFigureOut">
               <a:rPr lang="en-US" smtClean="0"/>
-              <a:t>12/4/2023</a:t>
+              <a:t>12/5/2023</a:t>
             </a:fld>
             <a:endParaRPr lang="en-US"/>
           </a:p>
@@ -5979,7 +5981,7 @@
           <a:p>
             <a:fld id="{BE7F38CD-72C9-4398-A24D-7646E8955F77}" type="datetimeFigureOut">
               <a:rPr lang="en-US" smtClean="0"/>
-              <a:t>12/4/2023</a:t>
+              <a:t>12/5/2023</a:t>
             </a:fld>
             <a:endParaRPr lang="en-US"/>
           </a:p>
@@ -6213,7 +6215,7 @@
           <a:p>
             <a:fld id="{BE7F38CD-72C9-4398-A24D-7646E8955F77}" type="datetimeFigureOut">
               <a:rPr lang="en-US" smtClean="0"/>
-              <a:t>12/4/2023</a:t>
+              <a:t>12/5/2023</a:t>
             </a:fld>
             <a:endParaRPr lang="en-US"/>
           </a:p>
@@ -7182,6 +7184,345 @@
           <p:cNvPr id="2" name="Title 1">
             <a:extLst>
               <a:ext uri="{FF2B5EF4-FFF2-40B4-BE49-F238E27FC236}">
+                <a16:creationId xmlns:a16="http://schemas.microsoft.com/office/drawing/2014/main" id="{BBAAA63C-8CD1-D133-DB84-3FB7E089330D}"/>
+              </a:ext>
+            </a:extLst>
+          </p:cNvPr>
+          <p:cNvSpPr>
+            <a:spLocks noGrp="1"/>
+          </p:cNvSpPr>
+          <p:nvPr>
+            <p:ph type="title"/>
+          </p:nvPr>
+        </p:nvSpPr>
+        <p:spPr/>
+        <p:txBody>
+          <a:bodyPr/>
+          <a:lstStyle/>
+          <a:p>
+            <a:r>
+              <a:rPr lang="en-US" dirty="0"/>
+              <a:t>Classification Predictive Task</a:t>
+            </a:r>
+          </a:p>
+        </p:txBody>
+      </p:sp>
+      <p:sp>
+        <p:nvSpPr>
+          <p:cNvPr id="3" name="Content Placeholder 2">
+            <a:extLst>
+              <a:ext uri="{FF2B5EF4-FFF2-40B4-BE49-F238E27FC236}">
+                <a16:creationId xmlns:a16="http://schemas.microsoft.com/office/drawing/2014/main" id="{8AF03414-BC21-4A22-4442-452C3684DF8C}"/>
+              </a:ext>
+            </a:extLst>
+          </p:cNvPr>
+          <p:cNvSpPr>
+            <a:spLocks noGrp="1"/>
+          </p:cNvSpPr>
+          <p:nvPr>
+            <p:ph idx="1"/>
+          </p:nvPr>
+        </p:nvSpPr>
+        <p:spPr/>
+        <p:txBody>
+          <a:bodyPr>
+            <a:normAutofit lnSpcReduction="10000"/>
+          </a:bodyPr>
+          <a:lstStyle/>
+          <a:p>
+            <a:r>
+              <a:rPr lang="en-US" dirty="0"/>
+              <a:t>Attempt 1: Demographics Predict Board Game Stats</a:t>
+            </a:r>
+          </a:p>
+          <a:p>
+            <a:pPr lvl="1"/>
+            <a:r>
+              <a:rPr lang="en-US" dirty="0"/>
+              <a:t>Insufficient Amount of Data Diversity for Meaningful Results</a:t>
+            </a:r>
+          </a:p>
+          <a:p>
+            <a:pPr lvl="1"/>
+            <a:r>
+              <a:rPr lang="en-US" dirty="0"/>
+              <a:t>Performed Slightly Above Baselines</a:t>
+            </a:r>
+          </a:p>
+          <a:p>
+            <a:r>
+              <a:rPr lang="en-US" dirty="0"/>
+              <a:t>Attempt 2: Board Game Stats Predict Gender</a:t>
+            </a:r>
+          </a:p>
+          <a:p>
+            <a:pPr lvl="1"/>
+            <a:r>
+              <a:rPr lang="en-US" dirty="0"/>
+              <a:t>Significantly Higher Data Depth and Diversity</a:t>
+            </a:r>
+          </a:p>
+          <a:p>
+            <a:pPr lvl="1"/>
+            <a:r>
+              <a:rPr lang="en-US" dirty="0"/>
+              <a:t>X – All Board Game Features ('</a:t>
+            </a:r>
+            <a:r>
+              <a:rPr lang="en-US" dirty="0" err="1"/>
+              <a:t>EnjoysBoardGames</a:t>
+            </a:r>
+            <a:r>
+              <a:rPr lang="en-US" dirty="0"/>
+              <a:t>', '</a:t>
+            </a:r>
+            <a:r>
+              <a:rPr lang="en-US" dirty="0" err="1"/>
+              <a:t>BoardGamesOwned</a:t>
+            </a:r>
+            <a:r>
+              <a:rPr lang="en-US" dirty="0"/>
+              <a:t>’, '</a:t>
+            </a:r>
+            <a:r>
+              <a:rPr lang="en-US" dirty="0" err="1"/>
+              <a:t>FrequencyOfPlay</a:t>
+            </a:r>
+            <a:r>
+              <a:rPr lang="en-US" dirty="0"/>
+              <a:t>', 'Style', '</a:t>
+            </a:r>
+            <a:r>
+              <a:rPr lang="en-US" dirty="0" err="1"/>
+              <a:t>ChessRating</a:t>
+            </a:r>
+            <a:r>
+              <a:rPr lang="en-US" dirty="0"/>
+              <a:t>’, ‘</a:t>
+            </a:r>
+            <a:r>
+              <a:rPr lang="en-US" dirty="0" err="1"/>
+              <a:t>PreferredElements</a:t>
+            </a:r>
+            <a:r>
+              <a:rPr lang="en-US" dirty="0"/>
+              <a:t>’, ‘</a:t>
+            </a:r>
+            <a:r>
+              <a:rPr lang="en-US" dirty="0" err="1"/>
+              <a:t>EnjoyedGenres</a:t>
+            </a:r>
+            <a:r>
+              <a:rPr lang="en-US" dirty="0"/>
+              <a:t>’)</a:t>
+            </a:r>
+          </a:p>
+          <a:p>
+            <a:pPr lvl="1"/>
+            <a:r>
+              <a:rPr lang="en-US" dirty="0"/>
+              <a:t>y – Gender (excluding Non-Binary Responses)</a:t>
+            </a:r>
+          </a:p>
+          <a:p>
+            <a:pPr lvl="1"/>
+            <a:r>
+              <a:rPr lang="en-US" dirty="0"/>
+              <a:t>80/20 – Train/Test Data Splits with 4-Fold Cross Validation</a:t>
+            </a:r>
+          </a:p>
+          <a:p>
+            <a:pPr lvl="1"/>
+            <a:r>
+              <a:rPr lang="en-US" dirty="0"/>
+              <a:t>Accuracy Metric used for Scoring</a:t>
+            </a:r>
+          </a:p>
+          <a:p>
+            <a:pPr lvl="1"/>
+            <a:r>
+              <a:rPr lang="en-US" dirty="0"/>
+              <a:t>Baselines: </a:t>
+            </a:r>
+            <a:r>
+              <a:rPr lang="en-US" dirty="0" err="1"/>
+              <a:t>Most_Frequent</a:t>
+            </a:r>
+            <a:r>
+              <a:rPr lang="en-US" dirty="0"/>
+              <a:t> and Uniform</a:t>
+            </a:r>
+          </a:p>
+        </p:txBody>
+      </p:sp>
+    </p:spTree>
+    <p:extLst>
+      <p:ext uri="{BB962C8B-B14F-4D97-AF65-F5344CB8AC3E}">
+        <p14:creationId xmlns:p14="http://schemas.microsoft.com/office/powerpoint/2010/main" val="3113457664"/>
+      </p:ext>
+    </p:extLst>
+  </p:cSld>
+  <p:clrMapOvr>
+    <a:masterClrMapping/>
+  </p:clrMapOvr>
+</p:sld>
+</file>
+
+<file path=ppt/slides/slide11.xml><?xml version="1.0" encoding="utf-8"?>
+<p:sld xmlns:a="http://schemas.openxmlformats.org/drawingml/2006/main" xmlns:r="http://schemas.openxmlformats.org/officeDocument/2006/relationships" xmlns:p="http://schemas.openxmlformats.org/presentationml/2006/main">
+  <p:cSld>
+    <p:spTree>
+      <p:nvGrpSpPr>
+        <p:cNvPr id="1" name=""/>
+        <p:cNvGrpSpPr/>
+        <p:nvPr/>
+      </p:nvGrpSpPr>
+      <p:grpSpPr>
+        <a:xfrm>
+          <a:off x="0" y="0"/>
+          <a:ext cx="0" cy="0"/>
+          <a:chOff x="0" y="0"/>
+          <a:chExt cx="0" cy="0"/>
+        </a:xfrm>
+      </p:grpSpPr>
+      <p:sp>
+        <p:nvSpPr>
+          <p:cNvPr id="2" name="Title 1">
+            <a:extLst>
+              <a:ext uri="{FF2B5EF4-FFF2-40B4-BE49-F238E27FC236}">
+                <a16:creationId xmlns:a16="http://schemas.microsoft.com/office/drawing/2014/main" id="{A2873436-5E21-6C60-EE6A-CED2E3819F44}"/>
+              </a:ext>
+            </a:extLst>
+          </p:cNvPr>
+          <p:cNvSpPr>
+            <a:spLocks noGrp="1"/>
+          </p:cNvSpPr>
+          <p:nvPr>
+            <p:ph type="title"/>
+          </p:nvPr>
+        </p:nvSpPr>
+        <p:spPr/>
+        <p:txBody>
+          <a:bodyPr/>
+          <a:lstStyle/>
+          <a:p>
+            <a:r>
+              <a:rPr lang="en-US" dirty="0"/>
+              <a:t>Presentation of ML modeling results</a:t>
+            </a:r>
+          </a:p>
+        </p:txBody>
+      </p:sp>
+      <p:sp>
+        <p:nvSpPr>
+          <p:cNvPr id="3" name="Content Placeholder 2">
+            <a:extLst>
+              <a:ext uri="{FF2B5EF4-FFF2-40B4-BE49-F238E27FC236}">
+                <a16:creationId xmlns:a16="http://schemas.microsoft.com/office/drawing/2014/main" id="{77C66682-ED18-7E80-C258-50C4F227D9A1}"/>
+              </a:ext>
+            </a:extLst>
+          </p:cNvPr>
+          <p:cNvSpPr>
+            <a:spLocks noGrp="1"/>
+          </p:cNvSpPr>
+          <p:nvPr>
+            <p:ph idx="1"/>
+          </p:nvPr>
+        </p:nvSpPr>
+        <p:spPr/>
+        <p:txBody>
+          <a:bodyPr/>
+          <a:lstStyle/>
+          <a:p>
+            <a:r>
+              <a:rPr lang="en-US" dirty="0"/>
+              <a:t>After Transforming the Data, Arbitrarily Tested Different Scikit-Learn Models </a:t>
+            </a:r>
+          </a:p>
+          <a:p>
+            <a:r>
+              <a:rPr lang="en-US" dirty="0"/>
+              <a:t>The </a:t>
+            </a:r>
+            <a:r>
+              <a:rPr lang="en-US" dirty="0" err="1"/>
+              <a:t>RandomForestClassifer</a:t>
+            </a:r>
+            <a:r>
+              <a:rPr lang="en-US" dirty="0"/>
+              <a:t> and </a:t>
+            </a:r>
+            <a:r>
+              <a:rPr lang="en-US" dirty="0" err="1"/>
+              <a:t>LogisticRegression</a:t>
+            </a:r>
+            <a:r>
+              <a:rPr lang="en-US" dirty="0"/>
+              <a:t> Models Performed Best</a:t>
+            </a:r>
+          </a:p>
+          <a:p>
+            <a:r>
+              <a:rPr lang="en-US" dirty="0"/>
+              <a:t>Hyper-Parameterized the </a:t>
+            </a:r>
+            <a:r>
+              <a:rPr lang="en-US" dirty="0" err="1"/>
+              <a:t>RandomForestClassifer</a:t>
+            </a:r>
+            <a:r>
+              <a:rPr lang="en-US" dirty="0"/>
+              <a:t> w/ </a:t>
+            </a:r>
+            <a:r>
+              <a:rPr lang="en-US" dirty="0" err="1"/>
+              <a:t>RandomizedSearchCV</a:t>
+            </a:r>
+            <a:endParaRPr lang="en-US" dirty="0"/>
+          </a:p>
+          <a:p>
+            <a:endParaRPr lang="en-US" dirty="0"/>
+          </a:p>
+          <a:p>
+            <a:endParaRPr lang="en-US" dirty="0"/>
+          </a:p>
+        </p:txBody>
+      </p:sp>
+    </p:spTree>
+    <p:extLst>
+      <p:ext uri="{BB962C8B-B14F-4D97-AF65-F5344CB8AC3E}">
+        <p14:creationId xmlns:p14="http://schemas.microsoft.com/office/powerpoint/2010/main" val="1242792112"/>
+      </p:ext>
+    </p:extLst>
+  </p:cSld>
+  <p:clrMapOvr>
+    <a:masterClrMapping/>
+  </p:clrMapOvr>
+</p:sld>
+</file>
+
+<file path=ppt/slides/slide12.xml><?xml version="1.0" encoding="utf-8"?>
+<p:sld xmlns:a="http://schemas.openxmlformats.org/drawingml/2006/main" xmlns:r="http://schemas.openxmlformats.org/officeDocument/2006/relationships" xmlns:p="http://schemas.openxmlformats.org/presentationml/2006/main">
+  <p:cSld>
+    <p:spTree>
+      <p:nvGrpSpPr>
+        <p:cNvPr id="1" name=""/>
+        <p:cNvGrpSpPr/>
+        <p:nvPr/>
+      </p:nvGrpSpPr>
+      <p:grpSpPr>
+        <a:xfrm>
+          <a:off x="0" y="0"/>
+          <a:ext cx="0" cy="0"/>
+          <a:chOff x="0" y="0"/>
+          <a:chExt cx="0" cy="0"/>
+        </a:xfrm>
+      </p:grpSpPr>
+      <p:sp>
+        <p:nvSpPr>
+          <p:cNvPr id="2" name="Title 1">
+            <a:extLst>
+              <a:ext uri="{FF2B5EF4-FFF2-40B4-BE49-F238E27FC236}">
                 <a16:creationId xmlns:a16="http://schemas.microsoft.com/office/drawing/2014/main" id="{B4DE31E7-00BC-3F19-C82E-9A69E2D26E18}"/>
               </a:ext>
             </a:extLst>
@@ -7195,12 +7536,14 @@
         </p:nvSpPr>
         <p:spPr/>
         <p:txBody>
-          <a:bodyPr/>
+          <a:bodyPr>
+            <a:normAutofit/>
+          </a:bodyPr>
           <a:lstStyle/>
           <a:p>
             <a:r>
               <a:rPr lang="en-US" dirty="0"/>
-              <a:t>Future work</a:t>
+              <a:t>Potential Directions with Additional Time</a:t>
             </a:r>
           </a:p>
         </p:txBody>
@@ -7228,14 +7571,23 @@
           <a:p>
             <a:r>
               <a:rPr lang="en-US" dirty="0"/>
-              <a:t>What would you do if you had more time?</a:t>
-            </a:r>
-          </a:p>
-          <a:p>
+              <a:t>Additional Survey</a:t>
+            </a:r>
+          </a:p>
+          <a:p>
+            <a:pPr lvl="1"/>
             <a:r>
               <a:rPr lang="en-US" dirty="0"/>
-              <a:t>How could the analysis be improved or extended? </a:t>
-            </a:r>
+              <a:t>Perhaps Increase Response Total to 500 or 1000</a:t>
+            </a:r>
+          </a:p>
+          <a:p>
+            <a:pPr lvl="1"/>
+            <a:r>
+              <a:rPr lang="en-US"/>
+              <a:t>Allow for </a:t>
+            </a:r>
+            <a:endParaRPr lang="en-US" dirty="0"/>
           </a:p>
         </p:txBody>
       </p:sp>
@@ -7252,7 +7604,7 @@
 </p:sld>
 </file>
 
-<file path=ppt/slides/slide11.xml><?xml version="1.0" encoding="utf-8"?>
+<file path=ppt/slides/slide13.xml><?xml version="1.0" encoding="utf-8"?>
 <p:sld xmlns:a="http://schemas.openxmlformats.org/drawingml/2006/main" xmlns:r="http://schemas.openxmlformats.org/officeDocument/2006/relationships" xmlns:p="http://schemas.openxmlformats.org/presentationml/2006/main">
   <p:cSld>
     <p:spTree>
@@ -7671,7 +8023,7 @@
           <a:p>
             <a:r>
               <a:rPr lang="en-US" dirty="0"/>
-              <a:t>Original Data</a:t>
+              <a:t>Original Data, Data Cleaning, and Curation</a:t>
             </a:r>
           </a:p>
         </p:txBody>
@@ -7692,9 +8044,16 @@
             <p:ph idx="1"/>
           </p:nvPr>
         </p:nvSpPr>
-        <p:spPr/>
-        <p:txBody>
-          <a:bodyPr/>
+        <p:spPr>
+          <a:xfrm>
+            <a:off x="913795" y="1732449"/>
+            <a:ext cx="6834542" cy="4776635"/>
+          </a:xfrm>
+        </p:spPr>
+        <p:txBody>
+          <a:bodyPr>
+            <a:normAutofit fontScale="85000" lnSpcReduction="10000"/>
+          </a:bodyPr>
           <a:lstStyle/>
           <a:p>
             <a:r>
@@ -7737,6 +8096,58 @@
               <a:rPr lang="en-US" dirty="0"/>
               <a:t>Data was primarily collected by asking random students on Campus</a:t>
             </a:r>
+          </a:p>
+          <a:p>
+            <a:r>
+              <a:rPr lang="en-US" dirty="0"/>
+              <a:t>Curation:</a:t>
+            </a:r>
+          </a:p>
+          <a:p>
+            <a:pPr lvl="1"/>
+            <a:r>
+              <a:rPr lang="en-US" dirty="0"/>
+              <a:t>Drop Metadata</a:t>
+            </a:r>
+          </a:p>
+          <a:p>
+            <a:pPr lvl="1"/>
+            <a:r>
+              <a:rPr lang="en-US" dirty="0"/>
+              <a:t>Rename Questions to Concise Field Names</a:t>
+            </a:r>
+          </a:p>
+          <a:p>
+            <a:pPr lvl="1"/>
+            <a:r>
+              <a:rPr lang="en-US" dirty="0"/>
+              <a:t>Transform Multi-Select Questions</a:t>
+            </a:r>
+          </a:p>
+          <a:p>
+            <a:pPr lvl="1"/>
+            <a:r>
+              <a:rPr lang="en-US" dirty="0"/>
+              <a:t>Manual Bucketing of Area of Study Freeform Responses</a:t>
+            </a:r>
+          </a:p>
+          <a:p>
+            <a:pPr lvl="1"/>
+            <a:r>
+              <a:rPr lang="en-US" dirty="0"/>
+              <a:t>Shorten Categorical Strings for Easier Analysis</a:t>
+            </a:r>
+          </a:p>
+          <a:p>
+            <a:pPr lvl="1"/>
+            <a:r>
+              <a:rPr lang="en-US" dirty="0"/>
+              <a:t>Assign Order to some Categorical Variables</a:t>
+            </a:r>
+          </a:p>
+          <a:p>
+            <a:pPr lvl="1"/>
+            <a:endParaRPr lang="en-US" dirty="0"/>
           </a:p>
           <a:p>
             <a:endParaRPr lang="en-US" dirty="0"/>
@@ -8770,6 +9181,14 @@
 <file path=ppt/slides/slide7.xml><?xml version="1.0" encoding="utf-8"?>
 <p:sld xmlns:a="http://schemas.openxmlformats.org/drawingml/2006/main" xmlns:r="http://schemas.openxmlformats.org/officeDocument/2006/relationships" xmlns:p="http://schemas.openxmlformats.org/presentationml/2006/main">
   <p:cSld>
+    <p:bg>
+      <p:bgPr>
+        <a:solidFill>
+          <a:schemeClr val="bg1"/>
+        </a:solidFill>
+        <a:effectLst/>
+      </p:bgPr>
+    </p:bg>
     <p:spTree>
       <p:nvGrpSpPr>
         <p:cNvPr id="1" name=""/>
@@ -8786,6 +9205,66 @@
       </p:grpSpPr>
       <p:sp>
         <p:nvSpPr>
+          <p:cNvPr id="40" name="Rectangle 39">
+            <a:extLst>
+              <a:ext uri="{FF2B5EF4-FFF2-40B4-BE49-F238E27FC236}">
+                <a16:creationId xmlns:a16="http://schemas.microsoft.com/office/drawing/2014/main" id="{95CB840F-8E41-4CA5-B79B-25CC80AD234A}"/>
+              </a:ext>
+              <a:ext uri="{C183D7F6-B498-43B3-948B-1728B52AA6E4}">
+                <adec:decorative xmlns:adec="http://schemas.microsoft.com/office/drawing/2017/decorative" val="1"/>
+              </a:ext>
+            </a:extLst>
+          </p:cNvPr>
+          <p:cNvSpPr>
+            <a:spLocks noGrp="1" noRot="1" noChangeAspect="1" noMove="1" noResize="1" noEditPoints="1" noAdjustHandles="1" noChangeArrowheads="1" noChangeShapeType="1" noTextEdit="1"/>
+          </p:cNvSpPr>
+          <p:nvPr>
+            <p:extLst>
+              <p:ext uri="{386F3935-93C4-4BCD-93E2-E3B085C9AB24}">
+                <p16:designElem xmlns:p16="http://schemas.microsoft.com/office/powerpoint/2015/main" val="1"/>
+              </p:ext>
+            </p:extLst>
+          </p:nvPr>
+        </p:nvSpPr>
+        <p:spPr>
+          <a:xfrm>
+            <a:off x="0" y="0"/>
+            <a:ext cx="12192000" cy="6858000"/>
+          </a:xfrm>
+          <a:prstGeom prst="rect">
+            <a:avLst/>
+          </a:prstGeom>
+          <a:ln>
+            <a:noFill/>
+          </a:ln>
+        </p:spPr>
+        <p:style>
+          <a:lnRef idx="2">
+            <a:schemeClr val="accent1">
+              <a:shade val="50000"/>
+            </a:schemeClr>
+          </a:lnRef>
+          <a:fillRef idx="1003">
+            <a:schemeClr val="dk2"/>
+          </a:fillRef>
+          <a:effectRef idx="0">
+            <a:schemeClr val="accent1"/>
+          </a:effectRef>
+          <a:fontRef idx="minor">
+            <a:schemeClr val="lt1"/>
+          </a:fontRef>
+        </p:style>
+        <p:txBody>
+          <a:bodyPr rtlCol="0" anchor="ctr"/>
+          <a:lstStyle/>
+          <a:p>
+            <a:pPr algn="ctr"/>
+            <a:endParaRPr lang="en-US"/>
+          </a:p>
+        </p:txBody>
+      </p:sp>
+      <p:sp>
+        <p:nvSpPr>
           <p:cNvPr id="2" name="Title 1">
             <a:extLst>
               <a:ext uri="{FF2B5EF4-FFF2-40B4-BE49-F238E27FC236}">
@@ -8800,26 +9279,88 @@
             <p:ph type="title"/>
           </p:nvPr>
         </p:nvSpPr>
-        <p:spPr/>
-        <p:txBody>
-          <a:bodyPr>
-            <a:normAutofit fontScale="90000"/>
+        <p:spPr>
+          <a:xfrm>
+            <a:off x="913795" y="609600"/>
+            <a:ext cx="3078749" cy="970450"/>
+          </a:xfrm>
+        </p:spPr>
+        <p:txBody>
+          <a:bodyPr anchor="b">
+            <a:normAutofit/>
           </a:bodyPr>
           <a:lstStyle/>
           <a:p>
-            <a:r>
-              <a:rPr lang="en-US" dirty="0"/>
-              <a:t>Presentation of methods and results from exploratory data analysis</a:t>
-            </a:r>
-          </a:p>
-        </p:txBody>
-      </p:sp>
-      <p:sp>
-        <p:nvSpPr>
-          <p:cNvPr id="3" name="Content Placeholder 2">
+            <a:pPr algn="l">
+              <a:lnSpc>
+                <a:spcPct val="90000"/>
+              </a:lnSpc>
+            </a:pPr>
+            <a:r>
+              <a:rPr lang="en-US" sz="2000">
+                <a:ln>
+                  <a:solidFill>
+                    <a:srgbClr val="404040">
+                      <a:alpha val="10000"/>
+                    </a:srgbClr>
+                  </a:solidFill>
+                </a:ln>
+                <a:solidFill>
+                  <a:srgbClr val="DADADA"/>
+                </a:solidFill>
+              </a:rPr>
+              <a:t>Exploratory Data Analysis:</a:t>
+            </a:r>
+            <a:br>
+              <a:rPr lang="en-US" sz="2000">
+                <a:ln>
+                  <a:solidFill>
+                    <a:srgbClr val="404040">
+                      <a:alpha val="10000"/>
+                    </a:srgbClr>
+                  </a:solidFill>
+                </a:ln>
+                <a:solidFill>
+                  <a:srgbClr val="DADADA"/>
+                </a:solidFill>
+              </a:rPr>
+            </a:br>
+            <a:r>
+              <a:rPr lang="en-US" sz="2000">
+                <a:ln>
+                  <a:solidFill>
+                    <a:srgbClr val="404040">
+                      <a:alpha val="10000"/>
+                    </a:srgbClr>
+                  </a:solidFill>
+                </a:ln>
+                <a:solidFill>
+                  <a:srgbClr val="DADADA"/>
+                </a:solidFill>
+              </a:rPr>
+              <a:t>Concepts/Approaches</a:t>
+            </a:r>
+            <a:endParaRPr lang="en-US" sz="2000" dirty="0">
+              <a:ln>
+                <a:solidFill>
+                  <a:srgbClr val="404040">
+                    <a:alpha val="10000"/>
+                  </a:srgbClr>
+                </a:solidFill>
+              </a:ln>
+              <a:solidFill>
+                <a:srgbClr val="DADADA"/>
+              </a:solidFill>
+            </a:endParaRPr>
+          </a:p>
+        </p:txBody>
+      </p:sp>
+      <p:sp>
+        <p:nvSpPr>
+          <p:cNvPr id="19" name="Content Placeholder 12">
             <a:extLst>
               <a:ext uri="{FF2B5EF4-FFF2-40B4-BE49-F238E27FC236}">
-                <a16:creationId xmlns:a16="http://schemas.microsoft.com/office/drawing/2014/main" id="{448CD8AB-3EFD-B856-15AA-E9BA1FF26896}"/>
+                <a16:creationId xmlns:a16="http://schemas.microsoft.com/office/drawing/2014/main" id="{9825B844-9985-6367-830B-4E07C54E1081}"/>
               </a:ext>
             </a:extLst>
           </p:cNvPr>
@@ -8830,15 +9371,179 @@
             <p:ph idx="1"/>
           </p:nvPr>
         </p:nvSpPr>
-        <p:spPr/>
-        <p:txBody>
-          <a:bodyPr/>
-          <a:lstStyle/>
-          <a:p>
-            <a:endParaRPr lang="en-US"/>
-          </a:p>
-        </p:txBody>
-      </p:sp>
+        <p:spPr>
+          <a:xfrm>
+            <a:off x="913795" y="1732449"/>
+            <a:ext cx="3078749" cy="4482084"/>
+          </a:xfrm>
+        </p:spPr>
+        <p:txBody>
+          <a:bodyPr anchor="t">
+            <a:normAutofit/>
+          </a:bodyPr>
+          <a:lstStyle/>
+          <a:p>
+            <a:pPr>
+              <a:buClr>
+                <a:srgbClr val="E88834"/>
+              </a:buClr>
+            </a:pPr>
+            <a:r>
+              <a:rPr lang="en-US" sz="1600" dirty="0">
+                <a:ln>
+                  <a:solidFill>
+                    <a:srgbClr val="404040">
+                      <a:alpha val="10000"/>
+                    </a:srgbClr>
+                  </a:solidFill>
+                </a:ln>
+                <a:solidFill>
+                  <a:srgbClr val="DADADA"/>
+                </a:solidFill>
+              </a:rPr>
+              <a:t>Developed Functions to Sift through the Feature Rich Data</a:t>
+            </a:r>
+          </a:p>
+          <a:p>
+            <a:pPr lvl="1">
+              <a:buClr>
+                <a:srgbClr val="E88834"/>
+              </a:buClr>
+            </a:pPr>
+            <a:r>
+              <a:rPr lang="en-US" sz="1400" dirty="0">
+                <a:ln>
+                  <a:solidFill>
+                    <a:srgbClr val="404040">
+                      <a:alpha val="10000"/>
+                    </a:srgbClr>
+                  </a:solidFill>
+                </a:ln>
+                <a:solidFill>
+                  <a:srgbClr val="DADADA"/>
+                </a:solidFill>
+              </a:rPr>
+              <a:t>Produce Normalized Bar Plots for Many Combinations of Features</a:t>
+            </a:r>
+          </a:p>
+          <a:p>
+            <a:pPr lvl="1">
+              <a:buClr>
+                <a:srgbClr val="E88834"/>
+              </a:buClr>
+            </a:pPr>
+            <a:r>
+              <a:rPr lang="en-US" sz="1400" dirty="0">
+                <a:ln>
+                  <a:solidFill>
+                    <a:srgbClr val="404040">
+                      <a:alpha val="10000"/>
+                    </a:srgbClr>
+                  </a:solidFill>
+                </a:ln>
+                <a:solidFill>
+                  <a:srgbClr val="DADADA"/>
+                </a:solidFill>
+              </a:rPr>
+              <a:t>“Other”-</a:t>
+            </a:r>
+            <a:r>
+              <a:rPr lang="en-US" sz="1400" dirty="0" err="1">
+                <a:ln>
+                  <a:solidFill>
+                    <a:srgbClr val="404040">
+                      <a:alpha val="10000"/>
+                    </a:srgbClr>
+                  </a:solidFill>
+                </a:ln>
+                <a:solidFill>
+                  <a:srgbClr val="DADADA"/>
+                </a:solidFill>
+              </a:rPr>
+              <a:t>ing</a:t>
+            </a:r>
+            <a:r>
+              <a:rPr lang="en-US" sz="1400" dirty="0">
+                <a:ln>
+                  <a:solidFill>
+                    <a:srgbClr val="404040">
+                      <a:alpha val="10000"/>
+                    </a:srgbClr>
+                  </a:solidFill>
+                </a:ln>
+                <a:solidFill>
+                  <a:srgbClr val="DADADA"/>
+                </a:solidFill>
+              </a:rPr>
+              <a:t> function for grouping low response categories for better visualization</a:t>
+            </a:r>
+          </a:p>
+          <a:p>
+            <a:pPr>
+              <a:buClr>
+                <a:srgbClr val="E88834"/>
+              </a:buClr>
+            </a:pPr>
+            <a:r>
+              <a:rPr lang="en-US" sz="1600" dirty="0">
+                <a:ln>
+                  <a:solidFill>
+                    <a:srgbClr val="404040">
+                      <a:alpha val="10000"/>
+                    </a:srgbClr>
+                  </a:solidFill>
+                </a:ln>
+                <a:solidFill>
+                  <a:srgbClr val="DADADA"/>
+                </a:solidFill>
+              </a:rPr>
+              <a:t>Employed Clustering to discover highly-dimensional patterns</a:t>
+            </a:r>
+            <a:endParaRPr lang="en-US" sz="1400" dirty="0">
+              <a:ln>
+                <a:solidFill>
+                  <a:srgbClr val="404040">
+                    <a:alpha val="10000"/>
+                  </a:srgbClr>
+                </a:solidFill>
+              </a:ln>
+              <a:solidFill>
+                <a:srgbClr val="DADADA"/>
+              </a:solidFill>
+            </a:endParaRPr>
+          </a:p>
+        </p:txBody>
+      </p:sp>
+      <p:pic>
+        <p:nvPicPr>
+          <p:cNvPr id="11" name="Picture 10">
+            <a:extLst>
+              <a:ext uri="{FF2B5EF4-FFF2-40B4-BE49-F238E27FC236}">
+                <a16:creationId xmlns:a16="http://schemas.microsoft.com/office/drawing/2014/main" id="{2FF22D82-FA11-50E3-0C8F-265B45BEFE66}"/>
+              </a:ext>
+            </a:extLst>
+          </p:cNvPr>
+          <p:cNvPicPr>
+            <a:picLocks noChangeAspect="1"/>
+          </p:cNvPicPr>
+          <p:nvPr/>
+        </p:nvPicPr>
+        <p:blipFill>
+          <a:blip r:embed="rId2"/>
+          <a:stretch>
+            <a:fillRect/>
+          </a:stretch>
+        </p:blipFill>
+        <p:spPr>
+          <a:xfrm>
+            <a:off x="4906339" y="747215"/>
+            <a:ext cx="6642193" cy="5363569"/>
+          </a:xfrm>
+          <a:prstGeom prst="rect">
+            <a:avLst/>
+          </a:prstGeom>
+        </p:spPr>
+      </p:pic>
     </p:spTree>
     <p:extLst>
       <p:ext uri="{BB962C8B-B14F-4D97-AF65-F5344CB8AC3E}">
@@ -8847,7 +9552,7 @@
     </p:extLst>
   </p:cSld>
   <p:clrMapOvr>
-    <a:masterClrMapping/>
+    <a:overrideClrMapping bg1="lt1" tx1="dk1" bg2="lt2" tx2="dk2" accent1="accent1" accent2="accent2" accent3="accent3" accent4="accent4" accent5="accent5" accent6="accent6" hlink="hlink" folHlink="folHlink"/>
   </p:clrMapOvr>
 </p:sld>
 </file>
@@ -8874,7 +9579,7 @@
           <p:cNvPr id="2" name="Title 1">
             <a:extLst>
               <a:ext uri="{FF2B5EF4-FFF2-40B4-BE49-F238E27FC236}">
-                <a16:creationId xmlns:a16="http://schemas.microsoft.com/office/drawing/2014/main" id="{BBAAA63C-8CD1-D133-DB84-3FB7E089330D}"/>
+                <a16:creationId xmlns:a16="http://schemas.microsoft.com/office/drawing/2014/main" id="{56BE8B42-884F-A127-F785-060B2432FACC}"/>
               </a:ext>
             </a:extLst>
           </p:cNvPr>
@@ -8892,7 +9597,7 @@
           <a:p>
             <a:r>
               <a:rPr lang="en-US" dirty="0"/>
-              <a:t>Presentation of set up for machine learning</a:t>
+              <a:t>Exploratory Analysis: Discoveries</a:t>
             </a:r>
           </a:p>
         </p:txBody>
@@ -8902,7 +9607,7 @@
           <p:cNvPr id="3" name="Content Placeholder 2">
             <a:extLst>
               <a:ext uri="{FF2B5EF4-FFF2-40B4-BE49-F238E27FC236}">
-                <a16:creationId xmlns:a16="http://schemas.microsoft.com/office/drawing/2014/main" id="{8AF03414-BC21-4A22-4442-452C3684DF8C}"/>
+                <a16:creationId xmlns:a16="http://schemas.microsoft.com/office/drawing/2014/main" id="{D4648559-3A05-D807-3E4C-061E69B7E948}"/>
               </a:ext>
             </a:extLst>
           </p:cNvPr>
@@ -8918,35 +9623,14 @@
           <a:bodyPr/>
           <a:lstStyle/>
           <a:p>
-            <a:r>
-              <a:rPr lang="en-US" dirty="0"/>
-              <a:t>What are X, and y for your ML model?</a:t>
-            </a:r>
-          </a:p>
-          <a:p>
-            <a:r>
-              <a:rPr lang="en-US" dirty="0"/>
-              <a:t>What are your data splits?</a:t>
-            </a:r>
-          </a:p>
-          <a:p>
-            <a:r>
-              <a:rPr lang="en-US" dirty="0"/>
-              <a:t>What are your evaluation metrics?</a:t>
-            </a:r>
-          </a:p>
-          <a:p>
-            <a:r>
-              <a:rPr lang="en-US" dirty="0"/>
-              <a:t>What is your baseline?</a:t>
-            </a:r>
+            <a:endParaRPr lang="en-US"/>
           </a:p>
         </p:txBody>
       </p:sp>
     </p:spTree>
     <p:extLst>
       <p:ext uri="{BB962C8B-B14F-4D97-AF65-F5344CB8AC3E}">
-        <p14:creationId xmlns:p14="http://schemas.microsoft.com/office/powerpoint/2010/main" val="3113457664"/>
+        <p14:creationId xmlns:p14="http://schemas.microsoft.com/office/powerpoint/2010/main" val="3869431455"/>
       </p:ext>
     </p:extLst>
   </p:cSld>
@@ -8978,7 +9662,7 @@
           <p:cNvPr id="2" name="Title 1">
             <a:extLst>
               <a:ext uri="{FF2B5EF4-FFF2-40B4-BE49-F238E27FC236}">
-                <a16:creationId xmlns:a16="http://schemas.microsoft.com/office/drawing/2014/main" id="{A2873436-5E21-6C60-EE6A-CED2E3819F44}"/>
+                <a16:creationId xmlns:a16="http://schemas.microsoft.com/office/drawing/2014/main" id="{3766D2DA-9541-0022-30F6-736821CCA193}"/>
               </a:ext>
             </a:extLst>
           </p:cNvPr>
@@ -8996,7 +9680,7 @@
           <a:p>
             <a:r>
               <a:rPr lang="en-US" dirty="0"/>
-              <a:t>Presentation of ML modeling results</a:t>
+              <a:t>Exploratory Analysis: Clustering</a:t>
             </a:r>
           </a:p>
         </p:txBody>
@@ -9006,7 +9690,7 @@
           <p:cNvPr id="3" name="Content Placeholder 2">
             <a:extLst>
               <a:ext uri="{FF2B5EF4-FFF2-40B4-BE49-F238E27FC236}">
-                <a16:creationId xmlns:a16="http://schemas.microsoft.com/office/drawing/2014/main" id="{77C66682-ED18-7E80-C258-50C4F227D9A1}"/>
+                <a16:creationId xmlns:a16="http://schemas.microsoft.com/office/drawing/2014/main" id="{593CE243-1019-2AA9-D5BD-8528586A4050}"/>
               </a:ext>
             </a:extLst>
           </p:cNvPr>
@@ -9022,29 +9706,14 @@
           <a:bodyPr/>
           <a:lstStyle/>
           <a:p>
-            <a:r>
-              <a:rPr lang="en-US" dirty="0"/>
-              <a:t>Enumerate algorithms, techniques applied to find best ML performance</a:t>
-            </a:r>
-          </a:p>
-          <a:p>
-            <a:r>
-              <a:rPr lang="en-US" dirty="0"/>
-              <a:t>Present results of ML models</a:t>
-            </a:r>
-          </a:p>
-          <a:p>
-            <a:r>
-              <a:rPr lang="en-US" dirty="0"/>
-              <a:t>Present any analysis of ML model result</a:t>
-            </a:r>
+            <a:endParaRPr lang="en-US"/>
           </a:p>
         </p:txBody>
       </p:sp>
     </p:spTree>
     <p:extLst>
       <p:ext uri="{BB962C8B-B14F-4D97-AF65-F5344CB8AC3E}">
-        <p14:creationId xmlns:p14="http://schemas.microsoft.com/office/powerpoint/2010/main" val="1242792112"/>
+        <p14:creationId xmlns:p14="http://schemas.microsoft.com/office/powerpoint/2010/main" val="3525398260"/>
       </p:ext>
     </p:extLst>
   </p:cSld>

--- a/write-ups/presentation.pptx
+++ b/write-ups/presentation.pptx
@@ -16,7 +16,7 @@
     <p:sldId id="260" r:id="rId7"/>
     <p:sldId id="261" r:id="rId8"/>
     <p:sldId id="267" r:id="rId9"/>
-    <p:sldId id="268" r:id="rId10"/>
+    <p:sldId id="269" r:id="rId10"/>
     <p:sldId id="262" r:id="rId11"/>
     <p:sldId id="263" r:id="rId12"/>
     <p:sldId id="264" r:id="rId13"/>
@@ -209,7 +209,7 @@
           <a:p>
             <a:fld id="{BD82AF91-E7F2-4A39-BC23-24C00B262936}" type="datetimeFigureOut">
               <a:rPr lang="en-US" smtClean="0"/>
-              <a:t>12/5/2023</a:t>
+              <a:t>12/7/2023</a:t>
             </a:fld>
             <a:endParaRPr lang="en-US"/>
           </a:p>
@@ -1167,7 +1167,7 @@
           <a:p>
             <a:fld id="{BE7F38CD-72C9-4398-A24D-7646E8955F77}" type="datetimeFigureOut">
               <a:rPr lang="en-US" smtClean="0"/>
-              <a:t>12/5/2023</a:t>
+              <a:t>12/7/2023</a:t>
             </a:fld>
             <a:endParaRPr lang="en-US"/>
           </a:p>
@@ -1465,7 +1465,7 @@
           <a:p>
             <a:fld id="{BE7F38CD-72C9-4398-A24D-7646E8955F77}" type="datetimeFigureOut">
               <a:rPr lang="en-US" smtClean="0"/>
-              <a:t>12/5/2023</a:t>
+              <a:t>12/7/2023</a:t>
             </a:fld>
             <a:endParaRPr lang="en-US"/>
           </a:p>
@@ -1657,7 +1657,7 @@
           <a:p>
             <a:fld id="{BE7F38CD-72C9-4398-A24D-7646E8955F77}" type="datetimeFigureOut">
               <a:rPr lang="en-US" smtClean="0"/>
-              <a:t>12/5/2023</a:t>
+              <a:t>12/7/2023</a:t>
             </a:fld>
             <a:endParaRPr lang="en-US"/>
           </a:p>
@@ -1918,7 +1918,7 @@
           <a:p>
             <a:fld id="{BE7F38CD-72C9-4398-A24D-7646E8955F77}" type="datetimeFigureOut">
               <a:rPr lang="en-US" smtClean="0"/>
-              <a:t>12/5/2023</a:t>
+              <a:t>12/7/2023</a:t>
             </a:fld>
             <a:endParaRPr lang="en-US"/>
           </a:p>
@@ -2342,7 +2342,7 @@
           <a:p>
             <a:fld id="{BE7F38CD-72C9-4398-A24D-7646E8955F77}" type="datetimeFigureOut">
               <a:rPr lang="en-US" smtClean="0"/>
-              <a:t>12/5/2023</a:t>
+              <a:t>12/7/2023</a:t>
             </a:fld>
             <a:endParaRPr lang="en-US"/>
           </a:p>
@@ -2879,7 +2879,7 @@
           <a:p>
             <a:fld id="{BE7F38CD-72C9-4398-A24D-7646E8955F77}" type="datetimeFigureOut">
               <a:rPr lang="en-US" smtClean="0"/>
-              <a:t>12/5/2023</a:t>
+              <a:t>12/7/2023</a:t>
             </a:fld>
             <a:endParaRPr lang="en-US"/>
           </a:p>
@@ -3743,7 +3743,7 @@
           <a:p>
             <a:fld id="{BE7F38CD-72C9-4398-A24D-7646E8955F77}" type="datetimeFigureOut">
               <a:rPr lang="en-US" smtClean="0"/>
-              <a:t>12/5/2023</a:t>
+              <a:t>12/7/2023</a:t>
             </a:fld>
             <a:endParaRPr lang="en-US"/>
           </a:p>
@@ -3913,7 +3913,7 @@
           <a:p>
             <a:fld id="{BE7F38CD-72C9-4398-A24D-7646E8955F77}" type="datetimeFigureOut">
               <a:rPr lang="en-US" smtClean="0"/>
-              <a:t>12/5/2023</a:t>
+              <a:t>12/7/2023</a:t>
             </a:fld>
             <a:endParaRPr lang="en-US"/>
           </a:p>
@@ -4097,7 +4097,7 @@
           <a:p>
             <a:fld id="{BE7F38CD-72C9-4398-A24D-7646E8955F77}" type="datetimeFigureOut">
               <a:rPr lang="en-US" smtClean="0"/>
-              <a:t>12/5/2023</a:t>
+              <a:t>12/7/2023</a:t>
             </a:fld>
             <a:endParaRPr lang="en-US"/>
           </a:p>
@@ -4267,7 +4267,7 @@
           <a:p>
             <a:fld id="{BE7F38CD-72C9-4398-A24D-7646E8955F77}" type="datetimeFigureOut">
               <a:rPr lang="en-US" smtClean="0"/>
-              <a:t>12/5/2023</a:t>
+              <a:t>12/7/2023</a:t>
             </a:fld>
             <a:endParaRPr lang="en-US"/>
           </a:p>
@@ -4511,7 +4511,7 @@
           <a:p>
             <a:fld id="{BE7F38CD-72C9-4398-A24D-7646E8955F77}" type="datetimeFigureOut">
               <a:rPr lang="en-US" smtClean="0"/>
-              <a:t>12/5/2023</a:t>
+              <a:t>12/7/2023</a:t>
             </a:fld>
             <a:endParaRPr lang="en-US"/>
           </a:p>
@@ -4747,7 +4747,7 @@
           <a:p>
             <a:fld id="{BE7F38CD-72C9-4398-A24D-7646E8955F77}" type="datetimeFigureOut">
               <a:rPr lang="en-US" smtClean="0"/>
-              <a:t>12/5/2023</a:t>
+              <a:t>12/7/2023</a:t>
             </a:fld>
             <a:endParaRPr lang="en-US"/>
           </a:p>
@@ -5213,7 +5213,7 @@
           <a:p>
             <a:fld id="{BE7F38CD-72C9-4398-A24D-7646E8955F77}" type="datetimeFigureOut">
               <a:rPr lang="en-US" smtClean="0"/>
-              <a:t>12/5/2023</a:t>
+              <a:t>12/7/2023</a:t>
             </a:fld>
             <a:endParaRPr lang="en-US"/>
           </a:p>
@@ -5331,7 +5331,7 @@
           <a:p>
             <a:fld id="{BE7F38CD-72C9-4398-A24D-7646E8955F77}" type="datetimeFigureOut">
               <a:rPr lang="en-US" smtClean="0"/>
-              <a:t>12/5/2023</a:t>
+              <a:t>12/7/2023</a:t>
             </a:fld>
             <a:endParaRPr lang="en-US"/>
           </a:p>
@@ -5426,7 +5426,7 @@
           <a:p>
             <a:fld id="{BE7F38CD-72C9-4398-A24D-7646E8955F77}" type="datetimeFigureOut">
               <a:rPr lang="en-US" smtClean="0"/>
-              <a:t>12/5/2023</a:t>
+              <a:t>12/7/2023</a:t>
             </a:fld>
             <a:endParaRPr lang="en-US"/>
           </a:p>
@@ -5681,7 +5681,7 @@
           <a:p>
             <a:fld id="{BE7F38CD-72C9-4398-A24D-7646E8955F77}" type="datetimeFigureOut">
               <a:rPr lang="en-US" smtClean="0"/>
-              <a:t>12/5/2023</a:t>
+              <a:t>12/7/2023</a:t>
             </a:fld>
             <a:endParaRPr lang="en-US"/>
           </a:p>
@@ -5981,7 +5981,7 @@
           <a:p>
             <a:fld id="{BE7F38CD-72C9-4398-A24D-7646E8955F77}" type="datetimeFigureOut">
               <a:rPr lang="en-US" smtClean="0"/>
-              <a:t>12/5/2023</a:t>
+              <a:t>12/7/2023</a:t>
             </a:fld>
             <a:endParaRPr lang="en-US"/>
           </a:p>
@@ -6215,7 +6215,7 @@
           <a:p>
             <a:fld id="{BE7F38CD-72C9-4398-A24D-7646E8955F77}" type="datetimeFigureOut">
               <a:rPr lang="en-US" smtClean="0"/>
-              <a:t>12/5/2023</a:t>
+              <a:t>12/7/2023</a:t>
             </a:fld>
             <a:endParaRPr lang="en-US"/>
           </a:p>
@@ -9590,9 +9590,16 @@
             <p:ph type="title"/>
           </p:nvPr>
         </p:nvSpPr>
-        <p:spPr/>
-        <p:txBody>
-          <a:bodyPr/>
+        <p:spPr>
+          <a:xfrm>
+            <a:off x="913795" y="609600"/>
+            <a:ext cx="5116286" cy="970450"/>
+          </a:xfrm>
+        </p:spPr>
+        <p:txBody>
+          <a:bodyPr>
+            <a:normAutofit fontScale="90000"/>
+          </a:bodyPr>
           <a:lstStyle/>
           <a:p>
             <a:r>
@@ -9618,15 +9625,76 @@
             <p:ph idx="1"/>
           </p:nvPr>
         </p:nvSpPr>
-        <p:spPr/>
-        <p:txBody>
-          <a:bodyPr/>
+        <p:spPr>
+          <a:xfrm>
+            <a:off x="913795" y="1732449"/>
+            <a:ext cx="4681462" cy="4515951"/>
+          </a:xfrm>
+        </p:spPr>
+        <p:txBody>
+          <a:bodyPr>
+            <a:normAutofit/>
+          </a:bodyPr>
           <a:lstStyle/>
           <a:p>
-            <a:endParaRPr lang="en-US"/>
-          </a:p>
-        </p:txBody>
-      </p:sp>
+            <a:r>
+              <a:rPr lang="en-US" dirty="0"/>
+              <a:t>Out of demographic information, only gender showed clear patterns</a:t>
+            </a:r>
+          </a:p>
+          <a:p>
+            <a:pPr lvl="1"/>
+            <a:r>
+              <a:rPr lang="en-US" dirty="0"/>
+              <a:t>Respondents identifying as women more likely than men to rate enjoyment of chess as 1 or 2</a:t>
+            </a:r>
+          </a:p>
+          <a:p>
+            <a:pPr lvl="1"/>
+            <a:r>
+              <a:rPr lang="en-US" dirty="0"/>
+              <a:t>Respondents identifying as women more significantly more likely than men to select puzzle, party, memory, and luck-based as enjoyed genres</a:t>
+            </a:r>
+          </a:p>
+          <a:p>
+            <a:pPr lvl="1"/>
+            <a:r>
+              <a:rPr lang="en-US" dirty="0"/>
+              <a:t>Respondents identifying as male were significantly more likely than women to select science fiction and World War II as enjoyed genres</a:t>
+            </a:r>
+          </a:p>
+        </p:txBody>
+      </p:sp>
+      <p:pic>
+        <p:nvPicPr>
+          <p:cNvPr id="4" name="Picture 3" descr="A graph with blue and orange lines&#10;&#10;Description automatically generated">
+            <a:extLst>
+              <a:ext uri="{FF2B5EF4-FFF2-40B4-BE49-F238E27FC236}">
+                <a16:creationId xmlns:a16="http://schemas.microsoft.com/office/drawing/2014/main" id="{C453A0F1-5051-5B39-F6CF-FE93701AB6EA}"/>
+              </a:ext>
+            </a:extLst>
+          </p:cNvPr>
+          <p:cNvPicPr>
+            <a:picLocks noChangeAspect="1"/>
+          </p:cNvPicPr>
+          <p:nvPr/>
+        </p:nvPicPr>
+        <p:blipFill>
+          <a:blip r:embed="rId2"/>
+          <a:stretch>
+            <a:fillRect/>
+          </a:stretch>
+        </p:blipFill>
+        <p:spPr>
+          <a:xfrm>
+            <a:off x="6291942" y="916499"/>
+            <a:ext cx="5116286" cy="5025002"/>
+          </a:xfrm>
+          <a:prstGeom prst="rect">
+            <a:avLst/>
+          </a:prstGeom>
+        </p:spPr>
+      </p:pic>
     </p:spTree>
     <p:extLst>
       <p:ext uri="{BB962C8B-B14F-4D97-AF65-F5344CB8AC3E}">
@@ -9662,7 +9730,7 @@
           <p:cNvPr id="2" name="Title 1">
             <a:extLst>
               <a:ext uri="{FF2B5EF4-FFF2-40B4-BE49-F238E27FC236}">
-                <a16:creationId xmlns:a16="http://schemas.microsoft.com/office/drawing/2014/main" id="{3766D2DA-9541-0022-30F6-736821CCA193}"/>
+                <a16:creationId xmlns:a16="http://schemas.microsoft.com/office/drawing/2014/main" id="{0F2AA240-A71D-2E4E-AAA8-B93FFFBDC08A}"/>
               </a:ext>
             </a:extLst>
           </p:cNvPr>
@@ -9673,11 +9741,19 @@
             <p:ph type="title"/>
           </p:nvPr>
         </p:nvSpPr>
-        <p:spPr/>
-        <p:txBody>
-          <a:bodyPr/>
+        <p:spPr>
+          <a:xfrm>
+            <a:off x="119137" y="83843"/>
+            <a:ext cx="6292549" cy="1661111"/>
+          </a:xfrm>
+        </p:spPr>
+        <p:txBody>
+          <a:bodyPr>
+            <a:normAutofit/>
+          </a:bodyPr>
           <a:lstStyle/>
           <a:p>
+            <a:pPr algn="l"/>
             <a:r>
               <a:rPr lang="en-US" dirty="0"/>
               <a:t>Exploratory Analysis: Clustering</a:t>
@@ -9690,7 +9766,7 @@
           <p:cNvPr id="3" name="Content Placeholder 2">
             <a:extLst>
               <a:ext uri="{FF2B5EF4-FFF2-40B4-BE49-F238E27FC236}">
-                <a16:creationId xmlns:a16="http://schemas.microsoft.com/office/drawing/2014/main" id="{593CE243-1019-2AA9-D5BD-8528586A4050}"/>
+                <a16:creationId xmlns:a16="http://schemas.microsoft.com/office/drawing/2014/main" id="{1CA7C232-EF36-84EB-F250-FCF9DB871151}"/>
               </a:ext>
             </a:extLst>
           </p:cNvPr>
@@ -9701,19 +9777,197 @@
             <p:ph idx="1"/>
           </p:nvPr>
         </p:nvSpPr>
-        <p:spPr/>
-        <p:txBody>
-          <a:bodyPr/>
+        <p:spPr>
+          <a:xfrm>
+            <a:off x="119138" y="1744955"/>
+            <a:ext cx="4877405" cy="4058751"/>
+          </a:xfrm>
+        </p:spPr>
+        <p:txBody>
+          <a:bodyPr>
+            <a:normAutofit fontScale="92500" lnSpcReduction="10000"/>
+          </a:bodyPr>
           <a:lstStyle/>
           <a:p>
-            <a:endParaRPr lang="en-US"/>
-          </a:p>
-        </p:txBody>
-      </p:sp>
+            <a:r>
+              <a:rPr lang="en-US" dirty="0"/>
+              <a:t>Clustering showed clear patterns for two distinct groups of people</a:t>
+            </a:r>
+          </a:p>
+          <a:p>
+            <a:pPr lvl="1"/>
+            <a:r>
+              <a:rPr lang="en-US" dirty="0"/>
+              <a:t>Casual/non-gamers and more involved gamers</a:t>
+            </a:r>
+          </a:p>
+          <a:p>
+            <a:r>
+              <a:rPr lang="en-US" dirty="0"/>
+              <a:t>Compared to the casual group, the involved gamers:</a:t>
+            </a:r>
+          </a:p>
+          <a:p>
+            <a:pPr lvl="1"/>
+            <a:r>
+              <a:rPr lang="en-US" dirty="0"/>
+              <a:t>Owned more board games</a:t>
+            </a:r>
+          </a:p>
+          <a:p>
+            <a:pPr lvl="1"/>
+            <a:r>
+              <a:rPr lang="en-US" dirty="0"/>
+              <a:t>Were more willing to play different types of games depending on the situation</a:t>
+            </a:r>
+          </a:p>
+          <a:p>
+            <a:pPr lvl="1"/>
+            <a:r>
+              <a:rPr lang="en-US" dirty="0"/>
+              <a:t>Were more likely enjoy any given category of genre and gameplay element</a:t>
+            </a:r>
+          </a:p>
+          <a:p>
+            <a:pPr lvl="1"/>
+            <a:r>
+              <a:rPr lang="en-US" dirty="0"/>
+              <a:t>Suggests a broader range of tastes than the more casual group</a:t>
+            </a:r>
+          </a:p>
+        </p:txBody>
+      </p:sp>
+      <p:pic>
+        <p:nvPicPr>
+          <p:cNvPr id="8" name="Picture 7" descr="A graph of a bar chart&#10;&#10;Description automatically generated">
+            <a:extLst>
+              <a:ext uri="{FF2B5EF4-FFF2-40B4-BE49-F238E27FC236}">
+                <a16:creationId xmlns:a16="http://schemas.microsoft.com/office/drawing/2014/main" id="{D8EB1D11-84A8-36DA-D233-FCFE46D8F3CD}"/>
+              </a:ext>
+            </a:extLst>
+          </p:cNvPr>
+          <p:cNvPicPr>
+            <a:picLocks noChangeAspect="1"/>
+          </p:cNvPicPr>
+          <p:nvPr/>
+        </p:nvPicPr>
+        <p:blipFill>
+          <a:blip r:embed="rId2"/>
+          <a:stretch>
+            <a:fillRect/>
+          </a:stretch>
+        </p:blipFill>
+        <p:spPr>
+          <a:xfrm>
+            <a:off x="4930415" y="-30493"/>
+            <a:ext cx="3940234" cy="3459493"/>
+          </a:xfrm>
+          <a:prstGeom prst="rect">
+            <a:avLst/>
+          </a:prstGeom>
+        </p:spPr>
+      </p:pic>
+      <p:pic>
+        <p:nvPicPr>
+          <p:cNvPr id="9" name="Picture 8" descr="A graph of blue and orange bars&#10;&#10;Description automatically generated">
+            <a:extLst>
+              <a:ext uri="{FF2B5EF4-FFF2-40B4-BE49-F238E27FC236}">
+                <a16:creationId xmlns:a16="http://schemas.microsoft.com/office/drawing/2014/main" id="{0C197D14-66EC-75B5-7497-A93EA8827855}"/>
+              </a:ext>
+            </a:extLst>
+          </p:cNvPr>
+          <p:cNvPicPr>
+            <a:picLocks noChangeAspect="1"/>
+          </p:cNvPicPr>
+          <p:nvPr/>
+        </p:nvPicPr>
+        <p:blipFill>
+          <a:blip r:embed="rId3"/>
+          <a:stretch>
+            <a:fillRect/>
+          </a:stretch>
+        </p:blipFill>
+        <p:spPr>
+          <a:xfrm>
+            <a:off x="8728360" y="0"/>
+            <a:ext cx="3463640" cy="3456979"/>
+          </a:xfrm>
+          <a:prstGeom prst="rect">
+            <a:avLst/>
+          </a:prstGeom>
+        </p:spPr>
+      </p:pic>
+      <p:pic>
+        <p:nvPicPr>
+          <p:cNvPr id="10" name="Content Placeholder 4" descr="A graph with different colored bars&#10;&#10;Description automatically generated">
+            <a:extLst>
+              <a:ext uri="{FF2B5EF4-FFF2-40B4-BE49-F238E27FC236}">
+                <a16:creationId xmlns:a16="http://schemas.microsoft.com/office/drawing/2014/main" id="{4DDACEF2-E1C5-D4D7-12DD-B44724692B02}"/>
+              </a:ext>
+            </a:extLst>
+          </p:cNvPr>
+          <p:cNvPicPr>
+            <a:picLocks noChangeAspect="1"/>
+          </p:cNvPicPr>
+          <p:nvPr/>
+        </p:nvPicPr>
+        <p:blipFill>
+          <a:blip r:embed="rId4"/>
+          <a:stretch>
+            <a:fillRect/>
+          </a:stretch>
+        </p:blipFill>
+        <p:spPr>
+          <a:xfrm>
+            <a:off x="4930415" y="3428997"/>
+            <a:ext cx="3797943" cy="3429000"/>
+          </a:xfrm>
+          <a:prstGeom prst="rect">
+            <a:avLst/>
+          </a:prstGeom>
+          <a:effectLst>
+            <a:outerShdw blurRad="25400" dir="17880000">
+              <a:srgbClr val="000000">
+                <a:alpha val="46000"/>
+              </a:srgbClr>
+            </a:outerShdw>
+          </a:effectLst>
+        </p:spPr>
+      </p:pic>
+      <p:pic>
+        <p:nvPicPr>
+          <p:cNvPr id="11" name="Picture 10" descr="A graph of different colored lines&#10;&#10;Description automatically generated with medium confidence">
+            <a:extLst>
+              <a:ext uri="{FF2B5EF4-FFF2-40B4-BE49-F238E27FC236}">
+                <a16:creationId xmlns:a16="http://schemas.microsoft.com/office/drawing/2014/main" id="{44F83DDB-64C5-56F2-3E9F-F697D2D9151D}"/>
+              </a:ext>
+            </a:extLst>
+          </p:cNvPr>
+          <p:cNvPicPr>
+            <a:picLocks noChangeAspect="1"/>
+          </p:cNvPicPr>
+          <p:nvPr/>
+        </p:nvPicPr>
+        <p:blipFill>
+          <a:blip r:embed="rId5"/>
+          <a:stretch>
+            <a:fillRect/>
+          </a:stretch>
+        </p:blipFill>
+        <p:spPr>
+          <a:xfrm>
+            <a:off x="8728359" y="3456567"/>
+            <a:ext cx="3463641" cy="3401843"/>
+          </a:xfrm>
+          <a:prstGeom prst="rect">
+            <a:avLst/>
+          </a:prstGeom>
+        </p:spPr>
+      </p:pic>
     </p:spTree>
     <p:extLst>
       <p:ext uri="{BB962C8B-B14F-4D97-AF65-F5344CB8AC3E}">
-        <p14:creationId xmlns:p14="http://schemas.microsoft.com/office/powerpoint/2010/main" val="3525398260"/>
+        <p14:creationId xmlns:p14="http://schemas.microsoft.com/office/powerpoint/2010/main" val="3753848281"/>
       </p:ext>
     </p:extLst>
   </p:cSld>

--- a/write-ups/presentation.pptx
+++ b/write-ups/presentation.pptx
@@ -5,22 +5,26 @@
     <p:sldMasterId id="2147483660" r:id="rId1"/>
   </p:sldMasterIdLst>
   <p:notesMasterIdLst>
-    <p:notesMasterId r:id="rId15"/>
+    <p:notesMasterId r:id="rId19"/>
   </p:notesMasterIdLst>
   <p:sldIdLst>
     <p:sldId id="256" r:id="rId2"/>
     <p:sldId id="257" r:id="rId3"/>
     <p:sldId id="265" r:id="rId4"/>
     <p:sldId id="258" r:id="rId5"/>
-    <p:sldId id="259" r:id="rId6"/>
-    <p:sldId id="260" r:id="rId7"/>
-    <p:sldId id="261" r:id="rId8"/>
-    <p:sldId id="267" r:id="rId9"/>
-    <p:sldId id="268" r:id="rId10"/>
-    <p:sldId id="262" r:id="rId11"/>
-    <p:sldId id="263" r:id="rId12"/>
-    <p:sldId id="264" r:id="rId13"/>
-    <p:sldId id="266" r:id="rId14"/>
+    <p:sldId id="260" r:id="rId6"/>
+    <p:sldId id="261" r:id="rId7"/>
+    <p:sldId id="267" r:id="rId8"/>
+    <p:sldId id="271" r:id="rId9"/>
+    <p:sldId id="272" r:id="rId10"/>
+    <p:sldId id="273" r:id="rId11"/>
+    <p:sldId id="274" r:id="rId12"/>
+    <p:sldId id="268" r:id="rId13"/>
+    <p:sldId id="269" r:id="rId14"/>
+    <p:sldId id="262" r:id="rId15"/>
+    <p:sldId id="263" r:id="rId16"/>
+    <p:sldId id="264" r:id="rId17"/>
+    <p:sldId id="266" r:id="rId18"/>
   </p:sldIdLst>
   <p:sldSz cx="12192000" cy="6858000"/>
   <p:notesSz cx="6858000" cy="9144000"/>
@@ -209,7 +213,7 @@
           <a:p>
             <a:fld id="{BD82AF91-E7F2-4A39-BC23-24C00B262936}" type="datetimeFigureOut">
               <a:rPr lang="en-US" smtClean="0"/>
-              <a:t>12/5/2023</a:t>
+              <a:t>12/7/2023</a:t>
             </a:fld>
             <a:endParaRPr lang="en-US"/>
           </a:p>
@@ -910,38 +914,6 @@
           <a:bodyPr/>
           <a:lstStyle/>
           <a:p>
-            <a:pPr algn="l">
-              <a:buFont typeface="Arial" panose="020B0604020202020204" pitchFamily="34" charset="0"/>
-              <a:buNone/>
-            </a:pPr>
-            <a:r>
-              <a:rPr lang="en-US" b="0" i="0" dirty="0">
-                <a:solidFill>
-                  <a:srgbClr val="C4BFB7"/>
-                </a:solidFill>
-                <a:effectLst/>
-                <a:latin typeface="Lato Extended"/>
-              </a:rPr>
-              <a:t>Description of the data processing</a:t>
-            </a:r>
-          </a:p>
-          <a:p>
-            <a:pPr algn="l">
-              <a:buFont typeface="Arial" panose="020B0604020202020204" pitchFamily="34" charset="0"/>
-              <a:buNone/>
-            </a:pPr>
-            <a:r>
-              <a:rPr lang="en-US" b="0" i="0" dirty="0">
-                <a:solidFill>
-                  <a:srgbClr val="C4BFB7"/>
-                </a:solidFill>
-                <a:effectLst/>
-                <a:latin typeface="Lato Extended"/>
-              </a:rPr>
-              <a:t>Description of the curated data</a:t>
-            </a:r>
-          </a:p>
-          <a:p>
             <a:endParaRPr lang="en-US" dirty="0"/>
           </a:p>
         </p:txBody>
@@ -963,7 +935,7 @@
           <a:p>
             <a:fld id="{8793C440-CB3B-49CE-807A-74AE90D71E23}" type="slidenum">
               <a:rPr lang="en-US" smtClean="0"/>
-              <a:t>5</a:t>
+              <a:t>13</a:t>
             </a:fld>
             <a:endParaRPr lang="en-US"/>
           </a:p>
@@ -972,7 +944,7 @@
     </p:spTree>
     <p:extLst>
       <p:ext uri="{BB962C8B-B14F-4D97-AF65-F5344CB8AC3E}">
-        <p14:creationId xmlns:p14="http://schemas.microsoft.com/office/powerpoint/2010/main" val="1702362099"/>
+        <p14:creationId xmlns:p14="http://schemas.microsoft.com/office/powerpoint/2010/main" val="1033802734"/>
       </p:ext>
     </p:extLst>
   </p:cSld>
@@ -1167,7 +1139,7 @@
           <a:p>
             <a:fld id="{BE7F38CD-72C9-4398-A24D-7646E8955F77}" type="datetimeFigureOut">
               <a:rPr lang="en-US" smtClean="0"/>
-              <a:t>12/5/2023</a:t>
+              <a:t>12/7/2023</a:t>
             </a:fld>
             <a:endParaRPr lang="en-US"/>
           </a:p>
@@ -1465,7 +1437,7 @@
           <a:p>
             <a:fld id="{BE7F38CD-72C9-4398-A24D-7646E8955F77}" type="datetimeFigureOut">
               <a:rPr lang="en-US" smtClean="0"/>
-              <a:t>12/5/2023</a:t>
+              <a:t>12/7/2023</a:t>
             </a:fld>
             <a:endParaRPr lang="en-US"/>
           </a:p>
@@ -1657,7 +1629,7 @@
           <a:p>
             <a:fld id="{BE7F38CD-72C9-4398-A24D-7646E8955F77}" type="datetimeFigureOut">
               <a:rPr lang="en-US" smtClean="0"/>
-              <a:t>12/5/2023</a:t>
+              <a:t>12/7/2023</a:t>
             </a:fld>
             <a:endParaRPr lang="en-US"/>
           </a:p>
@@ -1918,7 +1890,7 @@
           <a:p>
             <a:fld id="{BE7F38CD-72C9-4398-A24D-7646E8955F77}" type="datetimeFigureOut">
               <a:rPr lang="en-US" smtClean="0"/>
-              <a:t>12/5/2023</a:t>
+              <a:t>12/7/2023</a:t>
             </a:fld>
             <a:endParaRPr lang="en-US"/>
           </a:p>
@@ -2342,7 +2314,7 @@
           <a:p>
             <a:fld id="{BE7F38CD-72C9-4398-A24D-7646E8955F77}" type="datetimeFigureOut">
               <a:rPr lang="en-US" smtClean="0"/>
-              <a:t>12/5/2023</a:t>
+              <a:t>12/7/2023</a:t>
             </a:fld>
             <a:endParaRPr lang="en-US"/>
           </a:p>
@@ -2879,7 +2851,7 @@
           <a:p>
             <a:fld id="{BE7F38CD-72C9-4398-A24D-7646E8955F77}" type="datetimeFigureOut">
               <a:rPr lang="en-US" smtClean="0"/>
-              <a:t>12/5/2023</a:t>
+              <a:t>12/7/2023</a:t>
             </a:fld>
             <a:endParaRPr lang="en-US"/>
           </a:p>
@@ -3743,7 +3715,7 @@
           <a:p>
             <a:fld id="{BE7F38CD-72C9-4398-A24D-7646E8955F77}" type="datetimeFigureOut">
               <a:rPr lang="en-US" smtClean="0"/>
-              <a:t>12/5/2023</a:t>
+              <a:t>12/7/2023</a:t>
             </a:fld>
             <a:endParaRPr lang="en-US"/>
           </a:p>
@@ -3913,7 +3885,7 @@
           <a:p>
             <a:fld id="{BE7F38CD-72C9-4398-A24D-7646E8955F77}" type="datetimeFigureOut">
               <a:rPr lang="en-US" smtClean="0"/>
-              <a:t>12/5/2023</a:t>
+              <a:t>12/7/2023</a:t>
             </a:fld>
             <a:endParaRPr lang="en-US"/>
           </a:p>
@@ -4097,7 +4069,7 @@
           <a:p>
             <a:fld id="{BE7F38CD-72C9-4398-A24D-7646E8955F77}" type="datetimeFigureOut">
               <a:rPr lang="en-US" smtClean="0"/>
-              <a:t>12/5/2023</a:t>
+              <a:t>12/7/2023</a:t>
             </a:fld>
             <a:endParaRPr lang="en-US"/>
           </a:p>
@@ -4267,7 +4239,7 @@
           <a:p>
             <a:fld id="{BE7F38CD-72C9-4398-A24D-7646E8955F77}" type="datetimeFigureOut">
               <a:rPr lang="en-US" smtClean="0"/>
-              <a:t>12/5/2023</a:t>
+              <a:t>12/7/2023</a:t>
             </a:fld>
             <a:endParaRPr lang="en-US"/>
           </a:p>
@@ -4511,7 +4483,7 @@
           <a:p>
             <a:fld id="{BE7F38CD-72C9-4398-A24D-7646E8955F77}" type="datetimeFigureOut">
               <a:rPr lang="en-US" smtClean="0"/>
-              <a:t>12/5/2023</a:t>
+              <a:t>12/7/2023</a:t>
             </a:fld>
             <a:endParaRPr lang="en-US"/>
           </a:p>
@@ -4747,7 +4719,7 @@
           <a:p>
             <a:fld id="{BE7F38CD-72C9-4398-A24D-7646E8955F77}" type="datetimeFigureOut">
               <a:rPr lang="en-US" smtClean="0"/>
-              <a:t>12/5/2023</a:t>
+              <a:t>12/7/2023</a:t>
             </a:fld>
             <a:endParaRPr lang="en-US"/>
           </a:p>
@@ -5213,7 +5185,7 @@
           <a:p>
             <a:fld id="{BE7F38CD-72C9-4398-A24D-7646E8955F77}" type="datetimeFigureOut">
               <a:rPr lang="en-US" smtClean="0"/>
-              <a:t>12/5/2023</a:t>
+              <a:t>12/7/2023</a:t>
             </a:fld>
             <a:endParaRPr lang="en-US"/>
           </a:p>
@@ -5331,7 +5303,7 @@
           <a:p>
             <a:fld id="{BE7F38CD-72C9-4398-A24D-7646E8955F77}" type="datetimeFigureOut">
               <a:rPr lang="en-US" smtClean="0"/>
-              <a:t>12/5/2023</a:t>
+              <a:t>12/7/2023</a:t>
             </a:fld>
             <a:endParaRPr lang="en-US"/>
           </a:p>
@@ -5426,7 +5398,7 @@
           <a:p>
             <a:fld id="{BE7F38CD-72C9-4398-A24D-7646E8955F77}" type="datetimeFigureOut">
               <a:rPr lang="en-US" smtClean="0"/>
-              <a:t>12/5/2023</a:t>
+              <a:t>12/7/2023</a:t>
             </a:fld>
             <a:endParaRPr lang="en-US"/>
           </a:p>
@@ -5681,7 +5653,7 @@
           <a:p>
             <a:fld id="{BE7F38CD-72C9-4398-A24D-7646E8955F77}" type="datetimeFigureOut">
               <a:rPr lang="en-US" smtClean="0"/>
-              <a:t>12/5/2023</a:t>
+              <a:t>12/7/2023</a:t>
             </a:fld>
             <a:endParaRPr lang="en-US"/>
           </a:p>
@@ -5981,7 +5953,7 @@
           <a:p>
             <a:fld id="{BE7F38CD-72C9-4398-A24D-7646E8955F77}" type="datetimeFigureOut">
               <a:rPr lang="en-US" smtClean="0"/>
-              <a:t>12/5/2023</a:t>
+              <a:t>12/7/2023</a:t>
             </a:fld>
             <a:endParaRPr lang="en-US"/>
           </a:p>
@@ -6215,7 +6187,7 @@
           <a:p>
             <a:fld id="{BE7F38CD-72C9-4398-A24D-7646E8955F77}" type="datetimeFigureOut">
               <a:rPr lang="en-US" smtClean="0"/>
-              <a:t>12/5/2023</a:t>
+              <a:t>12/7/2023</a:t>
             </a:fld>
             <a:endParaRPr lang="en-US"/>
           </a:p>
@@ -6975,7 +6947,7 @@
         </p:spPr>
         <p:txBody>
           <a:bodyPr vert="horz" lIns="91440" tIns="45720" rIns="91440" bIns="45720" rtlCol="0">
-            <a:normAutofit/>
+            <a:normAutofit lnSpcReduction="10000"/>
           </a:bodyPr>
           <a:lstStyle>
             <a:lvl1pPr marL="0" indent="0" algn="ctr" defTabSz="914400" rtl="0" eaLnBrk="1" latinLnBrk="0" hangingPunct="1">
@@ -7145,6 +7117,12 @@
             <a:r>
               <a:rPr lang="en-US" dirty="0"/>
               <a:t>By: Dario Leyva-Brown, Marie Lawler, Seven Lewis</a:t>
+            </a:r>
+          </a:p>
+          <a:p>
+            <a:r>
+              <a:rPr lang="en-US" dirty="0"/>
+              <a:t>Group 9</a:t>
             </a:r>
           </a:p>
         </p:txBody>
@@ -7184,7 +7162,7 @@
           <p:cNvPr id="2" name="Title 1">
             <a:extLst>
               <a:ext uri="{FF2B5EF4-FFF2-40B4-BE49-F238E27FC236}">
-                <a16:creationId xmlns:a16="http://schemas.microsoft.com/office/drawing/2014/main" id="{BBAAA63C-8CD1-D133-DB84-3FB7E089330D}"/>
+                <a16:creationId xmlns:a16="http://schemas.microsoft.com/office/drawing/2014/main" id="{56BE8B42-884F-A127-F785-060B2432FACC}"/>
               </a:ext>
             </a:extLst>
           </p:cNvPr>
@@ -7195,170 +7173,65 @@
             <p:ph type="title"/>
           </p:nvPr>
         </p:nvSpPr>
-        <p:spPr/>
-        <p:txBody>
-          <a:bodyPr/>
+        <p:spPr>
+          <a:xfrm>
+            <a:off x="913795" y="609600"/>
+            <a:ext cx="4388360" cy="970450"/>
+          </a:xfrm>
+        </p:spPr>
+        <p:txBody>
+          <a:bodyPr>
+            <a:normAutofit/>
+          </a:bodyPr>
           <a:lstStyle/>
           <a:p>
             <a:r>
               <a:rPr lang="en-US" dirty="0"/>
-              <a:t>Classification Predictive Task</a:t>
-            </a:r>
-          </a:p>
-        </p:txBody>
-      </p:sp>
-      <p:sp>
-        <p:nvSpPr>
-          <p:cNvPr id="3" name="Content Placeholder 2">
+              <a:t>Discoveries (4/5)</a:t>
+            </a:r>
+          </a:p>
+        </p:txBody>
+      </p:sp>
+      <p:sp>
+        <p:nvSpPr>
+          <p:cNvPr id="4" name="TextBox 3">
             <a:extLst>
               <a:ext uri="{FF2B5EF4-FFF2-40B4-BE49-F238E27FC236}">
-                <a16:creationId xmlns:a16="http://schemas.microsoft.com/office/drawing/2014/main" id="{8AF03414-BC21-4A22-4442-452C3684DF8C}"/>
+                <a16:creationId xmlns:a16="http://schemas.microsoft.com/office/drawing/2014/main" id="{647C5E28-73D9-622E-04E3-CD82DD686780}"/>
               </a:ext>
             </a:extLst>
           </p:cNvPr>
-          <p:cNvSpPr>
-            <a:spLocks noGrp="1"/>
-          </p:cNvSpPr>
-          <p:nvPr>
-            <p:ph idx="1"/>
-          </p:nvPr>
-        </p:nvSpPr>
-        <p:spPr/>
-        <p:txBody>
-          <a:bodyPr>
-            <a:normAutofit lnSpcReduction="10000"/>
+          <p:cNvSpPr txBox="1"/>
+          <p:nvPr/>
+        </p:nvSpPr>
+        <p:spPr>
+          <a:xfrm>
+            <a:off x="913795" y="609600"/>
+            <a:ext cx="2504661" cy="369332"/>
+          </a:xfrm>
+          <a:prstGeom prst="rect">
+            <a:avLst/>
+          </a:prstGeom>
+          <a:noFill/>
+        </p:spPr>
+        <p:txBody>
+          <a:bodyPr wrap="square" rtlCol="0">
+            <a:spAutoFit/>
           </a:bodyPr>
           <a:lstStyle/>
           <a:p>
             <a:r>
-              <a:rPr lang="en-US" dirty="0"/>
-              <a:t>Attempt 1: Demographics Predict Board Game Stats</a:t>
-            </a:r>
-          </a:p>
-          <a:p>
-            <a:pPr lvl="1"/>
-            <a:r>
-              <a:rPr lang="en-US" dirty="0"/>
-              <a:t>Insufficient Amount of Data Diversity for Meaningful Results</a:t>
-            </a:r>
-          </a:p>
-          <a:p>
-            <a:pPr lvl="1"/>
-            <a:r>
-              <a:rPr lang="en-US" dirty="0"/>
-              <a:t>Performed Slightly Above Baselines</a:t>
-            </a:r>
-          </a:p>
-          <a:p>
-            <a:r>
-              <a:rPr lang="en-US" dirty="0"/>
-              <a:t>Attempt 2: Board Game Stats Predict Gender</a:t>
-            </a:r>
-          </a:p>
-          <a:p>
-            <a:pPr lvl="1"/>
-            <a:r>
-              <a:rPr lang="en-US" dirty="0"/>
-              <a:t>Significantly Higher Data Depth and Diversity</a:t>
-            </a:r>
-          </a:p>
-          <a:p>
-            <a:pPr lvl="1"/>
-            <a:r>
-              <a:rPr lang="en-US" dirty="0"/>
-              <a:t>X – All Board Game Features ('</a:t>
-            </a:r>
-            <a:r>
-              <a:rPr lang="en-US" dirty="0" err="1"/>
-              <a:t>EnjoysBoardGames</a:t>
-            </a:r>
-            <a:r>
-              <a:rPr lang="en-US" dirty="0"/>
-              <a:t>', '</a:t>
-            </a:r>
-            <a:r>
-              <a:rPr lang="en-US" dirty="0" err="1"/>
-              <a:t>BoardGamesOwned</a:t>
-            </a:r>
-            <a:r>
-              <a:rPr lang="en-US" dirty="0"/>
-              <a:t>’, '</a:t>
-            </a:r>
-            <a:r>
-              <a:rPr lang="en-US" dirty="0" err="1"/>
-              <a:t>FrequencyOfPlay</a:t>
-            </a:r>
-            <a:r>
-              <a:rPr lang="en-US" dirty="0"/>
-              <a:t>', 'Style', '</a:t>
-            </a:r>
-            <a:r>
-              <a:rPr lang="en-US" dirty="0" err="1"/>
-              <a:t>ChessRating</a:t>
-            </a:r>
-            <a:r>
-              <a:rPr lang="en-US" dirty="0"/>
-              <a:t>’, ‘</a:t>
-            </a:r>
-            <a:r>
-              <a:rPr lang="en-US" dirty="0" err="1"/>
-              <a:t>PreferredElements</a:t>
-            </a:r>
-            <a:r>
-              <a:rPr lang="en-US" dirty="0"/>
-              <a:t>’, ‘</a:t>
-            </a:r>
-            <a:r>
-              <a:rPr lang="en-US" dirty="0" err="1"/>
-              <a:t>EnjoyedGenres</a:t>
-            </a:r>
-            <a:r>
-              <a:rPr lang="en-US" dirty="0"/>
-              <a:t>’)</a:t>
-            </a:r>
-          </a:p>
-          <a:p>
-            <a:pPr lvl="1"/>
-            <a:r>
-              <a:rPr lang="en-US" dirty="0"/>
-              <a:t>y – Gender (excluding Non-Binary Responses)</a:t>
-            </a:r>
-          </a:p>
-          <a:p>
-            <a:pPr lvl="1"/>
-            <a:r>
-              <a:rPr lang="en-US" dirty="0"/>
-              <a:t>80/20 – Train/Test Data Splits with 4-Fold Cross Validation</a:t>
-            </a:r>
-          </a:p>
-          <a:p>
-            <a:pPr lvl="1"/>
-            <a:r>
-              <a:rPr lang="en-US" dirty="0"/>
-              <a:t>Accuracy Metric used for Scoring</a:t>
-            </a:r>
-          </a:p>
-          <a:p>
-            <a:pPr lvl="1"/>
-            <a:r>
-              <a:rPr lang="en-US" dirty="0"/>
-              <a:t>Baselines: </a:t>
-            </a:r>
-            <a:r>
-              <a:rPr lang="en-US" dirty="0" err="1"/>
-              <a:t>Most_Frequent</a:t>
-            </a:r>
-            <a:r>
-              <a:rPr lang="en-US" dirty="0"/>
-              <a:t> and Uniform</a:t>
-            </a:r>
+              <a:rPr lang="en-US" sz="1800" dirty="0"/>
+              <a:t>Exploratory Analysis:</a:t>
+            </a:r>
+            <a:endParaRPr lang="en-US" dirty="0"/>
           </a:p>
         </p:txBody>
       </p:sp>
     </p:spTree>
     <p:extLst>
       <p:ext uri="{BB962C8B-B14F-4D97-AF65-F5344CB8AC3E}">
-        <p14:creationId xmlns:p14="http://schemas.microsoft.com/office/powerpoint/2010/main" val="3113457664"/>
+        <p14:creationId xmlns:p14="http://schemas.microsoft.com/office/powerpoint/2010/main" val="134045528"/>
       </p:ext>
     </p:extLst>
   </p:cSld>
@@ -7390,7 +7263,7 @@
           <p:cNvPr id="2" name="Title 1">
             <a:extLst>
               <a:ext uri="{FF2B5EF4-FFF2-40B4-BE49-F238E27FC236}">
-                <a16:creationId xmlns:a16="http://schemas.microsoft.com/office/drawing/2014/main" id="{A2873436-5E21-6C60-EE6A-CED2E3819F44}"/>
+                <a16:creationId xmlns:a16="http://schemas.microsoft.com/office/drawing/2014/main" id="{56BE8B42-884F-A127-F785-060B2432FACC}"/>
               </a:ext>
             </a:extLst>
           </p:cNvPr>
@@ -7401,89 +7274,57 @@
             <p:ph type="title"/>
           </p:nvPr>
         </p:nvSpPr>
-        <p:spPr/>
-        <p:txBody>
-          <a:bodyPr/>
+        <p:spPr>
+          <a:xfrm>
+            <a:off x="913795" y="609600"/>
+            <a:ext cx="4388360" cy="970450"/>
+          </a:xfrm>
+        </p:spPr>
+        <p:txBody>
+          <a:bodyPr>
+            <a:normAutofit/>
+          </a:bodyPr>
           <a:lstStyle/>
           <a:p>
             <a:r>
               <a:rPr lang="en-US" dirty="0"/>
-              <a:t>Presentation of ML modeling results</a:t>
-            </a:r>
-          </a:p>
-        </p:txBody>
-      </p:sp>
-      <p:sp>
-        <p:nvSpPr>
-          <p:cNvPr id="3" name="Content Placeholder 2">
+              <a:t>Discoveries (5/5)</a:t>
+            </a:r>
+          </a:p>
+        </p:txBody>
+      </p:sp>
+      <p:sp>
+        <p:nvSpPr>
+          <p:cNvPr id="4" name="TextBox 3">
             <a:extLst>
               <a:ext uri="{FF2B5EF4-FFF2-40B4-BE49-F238E27FC236}">
-                <a16:creationId xmlns:a16="http://schemas.microsoft.com/office/drawing/2014/main" id="{77C66682-ED18-7E80-C258-50C4F227D9A1}"/>
+                <a16:creationId xmlns:a16="http://schemas.microsoft.com/office/drawing/2014/main" id="{647C5E28-73D9-622E-04E3-CD82DD686780}"/>
               </a:ext>
             </a:extLst>
           </p:cNvPr>
-          <p:cNvSpPr>
-            <a:spLocks noGrp="1"/>
-          </p:cNvSpPr>
-          <p:nvPr>
-            <p:ph idx="1"/>
-          </p:nvPr>
-        </p:nvSpPr>
-        <p:spPr/>
-        <p:txBody>
-          <a:bodyPr/>
+          <p:cNvSpPr txBox="1"/>
+          <p:nvPr/>
+        </p:nvSpPr>
+        <p:spPr>
+          <a:xfrm>
+            <a:off x="913795" y="609600"/>
+            <a:ext cx="2504661" cy="369332"/>
+          </a:xfrm>
+          <a:prstGeom prst="rect">
+            <a:avLst/>
+          </a:prstGeom>
+          <a:noFill/>
+        </p:spPr>
+        <p:txBody>
+          <a:bodyPr wrap="square" rtlCol="0">
+            <a:spAutoFit/>
+          </a:bodyPr>
           <a:lstStyle/>
           <a:p>
             <a:r>
-              <a:rPr lang="en-US" dirty="0"/>
-              <a:t>After Transforming the Data, Arbitrarily Tested Different Scikit-Learn Models </a:t>
-            </a:r>
-          </a:p>
-          <a:p>
-            <a:r>
-              <a:rPr lang="en-US" dirty="0"/>
-              <a:t>The </a:t>
-            </a:r>
-            <a:r>
-              <a:rPr lang="en-US" dirty="0" err="1"/>
-              <a:t>RandomForestClassifer</a:t>
-            </a:r>
-            <a:r>
-              <a:rPr lang="en-US" dirty="0"/>
-              <a:t> and </a:t>
-            </a:r>
-            <a:r>
-              <a:rPr lang="en-US" dirty="0" err="1"/>
-              <a:t>LogisticRegression</a:t>
-            </a:r>
-            <a:r>
-              <a:rPr lang="en-US" dirty="0"/>
-              <a:t> Models Performed Best</a:t>
-            </a:r>
-          </a:p>
-          <a:p>
-            <a:r>
-              <a:rPr lang="en-US" dirty="0"/>
-              <a:t>Hyper-Parameterized the </a:t>
-            </a:r>
-            <a:r>
-              <a:rPr lang="en-US" dirty="0" err="1"/>
-              <a:t>RandomForestClassifer</a:t>
-            </a:r>
-            <a:r>
-              <a:rPr lang="en-US" dirty="0"/>
-              <a:t> w/ </a:t>
-            </a:r>
-            <a:r>
-              <a:rPr lang="en-US" dirty="0" err="1"/>
-              <a:t>RandomizedSearchCV</a:t>
-            </a:r>
-            <a:endParaRPr lang="en-US" dirty="0"/>
-          </a:p>
-          <a:p>
-            <a:endParaRPr lang="en-US" dirty="0"/>
-          </a:p>
-          <a:p>
+              <a:rPr lang="en-US" sz="1800" dirty="0"/>
+              <a:t>Exploratory Analysis:</a:t>
+            </a:r>
             <a:endParaRPr lang="en-US" dirty="0"/>
           </a:p>
         </p:txBody>
@@ -7491,7 +7332,7 @@
     </p:spTree>
     <p:extLst>
       <p:ext uri="{BB962C8B-B14F-4D97-AF65-F5344CB8AC3E}">
-        <p14:creationId xmlns:p14="http://schemas.microsoft.com/office/powerpoint/2010/main" val="1242792112"/>
+        <p14:creationId xmlns:p14="http://schemas.microsoft.com/office/powerpoint/2010/main" val="3160549705"/>
       </p:ext>
     </p:extLst>
   </p:cSld>
@@ -7523,7 +7364,7 @@
           <p:cNvPr id="2" name="Title 1">
             <a:extLst>
               <a:ext uri="{FF2B5EF4-FFF2-40B4-BE49-F238E27FC236}">
-                <a16:creationId xmlns:a16="http://schemas.microsoft.com/office/drawing/2014/main" id="{B4DE31E7-00BC-3F19-C82E-9A69E2D26E18}"/>
+                <a16:creationId xmlns:a16="http://schemas.microsoft.com/office/drawing/2014/main" id="{3766D2DA-9541-0022-30F6-736821CCA193}"/>
               </a:ext>
             </a:extLst>
           </p:cNvPr>
@@ -7534,29 +7375,70 @@
             <p:ph type="title"/>
           </p:nvPr>
         </p:nvSpPr>
-        <p:spPr/>
-        <p:txBody>
-          <a:bodyPr>
-            <a:normAutofit/>
-          </a:bodyPr>
+        <p:spPr>
+          <a:xfrm>
+            <a:off x="913795" y="609600"/>
+            <a:ext cx="3121492" cy="993913"/>
+          </a:xfrm>
+        </p:spPr>
+        <p:txBody>
+          <a:bodyPr/>
           <a:lstStyle/>
           <a:p>
             <a:r>
-              <a:rPr lang="en-US" dirty="0"/>
-              <a:t>Potential Directions with Additional Time</a:t>
-            </a:r>
-          </a:p>
-        </p:txBody>
-      </p:sp>
-      <p:sp>
-        <p:nvSpPr>
-          <p:cNvPr id="3" name="Content Placeholder 2">
+              <a:rPr lang="en-US" dirty="0">
+                <a:effectLst/>
+              </a:rPr>
+              <a:t>Clustering</a:t>
+            </a:r>
+          </a:p>
+        </p:txBody>
+      </p:sp>
+      <p:sp>
+        <p:nvSpPr>
+          <p:cNvPr id="6" name="TextBox 5">
             <a:extLst>
               <a:ext uri="{FF2B5EF4-FFF2-40B4-BE49-F238E27FC236}">
-                <a16:creationId xmlns:a16="http://schemas.microsoft.com/office/drawing/2014/main" id="{DDD1CCF9-151E-B37C-4ECC-6F72B886BC9C}"/>
+                <a16:creationId xmlns:a16="http://schemas.microsoft.com/office/drawing/2014/main" id="{0153244A-F660-589B-3C37-C6CFA318B3CF}"/>
               </a:ext>
             </a:extLst>
           </p:cNvPr>
+          <p:cNvSpPr txBox="1"/>
+          <p:nvPr/>
+        </p:nvSpPr>
+        <p:spPr>
+          <a:xfrm>
+            <a:off x="913795" y="609600"/>
+            <a:ext cx="2504661" cy="369332"/>
+          </a:xfrm>
+          <a:prstGeom prst="rect">
+            <a:avLst/>
+          </a:prstGeom>
+          <a:noFill/>
+        </p:spPr>
+        <p:txBody>
+          <a:bodyPr wrap="square" rtlCol="0">
+            <a:spAutoFit/>
+          </a:bodyPr>
+          <a:lstStyle/>
+          <a:p>
+            <a:r>
+              <a:rPr lang="en-US" sz="1800" dirty="0"/>
+              <a:t>Exploratory Analysis:</a:t>
+            </a:r>
+            <a:endParaRPr lang="en-US" dirty="0"/>
+          </a:p>
+        </p:txBody>
+      </p:sp>
+      <p:sp>
+        <p:nvSpPr>
+          <p:cNvPr id="12" name="Content Placeholder 11">
+            <a:extLst>
+              <a:ext uri="{FF2B5EF4-FFF2-40B4-BE49-F238E27FC236}">
+                <a16:creationId xmlns:a16="http://schemas.microsoft.com/office/drawing/2014/main" id="{BE5F16BA-4020-B23C-FA37-407B85F81EE9}"/>
+              </a:ext>
+            </a:extLst>
+          </p:cNvPr>
           <p:cNvSpPr>
             <a:spLocks noGrp="1"/>
           </p:cNvSpPr>
@@ -7564,37 +7446,127 @@
             <p:ph idx="1"/>
           </p:nvPr>
         </p:nvSpPr>
-        <p:spPr/>
+        <p:spPr>
+          <a:xfrm>
+            <a:off x="913795" y="1732449"/>
+            <a:ext cx="4299650" cy="4058751"/>
+          </a:xfrm>
+        </p:spPr>
         <p:txBody>
           <a:bodyPr/>
           <a:lstStyle/>
           <a:p>
             <a:r>
               <a:rPr lang="en-US" dirty="0"/>
-              <a:t>Additional Survey</a:t>
+              <a:t>Employed K Means Clustering</a:t>
+            </a:r>
+          </a:p>
+          <a:p>
+            <a:r>
+              <a:rPr lang="en-US" dirty="0"/>
+              <a:t>Highest Silhouette was 0.119 with 2 clusters</a:t>
+            </a:r>
+          </a:p>
+          <a:p>
+            <a:r>
+              <a:rPr lang="en-US" dirty="0"/>
+              <a:t>Cluster Distribution:</a:t>
             </a:r>
           </a:p>
           <a:p>
             <a:pPr lvl="1"/>
             <a:r>
               <a:rPr lang="en-US" dirty="0"/>
-              <a:t>Perhaps Increase Response Total to 500 or 1000</a:t>
+              <a:t>0 – 187</a:t>
             </a:r>
           </a:p>
           <a:p>
             <a:pPr lvl="1"/>
             <a:r>
-              <a:rPr lang="en-US"/>
-              <a:t>Allow for </a:t>
-            </a:r>
-            <a:endParaRPr lang="en-US" dirty="0"/>
-          </a:p>
-        </p:txBody>
-      </p:sp>
+              <a:rPr lang="en-US" dirty="0"/>
+              <a:t>1 - 57</a:t>
+            </a:r>
+          </a:p>
+          <a:p>
+            <a:r>
+              <a:rPr lang="en-US" dirty="0"/>
+              <a:t>Plotting Data Against the Cluster Assignment reveals the Emergent Label “</a:t>
+            </a:r>
+            <a:r>
+              <a:rPr lang="en-US" dirty="0" err="1"/>
+              <a:t>IsEnthusiast</a:t>
+            </a:r>
+            <a:r>
+              <a:rPr lang="en-US" dirty="0"/>
+              <a:t>”</a:t>
+            </a:r>
+          </a:p>
+        </p:txBody>
+      </p:sp>
+      <p:pic>
+        <p:nvPicPr>
+          <p:cNvPr id="14" name="Picture 13">
+            <a:extLst>
+              <a:ext uri="{FF2B5EF4-FFF2-40B4-BE49-F238E27FC236}">
+                <a16:creationId xmlns:a16="http://schemas.microsoft.com/office/drawing/2014/main" id="{5945EF21-A138-AA23-A8BB-2076688CD5C7}"/>
+              </a:ext>
+            </a:extLst>
+          </p:cNvPr>
+          <p:cNvPicPr>
+            <a:picLocks noChangeAspect="1"/>
+          </p:cNvPicPr>
+          <p:nvPr/>
+        </p:nvPicPr>
+        <p:blipFill>
+          <a:blip r:embed="rId2"/>
+          <a:stretch>
+            <a:fillRect/>
+          </a:stretch>
+        </p:blipFill>
+        <p:spPr>
+          <a:xfrm>
+            <a:off x="6686567" y="0"/>
+            <a:ext cx="4007937" cy="3498992"/>
+          </a:xfrm>
+          <a:prstGeom prst="rect">
+            <a:avLst/>
+          </a:prstGeom>
+        </p:spPr>
+      </p:pic>
+      <p:pic>
+        <p:nvPicPr>
+          <p:cNvPr id="16" name="Picture 15">
+            <a:extLst>
+              <a:ext uri="{FF2B5EF4-FFF2-40B4-BE49-F238E27FC236}">
+                <a16:creationId xmlns:a16="http://schemas.microsoft.com/office/drawing/2014/main" id="{1971DC98-1CB7-EEF0-EB92-FC81BA94DA1C}"/>
+              </a:ext>
+            </a:extLst>
+          </p:cNvPr>
+          <p:cNvPicPr>
+            <a:picLocks noChangeAspect="1"/>
+          </p:cNvPicPr>
+          <p:nvPr/>
+        </p:nvPicPr>
+        <p:blipFill>
+          <a:blip r:embed="rId3"/>
+          <a:stretch>
+            <a:fillRect/>
+          </a:stretch>
+        </p:blipFill>
+        <p:spPr>
+          <a:xfrm>
+            <a:off x="6686567" y="3498992"/>
+            <a:ext cx="4007938" cy="3342840"/>
+          </a:xfrm>
+          <a:prstGeom prst="rect">
+            <a:avLst/>
+          </a:prstGeom>
+        </p:spPr>
+      </p:pic>
     </p:spTree>
     <p:extLst>
       <p:ext uri="{BB962C8B-B14F-4D97-AF65-F5344CB8AC3E}">
-        <p14:creationId xmlns:p14="http://schemas.microsoft.com/office/powerpoint/2010/main" val="3042242939"/>
+        <p14:creationId xmlns:p14="http://schemas.microsoft.com/office/powerpoint/2010/main" val="3525398260"/>
       </p:ext>
     </p:extLst>
   </p:cSld>
@@ -7605,6 +7577,214 @@
 </file>
 
 <file path=ppt/slides/slide13.xml><?xml version="1.0" encoding="utf-8"?>
+<p:sld xmlns:a="http://schemas.openxmlformats.org/drawingml/2006/main" xmlns:r="http://schemas.openxmlformats.org/officeDocument/2006/relationships" xmlns:p="http://schemas.openxmlformats.org/presentationml/2006/main">
+  <p:cSld>
+    <p:bg>
+      <p:bgPr>
+        <a:blipFill rotWithShape="1">
+          <a:blip r:embed="rId3">
+            <a:duotone>
+              <a:schemeClr val="bg2">
+                <a:shade val="80000"/>
+                <a:lumMod val="80000"/>
+              </a:schemeClr>
+              <a:schemeClr val="bg2">
+                <a:tint val="98000"/>
+              </a:schemeClr>
+            </a:duotone>
+          </a:blip>
+          <a:stretch/>
+        </a:blipFill>
+        <a:effectLst/>
+      </p:bgPr>
+    </p:bg>
+    <p:spTree>
+      <p:nvGrpSpPr>
+        <p:cNvPr id="1" name=""/>
+        <p:cNvGrpSpPr/>
+        <p:nvPr/>
+      </p:nvGrpSpPr>
+      <p:grpSpPr>
+        <a:xfrm>
+          <a:off x="0" y="0"/>
+          <a:ext cx="0" cy="0"/>
+          <a:chOff x="0" y="0"/>
+          <a:chExt cx="0" cy="0"/>
+        </a:xfrm>
+      </p:grpSpPr>
+      <p:sp>
+        <p:nvSpPr>
+          <p:cNvPr id="13" name="Rectangle 12">
+            <a:extLst>
+              <a:ext uri="{FF2B5EF4-FFF2-40B4-BE49-F238E27FC236}">
+                <a16:creationId xmlns:a16="http://schemas.microsoft.com/office/drawing/2014/main" id="{F9CF7650-7342-48D6-999E-174C77B5F52E}"/>
+              </a:ext>
+              <a:ext uri="{C183D7F6-B498-43B3-948B-1728B52AA6E4}">
+                <adec:decorative xmlns:adec="http://schemas.microsoft.com/office/drawing/2017/decorative" val="1"/>
+              </a:ext>
+            </a:extLst>
+          </p:cNvPr>
+          <p:cNvSpPr>
+            <a:spLocks noGrp="1" noRot="1" noChangeAspect="1" noMove="1" noResize="1" noEditPoints="1" noAdjustHandles="1" noChangeArrowheads="1" noChangeShapeType="1" noTextEdit="1"/>
+          </p:cNvSpPr>
+          <p:nvPr>
+            <p:extLst>
+              <p:ext uri="{386F3935-93C4-4BCD-93E2-E3B085C9AB24}">
+                <p16:designElem xmlns:p16="http://schemas.microsoft.com/office/powerpoint/2015/main" val="1"/>
+              </p:ext>
+            </p:extLst>
+          </p:nvPr>
+        </p:nvSpPr>
+        <p:spPr>
+          <a:xfrm>
+            <a:off x="0" y="0"/>
+            <a:ext cx="12192000" cy="6858000"/>
+          </a:xfrm>
+          <a:prstGeom prst="rect">
+            <a:avLst/>
+          </a:prstGeom>
+          <a:solidFill>
+            <a:schemeClr val="tx1">
+              <a:lumMod val="65000"/>
+              <a:lumOff val="35000"/>
+            </a:schemeClr>
+          </a:solidFill>
+          <a:ln>
+            <a:noFill/>
+          </a:ln>
+        </p:spPr>
+        <p:style>
+          <a:lnRef idx="2">
+            <a:schemeClr val="accent1">
+              <a:shade val="50000"/>
+            </a:schemeClr>
+          </a:lnRef>
+          <a:fillRef idx="1">
+            <a:schemeClr val="accent1"/>
+          </a:fillRef>
+          <a:effectRef idx="0">
+            <a:schemeClr val="accent1"/>
+          </a:effectRef>
+          <a:fontRef idx="minor">
+            <a:schemeClr val="lt1"/>
+          </a:fontRef>
+        </p:style>
+        <p:txBody>
+          <a:bodyPr rtlCol="0" anchor="ctr"/>
+          <a:lstStyle/>
+          <a:p>
+            <a:pPr algn="ctr"/>
+            <a:endParaRPr lang="en-US"/>
+          </a:p>
+        </p:txBody>
+      </p:sp>
+      <p:sp>
+        <p:nvSpPr>
+          <p:cNvPr id="12" name="Rectangle 11">
+            <a:extLst>
+              <a:ext uri="{FF2B5EF4-FFF2-40B4-BE49-F238E27FC236}">
+                <a16:creationId xmlns:a16="http://schemas.microsoft.com/office/drawing/2014/main" id="{EB2D286E-2458-46AD-B49E-911912F70897}"/>
+              </a:ext>
+              <a:ext uri="{C183D7F6-B498-43B3-948B-1728B52AA6E4}">
+                <adec:decorative xmlns:adec="http://schemas.microsoft.com/office/drawing/2017/decorative" val="1"/>
+              </a:ext>
+            </a:extLst>
+          </p:cNvPr>
+          <p:cNvSpPr>
+            <a:spLocks noGrp="1" noRot="1" noChangeAspect="1" noMove="1" noResize="1" noEditPoints="1" noAdjustHandles="1" noChangeArrowheads="1" noChangeShapeType="1" noTextEdit="1"/>
+          </p:cNvSpPr>
+          <p:nvPr>
+            <p:extLst>
+              <p:ext uri="{386F3935-93C4-4BCD-93E2-E3B085C9AB24}">
+                <p16:designElem xmlns:p16="http://schemas.microsoft.com/office/powerpoint/2015/main" val="1"/>
+              </p:ext>
+            </p:extLst>
+          </p:nvPr>
+        </p:nvSpPr>
+        <p:spPr>
+          <a:xfrm>
+            <a:off x="477012" y="480060"/>
+            <a:ext cx="11237976" cy="5897880"/>
+          </a:xfrm>
+          <a:prstGeom prst="rect">
+            <a:avLst/>
+          </a:prstGeom>
+          <a:solidFill>
+            <a:srgbClr val="FFFFFF"/>
+          </a:solidFill>
+          <a:ln>
+            <a:noFill/>
+          </a:ln>
+        </p:spPr>
+        <p:style>
+          <a:lnRef idx="2">
+            <a:schemeClr val="accent1">
+              <a:shade val="50000"/>
+            </a:schemeClr>
+          </a:lnRef>
+          <a:fillRef idx="1">
+            <a:schemeClr val="accent1"/>
+          </a:fillRef>
+          <a:effectRef idx="0">
+            <a:schemeClr val="accent1"/>
+          </a:effectRef>
+          <a:fontRef idx="minor">
+            <a:schemeClr val="lt1"/>
+          </a:fontRef>
+        </p:style>
+        <p:txBody>
+          <a:bodyPr rtlCol="0" anchor="ctr"/>
+          <a:lstStyle/>
+          <a:p>
+            <a:pPr algn="ctr"/>
+            <a:endParaRPr lang="en-US"/>
+          </a:p>
+        </p:txBody>
+      </p:sp>
+      <p:pic>
+        <p:nvPicPr>
+          <p:cNvPr id="14" name="Picture 13">
+            <a:extLst>
+              <a:ext uri="{FF2B5EF4-FFF2-40B4-BE49-F238E27FC236}">
+                <a16:creationId xmlns:a16="http://schemas.microsoft.com/office/drawing/2014/main" id="{B6637F93-8EBC-D1A5-819D-27ED360FC717}"/>
+              </a:ext>
+            </a:extLst>
+          </p:cNvPr>
+          <p:cNvPicPr>
+            <a:picLocks noChangeAspect="1"/>
+          </p:cNvPicPr>
+          <p:nvPr/>
+        </p:nvPicPr>
+        <p:blipFill>
+          <a:blip r:embed="rId4"/>
+          <a:stretch>
+            <a:fillRect/>
+          </a:stretch>
+        </p:blipFill>
+        <p:spPr>
+          <a:xfrm>
+            <a:off x="0" y="196916"/>
+            <a:ext cx="12192000" cy="6464167"/>
+          </a:xfrm>
+          <a:prstGeom prst="rect">
+            <a:avLst/>
+          </a:prstGeom>
+        </p:spPr>
+      </p:pic>
+    </p:spTree>
+    <p:extLst>
+      <p:ext uri="{BB962C8B-B14F-4D97-AF65-F5344CB8AC3E}">
+        <p14:creationId xmlns:p14="http://schemas.microsoft.com/office/powerpoint/2010/main" val="2810950492"/>
+      </p:ext>
+    </p:extLst>
+  </p:cSld>
+  <p:clrMapOvr>
+    <a:masterClrMapping/>
+  </p:clrMapOvr>
+</p:sld>
+</file>
+
+<file path=ppt/slides/slide14.xml><?xml version="1.0" encoding="utf-8"?>
 <p:sld xmlns:a="http://schemas.openxmlformats.org/drawingml/2006/main" xmlns:r="http://schemas.openxmlformats.org/officeDocument/2006/relationships" xmlns:p="http://schemas.openxmlformats.org/presentationml/2006/main">
   <p:cSld>
     <p:spTree>
@@ -7626,7 +7806,7 @@
           <p:cNvPr id="2" name="Title 1">
             <a:extLst>
               <a:ext uri="{FF2B5EF4-FFF2-40B4-BE49-F238E27FC236}">
-                <a16:creationId xmlns:a16="http://schemas.microsoft.com/office/drawing/2014/main" id="{5DD29271-B0F7-733B-DCBF-BF6584D55403}"/>
+                <a16:creationId xmlns:a16="http://schemas.microsoft.com/office/drawing/2014/main" id="{BBAAA63C-8CD1-D133-DB84-3FB7E089330D}"/>
               </a:ext>
             </a:extLst>
           </p:cNvPr>
@@ -7644,7 +7824,7 @@
           <a:p>
             <a:r>
               <a:rPr lang="en-US" dirty="0"/>
-              <a:t>Questions?</a:t>
+              <a:t>Classification Predictive Task</a:t>
             </a:r>
           </a:p>
         </p:txBody>
@@ -7654,7 +7834,7 @@
           <p:cNvPr id="3" name="Content Placeholder 2">
             <a:extLst>
               <a:ext uri="{FF2B5EF4-FFF2-40B4-BE49-F238E27FC236}">
-                <a16:creationId xmlns:a16="http://schemas.microsoft.com/office/drawing/2014/main" id="{E5CF1DEC-99F5-75A3-4DD5-D1D06D78D1FB}"/>
+                <a16:creationId xmlns:a16="http://schemas.microsoft.com/office/drawing/2014/main" id="{8AF03414-BC21-4A22-4442-452C3684DF8C}"/>
               </a:ext>
             </a:extLst>
           </p:cNvPr>
@@ -7665,756 +7845,80 @@
             <p:ph idx="1"/>
           </p:nvPr>
         </p:nvSpPr>
-        <p:spPr/>
-        <p:txBody>
-          <a:bodyPr/>
-          <a:lstStyle/>
-          <a:p>
-            <a:endParaRPr lang="en-US"/>
-          </a:p>
-        </p:txBody>
-      </p:sp>
-    </p:spTree>
-    <p:extLst>
-      <p:ext uri="{BB962C8B-B14F-4D97-AF65-F5344CB8AC3E}">
-        <p14:creationId xmlns:p14="http://schemas.microsoft.com/office/powerpoint/2010/main" val="2105574859"/>
-      </p:ext>
-    </p:extLst>
-  </p:cSld>
-  <p:clrMapOvr>
-    <a:masterClrMapping/>
-  </p:clrMapOvr>
-</p:sld>
-</file>
-
-<file path=ppt/slides/slide2.xml><?xml version="1.0" encoding="utf-8"?>
-<p:sld xmlns:a="http://schemas.openxmlformats.org/drawingml/2006/main" xmlns:r="http://schemas.openxmlformats.org/officeDocument/2006/relationships" xmlns:p="http://schemas.openxmlformats.org/presentationml/2006/main">
-  <p:cSld>
-    <p:spTree>
-      <p:nvGrpSpPr>
-        <p:cNvPr id="1" name=""/>
-        <p:cNvGrpSpPr/>
-        <p:nvPr/>
-      </p:nvGrpSpPr>
-      <p:grpSpPr>
-        <a:xfrm>
-          <a:off x="0" y="0"/>
-          <a:ext cx="0" cy="0"/>
-          <a:chOff x="0" y="0"/>
-          <a:chExt cx="0" cy="0"/>
-        </a:xfrm>
-      </p:grpSpPr>
-      <p:sp>
-        <p:nvSpPr>
-          <p:cNvPr id="2" name="Title 1">
-            <a:extLst>
-              <a:ext uri="{FF2B5EF4-FFF2-40B4-BE49-F238E27FC236}">
-                <a16:creationId xmlns:a16="http://schemas.microsoft.com/office/drawing/2014/main" id="{029663A0-F896-0E90-9FDF-60E7FD93C0BD}"/>
-              </a:ext>
-            </a:extLst>
-          </p:cNvPr>
-          <p:cNvSpPr>
-            <a:spLocks noGrp="1"/>
-          </p:cNvSpPr>
-          <p:nvPr>
-            <p:ph type="title"/>
-          </p:nvPr>
-        </p:nvSpPr>
-        <p:spPr/>
-        <p:txBody>
-          <a:bodyPr/>
-          <a:lstStyle/>
-          <a:p>
-            <a:r>
-              <a:rPr lang="en-US" dirty="0"/>
-              <a:t>Why?</a:t>
-            </a:r>
-          </a:p>
-        </p:txBody>
-      </p:sp>
-      <p:sp>
-        <p:nvSpPr>
-          <p:cNvPr id="3" name="Content Placeholder 2">
-            <a:extLst>
-              <a:ext uri="{FF2B5EF4-FFF2-40B4-BE49-F238E27FC236}">
-                <a16:creationId xmlns:a16="http://schemas.microsoft.com/office/drawing/2014/main" id="{18667CCA-AA16-2795-AD6A-567387D53E02}"/>
-              </a:ext>
-            </a:extLst>
-          </p:cNvPr>
-          <p:cNvSpPr>
-            <a:spLocks noGrp="1"/>
-          </p:cNvSpPr>
-          <p:nvPr>
-            <p:ph idx="1"/>
-          </p:nvPr>
-        </p:nvSpPr>
-        <p:spPr/>
-        <p:txBody>
-          <a:bodyPr/>
-          <a:lstStyle/>
-          <a:p>
-            <a:r>
-              <a:rPr lang="en-US" dirty="0"/>
-              <a:t>Demographic research is important for:</a:t>
-            </a:r>
-          </a:p>
-          <a:p>
-            <a:pPr lvl="1"/>
-            <a:r>
-              <a:rPr lang="en-US" dirty="0"/>
-              <a:t>Promoting equality across society</a:t>
-            </a:r>
-          </a:p>
-          <a:p>
-            <a:pPr lvl="2"/>
-            <a:r>
-              <a:rPr lang="en-US" dirty="0"/>
-              <a:t>This includes the board gaming</a:t>
-            </a:r>
-          </a:p>
-          <a:p>
-            <a:pPr lvl="1"/>
-            <a:r>
-              <a:rPr lang="en-US" dirty="0"/>
-              <a:t>Targeted Advertisement</a:t>
-            </a:r>
-          </a:p>
-          <a:p>
-            <a:pPr lvl="1"/>
-            <a:r>
-              <a:rPr lang="en-US" dirty="0"/>
-              <a:t>Improving Board Game Accessibility and Design</a:t>
-            </a:r>
-          </a:p>
-          <a:p>
-            <a:pPr lvl="2"/>
-            <a:r>
-              <a:rPr lang="en-US" dirty="0"/>
-              <a:t>Improves Sales</a:t>
-            </a:r>
-          </a:p>
-          <a:p>
-            <a:pPr lvl="2"/>
-            <a:r>
-              <a:rPr lang="en-US" dirty="0"/>
-              <a:t>Promotes Equality</a:t>
-            </a:r>
-          </a:p>
-          <a:p>
-            <a:r>
-              <a:rPr lang="en-US" dirty="0"/>
-              <a:t>Random Survey allows for:</a:t>
-            </a:r>
-          </a:p>
-          <a:p>
-            <a:pPr lvl="1"/>
-            <a:r>
-              <a:rPr lang="en-US" dirty="0"/>
-              <a:t>Discovery of trends on WWU campus</a:t>
-            </a:r>
-          </a:p>
-          <a:p>
-            <a:pPr lvl="1"/>
-            <a:r>
-              <a:rPr lang="en-US" dirty="0"/>
-              <a:t>Extrapolating patterns to the total population of WWU  </a:t>
-            </a:r>
-          </a:p>
-        </p:txBody>
-      </p:sp>
-    </p:spTree>
-    <p:extLst>
-      <p:ext uri="{BB962C8B-B14F-4D97-AF65-F5344CB8AC3E}">
-        <p14:creationId xmlns:p14="http://schemas.microsoft.com/office/powerpoint/2010/main" val="1402066201"/>
-      </p:ext>
-    </p:extLst>
-  </p:cSld>
-  <p:clrMapOvr>
-    <a:masterClrMapping/>
-  </p:clrMapOvr>
-</p:sld>
-</file>
-
-<file path=ppt/slides/slide3.xml><?xml version="1.0" encoding="utf-8"?>
-<p:sld xmlns:a="http://schemas.openxmlformats.org/drawingml/2006/main" xmlns:r="http://schemas.openxmlformats.org/officeDocument/2006/relationships" xmlns:p="http://schemas.openxmlformats.org/presentationml/2006/main">
-  <p:cSld>
-    <p:spTree>
-      <p:nvGrpSpPr>
-        <p:cNvPr id="1" name=""/>
-        <p:cNvGrpSpPr/>
-        <p:nvPr/>
-      </p:nvGrpSpPr>
-      <p:grpSpPr>
-        <a:xfrm>
-          <a:off x="0" y="0"/>
-          <a:ext cx="0" cy="0"/>
-          <a:chOff x="0" y="0"/>
-          <a:chExt cx="0" cy="0"/>
-        </a:xfrm>
-      </p:grpSpPr>
-      <p:sp>
-        <p:nvSpPr>
-          <p:cNvPr id="2" name="Title 1">
-            <a:extLst>
-              <a:ext uri="{FF2B5EF4-FFF2-40B4-BE49-F238E27FC236}">
-                <a16:creationId xmlns:a16="http://schemas.microsoft.com/office/drawing/2014/main" id="{3BC3EF65-35E5-CDD6-8C63-2CDCBA25F459}"/>
-              </a:ext>
-            </a:extLst>
-          </p:cNvPr>
-          <p:cNvSpPr>
-            <a:spLocks noGrp="1"/>
-          </p:cNvSpPr>
-          <p:nvPr>
-            <p:ph type="title"/>
-          </p:nvPr>
-        </p:nvSpPr>
-        <p:spPr/>
-        <p:txBody>
-          <a:bodyPr/>
-          <a:lstStyle/>
-          <a:p>
-            <a:r>
-              <a:rPr lang="en-US" dirty="0"/>
-              <a:t>Overview</a:t>
-            </a:r>
-          </a:p>
-        </p:txBody>
-      </p:sp>
-      <p:sp>
-        <p:nvSpPr>
-          <p:cNvPr id="3" name="Content Placeholder 2">
-            <a:extLst>
-              <a:ext uri="{FF2B5EF4-FFF2-40B4-BE49-F238E27FC236}">
-                <a16:creationId xmlns:a16="http://schemas.microsoft.com/office/drawing/2014/main" id="{D81D0D4E-CF65-B8C9-E428-C592FF3C003C}"/>
-              </a:ext>
-            </a:extLst>
-          </p:cNvPr>
-          <p:cNvSpPr>
-            <a:spLocks noGrp="1"/>
-          </p:cNvSpPr>
-          <p:nvPr>
-            <p:ph idx="1"/>
-          </p:nvPr>
-        </p:nvSpPr>
-        <p:spPr/>
-        <p:txBody>
-          <a:bodyPr/>
-          <a:lstStyle/>
-          <a:p>
-            <a:pPr marL="494100" indent="-457200">
-              <a:buFont typeface="+mj-lt"/>
-              <a:buAutoNum type="arabicParenR"/>
-            </a:pPr>
-            <a:r>
-              <a:rPr lang="en-US" dirty="0"/>
-              <a:t>Gather Survey Data from WWU Students</a:t>
-            </a:r>
-          </a:p>
-          <a:p>
-            <a:pPr marL="494100" indent="-457200">
-              <a:buFont typeface="+mj-lt"/>
-              <a:buAutoNum type="arabicParenR"/>
-            </a:pPr>
-            <a:r>
-              <a:rPr lang="en-US" dirty="0"/>
-              <a:t>Download Raw .xlsx from Microsoft Forms</a:t>
-            </a:r>
-          </a:p>
-          <a:p>
-            <a:pPr marL="494100" indent="-457200">
-              <a:buFont typeface="+mj-lt"/>
-              <a:buAutoNum type="arabicParenR"/>
-            </a:pPr>
-            <a:r>
-              <a:rPr lang="en-US" dirty="0"/>
-              <a:t>Load into </a:t>
-            </a:r>
-            <a:r>
-              <a:rPr lang="en-US" dirty="0" err="1"/>
-              <a:t>Juypter</a:t>
-            </a:r>
-            <a:r>
-              <a:rPr lang="en-US" dirty="0"/>
-              <a:t> Notebook</a:t>
-            </a:r>
-          </a:p>
-          <a:p>
-            <a:pPr marL="494100" indent="-457200">
-              <a:buFont typeface="+mj-lt"/>
-              <a:buAutoNum type="arabicParenR"/>
-            </a:pPr>
-            <a:r>
-              <a:rPr lang="en-US" dirty="0"/>
-              <a:t>Perform Data Cleaning and Curation on Raw Data</a:t>
-            </a:r>
-          </a:p>
-          <a:p>
-            <a:pPr marL="494100" indent="-457200">
-              <a:buFont typeface="+mj-lt"/>
-              <a:buAutoNum type="arabicParenR"/>
-            </a:pPr>
-            <a:r>
-              <a:rPr lang="en-US" dirty="0"/>
-              <a:t>Perform Exploratory Analysis on Cleaned Data to Discover Trends</a:t>
-            </a:r>
-          </a:p>
-          <a:p>
-            <a:pPr marL="494100" indent="-457200">
-              <a:buFont typeface="+mj-lt"/>
-              <a:buAutoNum type="arabicParenR"/>
-            </a:pPr>
-            <a:r>
-              <a:rPr lang="en-US" dirty="0"/>
-              <a:t>Build Predictive Machine Learning Model Based on Discovered Trends</a:t>
-            </a:r>
-          </a:p>
-        </p:txBody>
-      </p:sp>
-    </p:spTree>
-    <p:extLst>
-      <p:ext uri="{BB962C8B-B14F-4D97-AF65-F5344CB8AC3E}">
-        <p14:creationId xmlns:p14="http://schemas.microsoft.com/office/powerpoint/2010/main" val="1172239286"/>
-      </p:ext>
-    </p:extLst>
-  </p:cSld>
-  <p:clrMapOvr>
-    <a:masterClrMapping/>
-  </p:clrMapOvr>
-</p:sld>
-</file>
-
-<file path=ppt/slides/slide4.xml><?xml version="1.0" encoding="utf-8"?>
-<p:sld xmlns:a="http://schemas.openxmlformats.org/drawingml/2006/main" xmlns:r="http://schemas.openxmlformats.org/officeDocument/2006/relationships" xmlns:p="http://schemas.openxmlformats.org/presentationml/2006/main">
-  <p:cSld>
-    <p:spTree>
-      <p:nvGrpSpPr>
-        <p:cNvPr id="1" name=""/>
-        <p:cNvGrpSpPr/>
-        <p:nvPr/>
-      </p:nvGrpSpPr>
-      <p:grpSpPr>
-        <a:xfrm>
-          <a:off x="0" y="0"/>
-          <a:ext cx="0" cy="0"/>
-          <a:chOff x="0" y="0"/>
-          <a:chExt cx="0" cy="0"/>
-        </a:xfrm>
-      </p:grpSpPr>
-      <p:sp>
-        <p:nvSpPr>
-          <p:cNvPr id="2" name="Title 1">
-            <a:extLst>
-              <a:ext uri="{FF2B5EF4-FFF2-40B4-BE49-F238E27FC236}">
-                <a16:creationId xmlns:a16="http://schemas.microsoft.com/office/drawing/2014/main" id="{DFB28AC4-F545-61C6-7851-4AA2DC14BD0F}"/>
-              </a:ext>
-            </a:extLst>
-          </p:cNvPr>
-          <p:cNvSpPr>
-            <a:spLocks noGrp="1"/>
-          </p:cNvSpPr>
-          <p:nvPr>
-            <p:ph type="title"/>
-          </p:nvPr>
-        </p:nvSpPr>
-        <p:spPr/>
-        <p:txBody>
-          <a:bodyPr/>
-          <a:lstStyle/>
-          <a:p>
-            <a:r>
-              <a:rPr lang="en-US" dirty="0"/>
-              <a:t>Original Data, Data Cleaning, and Curation</a:t>
-            </a:r>
-          </a:p>
-        </p:txBody>
-      </p:sp>
-      <p:sp>
-        <p:nvSpPr>
-          <p:cNvPr id="3" name="Content Placeholder 2">
-            <a:extLst>
-              <a:ext uri="{FF2B5EF4-FFF2-40B4-BE49-F238E27FC236}">
-                <a16:creationId xmlns:a16="http://schemas.microsoft.com/office/drawing/2014/main" id="{D1745BE4-4893-8CAA-390D-86A58AC7E5EE}"/>
-              </a:ext>
-            </a:extLst>
-          </p:cNvPr>
-          <p:cNvSpPr>
-            <a:spLocks noGrp="1"/>
-          </p:cNvSpPr>
-          <p:nvPr>
-            <p:ph idx="1"/>
-          </p:nvPr>
-        </p:nvSpPr>
         <p:spPr>
           <a:xfrm>
-            <a:off x="913795" y="1732449"/>
-            <a:ext cx="6834542" cy="4776635"/>
+            <a:off x="913795" y="1732450"/>
+            <a:ext cx="5182205" cy="2481742"/>
           </a:xfrm>
         </p:spPr>
         <p:txBody>
           <a:bodyPr>
-            <a:normAutofit fontScale="85000" lnSpcReduction="10000"/>
+            <a:normAutofit fontScale="92500" lnSpcReduction="20000"/>
           </a:bodyPr>
           <a:lstStyle/>
           <a:p>
             <a:r>
               <a:rPr lang="en-US" dirty="0"/>
-              <a:t>Survey Questions produce the Features of the Data Set</a:t>
+              <a:t>Attempt 1: Demographics Predict Board Game Stats</a:t>
             </a:r>
           </a:p>
           <a:p>
             <a:pPr lvl="1"/>
             <a:r>
               <a:rPr lang="en-US" dirty="0"/>
-              <a:t>Survey Outline can be found at: </a:t>
-            </a:r>
-            <a:r>
-              <a:rPr lang="en-US" dirty="0">
-                <a:hlinkClick r:id="rId3"/>
+              <a:t>Insufficient Amount of Data Diversity for Meaningful Results. Only valid demographic features:</a:t>
+            </a:r>
+          </a:p>
+          <a:p>
+            <a:pPr lvl="2"/>
+            <a:r>
+              <a:rPr lang="en-US" b="0" dirty="0">
+                <a:solidFill>
+                  <a:schemeClr val="tx1"/>
+                </a:solidFill>
+                <a:effectLst/>
+                <a:latin typeface="Consolas" panose="020B0609020204030204" pitchFamily="49" charset="0"/>
               </a:rPr>
-              <a:t>https://github.com/sevenwwu/sevenwwu.github.io/blob/main/write-ups/milestone_one_delieverable/surveyoutline.md</a:t>
-            </a:r>
+              <a:t>'Gender', 'Age', '</a:t>
+            </a:r>
+            <a:r>
+              <a:rPr lang="en-US" b="0" dirty="0" err="1">
+                <a:solidFill>
+                  <a:schemeClr val="tx1"/>
+                </a:solidFill>
+                <a:effectLst/>
+                <a:latin typeface="Consolas" panose="020B0609020204030204" pitchFamily="49" charset="0"/>
+              </a:rPr>
+              <a:t>AOSCat</a:t>
+            </a:r>
+            <a:r>
+              <a:rPr lang="en-US" b="0" dirty="0">
+                <a:solidFill>
+                  <a:schemeClr val="tx1"/>
+                </a:solidFill>
+                <a:effectLst/>
+                <a:latin typeface="Consolas" panose="020B0609020204030204" pitchFamily="49" charset="0"/>
+              </a:rPr>
+              <a:t>', 'Religiosity'</a:t>
+            </a:r>
+            <a:endParaRPr lang="en-US" dirty="0">
+              <a:solidFill>
+                <a:schemeClr val="tx1"/>
+              </a:solidFill>
+            </a:endParaRPr>
+          </a:p>
+          <a:p>
+            <a:pPr lvl="1"/>
             <a:r>
               <a:rPr lang="en-US" dirty="0"/>
-              <a:t> </a:t>
-            </a:r>
-          </a:p>
-          <a:p>
+              <a:t>Performed Slightly Above Baselines</a:t>
+            </a:r>
+          </a:p>
+          <a:p>
+            <a:pPr lvl="1"/>
             <a:r>
               <a:rPr lang="en-US" dirty="0"/>
-              <a:t>Original Data was structured by Microsoft Forms</a:t>
-            </a:r>
-          </a:p>
-          <a:p>
-            <a:pPr lvl="1"/>
-            <a:r>
-              <a:rPr lang="en-US" dirty="0"/>
-              <a:t>Downloadable .xlsx is available</a:t>
-            </a:r>
-          </a:p>
-          <a:p>
-            <a:r>
-              <a:rPr lang="en-US" dirty="0"/>
-              <a:t>Data was primarily collected by asking random students on Campus</a:t>
-            </a:r>
-          </a:p>
-          <a:p>
-            <a:r>
-              <a:rPr lang="en-US" dirty="0"/>
-              <a:t>Curation:</a:t>
-            </a:r>
-          </a:p>
-          <a:p>
-            <a:pPr lvl="1"/>
-            <a:r>
-              <a:rPr lang="en-US" dirty="0"/>
-              <a:t>Drop Metadata</a:t>
-            </a:r>
-          </a:p>
-          <a:p>
-            <a:pPr lvl="1"/>
-            <a:r>
-              <a:rPr lang="en-US" dirty="0"/>
-              <a:t>Rename Questions to Concise Field Names</a:t>
-            </a:r>
-          </a:p>
-          <a:p>
-            <a:pPr lvl="1"/>
-            <a:r>
-              <a:rPr lang="en-US" dirty="0"/>
-              <a:t>Transform Multi-Select Questions</a:t>
-            </a:r>
-          </a:p>
-          <a:p>
-            <a:pPr lvl="1"/>
-            <a:r>
-              <a:rPr lang="en-US" dirty="0"/>
-              <a:t>Manual Bucketing of Area of Study Freeform Responses</a:t>
-            </a:r>
-          </a:p>
-          <a:p>
-            <a:pPr lvl="1"/>
-            <a:r>
-              <a:rPr lang="en-US" dirty="0"/>
-              <a:t>Shorten Categorical Strings for Easier Analysis</a:t>
-            </a:r>
-          </a:p>
-          <a:p>
-            <a:pPr lvl="1"/>
-            <a:r>
-              <a:rPr lang="en-US" dirty="0"/>
-              <a:t>Assign Order to some Categorical Variables</a:t>
-            </a:r>
-          </a:p>
-          <a:p>
-            <a:pPr lvl="1"/>
-            <a:endParaRPr lang="en-US" dirty="0"/>
-          </a:p>
-          <a:p>
-            <a:endParaRPr lang="en-US" dirty="0"/>
-          </a:p>
-        </p:txBody>
-      </p:sp>
-    </p:spTree>
-    <p:extLst>
-      <p:ext uri="{BB962C8B-B14F-4D97-AF65-F5344CB8AC3E}">
-        <p14:creationId xmlns:p14="http://schemas.microsoft.com/office/powerpoint/2010/main" val="1910579132"/>
-      </p:ext>
-    </p:extLst>
-  </p:cSld>
-  <p:clrMapOvr>
-    <a:masterClrMapping/>
-  </p:clrMapOvr>
-</p:sld>
-</file>
-
-<file path=ppt/slides/slide5.xml><?xml version="1.0" encoding="utf-8"?>
-<p:sld xmlns:a="http://schemas.openxmlformats.org/drawingml/2006/main" xmlns:r="http://schemas.openxmlformats.org/officeDocument/2006/relationships" xmlns:p="http://schemas.openxmlformats.org/presentationml/2006/main">
-  <p:cSld>
-    <p:spTree>
-      <p:nvGrpSpPr>
-        <p:cNvPr id="1" name=""/>
-        <p:cNvGrpSpPr/>
-        <p:nvPr/>
-      </p:nvGrpSpPr>
-      <p:grpSpPr>
-        <a:xfrm>
-          <a:off x="0" y="0"/>
-          <a:ext cx="0" cy="0"/>
-          <a:chOff x="0" y="0"/>
-          <a:chExt cx="0" cy="0"/>
-        </a:xfrm>
-      </p:grpSpPr>
-      <p:sp>
-        <p:nvSpPr>
-          <p:cNvPr id="2" name="Title 1">
-            <a:extLst>
-              <a:ext uri="{FF2B5EF4-FFF2-40B4-BE49-F238E27FC236}">
-                <a16:creationId xmlns:a16="http://schemas.microsoft.com/office/drawing/2014/main" id="{2DAFBA20-53B8-EB06-55C7-DBA5D9A4B101}"/>
-              </a:ext>
-            </a:extLst>
-          </p:cNvPr>
-          <p:cNvSpPr>
-            <a:spLocks noGrp="1"/>
-          </p:cNvSpPr>
-          <p:nvPr>
-            <p:ph type="title"/>
-          </p:nvPr>
-        </p:nvSpPr>
-        <p:spPr/>
-        <p:txBody>
-          <a:bodyPr/>
-          <a:lstStyle/>
-          <a:p>
-            <a:r>
-              <a:rPr lang="en-US" dirty="0"/>
-              <a:t>Data Cleaning and Curation</a:t>
-            </a:r>
-          </a:p>
-        </p:txBody>
-      </p:sp>
-      <p:sp>
-        <p:nvSpPr>
-          <p:cNvPr id="3" name="Content Placeholder 2">
-            <a:extLst>
-              <a:ext uri="{FF2B5EF4-FFF2-40B4-BE49-F238E27FC236}">
-                <a16:creationId xmlns:a16="http://schemas.microsoft.com/office/drawing/2014/main" id="{0BC597F9-69A4-2833-D380-F58F15B649C4}"/>
-              </a:ext>
-            </a:extLst>
-          </p:cNvPr>
-          <p:cNvSpPr>
-            <a:spLocks noGrp="1"/>
-          </p:cNvSpPr>
-          <p:nvPr>
-            <p:ph idx="1"/>
-          </p:nvPr>
-        </p:nvSpPr>
-        <p:spPr/>
-        <p:txBody>
-          <a:bodyPr/>
-          <a:lstStyle/>
-          <a:p>
-            <a:r>
-              <a:rPr lang="en-US" dirty="0"/>
-              <a:t>Drop Metadata</a:t>
-            </a:r>
-          </a:p>
-          <a:p>
-            <a:r>
-              <a:rPr lang="en-US" dirty="0"/>
-              <a:t>Rename Questions to Concise Field Names</a:t>
-            </a:r>
-          </a:p>
-          <a:p>
-            <a:r>
-              <a:rPr lang="en-US" dirty="0"/>
-              <a:t>Transform Multi-Select Questions</a:t>
-            </a:r>
-          </a:p>
-          <a:p>
-            <a:r>
-              <a:rPr lang="en-US" dirty="0"/>
-              <a:t>Manual Bucketing of Area of Study Freeform Responses</a:t>
-            </a:r>
-          </a:p>
-          <a:p>
-            <a:r>
-              <a:rPr lang="en-US" dirty="0"/>
-              <a:t>Shorten Categorical Strings for Easier Analysis</a:t>
-            </a:r>
-          </a:p>
-          <a:p>
-            <a:r>
-              <a:rPr lang="en-US" dirty="0"/>
-              <a:t>Assign Order to some Categorical Variables</a:t>
-            </a:r>
-          </a:p>
-        </p:txBody>
-      </p:sp>
-    </p:spTree>
-    <p:extLst>
-      <p:ext uri="{BB962C8B-B14F-4D97-AF65-F5344CB8AC3E}">
-        <p14:creationId xmlns:p14="http://schemas.microsoft.com/office/powerpoint/2010/main" val="2338315016"/>
-      </p:ext>
-    </p:extLst>
-  </p:cSld>
-  <p:clrMapOvr>
-    <a:masterClrMapping/>
-  </p:clrMapOvr>
-</p:sld>
-</file>
-
-<file path=ppt/slides/slide6.xml><?xml version="1.0" encoding="utf-8"?>
-<p:sld xmlns:a="http://schemas.openxmlformats.org/drawingml/2006/main" xmlns:r="http://schemas.openxmlformats.org/officeDocument/2006/relationships" xmlns:p="http://schemas.openxmlformats.org/presentationml/2006/main">
-  <p:cSld>
-    <p:spTree>
-      <p:nvGrpSpPr>
-        <p:cNvPr id="1" name=""/>
-        <p:cNvGrpSpPr/>
-        <p:nvPr/>
-      </p:nvGrpSpPr>
-      <p:grpSpPr>
-        <a:xfrm>
-          <a:off x="0" y="0"/>
-          <a:ext cx="0" cy="0"/>
-          <a:chOff x="0" y="0"/>
-          <a:chExt cx="0" cy="0"/>
-        </a:xfrm>
-      </p:grpSpPr>
-      <p:sp>
-        <p:nvSpPr>
-          <p:cNvPr id="2" name="Title 1">
-            <a:extLst>
-              <a:ext uri="{FF2B5EF4-FFF2-40B4-BE49-F238E27FC236}">
-                <a16:creationId xmlns:a16="http://schemas.microsoft.com/office/drawing/2014/main" id="{A418C0A8-60E4-A515-5EE7-39A30F332296}"/>
-              </a:ext>
-            </a:extLst>
-          </p:cNvPr>
-          <p:cNvSpPr>
-            <a:spLocks noGrp="1"/>
-          </p:cNvSpPr>
-          <p:nvPr>
-            <p:ph type="title"/>
-          </p:nvPr>
-        </p:nvSpPr>
-        <p:spPr/>
-        <p:txBody>
-          <a:bodyPr/>
-          <a:lstStyle/>
-          <a:p>
-            <a:r>
-              <a:rPr lang="en-US" dirty="0"/>
-              <a:t>Curated Data Feature Outline</a:t>
-            </a:r>
-          </a:p>
-        </p:txBody>
-      </p:sp>
-      <p:sp>
-        <p:nvSpPr>
-          <p:cNvPr id="3" name="Content Placeholder 2">
-            <a:extLst>
-              <a:ext uri="{FF2B5EF4-FFF2-40B4-BE49-F238E27FC236}">
-                <a16:creationId xmlns:a16="http://schemas.microsoft.com/office/drawing/2014/main" id="{96865644-C4D5-A43B-40E3-9E8B0F291371}"/>
-              </a:ext>
-            </a:extLst>
-          </p:cNvPr>
-          <p:cNvSpPr>
-            <a:spLocks noGrp="1"/>
-          </p:cNvSpPr>
-          <p:nvPr>
-            <p:ph idx="1"/>
-          </p:nvPr>
-        </p:nvSpPr>
-        <p:spPr>
-          <a:xfrm>
-            <a:off x="913795" y="1732449"/>
-            <a:ext cx="5182205" cy="4058751"/>
-          </a:xfrm>
-        </p:spPr>
-        <p:txBody>
-          <a:bodyPr>
-            <a:normAutofit/>
-          </a:bodyPr>
-          <a:lstStyle/>
-          <a:p>
-            <a:r>
-              <a:rPr lang="en-US" dirty="0"/>
-              <a:t>Demographic info includes survey responses for:</a:t>
-            </a:r>
-          </a:p>
-          <a:p>
-            <a:pPr lvl="1"/>
-            <a:r>
-              <a:rPr lang="en-US" dirty="0"/>
-              <a:t>Student/Faculty Member Status</a:t>
-            </a:r>
-          </a:p>
-          <a:p>
-            <a:pPr lvl="1"/>
-            <a:r>
-              <a:rPr lang="en-US" dirty="0"/>
-              <a:t>Gender Identity</a:t>
-            </a:r>
-          </a:p>
-          <a:p>
-            <a:pPr lvl="1"/>
-            <a:r>
-              <a:rPr lang="en-US" dirty="0"/>
-              <a:t>Age</a:t>
-            </a:r>
-          </a:p>
-          <a:p>
-            <a:pPr lvl="1"/>
-            <a:r>
-              <a:rPr lang="en-US" dirty="0"/>
-              <a:t>Race</a:t>
-            </a:r>
-          </a:p>
-          <a:p>
-            <a:pPr lvl="1"/>
-            <a:r>
-              <a:rPr lang="en-US" dirty="0"/>
-              <a:t>Employment Status</a:t>
-            </a:r>
-          </a:p>
-          <a:p>
-            <a:pPr lvl="1"/>
-            <a:r>
-              <a:rPr lang="en-US" dirty="0"/>
-              <a:t>Corrective Vision</a:t>
-            </a:r>
-          </a:p>
-          <a:p>
-            <a:pPr lvl="1"/>
-            <a:r>
-              <a:rPr lang="en-US" dirty="0"/>
-              <a:t>Religiosity</a:t>
-            </a:r>
-          </a:p>
-          <a:p>
-            <a:pPr lvl="1"/>
-            <a:r>
-              <a:rPr lang="en-US" dirty="0"/>
-              <a:t>Area of Study</a:t>
+              <a:t>For Example, Predict Chess Rating:</a:t>
             </a:r>
           </a:p>
         </p:txBody>
@@ -8424,7 +7928,7 @@
           <p:cNvPr id="4" name="Content Placeholder 2">
             <a:extLst>
               <a:ext uri="{FF2B5EF4-FFF2-40B4-BE49-F238E27FC236}">
-                <a16:creationId xmlns:a16="http://schemas.microsoft.com/office/drawing/2014/main" id="{459E8BB9-42BB-676D-B338-365E82C5F3C2}"/>
+                <a16:creationId xmlns:a16="http://schemas.microsoft.com/office/drawing/2014/main" id="{E83B459D-4BD6-8EE8-F643-AFB21CBFFBE5}"/>
               </a:ext>
             </a:extLst>
           </p:cNvPr>
@@ -8435,7 +7939,7 @@
         </p:nvSpPr>
         <p:spPr>
           <a:xfrm>
-            <a:off x="6085352" y="1732448"/>
+            <a:off x="6143522" y="1732449"/>
             <a:ext cx="5182205" cy="4058751"/>
           </a:xfrm>
           <a:prstGeom prst="rect">
@@ -8451,7 +7955,7 @@
         </p:spPr>
         <p:txBody>
           <a:bodyPr vert="horz" lIns="91440" tIns="45720" rIns="91440" bIns="45720" rtlCol="0" anchor="t">
-            <a:normAutofit/>
+            <a:normAutofit fontScale="92500" lnSpcReduction="10000"/>
           </a:bodyPr>
           <a:lstStyle>
             <a:lvl1pPr marL="342900" indent="-306000" algn="l" defTabSz="457200" rtl="0" eaLnBrk="1" latinLnBrk="0" hangingPunct="1">
@@ -8800,6 +8304,3898 @@
           <a:p>
             <a:pPr marL="347472" indent="-301752" algn="l" rtl="0" eaLnBrk="1" latinLnBrk="0" hangingPunct="1">
               <a:spcBef>
+                <a:spcPts val="480"/>
+              </a:spcBef>
+              <a:spcAft>
+                <a:spcPts val="600"/>
+              </a:spcAft>
+              <a:buClr>
+                <a:schemeClr val="tx2"/>
+              </a:buClr>
+              <a:buSzPct val="70000"/>
+              <a:buFont typeface="Wingdings 2" panose="05020102010507070707" pitchFamily="18" charset="2"/>
+              <a:buChar char="±"/>
+            </a:pPr>
+            <a:r>
+              <a:rPr lang="en-US" sz="1800" kern="1200" dirty="0">
+                <a:ln w="9525" cap="flat" cmpd="sng" algn="ctr">
+                  <a:solidFill>
+                    <a:srgbClr val="404040">
+                      <a:alpha val="10000"/>
+                    </a:srgbClr>
+                  </a:solidFill>
+                  <a:prstDash val="solid"/>
+                  <a:round/>
+                </a:ln>
+                <a:solidFill>
+                  <a:srgbClr val="DADADA"/>
+                </a:solidFill>
+                <a:effectLst/>
+                <a:latin typeface="Calisto MT" panose="02040603050505030304" pitchFamily="18" charset="0"/>
+              </a:rPr>
+              <a:t>Attempt 2: Board Game Stats Predict Gender</a:t>
+            </a:r>
+            <a:endParaRPr lang="en-US" sz="1800" dirty="0">
+              <a:effectLst/>
+            </a:endParaRPr>
+          </a:p>
+          <a:p>
+            <a:pPr marL="722376" indent="-274320" algn="l" rtl="0" eaLnBrk="1" latinLnBrk="0" hangingPunct="1">
+              <a:spcBef>
+                <a:spcPts val="432"/>
+              </a:spcBef>
+              <a:spcAft>
+                <a:spcPts val="600"/>
+              </a:spcAft>
+            </a:pPr>
+            <a:r>
+              <a:rPr lang="en-US" sz="1800" kern="1200" dirty="0">
+                <a:ln w="9525" cap="flat" cmpd="sng" algn="ctr">
+                  <a:solidFill>
+                    <a:srgbClr val="404040">
+                      <a:alpha val="10000"/>
+                    </a:srgbClr>
+                  </a:solidFill>
+                  <a:prstDash val="solid"/>
+                  <a:round/>
+                </a:ln>
+                <a:solidFill>
+                  <a:srgbClr val="DADADA"/>
+                </a:solidFill>
+                <a:effectLst/>
+                <a:latin typeface="Calisto MT" panose="02040603050505030304" pitchFamily="18" charset="0"/>
+              </a:rPr>
+              <a:t>Significantly Higher Data Depth and Diversity</a:t>
+            </a:r>
+            <a:endParaRPr lang="en-US" dirty="0">
+              <a:effectLst/>
+            </a:endParaRPr>
+          </a:p>
+          <a:p>
+            <a:pPr marL="722376" indent="-274320" algn="l" rtl="0" eaLnBrk="1" latinLnBrk="0" hangingPunct="1">
+              <a:spcBef>
+                <a:spcPts val="432"/>
+              </a:spcBef>
+              <a:spcAft>
+                <a:spcPts val="600"/>
+              </a:spcAft>
+            </a:pPr>
+            <a:r>
+              <a:rPr lang="en-US" sz="1800" kern="1200" dirty="0">
+                <a:ln w="9525" cap="flat" cmpd="sng" algn="ctr">
+                  <a:solidFill>
+                    <a:srgbClr val="404040">
+                      <a:alpha val="10000"/>
+                    </a:srgbClr>
+                  </a:solidFill>
+                  <a:prstDash val="solid"/>
+                  <a:round/>
+                </a:ln>
+                <a:solidFill>
+                  <a:srgbClr val="DADADA"/>
+                </a:solidFill>
+                <a:effectLst/>
+                <a:latin typeface="Calisto MT" panose="02040603050505030304" pitchFamily="18" charset="0"/>
+                <a:ea typeface="+mn-ea"/>
+                <a:cs typeface="+mn-cs"/>
+              </a:rPr>
+              <a:t>X – All Board Game Features (</a:t>
+            </a:r>
+            <a:r>
+              <a:rPr lang="en-US" sz="1800" kern="1200" dirty="0">
+                <a:ln w="9525" cap="flat" cmpd="sng" algn="ctr">
+                  <a:solidFill>
+                    <a:srgbClr val="404040">
+                      <a:alpha val="10000"/>
+                    </a:srgbClr>
+                  </a:solidFill>
+                  <a:prstDash val="solid"/>
+                  <a:round/>
+                </a:ln>
+                <a:solidFill>
+                  <a:srgbClr val="DADADA"/>
+                </a:solidFill>
+                <a:effectLst/>
+                <a:latin typeface="Consolas" panose="020B0609020204030204" pitchFamily="49" charset="0"/>
+              </a:rPr>
+              <a:t>'</a:t>
+            </a:r>
+            <a:r>
+              <a:rPr lang="en-US" sz="1800" kern="1200" dirty="0" err="1">
+                <a:ln w="9525" cap="flat" cmpd="sng" algn="ctr">
+                  <a:solidFill>
+                    <a:srgbClr val="404040">
+                      <a:alpha val="10000"/>
+                    </a:srgbClr>
+                  </a:solidFill>
+                  <a:prstDash val="solid"/>
+                  <a:round/>
+                </a:ln>
+                <a:solidFill>
+                  <a:srgbClr val="DADADA"/>
+                </a:solidFill>
+                <a:effectLst/>
+                <a:latin typeface="Consolas" panose="020B0609020204030204" pitchFamily="49" charset="0"/>
+              </a:rPr>
+              <a:t>EnjoysBoardGames</a:t>
+            </a:r>
+            <a:r>
+              <a:rPr lang="en-US" sz="1800" kern="1200" dirty="0">
+                <a:ln w="9525" cap="flat" cmpd="sng" algn="ctr">
+                  <a:solidFill>
+                    <a:srgbClr val="404040">
+                      <a:alpha val="10000"/>
+                    </a:srgbClr>
+                  </a:solidFill>
+                  <a:prstDash val="solid"/>
+                  <a:round/>
+                </a:ln>
+                <a:solidFill>
+                  <a:srgbClr val="DADADA"/>
+                </a:solidFill>
+                <a:effectLst/>
+                <a:latin typeface="Consolas" panose="020B0609020204030204" pitchFamily="49" charset="0"/>
+              </a:rPr>
+              <a:t>', '</a:t>
+            </a:r>
+            <a:r>
+              <a:rPr lang="en-US" sz="1800" kern="1200" dirty="0" err="1">
+                <a:ln w="9525" cap="flat" cmpd="sng" algn="ctr">
+                  <a:solidFill>
+                    <a:srgbClr val="404040">
+                      <a:alpha val="10000"/>
+                    </a:srgbClr>
+                  </a:solidFill>
+                  <a:prstDash val="solid"/>
+                  <a:round/>
+                </a:ln>
+                <a:solidFill>
+                  <a:srgbClr val="DADADA"/>
+                </a:solidFill>
+                <a:effectLst/>
+                <a:latin typeface="Consolas" panose="020B0609020204030204" pitchFamily="49" charset="0"/>
+              </a:rPr>
+              <a:t>BoardGamesOwned</a:t>
+            </a:r>
+            <a:r>
+              <a:rPr lang="en-US" sz="1800" kern="1200" dirty="0">
+                <a:ln w="9525" cap="flat" cmpd="sng" algn="ctr">
+                  <a:solidFill>
+                    <a:srgbClr val="404040">
+                      <a:alpha val="10000"/>
+                    </a:srgbClr>
+                  </a:solidFill>
+                  <a:prstDash val="solid"/>
+                  <a:round/>
+                </a:ln>
+                <a:solidFill>
+                  <a:srgbClr val="DADADA"/>
+                </a:solidFill>
+                <a:effectLst/>
+                <a:latin typeface="Consolas" panose="020B0609020204030204" pitchFamily="49" charset="0"/>
+              </a:rPr>
+              <a:t>’, '</a:t>
+            </a:r>
+            <a:r>
+              <a:rPr lang="en-US" sz="1800" kern="1200" dirty="0" err="1">
+                <a:ln w="9525" cap="flat" cmpd="sng" algn="ctr">
+                  <a:solidFill>
+                    <a:srgbClr val="404040">
+                      <a:alpha val="10000"/>
+                    </a:srgbClr>
+                  </a:solidFill>
+                  <a:prstDash val="solid"/>
+                  <a:round/>
+                </a:ln>
+                <a:solidFill>
+                  <a:srgbClr val="DADADA"/>
+                </a:solidFill>
+                <a:effectLst/>
+                <a:latin typeface="Consolas" panose="020B0609020204030204" pitchFamily="49" charset="0"/>
+              </a:rPr>
+              <a:t>FrequencyOfPlay</a:t>
+            </a:r>
+            <a:r>
+              <a:rPr lang="en-US" sz="1800" kern="1200" dirty="0">
+                <a:ln w="9525" cap="flat" cmpd="sng" algn="ctr">
+                  <a:solidFill>
+                    <a:srgbClr val="404040">
+                      <a:alpha val="10000"/>
+                    </a:srgbClr>
+                  </a:solidFill>
+                  <a:prstDash val="solid"/>
+                  <a:round/>
+                </a:ln>
+                <a:solidFill>
+                  <a:srgbClr val="DADADA"/>
+                </a:solidFill>
+                <a:effectLst/>
+                <a:latin typeface="Consolas" panose="020B0609020204030204" pitchFamily="49" charset="0"/>
+              </a:rPr>
+              <a:t>', 'Style', '</a:t>
+            </a:r>
+            <a:r>
+              <a:rPr lang="en-US" sz="1800" kern="1200" dirty="0" err="1">
+                <a:ln w="9525" cap="flat" cmpd="sng" algn="ctr">
+                  <a:solidFill>
+                    <a:srgbClr val="404040">
+                      <a:alpha val="10000"/>
+                    </a:srgbClr>
+                  </a:solidFill>
+                  <a:prstDash val="solid"/>
+                  <a:round/>
+                </a:ln>
+                <a:solidFill>
+                  <a:srgbClr val="DADADA"/>
+                </a:solidFill>
+                <a:effectLst/>
+                <a:latin typeface="Consolas" panose="020B0609020204030204" pitchFamily="49" charset="0"/>
+              </a:rPr>
+              <a:t>ChessRating</a:t>
+            </a:r>
+            <a:r>
+              <a:rPr lang="en-US" sz="1800" kern="1200" dirty="0">
+                <a:ln w="9525" cap="flat" cmpd="sng" algn="ctr">
+                  <a:solidFill>
+                    <a:srgbClr val="404040">
+                      <a:alpha val="10000"/>
+                    </a:srgbClr>
+                  </a:solidFill>
+                  <a:prstDash val="solid"/>
+                  <a:round/>
+                </a:ln>
+                <a:solidFill>
+                  <a:srgbClr val="DADADA"/>
+                </a:solidFill>
+                <a:effectLst/>
+                <a:latin typeface="Consolas" panose="020B0609020204030204" pitchFamily="49" charset="0"/>
+              </a:rPr>
+              <a:t>', '</a:t>
+            </a:r>
+            <a:r>
+              <a:rPr lang="en-US" sz="1800" kern="1200" dirty="0" err="1">
+                <a:ln w="9525" cap="flat" cmpd="sng" algn="ctr">
+                  <a:solidFill>
+                    <a:srgbClr val="404040">
+                      <a:alpha val="10000"/>
+                    </a:srgbClr>
+                  </a:solidFill>
+                  <a:prstDash val="solid"/>
+                  <a:round/>
+                </a:ln>
+                <a:solidFill>
+                  <a:srgbClr val="DADADA"/>
+                </a:solidFill>
+                <a:effectLst/>
+                <a:latin typeface="Consolas" panose="020B0609020204030204" pitchFamily="49" charset="0"/>
+              </a:rPr>
+              <a:t>PreferredElements</a:t>
+            </a:r>
+            <a:r>
+              <a:rPr lang="en-US" sz="1800" kern="1200" dirty="0">
+                <a:ln w="9525" cap="flat" cmpd="sng" algn="ctr">
+                  <a:solidFill>
+                    <a:srgbClr val="404040">
+                      <a:alpha val="10000"/>
+                    </a:srgbClr>
+                  </a:solidFill>
+                  <a:prstDash val="solid"/>
+                  <a:round/>
+                </a:ln>
+                <a:solidFill>
+                  <a:srgbClr val="DADADA"/>
+                </a:solidFill>
+                <a:effectLst/>
+                <a:latin typeface="Consolas" panose="020B0609020204030204" pitchFamily="49" charset="0"/>
+              </a:rPr>
+              <a:t>', '</a:t>
+            </a:r>
+            <a:r>
+              <a:rPr lang="en-US" sz="1800" kern="1200" dirty="0" err="1">
+                <a:ln w="9525" cap="flat" cmpd="sng" algn="ctr">
+                  <a:solidFill>
+                    <a:srgbClr val="404040">
+                      <a:alpha val="10000"/>
+                    </a:srgbClr>
+                  </a:solidFill>
+                  <a:prstDash val="solid"/>
+                  <a:round/>
+                </a:ln>
+                <a:solidFill>
+                  <a:srgbClr val="DADADA"/>
+                </a:solidFill>
+                <a:effectLst/>
+                <a:latin typeface="Consolas" panose="020B0609020204030204" pitchFamily="49" charset="0"/>
+              </a:rPr>
+              <a:t>EnjoyedGenres</a:t>
+            </a:r>
+            <a:r>
+              <a:rPr lang="en-US" sz="1800" dirty="0">
+                <a:ln w="9525" cap="flat" cmpd="sng" algn="ctr">
+                  <a:solidFill>
+                    <a:srgbClr val="404040">
+                      <a:alpha val="10000"/>
+                    </a:srgbClr>
+                  </a:solidFill>
+                  <a:prstDash val="solid"/>
+                  <a:round/>
+                </a:ln>
+                <a:solidFill>
+                  <a:srgbClr val="DADADA"/>
+                </a:solidFill>
+                <a:effectLst/>
+                <a:latin typeface="Consolas" panose="020B0609020204030204" pitchFamily="49" charset="0"/>
+              </a:rPr>
+              <a:t>'</a:t>
+            </a:r>
+            <a:r>
+              <a:rPr lang="en-US" sz="1800" kern="1200" dirty="0">
+                <a:ln w="9525" cap="flat" cmpd="sng" algn="ctr">
+                  <a:solidFill>
+                    <a:srgbClr val="404040">
+                      <a:alpha val="10000"/>
+                    </a:srgbClr>
+                  </a:solidFill>
+                  <a:prstDash val="solid"/>
+                  <a:round/>
+                </a:ln>
+                <a:solidFill>
+                  <a:srgbClr val="DADADA"/>
+                </a:solidFill>
+                <a:effectLst/>
+                <a:latin typeface="+mj-lt"/>
+              </a:rPr>
+              <a:t>)</a:t>
+            </a:r>
+            <a:endParaRPr lang="en-US" dirty="0">
+              <a:effectLst/>
+              <a:latin typeface="Consolas" panose="020B0609020204030204" pitchFamily="49" charset="0"/>
+            </a:endParaRPr>
+          </a:p>
+          <a:p>
+            <a:pPr marL="722376" indent="-274320" algn="l" rtl="0" eaLnBrk="1" latinLnBrk="0" hangingPunct="1">
+              <a:spcBef>
+                <a:spcPts val="432"/>
+              </a:spcBef>
+              <a:spcAft>
+                <a:spcPts val="600"/>
+              </a:spcAft>
+            </a:pPr>
+            <a:r>
+              <a:rPr lang="en-US" sz="1800" kern="1200" dirty="0">
+                <a:ln w="9525" cap="flat" cmpd="sng" algn="ctr">
+                  <a:solidFill>
+                    <a:srgbClr val="404040">
+                      <a:alpha val="10000"/>
+                    </a:srgbClr>
+                  </a:solidFill>
+                  <a:prstDash val="solid"/>
+                  <a:round/>
+                </a:ln>
+                <a:solidFill>
+                  <a:srgbClr val="DADADA"/>
+                </a:solidFill>
+                <a:effectLst/>
+                <a:latin typeface="Calisto MT" panose="02040603050505030304" pitchFamily="18" charset="0"/>
+              </a:rPr>
+              <a:t>y – Gender (excluding Non-Binary Responses)</a:t>
+            </a:r>
+            <a:endParaRPr lang="en-US" dirty="0">
+              <a:effectLst/>
+            </a:endParaRPr>
+          </a:p>
+          <a:p>
+            <a:pPr marL="722376" indent="-274320" algn="l" rtl="0" eaLnBrk="1" latinLnBrk="0" hangingPunct="1">
+              <a:spcBef>
+                <a:spcPts val="432"/>
+              </a:spcBef>
+              <a:spcAft>
+                <a:spcPts val="600"/>
+              </a:spcAft>
+            </a:pPr>
+            <a:r>
+              <a:rPr lang="en-US" sz="1800" kern="1200" dirty="0">
+                <a:ln w="9525" cap="flat" cmpd="sng" algn="ctr">
+                  <a:solidFill>
+                    <a:srgbClr val="404040">
+                      <a:alpha val="10000"/>
+                    </a:srgbClr>
+                  </a:solidFill>
+                  <a:prstDash val="solid"/>
+                  <a:round/>
+                </a:ln>
+                <a:solidFill>
+                  <a:srgbClr val="DADADA"/>
+                </a:solidFill>
+                <a:effectLst/>
+                <a:latin typeface="Calisto MT" panose="02040603050505030304" pitchFamily="18" charset="0"/>
+              </a:rPr>
+              <a:t>80/20 – Train/Test Data Splits with 4-Fold Cross Validation</a:t>
+            </a:r>
+            <a:endParaRPr lang="en-US" dirty="0">
+              <a:effectLst/>
+            </a:endParaRPr>
+          </a:p>
+          <a:p>
+            <a:pPr marL="722376" indent="-274320" algn="l" rtl="0" eaLnBrk="1" latinLnBrk="0" hangingPunct="1">
+              <a:spcBef>
+                <a:spcPts val="432"/>
+              </a:spcBef>
+              <a:spcAft>
+                <a:spcPts val="600"/>
+              </a:spcAft>
+            </a:pPr>
+            <a:r>
+              <a:rPr lang="en-US" sz="1800" kern="1200" dirty="0">
+                <a:ln w="9525" cap="flat" cmpd="sng" algn="ctr">
+                  <a:solidFill>
+                    <a:srgbClr val="404040">
+                      <a:alpha val="10000"/>
+                    </a:srgbClr>
+                  </a:solidFill>
+                  <a:prstDash val="solid"/>
+                  <a:round/>
+                </a:ln>
+                <a:solidFill>
+                  <a:srgbClr val="DADADA"/>
+                </a:solidFill>
+                <a:effectLst/>
+                <a:latin typeface="Calisto MT" panose="02040603050505030304" pitchFamily="18" charset="0"/>
+              </a:rPr>
+              <a:t>Accuracy Metric used for Scoring</a:t>
+            </a:r>
+            <a:endParaRPr lang="en-US" dirty="0">
+              <a:effectLst/>
+            </a:endParaRPr>
+          </a:p>
+          <a:p>
+            <a:pPr marL="722376" indent="-274320" algn="l" rtl="0" eaLnBrk="1" latinLnBrk="0" hangingPunct="1">
+              <a:spcBef>
+                <a:spcPts val="432"/>
+              </a:spcBef>
+              <a:spcAft>
+                <a:spcPts val="600"/>
+              </a:spcAft>
+            </a:pPr>
+            <a:r>
+              <a:rPr lang="en-US" sz="1800" kern="1200" dirty="0">
+                <a:ln w="9525" cap="flat" cmpd="sng" algn="ctr">
+                  <a:solidFill>
+                    <a:srgbClr val="404040">
+                      <a:alpha val="10000"/>
+                    </a:srgbClr>
+                  </a:solidFill>
+                  <a:prstDash val="solid"/>
+                  <a:round/>
+                </a:ln>
+                <a:solidFill>
+                  <a:srgbClr val="DADADA"/>
+                </a:solidFill>
+                <a:effectLst/>
+                <a:latin typeface="Calisto MT" panose="02040603050505030304" pitchFamily="18" charset="0"/>
+                <a:ea typeface="+mn-ea"/>
+                <a:cs typeface="+mn-cs"/>
+              </a:rPr>
+              <a:t>Baselines: </a:t>
+            </a:r>
+            <a:r>
+              <a:rPr lang="en-US" sz="1800" kern="1200" dirty="0" err="1">
+                <a:ln w="9525" cap="flat" cmpd="sng" algn="ctr">
+                  <a:solidFill>
+                    <a:srgbClr val="404040">
+                      <a:alpha val="10000"/>
+                    </a:srgbClr>
+                  </a:solidFill>
+                  <a:prstDash val="solid"/>
+                  <a:round/>
+                </a:ln>
+                <a:solidFill>
+                  <a:srgbClr val="DADADA"/>
+                </a:solidFill>
+                <a:effectLst/>
+                <a:latin typeface="Calisto MT" panose="02040603050505030304" pitchFamily="18" charset="0"/>
+                <a:ea typeface="+mn-ea"/>
+                <a:cs typeface="+mn-cs"/>
+              </a:rPr>
+              <a:t>Most_Frequent</a:t>
+            </a:r>
+            <a:r>
+              <a:rPr lang="en-US" sz="1800" kern="1200" dirty="0">
+                <a:ln w="9525" cap="flat" cmpd="sng" algn="ctr">
+                  <a:solidFill>
+                    <a:srgbClr val="404040">
+                      <a:alpha val="10000"/>
+                    </a:srgbClr>
+                  </a:solidFill>
+                  <a:prstDash val="solid"/>
+                  <a:round/>
+                </a:ln>
+                <a:solidFill>
+                  <a:srgbClr val="DADADA"/>
+                </a:solidFill>
+                <a:effectLst/>
+                <a:latin typeface="Calisto MT" panose="02040603050505030304" pitchFamily="18" charset="0"/>
+              </a:rPr>
+              <a:t> and Uniform</a:t>
+            </a:r>
+            <a:endParaRPr lang="en-US" dirty="0">
+              <a:effectLst/>
+            </a:endParaRPr>
+          </a:p>
+        </p:txBody>
+      </p:sp>
+      <p:graphicFrame>
+        <p:nvGraphicFramePr>
+          <p:cNvPr id="5" name="Table 4">
+            <a:extLst>
+              <a:ext uri="{FF2B5EF4-FFF2-40B4-BE49-F238E27FC236}">
+                <a16:creationId xmlns:a16="http://schemas.microsoft.com/office/drawing/2014/main" id="{522ECD81-3875-7E89-BB45-D7C82EC716BA}"/>
+              </a:ext>
+            </a:extLst>
+          </p:cNvPr>
+          <p:cNvGraphicFramePr>
+            <a:graphicFrameLocks noGrp="1"/>
+          </p:cNvGraphicFramePr>
+          <p:nvPr>
+            <p:extLst>
+              <p:ext uri="{D42A27DB-BD31-4B8C-83A1-F6EECF244321}">
+                <p14:modId xmlns:p14="http://schemas.microsoft.com/office/powerpoint/2010/main" val="1653775679"/>
+              </p:ext>
+            </p:extLst>
+          </p:nvPr>
+        </p:nvGraphicFramePr>
+        <p:xfrm>
+          <a:off x="1222210" y="4457926"/>
+          <a:ext cx="4565374" cy="1790474"/>
+        </p:xfrm>
+        <a:graphic>
+          <a:graphicData uri="http://schemas.openxmlformats.org/drawingml/2006/table">
+            <a:tbl>
+              <a:tblPr firstRow="1" bandRow="1">
+                <a:tableStyleId>{5C22544A-7EE6-4342-B048-85BDC9FD1C3A}</a:tableStyleId>
+              </a:tblPr>
+              <a:tblGrid>
+                <a:gridCol w="2276364">
+                  <a:extLst>
+                    <a:ext uri="{9D8B030D-6E8A-4147-A177-3AD203B41FA5}">
+                      <a16:colId xmlns:a16="http://schemas.microsoft.com/office/drawing/2014/main" val="4180123761"/>
+                    </a:ext>
+                  </a:extLst>
+                </a:gridCol>
+                <a:gridCol w="2289010">
+                  <a:extLst>
+                    <a:ext uri="{9D8B030D-6E8A-4147-A177-3AD203B41FA5}">
+                      <a16:colId xmlns:a16="http://schemas.microsoft.com/office/drawing/2014/main" val="3066703162"/>
+                    </a:ext>
+                  </a:extLst>
+                </a:gridCol>
+              </a:tblGrid>
+              <a:tr h="186531">
+                <a:tc>
+                  <a:txBody>
+                    <a:bodyPr/>
+                    <a:lstStyle/>
+                    <a:p>
+                      <a:r>
+                        <a:rPr lang="en-US" sz="1500" dirty="0"/>
+                        <a:t>Model</a:t>
+                      </a:r>
+                    </a:p>
+                  </a:txBody>
+                  <a:tcPr/>
+                </a:tc>
+                <a:tc>
+                  <a:txBody>
+                    <a:bodyPr/>
+                    <a:lstStyle/>
+                    <a:p>
+                      <a:r>
+                        <a:rPr lang="en-US" sz="1500" dirty="0"/>
+                        <a:t>Score (average across 3 folds)</a:t>
+                      </a:r>
+                    </a:p>
+                  </a:txBody>
+                  <a:tcPr/>
+                </a:tc>
+                <a:extLst>
+                  <a:ext uri="{0D108BD9-81ED-4DB2-BD59-A6C34878D82A}">
+                    <a16:rowId xmlns:a16="http://schemas.microsoft.com/office/drawing/2014/main" val="1529991660"/>
+                  </a:ext>
+                </a:extLst>
+              </a:tr>
+              <a:tr h="597920">
+                <a:tc>
+                  <a:txBody>
+                    <a:bodyPr/>
+                    <a:lstStyle/>
+                    <a:p>
+                      <a:r>
+                        <a:rPr lang="en-US" sz="1500" dirty="0"/>
+                        <a:t>Linear Regression (with Ordinal Encoding of y)</a:t>
+                      </a:r>
+                    </a:p>
+                  </a:txBody>
+                  <a:tcPr/>
+                </a:tc>
+                <a:tc>
+                  <a:txBody>
+                    <a:bodyPr/>
+                    <a:lstStyle/>
+                    <a:p>
+                      <a:r>
+                        <a:rPr lang="en-US" sz="1500" b="0" i="0" kern="1200" baseline="0" dirty="0">
+                          <a:solidFill>
+                            <a:schemeClr val="dk1"/>
+                          </a:solidFill>
+                          <a:effectLst/>
+                          <a:latin typeface="+mn-lt"/>
+                          <a:ea typeface="+mn-ea"/>
+                          <a:cs typeface="+mn-cs"/>
+                        </a:rPr>
+                        <a:t>R</a:t>
+                      </a:r>
+                      <a:r>
+                        <a:rPr lang="en-US" sz="1500" b="0" i="0" kern="1200" baseline="30000" dirty="0">
+                          <a:solidFill>
+                            <a:schemeClr val="dk1"/>
+                          </a:solidFill>
+                          <a:effectLst/>
+                          <a:latin typeface="+mn-lt"/>
+                          <a:ea typeface="+mn-ea"/>
+                          <a:cs typeface="+mn-cs"/>
+                        </a:rPr>
+                        <a:t>2</a:t>
+                      </a:r>
+                      <a:r>
+                        <a:rPr lang="en-US" sz="1500" b="0" i="0" kern="1200" baseline="0" dirty="0">
+                          <a:solidFill>
+                            <a:schemeClr val="dk1"/>
+                          </a:solidFill>
+                          <a:effectLst/>
+                          <a:latin typeface="+mn-lt"/>
+                          <a:ea typeface="+mn-ea"/>
+                          <a:cs typeface="+mn-cs"/>
+                        </a:rPr>
+                        <a:t>: -0.18</a:t>
+                      </a:r>
+                    </a:p>
+                    <a:p>
+                      <a:endParaRPr lang="en-US" sz="1500" baseline="0" dirty="0"/>
+                    </a:p>
+                  </a:txBody>
+                  <a:tcPr/>
+                </a:tc>
+                <a:extLst>
+                  <a:ext uri="{0D108BD9-81ED-4DB2-BD59-A6C34878D82A}">
+                    <a16:rowId xmlns:a16="http://schemas.microsoft.com/office/drawing/2014/main" val="842138586"/>
+                  </a:ext>
+                </a:extLst>
+              </a:tr>
+              <a:tr h="321957">
+                <a:tc>
+                  <a:txBody>
+                    <a:bodyPr/>
+                    <a:lstStyle/>
+                    <a:p>
+                      <a:r>
+                        <a:rPr lang="en-US" sz="1500" dirty="0"/>
+                        <a:t>Logistic Regression</a:t>
+                      </a:r>
+                    </a:p>
+                  </a:txBody>
+                  <a:tcPr/>
+                </a:tc>
+                <a:tc>
+                  <a:txBody>
+                    <a:bodyPr/>
+                    <a:lstStyle/>
+                    <a:p>
+                      <a:r>
+                        <a:rPr lang="en-US" sz="1500" b="0" i="0" kern="1200" dirty="0">
+                          <a:solidFill>
+                            <a:schemeClr val="dk1"/>
+                          </a:solidFill>
+                          <a:effectLst/>
+                          <a:latin typeface="+mn-lt"/>
+                          <a:ea typeface="+mn-ea"/>
+                          <a:cs typeface="+mn-cs"/>
+                        </a:rPr>
+                        <a:t>Accuracy: 0.217</a:t>
+                      </a:r>
+                      <a:endParaRPr lang="en-US" sz="1500" baseline="0" dirty="0"/>
+                    </a:p>
+                  </a:txBody>
+                  <a:tcPr/>
+                </a:tc>
+                <a:extLst>
+                  <a:ext uri="{0D108BD9-81ED-4DB2-BD59-A6C34878D82A}">
+                    <a16:rowId xmlns:a16="http://schemas.microsoft.com/office/drawing/2014/main" val="955128008"/>
+                  </a:ext>
+                </a:extLst>
+              </a:tr>
+              <a:tr h="321957">
+                <a:tc>
+                  <a:txBody>
+                    <a:bodyPr/>
+                    <a:lstStyle/>
+                    <a:p>
+                      <a:r>
+                        <a:rPr lang="en-US" sz="1500" dirty="0"/>
+                        <a:t>Uniform Baseline</a:t>
+                      </a:r>
+                    </a:p>
+                  </a:txBody>
+                  <a:tcPr/>
+                </a:tc>
+                <a:tc>
+                  <a:txBody>
+                    <a:bodyPr/>
+                    <a:lstStyle/>
+                    <a:p>
+                      <a:r>
+                        <a:rPr lang="en-US" sz="1500" dirty="0"/>
+                        <a:t>Accuracy: </a:t>
+                      </a:r>
+                      <a:r>
+                        <a:rPr lang="en-US" sz="1500" b="0" i="0" kern="1200" dirty="0">
+                          <a:solidFill>
+                            <a:schemeClr val="dk1"/>
+                          </a:solidFill>
+                          <a:effectLst/>
+                          <a:latin typeface="+mn-lt"/>
+                          <a:ea typeface="+mn-ea"/>
+                          <a:cs typeface="+mn-cs"/>
+                        </a:rPr>
+                        <a:t>0.133</a:t>
+                      </a:r>
+                      <a:endParaRPr lang="en-US" sz="1500" dirty="0"/>
+                    </a:p>
+                  </a:txBody>
+                  <a:tcPr/>
+                </a:tc>
+                <a:extLst>
+                  <a:ext uri="{0D108BD9-81ED-4DB2-BD59-A6C34878D82A}">
+                    <a16:rowId xmlns:a16="http://schemas.microsoft.com/office/drawing/2014/main" val="1244278847"/>
+                  </a:ext>
+                </a:extLst>
+              </a:tr>
+            </a:tbl>
+          </a:graphicData>
+        </a:graphic>
+      </p:graphicFrame>
+    </p:spTree>
+    <p:extLst>
+      <p:ext uri="{BB962C8B-B14F-4D97-AF65-F5344CB8AC3E}">
+        <p14:creationId xmlns:p14="http://schemas.microsoft.com/office/powerpoint/2010/main" val="3113457664"/>
+      </p:ext>
+    </p:extLst>
+  </p:cSld>
+  <p:clrMapOvr>
+    <a:masterClrMapping/>
+  </p:clrMapOvr>
+</p:sld>
+</file>
+
+<file path=ppt/slides/slide15.xml><?xml version="1.0" encoding="utf-8"?>
+<p:sld xmlns:a="http://schemas.openxmlformats.org/drawingml/2006/main" xmlns:r="http://schemas.openxmlformats.org/officeDocument/2006/relationships" xmlns:p="http://schemas.openxmlformats.org/presentationml/2006/main">
+  <p:cSld>
+    <p:spTree>
+      <p:nvGrpSpPr>
+        <p:cNvPr id="1" name=""/>
+        <p:cNvGrpSpPr/>
+        <p:nvPr/>
+      </p:nvGrpSpPr>
+      <p:grpSpPr>
+        <a:xfrm>
+          <a:off x="0" y="0"/>
+          <a:ext cx="0" cy="0"/>
+          <a:chOff x="0" y="0"/>
+          <a:chExt cx="0" cy="0"/>
+        </a:xfrm>
+      </p:grpSpPr>
+      <p:sp>
+        <p:nvSpPr>
+          <p:cNvPr id="2" name="Title 1">
+            <a:extLst>
+              <a:ext uri="{FF2B5EF4-FFF2-40B4-BE49-F238E27FC236}">
+                <a16:creationId xmlns:a16="http://schemas.microsoft.com/office/drawing/2014/main" id="{A2873436-5E21-6C60-EE6A-CED2E3819F44}"/>
+              </a:ext>
+            </a:extLst>
+          </p:cNvPr>
+          <p:cNvSpPr>
+            <a:spLocks noGrp="1"/>
+          </p:cNvSpPr>
+          <p:nvPr>
+            <p:ph type="title"/>
+          </p:nvPr>
+        </p:nvSpPr>
+        <p:spPr>
+          <a:xfrm>
+            <a:off x="913795" y="609600"/>
+            <a:ext cx="6295388" cy="576470"/>
+          </a:xfrm>
+        </p:spPr>
+        <p:txBody>
+          <a:bodyPr>
+            <a:normAutofit/>
+          </a:bodyPr>
+          <a:lstStyle/>
+          <a:p>
+            <a:r>
+              <a:rPr lang="en-US" sz="3000" dirty="0"/>
+              <a:t>Classification Predictive Task (cont’d)</a:t>
+            </a:r>
+          </a:p>
+        </p:txBody>
+      </p:sp>
+      <p:sp>
+        <p:nvSpPr>
+          <p:cNvPr id="3" name="Content Placeholder 2">
+            <a:extLst>
+              <a:ext uri="{FF2B5EF4-FFF2-40B4-BE49-F238E27FC236}">
+                <a16:creationId xmlns:a16="http://schemas.microsoft.com/office/drawing/2014/main" id="{77C66682-ED18-7E80-C258-50C4F227D9A1}"/>
+              </a:ext>
+            </a:extLst>
+          </p:cNvPr>
+          <p:cNvSpPr>
+            <a:spLocks noGrp="1"/>
+          </p:cNvSpPr>
+          <p:nvPr>
+            <p:ph idx="1"/>
+          </p:nvPr>
+        </p:nvSpPr>
+        <p:spPr/>
+        <p:txBody>
+          <a:bodyPr/>
+          <a:lstStyle/>
+          <a:p>
+            <a:pPr marL="36900" indent="0">
+              <a:buNone/>
+            </a:pPr>
+            <a:endParaRPr lang="en-US" dirty="0"/>
+          </a:p>
+          <a:p>
+            <a:endParaRPr lang="en-US" dirty="0"/>
+          </a:p>
+        </p:txBody>
+      </p:sp>
+      <p:graphicFrame>
+        <p:nvGraphicFramePr>
+          <p:cNvPr id="5" name="Table 4">
+            <a:extLst>
+              <a:ext uri="{FF2B5EF4-FFF2-40B4-BE49-F238E27FC236}">
+                <a16:creationId xmlns:a16="http://schemas.microsoft.com/office/drawing/2014/main" id="{DFACD01C-AF7B-A7F3-054F-983852EE8558}"/>
+              </a:ext>
+            </a:extLst>
+          </p:cNvPr>
+          <p:cNvGraphicFramePr>
+            <a:graphicFrameLocks noGrp="1"/>
+          </p:cNvGraphicFramePr>
+          <p:nvPr>
+            <p:extLst>
+              <p:ext uri="{D42A27DB-BD31-4B8C-83A1-F6EECF244321}">
+                <p14:modId xmlns:p14="http://schemas.microsoft.com/office/powerpoint/2010/main" val="2035586920"/>
+              </p:ext>
+            </p:extLst>
+          </p:nvPr>
+        </p:nvGraphicFramePr>
+        <p:xfrm>
+          <a:off x="913795" y="1355771"/>
+          <a:ext cx="3389139" cy="5151120"/>
+        </p:xfrm>
+        <a:graphic>
+          <a:graphicData uri="http://schemas.openxmlformats.org/drawingml/2006/table">
+            <a:tbl>
+              <a:tblPr firstRow="1" bandRow="1">
+                <a:tableStyleId>{5C22544A-7EE6-4342-B048-85BDC9FD1C3A}</a:tableStyleId>
+              </a:tblPr>
+              <a:tblGrid>
+                <a:gridCol w="1825383">
+                  <a:extLst>
+                    <a:ext uri="{9D8B030D-6E8A-4147-A177-3AD203B41FA5}">
+                      <a16:colId xmlns:a16="http://schemas.microsoft.com/office/drawing/2014/main" val="1381953251"/>
+                    </a:ext>
+                  </a:extLst>
+                </a:gridCol>
+                <a:gridCol w="1563756">
+                  <a:extLst>
+                    <a:ext uri="{9D8B030D-6E8A-4147-A177-3AD203B41FA5}">
+                      <a16:colId xmlns:a16="http://schemas.microsoft.com/office/drawing/2014/main" val="190311619"/>
+                    </a:ext>
+                  </a:extLst>
+                </a:gridCol>
+              </a:tblGrid>
+              <a:tr h="370840">
+                <a:tc>
+                  <a:txBody>
+                    <a:bodyPr/>
+                    <a:lstStyle/>
+                    <a:p>
+                      <a:r>
+                        <a:rPr lang="en-US" dirty="0"/>
+                        <a:t>Models</a:t>
+                      </a:r>
+                    </a:p>
+                  </a:txBody>
+                  <a:tcPr/>
+                </a:tc>
+                <a:tc>
+                  <a:txBody>
+                    <a:bodyPr/>
+                    <a:lstStyle/>
+                    <a:p>
+                      <a:r>
+                        <a:rPr lang="en-US" dirty="0"/>
+                        <a:t>% Accuracy </a:t>
+                      </a:r>
+                    </a:p>
+                    <a:p>
+                      <a:r>
+                        <a:rPr lang="en-US" sz="1000" dirty="0"/>
+                        <a:t>(average across 4 fold cross validation)</a:t>
+                      </a:r>
+                    </a:p>
+                  </a:txBody>
+                  <a:tcPr/>
+                </a:tc>
+                <a:extLst>
+                  <a:ext uri="{0D108BD9-81ED-4DB2-BD59-A6C34878D82A}">
+                    <a16:rowId xmlns:a16="http://schemas.microsoft.com/office/drawing/2014/main" val="388319323"/>
+                  </a:ext>
+                </a:extLst>
+              </a:tr>
+              <a:tr h="370840">
+                <a:tc>
+                  <a:txBody>
+                    <a:bodyPr/>
+                    <a:lstStyle/>
+                    <a:p>
+                      <a:r>
+                        <a:rPr lang="en-US" dirty="0"/>
+                        <a:t>Most Frequent Baseline</a:t>
+                      </a:r>
+                    </a:p>
+                  </a:txBody>
+                  <a:tcPr/>
+                </a:tc>
+                <a:tc>
+                  <a:txBody>
+                    <a:bodyPr/>
+                    <a:lstStyle/>
+                    <a:p>
+                      <a:r>
+                        <a:rPr lang="en-US" sz="1800" b="0" i="0" kern="1200" dirty="0">
+                          <a:solidFill>
+                            <a:schemeClr val="dk1"/>
+                          </a:solidFill>
+                          <a:effectLst/>
+                          <a:latin typeface="+mn-lt"/>
+                          <a:ea typeface="+mn-ea"/>
+                          <a:cs typeface="+mn-cs"/>
+                        </a:rPr>
+                        <a:t>51.8%</a:t>
+                      </a:r>
+                      <a:endParaRPr lang="en-US" dirty="0"/>
+                    </a:p>
+                  </a:txBody>
+                  <a:tcPr/>
+                </a:tc>
+                <a:extLst>
+                  <a:ext uri="{0D108BD9-81ED-4DB2-BD59-A6C34878D82A}">
+                    <a16:rowId xmlns:a16="http://schemas.microsoft.com/office/drawing/2014/main" val="4018627609"/>
+                  </a:ext>
+                </a:extLst>
+              </a:tr>
+              <a:tr h="370840">
+                <a:tc>
+                  <a:txBody>
+                    <a:bodyPr/>
+                    <a:lstStyle/>
+                    <a:p>
+                      <a:r>
+                        <a:rPr lang="en-US" dirty="0"/>
+                        <a:t>Uniform Baseline</a:t>
+                      </a:r>
+                    </a:p>
+                  </a:txBody>
+                  <a:tcPr/>
+                </a:tc>
+                <a:tc>
+                  <a:txBody>
+                    <a:bodyPr/>
+                    <a:lstStyle/>
+                    <a:p>
+                      <a:r>
+                        <a:rPr lang="en-US" sz="1800" b="0" i="0" kern="1200" dirty="0">
+                          <a:solidFill>
+                            <a:schemeClr val="dk1"/>
+                          </a:solidFill>
+                          <a:effectLst/>
+                          <a:latin typeface="+mn-lt"/>
+                          <a:ea typeface="+mn-ea"/>
+                          <a:cs typeface="+mn-cs"/>
+                        </a:rPr>
+                        <a:t>53.0%</a:t>
+                      </a:r>
+                      <a:endParaRPr lang="en-US" dirty="0"/>
+                    </a:p>
+                  </a:txBody>
+                  <a:tcPr/>
+                </a:tc>
+                <a:extLst>
+                  <a:ext uri="{0D108BD9-81ED-4DB2-BD59-A6C34878D82A}">
+                    <a16:rowId xmlns:a16="http://schemas.microsoft.com/office/drawing/2014/main" val="716403750"/>
+                  </a:ext>
+                </a:extLst>
+              </a:tr>
+              <a:tr h="434598">
+                <a:tc>
+                  <a:txBody>
+                    <a:bodyPr/>
+                    <a:lstStyle/>
+                    <a:p>
+                      <a:r>
+                        <a:rPr lang="en-US" dirty="0"/>
+                        <a:t>Logistic Regression</a:t>
+                      </a:r>
+                    </a:p>
+                  </a:txBody>
+                  <a:tcPr/>
+                </a:tc>
+                <a:tc>
+                  <a:txBody>
+                    <a:bodyPr/>
+                    <a:lstStyle/>
+                    <a:p>
+                      <a:r>
+                        <a:rPr lang="en-US" sz="1800" b="0" i="0" kern="1200" dirty="0">
+                          <a:solidFill>
+                            <a:schemeClr val="dk1"/>
+                          </a:solidFill>
+                          <a:effectLst/>
+                          <a:latin typeface="+mn-lt"/>
+                          <a:ea typeface="+mn-ea"/>
+                          <a:cs typeface="+mn-cs"/>
+                        </a:rPr>
+                        <a:t>73.2%</a:t>
+                      </a:r>
+                      <a:endParaRPr lang="en-US" dirty="0"/>
+                    </a:p>
+                  </a:txBody>
+                  <a:tcPr/>
+                </a:tc>
+                <a:extLst>
+                  <a:ext uri="{0D108BD9-81ED-4DB2-BD59-A6C34878D82A}">
+                    <a16:rowId xmlns:a16="http://schemas.microsoft.com/office/drawing/2014/main" val="2455761132"/>
+                  </a:ext>
+                </a:extLst>
+              </a:tr>
+              <a:tr h="370840">
+                <a:tc>
+                  <a:txBody>
+                    <a:bodyPr/>
+                    <a:lstStyle/>
+                    <a:p>
+                      <a:r>
+                        <a:rPr lang="en-US" dirty="0"/>
+                        <a:t>K Neighbors Classifier</a:t>
+                      </a:r>
+                    </a:p>
+                  </a:txBody>
+                  <a:tcPr/>
+                </a:tc>
+                <a:tc>
+                  <a:txBody>
+                    <a:bodyPr/>
+                    <a:lstStyle/>
+                    <a:p>
+                      <a:r>
+                        <a:rPr lang="en-US" sz="1800" b="0" i="0" kern="1200" dirty="0">
+                          <a:solidFill>
+                            <a:schemeClr val="dk1"/>
+                          </a:solidFill>
+                          <a:effectLst/>
+                          <a:latin typeface="+mn-lt"/>
+                          <a:ea typeface="+mn-ea"/>
+                          <a:cs typeface="+mn-cs"/>
+                        </a:rPr>
+                        <a:t>59.5%</a:t>
+                      </a:r>
+                      <a:endParaRPr lang="en-US" dirty="0"/>
+                    </a:p>
+                  </a:txBody>
+                  <a:tcPr/>
+                </a:tc>
+                <a:extLst>
+                  <a:ext uri="{0D108BD9-81ED-4DB2-BD59-A6C34878D82A}">
+                    <a16:rowId xmlns:a16="http://schemas.microsoft.com/office/drawing/2014/main" val="1913452714"/>
+                  </a:ext>
+                </a:extLst>
+              </a:tr>
+              <a:tr h="370840">
+                <a:tc>
+                  <a:txBody>
+                    <a:bodyPr/>
+                    <a:lstStyle/>
+                    <a:p>
+                      <a:pPr marL="0" marR="0" lvl="0" indent="0" algn="l" defTabSz="457200" rtl="0" eaLnBrk="1" fontAlgn="auto" latinLnBrk="0" hangingPunct="1">
+                        <a:lnSpc>
+                          <a:spcPct val="100000"/>
+                        </a:lnSpc>
+                        <a:spcBef>
+                          <a:spcPts val="0"/>
+                        </a:spcBef>
+                        <a:spcAft>
+                          <a:spcPts val="0"/>
+                        </a:spcAft>
+                        <a:buClrTx/>
+                        <a:buSzTx/>
+                        <a:buFontTx/>
+                        <a:buNone/>
+                        <a:tabLst/>
+                        <a:defRPr/>
+                      </a:pPr>
+                      <a:r>
+                        <a:rPr lang="en-US" sz="1800" b="0" kern="1200" dirty="0">
+                          <a:solidFill>
+                            <a:schemeClr val="dk1"/>
+                          </a:solidFill>
+                          <a:effectLst/>
+                          <a:latin typeface="+mn-lt"/>
+                          <a:ea typeface="+mn-ea"/>
+                          <a:cs typeface="+mn-cs"/>
+                        </a:rPr>
+                        <a:t>Decision Tree Classifier</a:t>
+                      </a:r>
+                    </a:p>
+                  </a:txBody>
+                  <a:tcPr/>
+                </a:tc>
+                <a:tc>
+                  <a:txBody>
+                    <a:bodyPr/>
+                    <a:lstStyle/>
+                    <a:p>
+                      <a:r>
+                        <a:rPr lang="en-US" sz="1800" b="0" i="0" kern="1200" dirty="0">
+                          <a:solidFill>
+                            <a:schemeClr val="dk1"/>
+                          </a:solidFill>
+                          <a:effectLst/>
+                          <a:latin typeface="+mn-lt"/>
+                          <a:ea typeface="+mn-ea"/>
+                          <a:cs typeface="+mn-cs"/>
+                        </a:rPr>
+                        <a:t>57.1%</a:t>
+                      </a:r>
+                      <a:endParaRPr lang="en-US" dirty="0"/>
+                    </a:p>
+                  </a:txBody>
+                  <a:tcPr/>
+                </a:tc>
+                <a:extLst>
+                  <a:ext uri="{0D108BD9-81ED-4DB2-BD59-A6C34878D82A}">
+                    <a16:rowId xmlns:a16="http://schemas.microsoft.com/office/drawing/2014/main" val="3333169387"/>
+                  </a:ext>
+                </a:extLst>
+              </a:tr>
+              <a:tr h="370840">
+                <a:tc>
+                  <a:txBody>
+                    <a:bodyPr/>
+                    <a:lstStyle/>
+                    <a:p>
+                      <a:pPr marL="0" marR="0" lvl="0" indent="0" algn="l" defTabSz="457200" rtl="0" eaLnBrk="1" fontAlgn="auto" latinLnBrk="0" hangingPunct="1">
+                        <a:lnSpc>
+                          <a:spcPct val="100000"/>
+                        </a:lnSpc>
+                        <a:spcBef>
+                          <a:spcPts val="0"/>
+                        </a:spcBef>
+                        <a:spcAft>
+                          <a:spcPts val="0"/>
+                        </a:spcAft>
+                        <a:buClrTx/>
+                        <a:buSzTx/>
+                        <a:buFontTx/>
+                        <a:buNone/>
+                        <a:tabLst/>
+                        <a:defRPr/>
+                      </a:pPr>
+                      <a:r>
+                        <a:rPr lang="en-US" sz="1800" b="0" kern="1200" dirty="0">
+                          <a:solidFill>
+                            <a:schemeClr val="dk1"/>
+                          </a:solidFill>
+                          <a:effectLst/>
+                          <a:latin typeface="+mn-lt"/>
+                          <a:ea typeface="+mn-ea"/>
+                          <a:cs typeface="+mn-cs"/>
+                        </a:rPr>
+                        <a:t>Random Forest Classifier</a:t>
+                      </a:r>
+                    </a:p>
+                  </a:txBody>
+                  <a:tcPr/>
+                </a:tc>
+                <a:tc>
+                  <a:txBody>
+                    <a:bodyPr/>
+                    <a:lstStyle/>
+                    <a:p>
+                      <a:r>
+                        <a:rPr lang="en-US" sz="1800" b="0" i="0" kern="1200" dirty="0">
+                          <a:solidFill>
+                            <a:schemeClr val="dk1"/>
+                          </a:solidFill>
+                          <a:effectLst/>
+                          <a:latin typeface="+mn-lt"/>
+                          <a:ea typeface="+mn-ea"/>
+                          <a:cs typeface="+mn-cs"/>
+                        </a:rPr>
+                        <a:t>64.3%</a:t>
+                      </a:r>
+                      <a:endParaRPr lang="en-US" dirty="0"/>
+                    </a:p>
+                  </a:txBody>
+                  <a:tcPr/>
+                </a:tc>
+                <a:extLst>
+                  <a:ext uri="{0D108BD9-81ED-4DB2-BD59-A6C34878D82A}">
+                    <a16:rowId xmlns:a16="http://schemas.microsoft.com/office/drawing/2014/main" val="1716871361"/>
+                  </a:ext>
+                </a:extLst>
+              </a:tr>
+              <a:tr h="370840">
+                <a:tc>
+                  <a:txBody>
+                    <a:bodyPr/>
+                    <a:lstStyle/>
+                    <a:p>
+                      <a:pPr marL="0" marR="0" lvl="0" indent="0" algn="l" defTabSz="457200" rtl="0" eaLnBrk="1" fontAlgn="auto" latinLnBrk="0" hangingPunct="1">
+                        <a:lnSpc>
+                          <a:spcPct val="100000"/>
+                        </a:lnSpc>
+                        <a:spcBef>
+                          <a:spcPts val="0"/>
+                        </a:spcBef>
+                        <a:spcAft>
+                          <a:spcPts val="0"/>
+                        </a:spcAft>
+                        <a:buClrTx/>
+                        <a:buSzTx/>
+                        <a:buFontTx/>
+                        <a:buNone/>
+                        <a:tabLst/>
+                        <a:defRPr/>
+                      </a:pPr>
+                      <a:r>
+                        <a:rPr lang="en-US" sz="1800" b="0" kern="1200" dirty="0">
+                          <a:solidFill>
+                            <a:schemeClr val="dk1"/>
+                          </a:solidFill>
+                          <a:effectLst/>
+                          <a:latin typeface="+mn-lt"/>
+                          <a:ea typeface="+mn-ea"/>
+                          <a:cs typeface="+mn-cs"/>
+                        </a:rPr>
+                        <a:t>Tuned Random Forest Classifier</a:t>
+                      </a:r>
+                    </a:p>
+                  </a:txBody>
+                  <a:tcPr/>
+                </a:tc>
+                <a:tc>
+                  <a:txBody>
+                    <a:bodyPr/>
+                    <a:lstStyle/>
+                    <a:p>
+                      <a:r>
+                        <a:rPr lang="en-US" sz="1800" b="0" i="0" kern="1200" dirty="0">
+                          <a:solidFill>
+                            <a:schemeClr val="dk1"/>
+                          </a:solidFill>
+                          <a:effectLst/>
+                          <a:latin typeface="+mn-lt"/>
+                          <a:ea typeface="+mn-ea"/>
+                          <a:cs typeface="+mn-cs"/>
+                        </a:rPr>
+                        <a:t>72.0%</a:t>
+                      </a:r>
+                      <a:endParaRPr lang="en-US" dirty="0"/>
+                    </a:p>
+                  </a:txBody>
+                  <a:tcPr/>
+                </a:tc>
+                <a:extLst>
+                  <a:ext uri="{0D108BD9-81ED-4DB2-BD59-A6C34878D82A}">
+                    <a16:rowId xmlns:a16="http://schemas.microsoft.com/office/drawing/2014/main" val="3823936916"/>
+                  </a:ext>
+                </a:extLst>
+              </a:tr>
+            </a:tbl>
+          </a:graphicData>
+        </a:graphic>
+      </p:graphicFrame>
+      <p:sp>
+        <p:nvSpPr>
+          <p:cNvPr id="10" name="Content Placeholder 2">
+            <a:extLst>
+              <a:ext uri="{FF2B5EF4-FFF2-40B4-BE49-F238E27FC236}">
+                <a16:creationId xmlns:a16="http://schemas.microsoft.com/office/drawing/2014/main" id="{C443AE71-20F5-3A29-1B48-8545FC00D3D2}"/>
+              </a:ext>
+            </a:extLst>
+          </p:cNvPr>
+          <p:cNvSpPr txBox="1">
+            <a:spLocks/>
+          </p:cNvSpPr>
+          <p:nvPr/>
+        </p:nvSpPr>
+        <p:spPr>
+          <a:xfrm>
+            <a:off x="4688664" y="1355771"/>
+            <a:ext cx="6589541" cy="4998720"/>
+          </a:xfrm>
+          <a:prstGeom prst="rect">
+            <a:avLst/>
+          </a:prstGeom>
+          <a:effectLst>
+            <a:outerShdw blurRad="25400" dir="17880000">
+              <a:srgbClr val="000000">
+                <a:alpha val="46000"/>
+              </a:srgbClr>
+            </a:outerShdw>
+          </a:effectLst>
+        </p:spPr>
+        <p:txBody>
+          <a:bodyPr vert="horz" lIns="91440" tIns="45720" rIns="91440" bIns="45720" rtlCol="0" anchor="t">
+            <a:normAutofit/>
+          </a:bodyPr>
+          <a:lstStyle>
+            <a:lvl1pPr marL="342900" indent="-306000" algn="l" defTabSz="457200" rtl="0" eaLnBrk="1" latinLnBrk="0" hangingPunct="1">
+              <a:spcBef>
+                <a:spcPct val="20000"/>
+              </a:spcBef>
+              <a:spcAft>
+                <a:spcPts val="600"/>
+              </a:spcAft>
+              <a:buClr>
+                <a:schemeClr val="tx2"/>
+              </a:buClr>
+              <a:buSzPct val="70000"/>
+              <a:buFont typeface="Wingdings 2" charset="2"/>
+              <a:buChar char=""/>
+              <a:defRPr sz="2000" kern="1200">
+                <a:ln>
+                  <a:solidFill>
+                    <a:schemeClr val="bg1">
+                      <a:lumMod val="75000"/>
+                      <a:lumOff val="25000"/>
+                      <a:alpha val="10000"/>
+                    </a:schemeClr>
+                  </a:solidFill>
+                </a:ln>
+                <a:solidFill>
+                  <a:schemeClr val="tx2"/>
+                </a:solidFill>
+                <a:effectLst>
+                  <a:outerShdw blurRad="9525" dist="25400" dir="14640000" algn="tl" rotWithShape="0">
+                    <a:schemeClr val="bg1">
+                      <a:alpha val="30000"/>
+                    </a:schemeClr>
+                  </a:outerShdw>
+                </a:effectLst>
+                <a:latin typeface="+mn-lt"/>
+                <a:ea typeface="+mn-ea"/>
+                <a:cs typeface="+mn-cs"/>
+              </a:defRPr>
+            </a:lvl1pPr>
+            <a:lvl2pPr marL="720000" indent="-270000" algn="l" defTabSz="457200" rtl="0" eaLnBrk="1" latinLnBrk="0" hangingPunct="1">
+              <a:spcBef>
+                <a:spcPct val="20000"/>
+              </a:spcBef>
+              <a:spcAft>
+                <a:spcPts val="600"/>
+              </a:spcAft>
+              <a:buClr>
+                <a:schemeClr val="tx2"/>
+              </a:buClr>
+              <a:buSzPct val="70000"/>
+              <a:buFont typeface="Wingdings 2" charset="2"/>
+              <a:buChar char=""/>
+              <a:defRPr sz="1800" kern="1200">
+                <a:ln>
+                  <a:solidFill>
+                    <a:schemeClr val="bg1">
+                      <a:lumMod val="75000"/>
+                      <a:lumOff val="25000"/>
+                      <a:alpha val="10000"/>
+                    </a:schemeClr>
+                  </a:solidFill>
+                </a:ln>
+                <a:solidFill>
+                  <a:schemeClr val="tx2"/>
+                </a:solidFill>
+                <a:effectLst>
+                  <a:outerShdw blurRad="9525" dist="25400" dir="14640000" algn="tl" rotWithShape="0">
+                    <a:schemeClr val="bg1">
+                      <a:alpha val="30000"/>
+                    </a:schemeClr>
+                  </a:outerShdw>
+                </a:effectLst>
+                <a:latin typeface="+mn-lt"/>
+                <a:ea typeface="+mn-ea"/>
+                <a:cs typeface="+mn-cs"/>
+              </a:defRPr>
+            </a:lvl2pPr>
+            <a:lvl3pPr marL="1026000" indent="-216000" algn="l" defTabSz="457200" rtl="0" eaLnBrk="1" latinLnBrk="0" hangingPunct="1">
+              <a:spcBef>
+                <a:spcPct val="20000"/>
+              </a:spcBef>
+              <a:spcAft>
+                <a:spcPts val="600"/>
+              </a:spcAft>
+              <a:buClr>
+                <a:schemeClr val="tx2"/>
+              </a:buClr>
+              <a:buSzPct val="70000"/>
+              <a:buFont typeface="Wingdings 2" charset="2"/>
+              <a:buChar char=""/>
+              <a:defRPr sz="1600" kern="1200">
+                <a:ln>
+                  <a:solidFill>
+                    <a:schemeClr val="bg1">
+                      <a:lumMod val="75000"/>
+                      <a:lumOff val="25000"/>
+                      <a:alpha val="10000"/>
+                    </a:schemeClr>
+                  </a:solidFill>
+                </a:ln>
+                <a:solidFill>
+                  <a:schemeClr val="tx2"/>
+                </a:solidFill>
+                <a:effectLst>
+                  <a:outerShdw blurRad="9525" dist="25400" dir="14640000" algn="tl" rotWithShape="0">
+                    <a:schemeClr val="bg1">
+                      <a:alpha val="30000"/>
+                    </a:schemeClr>
+                  </a:outerShdw>
+                </a:effectLst>
+                <a:latin typeface="+mn-lt"/>
+                <a:ea typeface="+mn-ea"/>
+                <a:cs typeface="+mn-cs"/>
+              </a:defRPr>
+            </a:lvl3pPr>
+            <a:lvl4pPr marL="1386000" indent="-216000" algn="l" defTabSz="457200" rtl="0" eaLnBrk="1" latinLnBrk="0" hangingPunct="1">
+              <a:spcBef>
+                <a:spcPct val="20000"/>
+              </a:spcBef>
+              <a:spcAft>
+                <a:spcPts val="600"/>
+              </a:spcAft>
+              <a:buClr>
+                <a:schemeClr val="tx2"/>
+              </a:buClr>
+              <a:buSzPct val="70000"/>
+              <a:buFont typeface="Wingdings 2" charset="2"/>
+              <a:buChar char=""/>
+              <a:defRPr sz="1400" kern="1200">
+                <a:ln>
+                  <a:solidFill>
+                    <a:schemeClr val="bg1">
+                      <a:lumMod val="75000"/>
+                      <a:lumOff val="25000"/>
+                      <a:alpha val="10000"/>
+                    </a:schemeClr>
+                  </a:solidFill>
+                </a:ln>
+                <a:solidFill>
+                  <a:schemeClr val="tx2"/>
+                </a:solidFill>
+                <a:effectLst>
+                  <a:outerShdw blurRad="9525" dist="25400" dir="14640000" algn="tl" rotWithShape="0">
+                    <a:schemeClr val="bg1">
+                      <a:alpha val="30000"/>
+                    </a:schemeClr>
+                  </a:outerShdw>
+                </a:effectLst>
+                <a:latin typeface="+mn-lt"/>
+                <a:ea typeface="+mn-ea"/>
+                <a:cs typeface="+mn-cs"/>
+              </a:defRPr>
+            </a:lvl4pPr>
+            <a:lvl5pPr marL="1674000" indent="-216000" algn="l" defTabSz="457200" rtl="0" eaLnBrk="1" latinLnBrk="0" hangingPunct="1">
+              <a:spcBef>
+                <a:spcPct val="20000"/>
+              </a:spcBef>
+              <a:spcAft>
+                <a:spcPts val="600"/>
+              </a:spcAft>
+              <a:buClr>
+                <a:schemeClr val="tx2"/>
+              </a:buClr>
+              <a:buSzPct val="70000"/>
+              <a:buFont typeface="Wingdings 2" charset="2"/>
+              <a:buChar char=""/>
+              <a:defRPr sz="1400" kern="1200">
+                <a:ln>
+                  <a:solidFill>
+                    <a:schemeClr val="bg1">
+                      <a:lumMod val="75000"/>
+                      <a:lumOff val="25000"/>
+                      <a:alpha val="10000"/>
+                    </a:schemeClr>
+                  </a:solidFill>
+                </a:ln>
+                <a:solidFill>
+                  <a:schemeClr val="tx2"/>
+                </a:solidFill>
+                <a:effectLst>
+                  <a:outerShdw blurRad="9525" dist="25400" dir="14640000" algn="tl" rotWithShape="0">
+                    <a:schemeClr val="bg1">
+                      <a:alpha val="30000"/>
+                    </a:schemeClr>
+                  </a:outerShdw>
+                </a:effectLst>
+                <a:latin typeface="+mn-lt"/>
+                <a:ea typeface="+mn-ea"/>
+                <a:cs typeface="+mn-cs"/>
+              </a:defRPr>
+            </a:lvl5pPr>
+            <a:lvl6pPr marL="2014600" indent="-228600" algn="l" defTabSz="457200" rtl="0" eaLnBrk="1" latinLnBrk="0" hangingPunct="1">
+              <a:spcBef>
+                <a:spcPct val="20000"/>
+              </a:spcBef>
+              <a:spcAft>
+                <a:spcPts val="600"/>
+              </a:spcAft>
+              <a:buClr>
+                <a:schemeClr val="tx2"/>
+              </a:buClr>
+              <a:buSzPct val="70000"/>
+              <a:buFont typeface="Wingdings 2" charset="2"/>
+              <a:buChar char=""/>
+              <a:defRPr sz="1400" kern="1200">
+                <a:ln>
+                  <a:solidFill>
+                    <a:schemeClr val="bg1">
+                      <a:lumMod val="75000"/>
+                      <a:lumOff val="25000"/>
+                      <a:alpha val="10000"/>
+                    </a:schemeClr>
+                  </a:solidFill>
+                </a:ln>
+                <a:solidFill>
+                  <a:schemeClr val="tx2"/>
+                </a:solidFill>
+                <a:effectLst>
+                  <a:outerShdw blurRad="9525" dist="25400" dir="14640000" algn="tl" rotWithShape="0">
+                    <a:schemeClr val="bg1">
+                      <a:alpha val="30000"/>
+                    </a:schemeClr>
+                  </a:outerShdw>
+                </a:effectLst>
+                <a:latin typeface="+mn-lt"/>
+                <a:ea typeface="+mn-ea"/>
+                <a:cs typeface="+mn-cs"/>
+              </a:defRPr>
+            </a:lvl6pPr>
+            <a:lvl7pPr marL="2401800" indent="-228600" algn="l" defTabSz="457200" rtl="0" eaLnBrk="1" latinLnBrk="0" hangingPunct="1">
+              <a:spcBef>
+                <a:spcPct val="20000"/>
+              </a:spcBef>
+              <a:spcAft>
+                <a:spcPts val="600"/>
+              </a:spcAft>
+              <a:buClr>
+                <a:schemeClr val="tx2"/>
+              </a:buClr>
+              <a:buSzPct val="70000"/>
+              <a:buFont typeface="Wingdings 2" charset="2"/>
+              <a:buChar char=""/>
+              <a:defRPr sz="1400" kern="1200">
+                <a:ln>
+                  <a:solidFill>
+                    <a:schemeClr val="bg1">
+                      <a:lumMod val="75000"/>
+                      <a:lumOff val="25000"/>
+                      <a:alpha val="10000"/>
+                    </a:schemeClr>
+                  </a:solidFill>
+                </a:ln>
+                <a:solidFill>
+                  <a:schemeClr val="tx2"/>
+                </a:solidFill>
+                <a:effectLst>
+                  <a:outerShdw blurRad="9525" dist="25400" dir="14640000" algn="tl" rotWithShape="0">
+                    <a:schemeClr val="bg1">
+                      <a:alpha val="30000"/>
+                    </a:schemeClr>
+                  </a:outerShdw>
+                </a:effectLst>
+                <a:latin typeface="+mn-lt"/>
+                <a:ea typeface="+mn-ea"/>
+                <a:cs typeface="+mn-cs"/>
+              </a:defRPr>
+            </a:lvl7pPr>
+            <a:lvl8pPr marL="2789000" indent="-228600" algn="l" defTabSz="457200" rtl="0" eaLnBrk="1" latinLnBrk="0" hangingPunct="1">
+              <a:spcBef>
+                <a:spcPct val="20000"/>
+              </a:spcBef>
+              <a:spcAft>
+                <a:spcPts val="600"/>
+              </a:spcAft>
+              <a:buClr>
+                <a:schemeClr val="tx2"/>
+              </a:buClr>
+              <a:buSzPct val="70000"/>
+              <a:buFont typeface="Wingdings 2" charset="2"/>
+              <a:buChar char=""/>
+              <a:defRPr sz="1400" kern="1200">
+                <a:ln>
+                  <a:solidFill>
+                    <a:schemeClr val="bg1">
+                      <a:lumMod val="75000"/>
+                      <a:lumOff val="25000"/>
+                      <a:alpha val="10000"/>
+                    </a:schemeClr>
+                  </a:solidFill>
+                </a:ln>
+                <a:solidFill>
+                  <a:schemeClr val="tx2"/>
+                </a:solidFill>
+                <a:effectLst>
+                  <a:outerShdw blurRad="9525" dist="25400" dir="14640000" algn="tl" rotWithShape="0">
+                    <a:schemeClr val="bg1">
+                      <a:alpha val="30000"/>
+                    </a:schemeClr>
+                  </a:outerShdw>
+                </a:effectLst>
+                <a:latin typeface="+mn-lt"/>
+                <a:ea typeface="+mn-ea"/>
+                <a:cs typeface="+mn-cs"/>
+              </a:defRPr>
+            </a:lvl8pPr>
+            <a:lvl9pPr marL="3106200" indent="-228600" algn="l" defTabSz="457200" rtl="0" eaLnBrk="1" latinLnBrk="0" hangingPunct="1">
+              <a:spcBef>
+                <a:spcPct val="20000"/>
+              </a:spcBef>
+              <a:spcAft>
+                <a:spcPts val="600"/>
+              </a:spcAft>
+              <a:buClr>
+                <a:schemeClr val="tx2"/>
+              </a:buClr>
+              <a:buSzPct val="70000"/>
+              <a:buFont typeface="Wingdings 2" charset="2"/>
+              <a:buChar char=""/>
+              <a:defRPr sz="1400" kern="1200">
+                <a:ln>
+                  <a:solidFill>
+                    <a:schemeClr val="bg1">
+                      <a:lumMod val="75000"/>
+                      <a:lumOff val="25000"/>
+                      <a:alpha val="10000"/>
+                    </a:schemeClr>
+                  </a:solidFill>
+                </a:ln>
+                <a:solidFill>
+                  <a:schemeClr val="tx2"/>
+                </a:solidFill>
+                <a:effectLst>
+                  <a:outerShdw blurRad="9525" dist="25400" dir="14640000" algn="tl" rotWithShape="0">
+                    <a:schemeClr val="bg1">
+                      <a:alpha val="30000"/>
+                    </a:schemeClr>
+                  </a:outerShdw>
+                </a:effectLst>
+                <a:latin typeface="+mn-lt"/>
+                <a:ea typeface="+mn-ea"/>
+                <a:cs typeface="+mn-cs"/>
+              </a:defRPr>
+            </a:lvl9pPr>
+          </a:lstStyle>
+          <a:p>
+            <a:r>
+              <a:rPr lang="en-US" dirty="0"/>
+              <a:t>Hyper-Parameterized Random Forest Classifier</a:t>
+            </a:r>
+          </a:p>
+          <a:p>
+            <a:pPr lvl="1"/>
+            <a:r>
+              <a:rPr lang="en-US" dirty="0"/>
+              <a:t>Used </a:t>
+            </a:r>
+            <a:r>
+              <a:rPr lang="en-US" b="0" dirty="0" err="1">
+                <a:solidFill>
+                  <a:schemeClr val="tx1"/>
+                </a:solidFill>
+                <a:effectLst/>
+                <a:latin typeface="Consolas" panose="020B0609020204030204" pitchFamily="49" charset="0"/>
+              </a:rPr>
+              <a:t>RandomizedSearchCV</a:t>
+            </a:r>
+            <a:endParaRPr lang="en-US" b="0" dirty="0">
+              <a:solidFill>
+                <a:schemeClr val="tx1"/>
+              </a:solidFill>
+              <a:effectLst/>
+              <a:latin typeface="Consolas" panose="020B0609020204030204" pitchFamily="49" charset="0"/>
+            </a:endParaRPr>
+          </a:p>
+          <a:p>
+            <a:pPr lvl="1"/>
+            <a:r>
+              <a:rPr lang="en-US" dirty="0">
+                <a:solidFill>
+                  <a:schemeClr val="tx1"/>
+                </a:solidFill>
+                <a:effectLst/>
+                <a:latin typeface="Consolas" panose="020B0609020204030204" pitchFamily="49" charset="0"/>
+              </a:rPr>
+              <a:t>_</a:t>
+            </a:r>
+            <a:r>
+              <a:rPr lang="en-US" dirty="0" err="1">
+                <a:solidFill>
+                  <a:schemeClr val="tx1"/>
+                </a:solidFill>
+                <a:effectLst/>
+                <a:latin typeface="Consolas" panose="020B0609020204030204" pitchFamily="49" charset="0"/>
+              </a:rPr>
+              <a:t>best_params</a:t>
+            </a:r>
+            <a:r>
+              <a:rPr lang="en-US" dirty="0">
+                <a:solidFill>
+                  <a:schemeClr val="tx1"/>
+                </a:solidFill>
+                <a:effectLst/>
+                <a:latin typeface="Consolas" panose="020B0609020204030204" pitchFamily="49" charset="0"/>
+              </a:rPr>
+              <a:t>:</a:t>
+            </a:r>
+            <a:br>
+              <a:rPr lang="en-US" dirty="0">
+                <a:solidFill>
+                  <a:schemeClr val="tx1"/>
+                </a:solidFill>
+                <a:effectLst/>
+                <a:latin typeface="Consolas" panose="020B0609020204030204" pitchFamily="49" charset="0"/>
+              </a:rPr>
+            </a:br>
+            <a:r>
+              <a:rPr lang="en-US" b="0" i="0" dirty="0">
+                <a:solidFill>
+                  <a:schemeClr val="bg2">
+                    <a:lumMod val="25000"/>
+                    <a:lumOff val="75000"/>
+                  </a:schemeClr>
+                </a:solidFill>
+                <a:effectLst/>
+                <a:latin typeface="Consolas" panose="020B0609020204030204" pitchFamily="49" charset="0"/>
+              </a:rPr>
+              <a:t>{'</a:t>
+            </a:r>
+            <a:r>
+              <a:rPr lang="en-US" b="0" i="0" dirty="0" err="1">
+                <a:solidFill>
+                  <a:schemeClr val="bg2">
+                    <a:lumMod val="25000"/>
+                    <a:lumOff val="75000"/>
+                  </a:schemeClr>
+                </a:solidFill>
+                <a:effectLst/>
+                <a:latin typeface="Consolas" panose="020B0609020204030204" pitchFamily="49" charset="0"/>
+              </a:rPr>
+              <a:t>n_estimators</a:t>
+            </a:r>
+            <a:r>
+              <a:rPr lang="en-US" b="0" i="0" dirty="0">
+                <a:solidFill>
+                  <a:schemeClr val="bg2">
+                    <a:lumMod val="25000"/>
+                    <a:lumOff val="75000"/>
+                  </a:schemeClr>
+                </a:solidFill>
+                <a:effectLst/>
+                <a:latin typeface="Consolas" panose="020B0609020204030204" pitchFamily="49" charset="0"/>
+              </a:rPr>
+              <a:t>': 2000, </a:t>
+            </a:r>
+            <a:br>
+              <a:rPr lang="en-US" b="0" i="0" dirty="0">
+                <a:solidFill>
+                  <a:schemeClr val="bg2">
+                    <a:lumMod val="25000"/>
+                    <a:lumOff val="75000"/>
+                  </a:schemeClr>
+                </a:solidFill>
+                <a:effectLst/>
+                <a:latin typeface="Consolas" panose="020B0609020204030204" pitchFamily="49" charset="0"/>
+              </a:rPr>
+            </a:br>
+            <a:r>
+              <a:rPr lang="en-US" b="0" i="0" dirty="0">
+                <a:solidFill>
+                  <a:schemeClr val="bg2">
+                    <a:lumMod val="25000"/>
+                    <a:lumOff val="75000"/>
+                  </a:schemeClr>
+                </a:solidFill>
+                <a:effectLst/>
+                <a:latin typeface="Consolas" panose="020B0609020204030204" pitchFamily="49" charset="0"/>
+              </a:rPr>
+              <a:t>'</a:t>
+            </a:r>
+            <a:r>
+              <a:rPr lang="en-US" b="0" i="0" dirty="0" err="1">
+                <a:solidFill>
+                  <a:schemeClr val="bg2">
+                    <a:lumMod val="25000"/>
+                    <a:lumOff val="75000"/>
+                  </a:schemeClr>
+                </a:solidFill>
+                <a:effectLst/>
+                <a:latin typeface="Consolas" panose="020B0609020204030204" pitchFamily="49" charset="0"/>
+              </a:rPr>
+              <a:t>min_samples_split</a:t>
+            </a:r>
+            <a:r>
+              <a:rPr lang="en-US" b="0" i="0" dirty="0">
+                <a:solidFill>
+                  <a:schemeClr val="bg2">
+                    <a:lumMod val="25000"/>
+                    <a:lumOff val="75000"/>
+                  </a:schemeClr>
+                </a:solidFill>
+                <a:effectLst/>
+                <a:latin typeface="Consolas" panose="020B0609020204030204" pitchFamily="49" charset="0"/>
+              </a:rPr>
+              <a:t>': 10, </a:t>
+            </a:r>
+            <a:br>
+              <a:rPr lang="en-US" b="0" i="0" dirty="0">
+                <a:solidFill>
+                  <a:schemeClr val="bg2">
+                    <a:lumMod val="25000"/>
+                    <a:lumOff val="75000"/>
+                  </a:schemeClr>
+                </a:solidFill>
+                <a:effectLst/>
+                <a:latin typeface="Consolas" panose="020B0609020204030204" pitchFamily="49" charset="0"/>
+              </a:rPr>
+            </a:br>
+            <a:r>
+              <a:rPr lang="en-US" b="0" i="0" dirty="0">
+                <a:solidFill>
+                  <a:schemeClr val="bg2">
+                    <a:lumMod val="25000"/>
+                    <a:lumOff val="75000"/>
+                  </a:schemeClr>
+                </a:solidFill>
+                <a:effectLst/>
+                <a:latin typeface="Consolas" panose="020B0609020204030204" pitchFamily="49" charset="0"/>
+              </a:rPr>
+              <a:t>'</a:t>
+            </a:r>
+            <a:r>
+              <a:rPr lang="en-US" b="0" i="0" dirty="0" err="1">
+                <a:solidFill>
+                  <a:schemeClr val="bg2">
+                    <a:lumMod val="25000"/>
+                    <a:lumOff val="75000"/>
+                  </a:schemeClr>
+                </a:solidFill>
+                <a:effectLst/>
+                <a:latin typeface="Consolas" panose="020B0609020204030204" pitchFamily="49" charset="0"/>
+              </a:rPr>
+              <a:t>min_samples_leaf</a:t>
+            </a:r>
+            <a:r>
+              <a:rPr lang="en-US" b="0" i="0" dirty="0">
+                <a:solidFill>
+                  <a:schemeClr val="bg2">
+                    <a:lumMod val="25000"/>
+                    <a:lumOff val="75000"/>
+                  </a:schemeClr>
+                </a:solidFill>
+                <a:effectLst/>
+                <a:latin typeface="Consolas" panose="020B0609020204030204" pitchFamily="49" charset="0"/>
+              </a:rPr>
+              <a:t>': 1, </a:t>
+            </a:r>
+            <a:br>
+              <a:rPr lang="en-US" b="0" i="0" dirty="0">
+                <a:solidFill>
+                  <a:schemeClr val="bg2">
+                    <a:lumMod val="25000"/>
+                    <a:lumOff val="75000"/>
+                  </a:schemeClr>
+                </a:solidFill>
+                <a:effectLst/>
+                <a:latin typeface="Consolas" panose="020B0609020204030204" pitchFamily="49" charset="0"/>
+              </a:rPr>
+            </a:br>
+            <a:r>
+              <a:rPr lang="en-US" b="0" i="0" dirty="0">
+                <a:solidFill>
+                  <a:schemeClr val="bg2">
+                    <a:lumMod val="25000"/>
+                    <a:lumOff val="75000"/>
+                  </a:schemeClr>
+                </a:solidFill>
+                <a:effectLst/>
+                <a:latin typeface="Consolas" panose="020B0609020204030204" pitchFamily="49" charset="0"/>
+              </a:rPr>
+              <a:t>'</a:t>
+            </a:r>
+            <a:r>
+              <a:rPr lang="en-US" b="0" i="0" dirty="0" err="1">
+                <a:solidFill>
+                  <a:schemeClr val="bg2">
+                    <a:lumMod val="25000"/>
+                    <a:lumOff val="75000"/>
+                  </a:schemeClr>
+                </a:solidFill>
+                <a:effectLst/>
+                <a:latin typeface="Consolas" panose="020B0609020204030204" pitchFamily="49" charset="0"/>
+              </a:rPr>
+              <a:t>max_depth</a:t>
+            </a:r>
+            <a:r>
+              <a:rPr lang="en-US" b="0" i="0" dirty="0">
+                <a:solidFill>
+                  <a:schemeClr val="bg2">
+                    <a:lumMod val="25000"/>
+                    <a:lumOff val="75000"/>
+                  </a:schemeClr>
+                </a:solidFill>
+                <a:effectLst/>
+                <a:latin typeface="Consolas" panose="020B0609020204030204" pitchFamily="49" charset="0"/>
+              </a:rPr>
+              <a:t>': 110, </a:t>
+            </a:r>
+            <a:br>
+              <a:rPr lang="en-US" b="0" i="0" dirty="0">
+                <a:solidFill>
+                  <a:schemeClr val="bg2">
+                    <a:lumMod val="25000"/>
+                    <a:lumOff val="75000"/>
+                  </a:schemeClr>
+                </a:solidFill>
+                <a:effectLst/>
+                <a:latin typeface="Consolas" panose="020B0609020204030204" pitchFamily="49" charset="0"/>
+              </a:rPr>
+            </a:br>
+            <a:r>
+              <a:rPr lang="en-US" b="0" i="0" dirty="0">
+                <a:solidFill>
+                  <a:schemeClr val="bg2">
+                    <a:lumMod val="25000"/>
+                    <a:lumOff val="75000"/>
+                  </a:schemeClr>
+                </a:solidFill>
+                <a:effectLst/>
+                <a:latin typeface="Consolas" panose="020B0609020204030204" pitchFamily="49" charset="0"/>
+              </a:rPr>
+              <a:t>'bootstrap': True}</a:t>
+            </a:r>
+            <a:endParaRPr lang="en-US" i="0" dirty="0">
+              <a:solidFill>
+                <a:schemeClr val="bg2">
+                  <a:lumMod val="25000"/>
+                  <a:lumOff val="75000"/>
+                </a:schemeClr>
+              </a:solidFill>
+              <a:effectLst/>
+              <a:latin typeface="Consolas" panose="020B0609020204030204" pitchFamily="49" charset="0"/>
+            </a:endParaRPr>
+          </a:p>
+          <a:p>
+            <a:r>
+              <a:rPr lang="en-US" b="0" dirty="0">
+                <a:solidFill>
+                  <a:schemeClr val="bg2">
+                    <a:lumMod val="25000"/>
+                    <a:lumOff val="75000"/>
+                  </a:schemeClr>
+                </a:solidFill>
+                <a:effectLst/>
+                <a:latin typeface="+mj-lt"/>
+              </a:rPr>
+              <a:t>Applied Tuned Random Forest Classifier Test Set</a:t>
+            </a:r>
+          </a:p>
+          <a:p>
+            <a:pPr lvl="1"/>
+            <a:r>
+              <a:rPr lang="en-US" b="0" dirty="0">
+                <a:solidFill>
+                  <a:schemeClr val="bg2">
+                    <a:lumMod val="25000"/>
+                    <a:lumOff val="75000"/>
+                  </a:schemeClr>
+                </a:solidFill>
+                <a:effectLst/>
+                <a:latin typeface="+mj-lt"/>
+              </a:rPr>
+              <a:t>78.6% Accuracy Score</a:t>
+            </a:r>
+          </a:p>
+          <a:p>
+            <a:pPr lvl="1"/>
+            <a:r>
+              <a:rPr lang="en-US" b="0" dirty="0">
+                <a:solidFill>
+                  <a:schemeClr val="bg2">
+                    <a:lumMod val="25000"/>
+                    <a:lumOff val="75000"/>
+                  </a:schemeClr>
+                </a:solidFill>
+                <a:effectLst/>
+                <a:latin typeface="+mj-lt"/>
+              </a:rPr>
+              <a:t>Most Frequent Accuracy: </a:t>
+            </a:r>
+            <a:r>
+              <a:rPr lang="en-US" b="0" i="0" dirty="0">
+                <a:solidFill>
+                  <a:schemeClr val="bg2">
+                    <a:lumMod val="25000"/>
+                    <a:lumOff val="75000"/>
+                  </a:schemeClr>
+                </a:solidFill>
+                <a:effectLst/>
+                <a:latin typeface="+mj-lt"/>
+              </a:rPr>
+              <a:t>52.4%</a:t>
+            </a:r>
+          </a:p>
+          <a:p>
+            <a:pPr lvl="1"/>
+            <a:r>
+              <a:rPr lang="en-US" dirty="0">
+                <a:solidFill>
+                  <a:schemeClr val="bg2">
+                    <a:lumMod val="25000"/>
+                    <a:lumOff val="75000"/>
+                  </a:schemeClr>
+                </a:solidFill>
+                <a:effectLst/>
+                <a:latin typeface="+mj-lt"/>
+              </a:rPr>
+              <a:t>Uniform Accuracy: 42.9%</a:t>
+            </a:r>
+            <a:endParaRPr lang="en-US" b="0" i="0" dirty="0">
+              <a:solidFill>
+                <a:schemeClr val="bg2">
+                  <a:lumMod val="25000"/>
+                  <a:lumOff val="75000"/>
+                </a:schemeClr>
+              </a:solidFill>
+              <a:effectLst/>
+              <a:latin typeface="+mj-lt"/>
+            </a:endParaRPr>
+          </a:p>
+          <a:p>
+            <a:pPr lvl="1"/>
+            <a:endParaRPr lang="en-US" b="0" dirty="0">
+              <a:solidFill>
+                <a:schemeClr val="bg2">
+                  <a:lumMod val="25000"/>
+                  <a:lumOff val="75000"/>
+                </a:schemeClr>
+              </a:solidFill>
+              <a:effectLst/>
+              <a:latin typeface="+mj-lt"/>
+            </a:endParaRPr>
+          </a:p>
+        </p:txBody>
+      </p:sp>
+      <p:graphicFrame>
+        <p:nvGraphicFramePr>
+          <p:cNvPr id="11" name="Table 10">
+            <a:extLst>
+              <a:ext uri="{FF2B5EF4-FFF2-40B4-BE49-F238E27FC236}">
+                <a16:creationId xmlns:a16="http://schemas.microsoft.com/office/drawing/2014/main" id="{FE84849B-FDBF-7EE8-A12B-9003C659ACC1}"/>
+              </a:ext>
+            </a:extLst>
+          </p:cNvPr>
+          <p:cNvGraphicFramePr>
+            <a:graphicFrameLocks noGrp="1"/>
+          </p:cNvGraphicFramePr>
+          <p:nvPr>
+            <p:extLst>
+              <p:ext uri="{D42A27DB-BD31-4B8C-83A1-F6EECF244321}">
+                <p14:modId xmlns:p14="http://schemas.microsoft.com/office/powerpoint/2010/main" val="2660642433"/>
+              </p:ext>
+            </p:extLst>
+          </p:nvPr>
+        </p:nvGraphicFramePr>
+        <p:xfrm>
+          <a:off x="8733183" y="4908752"/>
+          <a:ext cx="3458817" cy="1920240"/>
+        </p:xfrm>
+        <a:graphic>
+          <a:graphicData uri="http://schemas.openxmlformats.org/drawingml/2006/table">
+            <a:tbl>
+              <a:tblPr firstRow="1" firstCol="1" bandRow="1">
+                <a:tableStyleId>{5C22544A-7EE6-4342-B048-85BDC9FD1C3A}</a:tableStyleId>
+              </a:tblPr>
+              <a:tblGrid>
+                <a:gridCol w="1152939">
+                  <a:extLst>
+                    <a:ext uri="{9D8B030D-6E8A-4147-A177-3AD203B41FA5}">
+                      <a16:colId xmlns:a16="http://schemas.microsoft.com/office/drawing/2014/main" val="432100277"/>
+                    </a:ext>
+                  </a:extLst>
+                </a:gridCol>
+                <a:gridCol w="1152939">
+                  <a:extLst>
+                    <a:ext uri="{9D8B030D-6E8A-4147-A177-3AD203B41FA5}">
+                      <a16:colId xmlns:a16="http://schemas.microsoft.com/office/drawing/2014/main" val="1175810745"/>
+                    </a:ext>
+                  </a:extLst>
+                </a:gridCol>
+                <a:gridCol w="1152939">
+                  <a:extLst>
+                    <a:ext uri="{9D8B030D-6E8A-4147-A177-3AD203B41FA5}">
+                      <a16:colId xmlns:a16="http://schemas.microsoft.com/office/drawing/2014/main" val="2535630299"/>
+                    </a:ext>
+                  </a:extLst>
+                </a:gridCol>
+              </a:tblGrid>
+              <a:tr h="425985">
+                <a:tc>
+                  <a:txBody>
+                    <a:bodyPr/>
+                    <a:lstStyle/>
+                    <a:p>
+                      <a:endParaRPr lang="en-US" dirty="0"/>
+                    </a:p>
+                  </a:txBody>
+                  <a:tcPr>
+                    <a:lnL w="12700" cmpd="sng">
+                      <a:noFill/>
+                    </a:lnL>
+                    <a:lnR w="12700" cap="flat" cmpd="sng" algn="ctr">
+                      <a:solidFill>
+                        <a:schemeClr val="tx1"/>
+                      </a:solidFill>
+                      <a:prstDash val="solid"/>
+                      <a:round/>
+                      <a:headEnd type="none" w="med" len="med"/>
+                      <a:tailEnd type="none" w="med" len="med"/>
+                    </a:lnR>
+                    <a:lnT w="12700" cmpd="sng">
+                      <a:noFill/>
+                    </a:lnT>
+                    <a:lnB w="12700" cap="flat" cmpd="sng" algn="ctr">
+                      <a:solidFill>
+                        <a:schemeClr val="tx1"/>
+                      </a:solidFill>
+                      <a:prstDash val="solid"/>
+                      <a:round/>
+                      <a:headEnd type="none" w="med" len="med"/>
+                      <a:tailEnd type="none" w="med" len="med"/>
+                    </a:lnB>
+                    <a:lnTlToBr w="12700" cap="flat" cmpd="sng" algn="ctr">
+                      <a:noFill/>
+                      <a:prstDash val="solid"/>
+                      <a:round/>
+                      <a:headEnd type="none" w="med" len="med"/>
+                      <a:tailEnd type="none" w="med" len="med"/>
+                    </a:lnTlToBr>
+                    <a:lnBlToTr w="12700" cmpd="sng">
+                      <a:noFill/>
+                      <a:prstDash val="solid"/>
+                    </a:lnBlToTr>
+                  </a:tcPr>
+                </a:tc>
+                <a:tc>
+                  <a:txBody>
+                    <a:bodyPr/>
+                    <a:lstStyle/>
+                    <a:p>
+                      <a:r>
+                        <a:rPr lang="en-US" dirty="0"/>
+                        <a:t>Predicted Man</a:t>
+                      </a:r>
+                    </a:p>
+                  </a:txBody>
+                  <a:tcPr>
+                    <a:lnL w="12700" cap="flat" cmpd="sng" algn="ctr">
+                      <a:solidFill>
+                        <a:schemeClr val="tx1"/>
+                      </a:solidFill>
+                      <a:prstDash val="solid"/>
+                      <a:round/>
+                      <a:headEnd type="none" w="med" len="med"/>
+                      <a:tailEnd type="none" w="med" len="med"/>
+                    </a:lnL>
+                    <a:lnR w="12700" cap="flat" cmpd="sng" algn="ctr">
+                      <a:solidFill>
+                        <a:schemeClr val="tx1"/>
+                      </a:solidFill>
+                      <a:prstDash val="solid"/>
+                      <a:round/>
+                      <a:headEnd type="none" w="med" len="med"/>
+                      <a:tailEnd type="none" w="med" len="med"/>
+                    </a:lnR>
+                    <a:lnT w="12700" cmpd="sng">
+                      <a:noFill/>
+                    </a:lnT>
+                    <a:lnB w="12700" cap="flat" cmpd="sng" algn="ctr">
+                      <a:solidFill>
+                        <a:schemeClr val="tx1"/>
+                      </a:solidFill>
+                      <a:prstDash val="solid"/>
+                      <a:round/>
+                      <a:headEnd type="none" w="med" len="med"/>
+                      <a:tailEnd type="none" w="med" len="med"/>
+                    </a:lnB>
+                    <a:lnTlToBr w="12700" cap="flat" cmpd="sng" algn="ctr">
+                      <a:noFill/>
+                      <a:prstDash val="solid"/>
+                      <a:round/>
+                      <a:headEnd type="none" w="med" len="med"/>
+                      <a:tailEnd type="none" w="med" len="med"/>
+                    </a:lnTlToBr>
+                    <a:lnBlToTr w="12700" cmpd="sng">
+                      <a:noFill/>
+                      <a:prstDash val="solid"/>
+                    </a:lnBlToTr>
+                  </a:tcPr>
+                </a:tc>
+                <a:tc>
+                  <a:txBody>
+                    <a:bodyPr/>
+                    <a:lstStyle/>
+                    <a:p>
+                      <a:r>
+                        <a:rPr lang="en-US" dirty="0"/>
+                        <a:t>Predicted Woman</a:t>
+                      </a:r>
+                    </a:p>
+                  </a:txBody>
+                  <a:tcPr>
+                    <a:lnL w="12700" cap="flat" cmpd="sng" algn="ctr">
+                      <a:solidFill>
+                        <a:schemeClr val="tx1"/>
+                      </a:solidFill>
+                      <a:prstDash val="solid"/>
+                      <a:round/>
+                      <a:headEnd type="none" w="med" len="med"/>
+                      <a:tailEnd type="none" w="med" len="med"/>
+                    </a:lnL>
+                    <a:lnR w="12700" cmpd="sng">
+                      <a:noFill/>
+                    </a:lnR>
+                    <a:lnT w="12700" cmpd="sng">
+                      <a:noFill/>
+                    </a:lnT>
+                    <a:lnB w="12700" cap="flat" cmpd="sng" algn="ctr">
+                      <a:solidFill>
+                        <a:schemeClr val="tx1"/>
+                      </a:solidFill>
+                      <a:prstDash val="solid"/>
+                      <a:round/>
+                      <a:headEnd type="none" w="med" len="med"/>
+                      <a:tailEnd type="none" w="med" len="med"/>
+                    </a:lnB>
+                    <a:lnTlToBr w="12700" cap="flat" cmpd="sng" algn="ctr">
+                      <a:noFill/>
+                      <a:prstDash val="solid"/>
+                      <a:round/>
+                      <a:headEnd type="none" w="med" len="med"/>
+                      <a:tailEnd type="none" w="med" len="med"/>
+                    </a:lnTlToBr>
+                    <a:lnBlToTr w="12700" cmpd="sng">
+                      <a:noFill/>
+                      <a:prstDash val="solid"/>
+                    </a:lnBlToTr>
+                  </a:tcPr>
+                </a:tc>
+                <a:extLst>
+                  <a:ext uri="{0D108BD9-81ED-4DB2-BD59-A6C34878D82A}">
+                    <a16:rowId xmlns:a16="http://schemas.microsoft.com/office/drawing/2014/main" val="1898440347"/>
+                  </a:ext>
+                </a:extLst>
+              </a:tr>
+              <a:tr h="370840">
+                <a:tc>
+                  <a:txBody>
+                    <a:bodyPr/>
+                    <a:lstStyle/>
+                    <a:p>
+                      <a:r>
+                        <a:rPr lang="en-US" dirty="0"/>
+                        <a:t>True Man</a:t>
+                      </a:r>
+                    </a:p>
+                  </a:txBody>
+                  <a:tcPr>
+                    <a:lnL w="12700" cmpd="sng">
+                      <a:noFill/>
+                    </a:lnL>
+                    <a:lnR w="12700" cap="flat" cmpd="sng" algn="ctr">
+                      <a:solidFill>
+                        <a:schemeClr val="tx1"/>
+                      </a:solidFill>
+                      <a:prstDash val="solid"/>
+                      <a:round/>
+                      <a:headEnd type="none" w="med" len="med"/>
+                      <a:tailEnd type="none" w="med" len="med"/>
+                    </a:lnR>
+                    <a:lnT w="12700" cap="flat" cmpd="sng" algn="ctr">
+                      <a:solidFill>
+                        <a:schemeClr val="tx1"/>
+                      </a:solidFill>
+                      <a:prstDash val="solid"/>
+                      <a:round/>
+                      <a:headEnd type="none" w="med" len="med"/>
+                      <a:tailEnd type="none" w="med" len="med"/>
+                    </a:lnT>
+                    <a:lnB w="12700" cap="flat" cmpd="sng" algn="ctr">
+                      <a:solidFill>
+                        <a:schemeClr val="tx1"/>
+                      </a:solidFill>
+                      <a:prstDash val="solid"/>
+                      <a:round/>
+                      <a:headEnd type="none" w="med" len="med"/>
+                      <a:tailEnd type="none" w="med" len="med"/>
+                    </a:lnB>
+                    <a:lnTlToBr w="12700" cap="flat" cmpd="sng" algn="ctr">
+                      <a:noFill/>
+                      <a:prstDash val="solid"/>
+                      <a:round/>
+                      <a:headEnd type="none" w="med" len="med"/>
+                      <a:tailEnd type="none" w="med" len="med"/>
+                    </a:lnTlToBr>
+                    <a:lnBlToTr w="12700" cmpd="sng">
+                      <a:noFill/>
+                      <a:prstDash val="solid"/>
+                    </a:lnBlToTr>
+                  </a:tcPr>
+                </a:tc>
+                <a:tc>
+                  <a:txBody>
+                    <a:bodyPr/>
+                    <a:lstStyle/>
+                    <a:p>
+                      <a:pPr algn="ctr"/>
+                      <a:r>
+                        <a:rPr lang="en-US" sz="2500" dirty="0"/>
+                        <a:t>15</a:t>
+                      </a:r>
+                    </a:p>
+                  </a:txBody>
+                  <a:tcPr anchor="ctr">
+                    <a:lnL w="12700" cap="flat" cmpd="sng" algn="ctr">
+                      <a:solidFill>
+                        <a:schemeClr val="tx1"/>
+                      </a:solidFill>
+                      <a:prstDash val="solid"/>
+                      <a:round/>
+                      <a:headEnd type="none" w="med" len="med"/>
+                      <a:tailEnd type="none" w="med" len="med"/>
+                    </a:lnL>
+                    <a:lnR w="12700" cap="flat" cmpd="sng" algn="ctr">
+                      <a:solidFill>
+                        <a:schemeClr val="tx1"/>
+                      </a:solidFill>
+                      <a:prstDash val="solid"/>
+                      <a:round/>
+                      <a:headEnd type="none" w="med" len="med"/>
+                      <a:tailEnd type="none" w="med" len="med"/>
+                    </a:lnR>
+                    <a:lnT w="12700" cap="flat" cmpd="sng" algn="ctr">
+                      <a:solidFill>
+                        <a:schemeClr val="tx1"/>
+                      </a:solidFill>
+                      <a:prstDash val="solid"/>
+                      <a:round/>
+                      <a:headEnd type="none" w="med" len="med"/>
+                      <a:tailEnd type="none" w="med" len="med"/>
+                    </a:lnT>
+                    <a:lnB w="12700" cap="flat" cmpd="sng" algn="ctr">
+                      <a:solidFill>
+                        <a:schemeClr val="tx1"/>
+                      </a:solidFill>
+                      <a:prstDash val="solid"/>
+                      <a:round/>
+                      <a:headEnd type="none" w="med" len="med"/>
+                      <a:tailEnd type="none" w="med" len="med"/>
+                    </a:lnB>
+                    <a:lnTlToBr w="12700" cap="flat" cmpd="sng" algn="ctr">
+                      <a:noFill/>
+                      <a:prstDash val="solid"/>
+                      <a:round/>
+                      <a:headEnd type="none" w="med" len="med"/>
+                      <a:tailEnd type="none" w="med" len="med"/>
+                    </a:lnTlToBr>
+                    <a:lnBlToTr w="12700" cmpd="sng">
+                      <a:noFill/>
+                      <a:prstDash val="solid"/>
+                    </a:lnBlToTr>
+                  </a:tcPr>
+                </a:tc>
+                <a:tc>
+                  <a:txBody>
+                    <a:bodyPr/>
+                    <a:lstStyle/>
+                    <a:p>
+                      <a:pPr algn="ctr"/>
+                      <a:r>
+                        <a:rPr lang="en-US" sz="2500" dirty="0"/>
+                        <a:t>5</a:t>
+                      </a:r>
+                    </a:p>
+                  </a:txBody>
+                  <a:tcPr anchor="ctr">
+                    <a:lnL w="12700" cap="flat" cmpd="sng" algn="ctr">
+                      <a:solidFill>
+                        <a:schemeClr val="tx1"/>
+                      </a:solidFill>
+                      <a:prstDash val="solid"/>
+                      <a:round/>
+                      <a:headEnd type="none" w="med" len="med"/>
+                      <a:tailEnd type="none" w="med" len="med"/>
+                    </a:lnL>
+                    <a:lnR w="12700" cmpd="sng">
+                      <a:noFill/>
+                    </a:lnR>
+                    <a:lnT w="12700" cap="flat" cmpd="sng" algn="ctr">
+                      <a:solidFill>
+                        <a:schemeClr val="tx1"/>
+                      </a:solidFill>
+                      <a:prstDash val="solid"/>
+                      <a:round/>
+                      <a:headEnd type="none" w="med" len="med"/>
+                      <a:tailEnd type="none" w="med" len="med"/>
+                    </a:lnT>
+                    <a:lnB w="12700" cap="flat" cmpd="sng" algn="ctr">
+                      <a:solidFill>
+                        <a:schemeClr val="tx1"/>
+                      </a:solidFill>
+                      <a:prstDash val="solid"/>
+                      <a:round/>
+                      <a:headEnd type="none" w="med" len="med"/>
+                      <a:tailEnd type="none" w="med" len="med"/>
+                    </a:lnB>
+                    <a:lnTlToBr w="12700" cap="flat" cmpd="sng" algn="ctr">
+                      <a:noFill/>
+                      <a:prstDash val="solid"/>
+                      <a:round/>
+                      <a:headEnd type="none" w="med" len="med"/>
+                      <a:tailEnd type="none" w="med" len="med"/>
+                    </a:lnTlToBr>
+                    <a:lnBlToTr w="12700" cmpd="sng">
+                      <a:noFill/>
+                      <a:prstDash val="solid"/>
+                    </a:lnBlToTr>
+                  </a:tcPr>
+                </a:tc>
+                <a:extLst>
+                  <a:ext uri="{0D108BD9-81ED-4DB2-BD59-A6C34878D82A}">
+                    <a16:rowId xmlns:a16="http://schemas.microsoft.com/office/drawing/2014/main" val="4030889826"/>
+                  </a:ext>
+                </a:extLst>
+              </a:tr>
+              <a:tr h="370840">
+                <a:tc>
+                  <a:txBody>
+                    <a:bodyPr/>
+                    <a:lstStyle/>
+                    <a:p>
+                      <a:r>
+                        <a:rPr lang="en-US" dirty="0"/>
+                        <a:t>True Woman</a:t>
+                      </a:r>
+                    </a:p>
+                  </a:txBody>
+                  <a:tcPr>
+                    <a:lnL w="12700" cmpd="sng">
+                      <a:noFill/>
+                    </a:lnL>
+                    <a:lnR w="12700" cap="flat" cmpd="sng" algn="ctr">
+                      <a:solidFill>
+                        <a:schemeClr val="tx1"/>
+                      </a:solidFill>
+                      <a:prstDash val="solid"/>
+                      <a:round/>
+                      <a:headEnd type="none" w="med" len="med"/>
+                      <a:tailEnd type="none" w="med" len="med"/>
+                    </a:lnR>
+                    <a:lnT w="12700" cap="flat" cmpd="sng" algn="ctr">
+                      <a:solidFill>
+                        <a:schemeClr val="tx1"/>
+                      </a:solidFill>
+                      <a:prstDash val="solid"/>
+                      <a:round/>
+                      <a:headEnd type="none" w="med" len="med"/>
+                      <a:tailEnd type="none" w="med" len="med"/>
+                    </a:lnT>
+                    <a:lnB w="12700" cmpd="sng">
+                      <a:noFill/>
+                    </a:lnB>
+                    <a:lnTlToBr w="12700" cap="flat" cmpd="sng" algn="ctr">
+                      <a:noFill/>
+                      <a:prstDash val="solid"/>
+                      <a:round/>
+                      <a:headEnd type="none" w="med" len="med"/>
+                      <a:tailEnd type="none" w="med" len="med"/>
+                    </a:lnTlToBr>
+                    <a:lnBlToTr w="12700" cmpd="sng">
+                      <a:noFill/>
+                      <a:prstDash val="solid"/>
+                    </a:lnBlToTr>
+                  </a:tcPr>
+                </a:tc>
+                <a:tc>
+                  <a:txBody>
+                    <a:bodyPr/>
+                    <a:lstStyle/>
+                    <a:p>
+                      <a:pPr algn="ctr"/>
+                      <a:r>
+                        <a:rPr lang="en-US" sz="2500" dirty="0"/>
+                        <a:t>4</a:t>
+                      </a:r>
+                    </a:p>
+                  </a:txBody>
+                  <a:tcPr anchor="ctr">
+                    <a:lnL w="12700" cap="flat" cmpd="sng" algn="ctr">
+                      <a:solidFill>
+                        <a:schemeClr val="tx1"/>
+                      </a:solidFill>
+                      <a:prstDash val="solid"/>
+                      <a:round/>
+                      <a:headEnd type="none" w="med" len="med"/>
+                      <a:tailEnd type="none" w="med" len="med"/>
+                    </a:lnL>
+                    <a:lnR w="12700" cap="flat" cmpd="sng" algn="ctr">
+                      <a:solidFill>
+                        <a:schemeClr val="tx1"/>
+                      </a:solidFill>
+                      <a:prstDash val="solid"/>
+                      <a:round/>
+                      <a:headEnd type="none" w="med" len="med"/>
+                      <a:tailEnd type="none" w="med" len="med"/>
+                    </a:lnR>
+                    <a:lnT w="12700" cap="flat" cmpd="sng" algn="ctr">
+                      <a:solidFill>
+                        <a:schemeClr val="tx1"/>
+                      </a:solidFill>
+                      <a:prstDash val="solid"/>
+                      <a:round/>
+                      <a:headEnd type="none" w="med" len="med"/>
+                      <a:tailEnd type="none" w="med" len="med"/>
+                    </a:lnT>
+                    <a:lnB w="12700" cmpd="sng">
+                      <a:noFill/>
+                    </a:lnB>
+                    <a:lnTlToBr w="12700" cap="flat" cmpd="sng" algn="ctr">
+                      <a:noFill/>
+                      <a:prstDash val="solid"/>
+                      <a:round/>
+                      <a:headEnd type="none" w="med" len="med"/>
+                      <a:tailEnd type="none" w="med" len="med"/>
+                    </a:lnTlToBr>
+                    <a:lnBlToTr w="12700" cmpd="sng">
+                      <a:noFill/>
+                      <a:prstDash val="solid"/>
+                    </a:lnBlToTr>
+                  </a:tcPr>
+                </a:tc>
+                <a:tc>
+                  <a:txBody>
+                    <a:bodyPr/>
+                    <a:lstStyle/>
+                    <a:p>
+                      <a:pPr algn="ctr"/>
+                      <a:r>
+                        <a:rPr lang="en-US" sz="2500" dirty="0"/>
+                        <a:t>18</a:t>
+                      </a:r>
+                    </a:p>
+                  </a:txBody>
+                  <a:tcPr anchor="ctr">
+                    <a:lnL w="12700" cap="flat" cmpd="sng" algn="ctr">
+                      <a:solidFill>
+                        <a:schemeClr val="tx1"/>
+                      </a:solidFill>
+                      <a:prstDash val="solid"/>
+                      <a:round/>
+                      <a:headEnd type="none" w="med" len="med"/>
+                      <a:tailEnd type="none" w="med" len="med"/>
+                    </a:lnL>
+                    <a:lnR w="12700" cmpd="sng">
+                      <a:noFill/>
+                    </a:lnR>
+                    <a:lnT w="12700" cap="flat" cmpd="sng" algn="ctr">
+                      <a:solidFill>
+                        <a:schemeClr val="tx1"/>
+                      </a:solidFill>
+                      <a:prstDash val="solid"/>
+                      <a:round/>
+                      <a:headEnd type="none" w="med" len="med"/>
+                      <a:tailEnd type="none" w="med" len="med"/>
+                    </a:lnT>
+                    <a:lnB w="12700" cmpd="sng">
+                      <a:noFill/>
+                    </a:lnB>
+                    <a:lnTlToBr w="12700" cap="flat" cmpd="sng" algn="ctr">
+                      <a:noFill/>
+                      <a:prstDash val="solid"/>
+                      <a:round/>
+                      <a:headEnd type="none" w="med" len="med"/>
+                      <a:tailEnd type="none" w="med" len="med"/>
+                    </a:lnTlToBr>
+                    <a:lnBlToTr w="12700" cmpd="sng">
+                      <a:noFill/>
+                      <a:prstDash val="solid"/>
+                    </a:lnBlToTr>
+                  </a:tcPr>
+                </a:tc>
+                <a:extLst>
+                  <a:ext uri="{0D108BD9-81ED-4DB2-BD59-A6C34878D82A}">
+                    <a16:rowId xmlns:a16="http://schemas.microsoft.com/office/drawing/2014/main" val="209580037"/>
+                  </a:ext>
+                </a:extLst>
+              </a:tr>
+            </a:tbl>
+          </a:graphicData>
+        </a:graphic>
+      </p:graphicFrame>
+    </p:spTree>
+    <p:extLst>
+      <p:ext uri="{BB962C8B-B14F-4D97-AF65-F5344CB8AC3E}">
+        <p14:creationId xmlns:p14="http://schemas.microsoft.com/office/powerpoint/2010/main" val="1242792112"/>
+      </p:ext>
+    </p:extLst>
+  </p:cSld>
+  <p:clrMapOvr>
+    <a:masterClrMapping/>
+  </p:clrMapOvr>
+</p:sld>
+</file>
+
+<file path=ppt/slides/slide16.xml><?xml version="1.0" encoding="utf-8"?>
+<p:sld xmlns:a="http://schemas.openxmlformats.org/drawingml/2006/main" xmlns:r="http://schemas.openxmlformats.org/officeDocument/2006/relationships" xmlns:p="http://schemas.openxmlformats.org/presentationml/2006/main">
+  <p:cSld>
+    <p:spTree>
+      <p:nvGrpSpPr>
+        <p:cNvPr id="1" name=""/>
+        <p:cNvGrpSpPr/>
+        <p:nvPr/>
+      </p:nvGrpSpPr>
+      <p:grpSpPr>
+        <a:xfrm>
+          <a:off x="0" y="0"/>
+          <a:ext cx="0" cy="0"/>
+          <a:chOff x="0" y="0"/>
+          <a:chExt cx="0" cy="0"/>
+        </a:xfrm>
+      </p:grpSpPr>
+      <p:sp>
+        <p:nvSpPr>
+          <p:cNvPr id="2" name="Title 1">
+            <a:extLst>
+              <a:ext uri="{FF2B5EF4-FFF2-40B4-BE49-F238E27FC236}">
+                <a16:creationId xmlns:a16="http://schemas.microsoft.com/office/drawing/2014/main" id="{B4DE31E7-00BC-3F19-C82E-9A69E2D26E18}"/>
+              </a:ext>
+            </a:extLst>
+          </p:cNvPr>
+          <p:cNvSpPr>
+            <a:spLocks noGrp="1"/>
+          </p:cNvSpPr>
+          <p:nvPr>
+            <p:ph type="title"/>
+          </p:nvPr>
+        </p:nvSpPr>
+        <p:spPr/>
+        <p:txBody>
+          <a:bodyPr>
+            <a:normAutofit/>
+          </a:bodyPr>
+          <a:lstStyle/>
+          <a:p>
+            <a:r>
+              <a:rPr lang="en-US" dirty="0"/>
+              <a:t>Potential Directions with Additional Time</a:t>
+            </a:r>
+          </a:p>
+        </p:txBody>
+      </p:sp>
+      <p:sp>
+        <p:nvSpPr>
+          <p:cNvPr id="3" name="Content Placeholder 2">
+            <a:extLst>
+              <a:ext uri="{FF2B5EF4-FFF2-40B4-BE49-F238E27FC236}">
+                <a16:creationId xmlns:a16="http://schemas.microsoft.com/office/drawing/2014/main" id="{DDD1CCF9-151E-B37C-4ECC-6F72B886BC9C}"/>
+              </a:ext>
+            </a:extLst>
+          </p:cNvPr>
+          <p:cNvSpPr>
+            <a:spLocks noGrp="1"/>
+          </p:cNvSpPr>
+          <p:nvPr>
+            <p:ph idx="1"/>
+          </p:nvPr>
+        </p:nvSpPr>
+        <p:spPr>
+          <a:xfrm>
+            <a:off x="913795" y="1732449"/>
+            <a:ext cx="6666448" cy="4058751"/>
+          </a:xfrm>
+        </p:spPr>
+        <p:txBody>
+          <a:bodyPr/>
+          <a:lstStyle/>
+          <a:p>
+            <a:r>
+              <a:rPr lang="en-US" dirty="0"/>
+              <a:t>Additional Survey</a:t>
+            </a:r>
+          </a:p>
+          <a:p>
+            <a:pPr lvl="1"/>
+            <a:r>
+              <a:rPr lang="en-US" dirty="0"/>
+              <a:t>Perhaps Increase Response Total to 500 or 1000</a:t>
+            </a:r>
+          </a:p>
+          <a:p>
+            <a:pPr lvl="1"/>
+            <a:r>
+              <a:rPr lang="en-US" dirty="0"/>
+              <a:t>Allow for improved accuracy and predictive power of our current model</a:t>
+            </a:r>
+          </a:p>
+          <a:p>
+            <a:pPr lvl="1"/>
+            <a:r>
+              <a:rPr lang="en-US" dirty="0"/>
+              <a:t>Allow for better attempt of initial goal: Predicting Board Games with Demographics</a:t>
+            </a:r>
+          </a:p>
+          <a:p>
+            <a:r>
+              <a:rPr lang="en-US" dirty="0"/>
+              <a:t>More exploratory analysis</a:t>
+            </a:r>
+          </a:p>
+          <a:p>
+            <a:pPr lvl="1"/>
+            <a:r>
+              <a:rPr lang="en-US" dirty="0"/>
+              <a:t>This data set is very feature rich and there is likely interesting patterns that have been overlooked</a:t>
+            </a:r>
+          </a:p>
+          <a:p>
+            <a:pPr lvl="1"/>
+            <a:r>
+              <a:rPr lang="en-US" dirty="0"/>
+              <a:t>Analysis of the “</a:t>
+            </a:r>
+            <a:r>
+              <a:rPr lang="en-US" dirty="0" err="1"/>
+              <a:t>EnjoyedBoardGames</a:t>
+            </a:r>
+            <a:r>
+              <a:rPr lang="en-US" dirty="0"/>
+              <a:t>” feature</a:t>
+            </a:r>
+          </a:p>
+          <a:p>
+            <a:pPr lvl="1"/>
+            <a:endParaRPr lang="en-US" dirty="0"/>
+          </a:p>
+          <a:p>
+            <a:pPr lvl="1"/>
+            <a:endParaRPr lang="en-US" dirty="0"/>
+          </a:p>
+        </p:txBody>
+      </p:sp>
+    </p:spTree>
+    <p:extLst>
+      <p:ext uri="{BB962C8B-B14F-4D97-AF65-F5344CB8AC3E}">
+        <p14:creationId xmlns:p14="http://schemas.microsoft.com/office/powerpoint/2010/main" val="3042242939"/>
+      </p:ext>
+    </p:extLst>
+  </p:cSld>
+  <p:clrMapOvr>
+    <a:masterClrMapping/>
+  </p:clrMapOvr>
+</p:sld>
+</file>
+
+<file path=ppt/slides/slide17.xml><?xml version="1.0" encoding="utf-8"?>
+<p:sld xmlns:a="http://schemas.openxmlformats.org/drawingml/2006/main" xmlns:r="http://schemas.openxmlformats.org/officeDocument/2006/relationships" xmlns:p="http://schemas.openxmlformats.org/presentationml/2006/main">
+  <p:cSld>
+    <p:spTree>
+      <p:nvGrpSpPr>
+        <p:cNvPr id="1" name=""/>
+        <p:cNvGrpSpPr/>
+        <p:nvPr/>
+      </p:nvGrpSpPr>
+      <p:grpSpPr>
+        <a:xfrm>
+          <a:off x="0" y="0"/>
+          <a:ext cx="0" cy="0"/>
+          <a:chOff x="0" y="0"/>
+          <a:chExt cx="0" cy="0"/>
+        </a:xfrm>
+      </p:grpSpPr>
+      <p:sp>
+        <p:nvSpPr>
+          <p:cNvPr id="2" name="Title 1">
+            <a:extLst>
+              <a:ext uri="{FF2B5EF4-FFF2-40B4-BE49-F238E27FC236}">
+                <a16:creationId xmlns:a16="http://schemas.microsoft.com/office/drawing/2014/main" id="{5DD29271-B0F7-733B-DCBF-BF6584D55403}"/>
+              </a:ext>
+            </a:extLst>
+          </p:cNvPr>
+          <p:cNvSpPr>
+            <a:spLocks noGrp="1"/>
+          </p:cNvSpPr>
+          <p:nvPr>
+            <p:ph type="title"/>
+          </p:nvPr>
+        </p:nvSpPr>
+        <p:spPr>
+          <a:xfrm>
+            <a:off x="919119" y="3383281"/>
+            <a:ext cx="10353762" cy="45719"/>
+          </a:xfrm>
+        </p:spPr>
+        <p:txBody>
+          <a:bodyPr>
+            <a:noAutofit/>
+          </a:bodyPr>
+          <a:lstStyle/>
+          <a:p>
+            <a:r>
+              <a:rPr lang="en-US" sz="6000" dirty="0"/>
+              <a:t>Questions?</a:t>
+            </a:r>
+          </a:p>
+        </p:txBody>
+      </p:sp>
+    </p:spTree>
+    <p:extLst>
+      <p:ext uri="{BB962C8B-B14F-4D97-AF65-F5344CB8AC3E}">
+        <p14:creationId xmlns:p14="http://schemas.microsoft.com/office/powerpoint/2010/main" val="2105574859"/>
+      </p:ext>
+    </p:extLst>
+  </p:cSld>
+  <p:clrMapOvr>
+    <a:masterClrMapping/>
+  </p:clrMapOvr>
+</p:sld>
+</file>
+
+<file path=ppt/slides/slide2.xml><?xml version="1.0" encoding="utf-8"?>
+<p:sld xmlns:a="http://schemas.openxmlformats.org/drawingml/2006/main" xmlns:r="http://schemas.openxmlformats.org/officeDocument/2006/relationships" xmlns:p="http://schemas.openxmlformats.org/presentationml/2006/main">
+  <p:cSld>
+    <p:spTree>
+      <p:nvGrpSpPr>
+        <p:cNvPr id="1" name=""/>
+        <p:cNvGrpSpPr/>
+        <p:nvPr/>
+      </p:nvGrpSpPr>
+      <p:grpSpPr>
+        <a:xfrm>
+          <a:off x="0" y="0"/>
+          <a:ext cx="0" cy="0"/>
+          <a:chOff x="0" y="0"/>
+          <a:chExt cx="0" cy="0"/>
+        </a:xfrm>
+      </p:grpSpPr>
+      <p:sp>
+        <p:nvSpPr>
+          <p:cNvPr id="2" name="Title 1">
+            <a:extLst>
+              <a:ext uri="{FF2B5EF4-FFF2-40B4-BE49-F238E27FC236}">
+                <a16:creationId xmlns:a16="http://schemas.microsoft.com/office/drawing/2014/main" id="{029663A0-F896-0E90-9FDF-60E7FD93C0BD}"/>
+              </a:ext>
+            </a:extLst>
+          </p:cNvPr>
+          <p:cNvSpPr>
+            <a:spLocks noGrp="1"/>
+          </p:cNvSpPr>
+          <p:nvPr>
+            <p:ph type="title"/>
+          </p:nvPr>
+        </p:nvSpPr>
+        <p:spPr/>
+        <p:txBody>
+          <a:bodyPr/>
+          <a:lstStyle/>
+          <a:p>
+            <a:r>
+              <a:rPr lang="en-US" dirty="0"/>
+              <a:t>Why?</a:t>
+            </a:r>
+          </a:p>
+        </p:txBody>
+      </p:sp>
+      <p:sp>
+        <p:nvSpPr>
+          <p:cNvPr id="3" name="Content Placeholder 2">
+            <a:extLst>
+              <a:ext uri="{FF2B5EF4-FFF2-40B4-BE49-F238E27FC236}">
+                <a16:creationId xmlns:a16="http://schemas.microsoft.com/office/drawing/2014/main" id="{18667CCA-AA16-2795-AD6A-567387D53E02}"/>
+              </a:ext>
+            </a:extLst>
+          </p:cNvPr>
+          <p:cNvSpPr>
+            <a:spLocks noGrp="1"/>
+          </p:cNvSpPr>
+          <p:nvPr>
+            <p:ph idx="1"/>
+          </p:nvPr>
+        </p:nvSpPr>
+        <p:spPr/>
+        <p:txBody>
+          <a:bodyPr/>
+          <a:lstStyle/>
+          <a:p>
+            <a:r>
+              <a:rPr lang="en-US" dirty="0"/>
+              <a:t>Demographic research is important for:</a:t>
+            </a:r>
+          </a:p>
+          <a:p>
+            <a:pPr lvl="1"/>
+            <a:r>
+              <a:rPr lang="en-US" dirty="0"/>
+              <a:t>Promoting equality across society</a:t>
+            </a:r>
+          </a:p>
+          <a:p>
+            <a:pPr lvl="2"/>
+            <a:r>
+              <a:rPr lang="en-US" dirty="0"/>
+              <a:t>This includes the board gaming</a:t>
+            </a:r>
+          </a:p>
+          <a:p>
+            <a:pPr lvl="1"/>
+            <a:r>
+              <a:rPr lang="en-US" dirty="0"/>
+              <a:t>Targeted Advertisement</a:t>
+            </a:r>
+          </a:p>
+          <a:p>
+            <a:pPr lvl="1"/>
+            <a:r>
+              <a:rPr lang="en-US" dirty="0"/>
+              <a:t>Improving Board Game Accessibility and Design</a:t>
+            </a:r>
+          </a:p>
+          <a:p>
+            <a:pPr lvl="2"/>
+            <a:r>
+              <a:rPr lang="en-US" dirty="0"/>
+              <a:t>Improves Sales</a:t>
+            </a:r>
+          </a:p>
+          <a:p>
+            <a:pPr lvl="2"/>
+            <a:r>
+              <a:rPr lang="en-US" dirty="0"/>
+              <a:t>Promotes Equality</a:t>
+            </a:r>
+          </a:p>
+          <a:p>
+            <a:r>
+              <a:rPr lang="en-US" dirty="0"/>
+              <a:t>Random Survey allows for:</a:t>
+            </a:r>
+          </a:p>
+          <a:p>
+            <a:pPr lvl="1"/>
+            <a:r>
+              <a:rPr lang="en-US" dirty="0"/>
+              <a:t>Discovery of trends on WWU campus</a:t>
+            </a:r>
+          </a:p>
+          <a:p>
+            <a:pPr lvl="1"/>
+            <a:r>
+              <a:rPr lang="en-US" dirty="0"/>
+              <a:t>Extrapolating patterns to the total population of WWU  </a:t>
+            </a:r>
+          </a:p>
+        </p:txBody>
+      </p:sp>
+    </p:spTree>
+    <p:extLst>
+      <p:ext uri="{BB962C8B-B14F-4D97-AF65-F5344CB8AC3E}">
+        <p14:creationId xmlns:p14="http://schemas.microsoft.com/office/powerpoint/2010/main" val="1402066201"/>
+      </p:ext>
+    </p:extLst>
+  </p:cSld>
+  <p:clrMapOvr>
+    <a:masterClrMapping/>
+  </p:clrMapOvr>
+</p:sld>
+</file>
+
+<file path=ppt/slides/slide3.xml><?xml version="1.0" encoding="utf-8"?>
+<p:sld xmlns:a="http://schemas.openxmlformats.org/drawingml/2006/main" xmlns:r="http://schemas.openxmlformats.org/officeDocument/2006/relationships" xmlns:p="http://schemas.openxmlformats.org/presentationml/2006/main">
+  <p:cSld>
+    <p:spTree>
+      <p:nvGrpSpPr>
+        <p:cNvPr id="1" name=""/>
+        <p:cNvGrpSpPr/>
+        <p:nvPr/>
+      </p:nvGrpSpPr>
+      <p:grpSpPr>
+        <a:xfrm>
+          <a:off x="0" y="0"/>
+          <a:ext cx="0" cy="0"/>
+          <a:chOff x="0" y="0"/>
+          <a:chExt cx="0" cy="0"/>
+        </a:xfrm>
+      </p:grpSpPr>
+      <p:sp>
+        <p:nvSpPr>
+          <p:cNvPr id="2" name="Title 1">
+            <a:extLst>
+              <a:ext uri="{FF2B5EF4-FFF2-40B4-BE49-F238E27FC236}">
+                <a16:creationId xmlns:a16="http://schemas.microsoft.com/office/drawing/2014/main" id="{3BC3EF65-35E5-CDD6-8C63-2CDCBA25F459}"/>
+              </a:ext>
+            </a:extLst>
+          </p:cNvPr>
+          <p:cNvSpPr>
+            <a:spLocks noGrp="1"/>
+          </p:cNvSpPr>
+          <p:nvPr>
+            <p:ph type="title"/>
+          </p:nvPr>
+        </p:nvSpPr>
+        <p:spPr/>
+        <p:txBody>
+          <a:bodyPr/>
+          <a:lstStyle/>
+          <a:p>
+            <a:r>
+              <a:rPr lang="en-US" dirty="0"/>
+              <a:t>Overview</a:t>
+            </a:r>
+          </a:p>
+        </p:txBody>
+      </p:sp>
+      <p:sp>
+        <p:nvSpPr>
+          <p:cNvPr id="3" name="Content Placeholder 2">
+            <a:extLst>
+              <a:ext uri="{FF2B5EF4-FFF2-40B4-BE49-F238E27FC236}">
+                <a16:creationId xmlns:a16="http://schemas.microsoft.com/office/drawing/2014/main" id="{D81D0D4E-CF65-B8C9-E428-C592FF3C003C}"/>
+              </a:ext>
+            </a:extLst>
+          </p:cNvPr>
+          <p:cNvSpPr>
+            <a:spLocks noGrp="1"/>
+          </p:cNvSpPr>
+          <p:nvPr>
+            <p:ph idx="1"/>
+          </p:nvPr>
+        </p:nvSpPr>
+        <p:spPr/>
+        <p:txBody>
+          <a:bodyPr/>
+          <a:lstStyle/>
+          <a:p>
+            <a:pPr marL="494100" indent="-457200">
+              <a:buFont typeface="+mj-lt"/>
+              <a:buAutoNum type="arabicParenR"/>
+            </a:pPr>
+            <a:r>
+              <a:rPr lang="en-US" dirty="0"/>
+              <a:t>Gather Survey Data from WWU Students</a:t>
+            </a:r>
+          </a:p>
+          <a:p>
+            <a:pPr marL="494100" indent="-457200">
+              <a:buFont typeface="+mj-lt"/>
+              <a:buAutoNum type="arabicParenR"/>
+            </a:pPr>
+            <a:r>
+              <a:rPr lang="en-US" dirty="0"/>
+              <a:t>Download Raw .xlsx from Microsoft Forms</a:t>
+            </a:r>
+          </a:p>
+          <a:p>
+            <a:pPr marL="494100" indent="-457200">
+              <a:buFont typeface="+mj-lt"/>
+              <a:buAutoNum type="arabicParenR"/>
+            </a:pPr>
+            <a:r>
+              <a:rPr lang="en-US" dirty="0"/>
+              <a:t>Load into </a:t>
+            </a:r>
+            <a:r>
+              <a:rPr lang="en-US" dirty="0" err="1"/>
+              <a:t>Juypter</a:t>
+            </a:r>
+            <a:r>
+              <a:rPr lang="en-US" dirty="0"/>
+              <a:t> Notebook</a:t>
+            </a:r>
+          </a:p>
+          <a:p>
+            <a:pPr marL="494100" indent="-457200">
+              <a:buFont typeface="+mj-lt"/>
+              <a:buAutoNum type="arabicParenR"/>
+            </a:pPr>
+            <a:r>
+              <a:rPr lang="en-US" dirty="0"/>
+              <a:t>Perform Data Cleaning and Curation on Raw Data</a:t>
+            </a:r>
+          </a:p>
+          <a:p>
+            <a:pPr marL="494100" indent="-457200">
+              <a:buFont typeface="+mj-lt"/>
+              <a:buAutoNum type="arabicParenR"/>
+            </a:pPr>
+            <a:r>
+              <a:rPr lang="en-US" dirty="0"/>
+              <a:t>Perform Exploratory Analysis on Cleaned Data to Discover Trends</a:t>
+            </a:r>
+          </a:p>
+          <a:p>
+            <a:pPr marL="494100" indent="-457200">
+              <a:buFont typeface="+mj-lt"/>
+              <a:buAutoNum type="arabicParenR"/>
+            </a:pPr>
+            <a:r>
+              <a:rPr lang="en-US" dirty="0"/>
+              <a:t>Build Predictive Machine Learning Model Based on Discovered Trends</a:t>
+            </a:r>
+          </a:p>
+        </p:txBody>
+      </p:sp>
+    </p:spTree>
+    <p:extLst>
+      <p:ext uri="{BB962C8B-B14F-4D97-AF65-F5344CB8AC3E}">
+        <p14:creationId xmlns:p14="http://schemas.microsoft.com/office/powerpoint/2010/main" val="1172239286"/>
+      </p:ext>
+    </p:extLst>
+  </p:cSld>
+  <p:clrMapOvr>
+    <a:masterClrMapping/>
+  </p:clrMapOvr>
+</p:sld>
+</file>
+
+<file path=ppt/slides/slide4.xml><?xml version="1.0" encoding="utf-8"?>
+<p:sld xmlns:a="http://schemas.openxmlformats.org/drawingml/2006/main" xmlns:r="http://schemas.openxmlformats.org/officeDocument/2006/relationships" xmlns:p="http://schemas.openxmlformats.org/presentationml/2006/main">
+  <p:cSld>
+    <p:spTree>
+      <p:nvGrpSpPr>
+        <p:cNvPr id="1" name=""/>
+        <p:cNvGrpSpPr/>
+        <p:nvPr/>
+      </p:nvGrpSpPr>
+      <p:grpSpPr>
+        <a:xfrm>
+          <a:off x="0" y="0"/>
+          <a:ext cx="0" cy="0"/>
+          <a:chOff x="0" y="0"/>
+          <a:chExt cx="0" cy="0"/>
+        </a:xfrm>
+      </p:grpSpPr>
+      <p:sp>
+        <p:nvSpPr>
+          <p:cNvPr id="2" name="Title 1">
+            <a:extLst>
+              <a:ext uri="{FF2B5EF4-FFF2-40B4-BE49-F238E27FC236}">
+                <a16:creationId xmlns:a16="http://schemas.microsoft.com/office/drawing/2014/main" id="{DFB28AC4-F545-61C6-7851-4AA2DC14BD0F}"/>
+              </a:ext>
+            </a:extLst>
+          </p:cNvPr>
+          <p:cNvSpPr>
+            <a:spLocks noGrp="1"/>
+          </p:cNvSpPr>
+          <p:nvPr>
+            <p:ph type="title"/>
+          </p:nvPr>
+        </p:nvSpPr>
+        <p:spPr/>
+        <p:txBody>
+          <a:bodyPr/>
+          <a:lstStyle/>
+          <a:p>
+            <a:r>
+              <a:rPr lang="en-US" dirty="0"/>
+              <a:t>Original Data, Data Cleaning, and Curation</a:t>
+            </a:r>
+          </a:p>
+        </p:txBody>
+      </p:sp>
+      <p:sp>
+        <p:nvSpPr>
+          <p:cNvPr id="3" name="Content Placeholder 2">
+            <a:extLst>
+              <a:ext uri="{FF2B5EF4-FFF2-40B4-BE49-F238E27FC236}">
+                <a16:creationId xmlns:a16="http://schemas.microsoft.com/office/drawing/2014/main" id="{D1745BE4-4893-8CAA-390D-86A58AC7E5EE}"/>
+              </a:ext>
+            </a:extLst>
+          </p:cNvPr>
+          <p:cNvSpPr>
+            <a:spLocks noGrp="1"/>
+          </p:cNvSpPr>
+          <p:nvPr>
+            <p:ph idx="1"/>
+          </p:nvPr>
+        </p:nvSpPr>
+        <p:spPr>
+          <a:xfrm>
+            <a:off x="913795" y="1732449"/>
+            <a:ext cx="6834542" cy="4776635"/>
+          </a:xfrm>
+        </p:spPr>
+        <p:txBody>
+          <a:bodyPr>
+            <a:normAutofit fontScale="85000" lnSpcReduction="10000"/>
+          </a:bodyPr>
+          <a:lstStyle/>
+          <a:p>
+            <a:r>
+              <a:rPr lang="en-US" dirty="0"/>
+              <a:t>Survey Questions produce the Features of the Data Set</a:t>
+            </a:r>
+          </a:p>
+          <a:p>
+            <a:pPr lvl="1"/>
+            <a:r>
+              <a:rPr lang="en-US" dirty="0"/>
+              <a:t>Survey Outline can be found at: </a:t>
+            </a:r>
+            <a:r>
+              <a:rPr lang="en-US" dirty="0">
+                <a:hlinkClick r:id="rId3"/>
+              </a:rPr>
+              <a:t>https://github.com/sevenwwu/sevenwwu.github.io/blob/main/write-ups/milestone_one_delieverable/surveyoutline.md</a:t>
+            </a:r>
+            <a:r>
+              <a:rPr lang="en-US" dirty="0"/>
+              <a:t> </a:t>
+            </a:r>
+          </a:p>
+          <a:p>
+            <a:r>
+              <a:rPr lang="en-US" dirty="0"/>
+              <a:t>Original Data was structured by Microsoft Forms</a:t>
+            </a:r>
+          </a:p>
+          <a:p>
+            <a:pPr lvl="1"/>
+            <a:r>
+              <a:rPr lang="en-US" dirty="0"/>
+              <a:t>Downloadable .xlsx is available</a:t>
+            </a:r>
+          </a:p>
+          <a:p>
+            <a:r>
+              <a:rPr lang="en-US" dirty="0"/>
+              <a:t>Data was primarily collected by asking random students on Campus</a:t>
+            </a:r>
+          </a:p>
+          <a:p>
+            <a:r>
+              <a:rPr lang="en-US" dirty="0"/>
+              <a:t>Curation:</a:t>
+            </a:r>
+          </a:p>
+          <a:p>
+            <a:pPr lvl="1"/>
+            <a:r>
+              <a:rPr lang="en-US" dirty="0"/>
+              <a:t>Drop Metadata</a:t>
+            </a:r>
+          </a:p>
+          <a:p>
+            <a:pPr lvl="1"/>
+            <a:r>
+              <a:rPr lang="en-US" dirty="0"/>
+              <a:t>Rename Questions to Concise Field Names</a:t>
+            </a:r>
+          </a:p>
+          <a:p>
+            <a:pPr lvl="1"/>
+            <a:r>
+              <a:rPr lang="en-US" dirty="0"/>
+              <a:t>Transform Multi-Select Questions</a:t>
+            </a:r>
+          </a:p>
+          <a:p>
+            <a:pPr lvl="1"/>
+            <a:r>
+              <a:rPr lang="en-US" dirty="0"/>
+              <a:t>Manual Bucketing of Area of Study Freeform Responses</a:t>
+            </a:r>
+          </a:p>
+          <a:p>
+            <a:pPr lvl="1"/>
+            <a:r>
+              <a:rPr lang="en-US" dirty="0"/>
+              <a:t>Shorten Categorical Strings for Easier Analysis</a:t>
+            </a:r>
+          </a:p>
+          <a:p>
+            <a:pPr lvl="1"/>
+            <a:r>
+              <a:rPr lang="en-US" dirty="0"/>
+              <a:t>Assign Order to some Categorical Variables</a:t>
+            </a:r>
+          </a:p>
+          <a:p>
+            <a:pPr lvl="1"/>
+            <a:endParaRPr lang="en-US" dirty="0"/>
+          </a:p>
+          <a:p>
+            <a:endParaRPr lang="en-US" dirty="0"/>
+          </a:p>
+        </p:txBody>
+      </p:sp>
+    </p:spTree>
+    <p:extLst>
+      <p:ext uri="{BB962C8B-B14F-4D97-AF65-F5344CB8AC3E}">
+        <p14:creationId xmlns:p14="http://schemas.microsoft.com/office/powerpoint/2010/main" val="1910579132"/>
+      </p:ext>
+    </p:extLst>
+  </p:cSld>
+  <p:clrMapOvr>
+    <a:masterClrMapping/>
+  </p:clrMapOvr>
+</p:sld>
+</file>
+
+<file path=ppt/slides/slide5.xml><?xml version="1.0" encoding="utf-8"?>
+<p:sld xmlns:a="http://schemas.openxmlformats.org/drawingml/2006/main" xmlns:r="http://schemas.openxmlformats.org/officeDocument/2006/relationships" xmlns:p="http://schemas.openxmlformats.org/presentationml/2006/main">
+  <p:cSld>
+    <p:spTree>
+      <p:nvGrpSpPr>
+        <p:cNvPr id="1" name=""/>
+        <p:cNvGrpSpPr/>
+        <p:nvPr/>
+      </p:nvGrpSpPr>
+      <p:grpSpPr>
+        <a:xfrm>
+          <a:off x="0" y="0"/>
+          <a:ext cx="0" cy="0"/>
+          <a:chOff x="0" y="0"/>
+          <a:chExt cx="0" cy="0"/>
+        </a:xfrm>
+      </p:grpSpPr>
+      <p:sp>
+        <p:nvSpPr>
+          <p:cNvPr id="2" name="Title 1">
+            <a:extLst>
+              <a:ext uri="{FF2B5EF4-FFF2-40B4-BE49-F238E27FC236}">
+                <a16:creationId xmlns:a16="http://schemas.microsoft.com/office/drawing/2014/main" id="{A418C0A8-60E4-A515-5EE7-39A30F332296}"/>
+              </a:ext>
+            </a:extLst>
+          </p:cNvPr>
+          <p:cNvSpPr>
+            <a:spLocks noGrp="1"/>
+          </p:cNvSpPr>
+          <p:nvPr>
+            <p:ph type="title"/>
+          </p:nvPr>
+        </p:nvSpPr>
+        <p:spPr/>
+        <p:txBody>
+          <a:bodyPr/>
+          <a:lstStyle/>
+          <a:p>
+            <a:r>
+              <a:rPr lang="en-US" dirty="0"/>
+              <a:t>Curated Data Feature Outline</a:t>
+            </a:r>
+          </a:p>
+        </p:txBody>
+      </p:sp>
+      <p:sp>
+        <p:nvSpPr>
+          <p:cNvPr id="3" name="Content Placeholder 2">
+            <a:extLst>
+              <a:ext uri="{FF2B5EF4-FFF2-40B4-BE49-F238E27FC236}">
+                <a16:creationId xmlns:a16="http://schemas.microsoft.com/office/drawing/2014/main" id="{96865644-C4D5-A43B-40E3-9E8B0F291371}"/>
+              </a:ext>
+            </a:extLst>
+          </p:cNvPr>
+          <p:cNvSpPr>
+            <a:spLocks noGrp="1"/>
+          </p:cNvSpPr>
+          <p:nvPr>
+            <p:ph idx="1"/>
+          </p:nvPr>
+        </p:nvSpPr>
+        <p:spPr>
+          <a:xfrm>
+            <a:off x="913795" y="1732449"/>
+            <a:ext cx="5182205" cy="4058751"/>
+          </a:xfrm>
+        </p:spPr>
+        <p:txBody>
+          <a:bodyPr>
+            <a:normAutofit/>
+          </a:bodyPr>
+          <a:lstStyle/>
+          <a:p>
+            <a:r>
+              <a:rPr lang="en-US" dirty="0"/>
+              <a:t>Demographic info includes survey responses for:</a:t>
+            </a:r>
+          </a:p>
+          <a:p>
+            <a:pPr lvl="1"/>
+            <a:r>
+              <a:rPr lang="en-US" dirty="0"/>
+              <a:t>Student/Faculty Member Status</a:t>
+            </a:r>
+          </a:p>
+          <a:p>
+            <a:pPr lvl="1"/>
+            <a:r>
+              <a:rPr lang="en-US" dirty="0"/>
+              <a:t>Gender Identity</a:t>
+            </a:r>
+          </a:p>
+          <a:p>
+            <a:pPr lvl="1"/>
+            <a:r>
+              <a:rPr lang="en-US" dirty="0"/>
+              <a:t>Age</a:t>
+            </a:r>
+          </a:p>
+          <a:p>
+            <a:pPr lvl="1"/>
+            <a:r>
+              <a:rPr lang="en-US" dirty="0"/>
+              <a:t>Race</a:t>
+            </a:r>
+          </a:p>
+          <a:p>
+            <a:pPr lvl="1"/>
+            <a:r>
+              <a:rPr lang="en-US" dirty="0"/>
+              <a:t>Employment Status</a:t>
+            </a:r>
+          </a:p>
+          <a:p>
+            <a:pPr lvl="1"/>
+            <a:r>
+              <a:rPr lang="en-US" dirty="0"/>
+              <a:t>Corrective Vision</a:t>
+            </a:r>
+          </a:p>
+          <a:p>
+            <a:pPr lvl="1"/>
+            <a:r>
+              <a:rPr lang="en-US" dirty="0"/>
+              <a:t>Religiosity</a:t>
+            </a:r>
+          </a:p>
+          <a:p>
+            <a:pPr lvl="1"/>
+            <a:r>
+              <a:rPr lang="en-US" dirty="0"/>
+              <a:t>Area of Study</a:t>
+            </a:r>
+          </a:p>
+        </p:txBody>
+      </p:sp>
+      <p:sp>
+        <p:nvSpPr>
+          <p:cNvPr id="4" name="Content Placeholder 2">
+            <a:extLst>
+              <a:ext uri="{FF2B5EF4-FFF2-40B4-BE49-F238E27FC236}">
+                <a16:creationId xmlns:a16="http://schemas.microsoft.com/office/drawing/2014/main" id="{459E8BB9-42BB-676D-B338-365E82C5F3C2}"/>
+              </a:ext>
+            </a:extLst>
+          </p:cNvPr>
+          <p:cNvSpPr txBox="1">
+            <a:spLocks/>
+          </p:cNvSpPr>
+          <p:nvPr/>
+        </p:nvSpPr>
+        <p:spPr>
+          <a:xfrm>
+            <a:off x="6085352" y="1732448"/>
+            <a:ext cx="5182205" cy="4058751"/>
+          </a:xfrm>
+          <a:prstGeom prst="rect">
+            <a:avLst/>
+          </a:prstGeom>
+          <a:effectLst>
+            <a:outerShdw blurRad="25400" dir="17880000">
+              <a:srgbClr val="000000">
+                <a:alpha val="46000"/>
+              </a:srgbClr>
+            </a:outerShdw>
+          </a:effectLst>
+        </p:spPr>
+        <p:txBody>
+          <a:bodyPr vert="horz" lIns="91440" tIns="45720" rIns="91440" bIns="45720" rtlCol="0" anchor="t">
+            <a:normAutofit/>
+          </a:bodyPr>
+          <a:lstStyle>
+            <a:lvl1pPr marL="342900" indent="-306000" algn="l" defTabSz="457200" rtl="0" eaLnBrk="1" latinLnBrk="0" hangingPunct="1">
+              <a:spcBef>
+                <a:spcPct val="20000"/>
+              </a:spcBef>
+              <a:spcAft>
+                <a:spcPts val="600"/>
+              </a:spcAft>
+              <a:buClr>
+                <a:schemeClr val="tx2"/>
+              </a:buClr>
+              <a:buSzPct val="70000"/>
+              <a:buFont typeface="Wingdings 2" charset="2"/>
+              <a:buChar char=""/>
+              <a:defRPr sz="2000" kern="1200">
+                <a:ln>
+                  <a:solidFill>
+                    <a:schemeClr val="bg1">
+                      <a:lumMod val="75000"/>
+                      <a:lumOff val="25000"/>
+                      <a:alpha val="10000"/>
+                    </a:schemeClr>
+                  </a:solidFill>
+                </a:ln>
+                <a:solidFill>
+                  <a:schemeClr val="tx2"/>
+                </a:solidFill>
+                <a:effectLst>
+                  <a:outerShdw blurRad="9525" dist="25400" dir="14640000" algn="tl" rotWithShape="0">
+                    <a:schemeClr val="bg1">
+                      <a:alpha val="30000"/>
+                    </a:schemeClr>
+                  </a:outerShdw>
+                </a:effectLst>
+                <a:latin typeface="+mn-lt"/>
+                <a:ea typeface="+mn-ea"/>
+                <a:cs typeface="+mn-cs"/>
+              </a:defRPr>
+            </a:lvl1pPr>
+            <a:lvl2pPr marL="720000" indent="-270000" algn="l" defTabSz="457200" rtl="0" eaLnBrk="1" latinLnBrk="0" hangingPunct="1">
+              <a:spcBef>
+                <a:spcPct val="20000"/>
+              </a:spcBef>
+              <a:spcAft>
+                <a:spcPts val="600"/>
+              </a:spcAft>
+              <a:buClr>
+                <a:schemeClr val="tx2"/>
+              </a:buClr>
+              <a:buSzPct val="70000"/>
+              <a:buFont typeface="Wingdings 2" charset="2"/>
+              <a:buChar char=""/>
+              <a:defRPr sz="1800" kern="1200">
+                <a:ln>
+                  <a:solidFill>
+                    <a:schemeClr val="bg1">
+                      <a:lumMod val="75000"/>
+                      <a:lumOff val="25000"/>
+                      <a:alpha val="10000"/>
+                    </a:schemeClr>
+                  </a:solidFill>
+                </a:ln>
+                <a:solidFill>
+                  <a:schemeClr val="tx2"/>
+                </a:solidFill>
+                <a:effectLst>
+                  <a:outerShdw blurRad="9525" dist="25400" dir="14640000" algn="tl" rotWithShape="0">
+                    <a:schemeClr val="bg1">
+                      <a:alpha val="30000"/>
+                    </a:schemeClr>
+                  </a:outerShdw>
+                </a:effectLst>
+                <a:latin typeface="+mn-lt"/>
+                <a:ea typeface="+mn-ea"/>
+                <a:cs typeface="+mn-cs"/>
+              </a:defRPr>
+            </a:lvl2pPr>
+            <a:lvl3pPr marL="1026000" indent="-216000" algn="l" defTabSz="457200" rtl="0" eaLnBrk="1" latinLnBrk="0" hangingPunct="1">
+              <a:spcBef>
+                <a:spcPct val="20000"/>
+              </a:spcBef>
+              <a:spcAft>
+                <a:spcPts val="600"/>
+              </a:spcAft>
+              <a:buClr>
+                <a:schemeClr val="tx2"/>
+              </a:buClr>
+              <a:buSzPct val="70000"/>
+              <a:buFont typeface="Wingdings 2" charset="2"/>
+              <a:buChar char=""/>
+              <a:defRPr sz="1600" kern="1200">
+                <a:ln>
+                  <a:solidFill>
+                    <a:schemeClr val="bg1">
+                      <a:lumMod val="75000"/>
+                      <a:lumOff val="25000"/>
+                      <a:alpha val="10000"/>
+                    </a:schemeClr>
+                  </a:solidFill>
+                </a:ln>
+                <a:solidFill>
+                  <a:schemeClr val="tx2"/>
+                </a:solidFill>
+                <a:effectLst>
+                  <a:outerShdw blurRad="9525" dist="25400" dir="14640000" algn="tl" rotWithShape="0">
+                    <a:schemeClr val="bg1">
+                      <a:alpha val="30000"/>
+                    </a:schemeClr>
+                  </a:outerShdw>
+                </a:effectLst>
+                <a:latin typeface="+mn-lt"/>
+                <a:ea typeface="+mn-ea"/>
+                <a:cs typeface="+mn-cs"/>
+              </a:defRPr>
+            </a:lvl3pPr>
+            <a:lvl4pPr marL="1386000" indent="-216000" algn="l" defTabSz="457200" rtl="0" eaLnBrk="1" latinLnBrk="0" hangingPunct="1">
+              <a:spcBef>
+                <a:spcPct val="20000"/>
+              </a:spcBef>
+              <a:spcAft>
+                <a:spcPts val="600"/>
+              </a:spcAft>
+              <a:buClr>
+                <a:schemeClr val="tx2"/>
+              </a:buClr>
+              <a:buSzPct val="70000"/>
+              <a:buFont typeface="Wingdings 2" charset="2"/>
+              <a:buChar char=""/>
+              <a:defRPr sz="1400" kern="1200">
+                <a:ln>
+                  <a:solidFill>
+                    <a:schemeClr val="bg1">
+                      <a:lumMod val="75000"/>
+                      <a:lumOff val="25000"/>
+                      <a:alpha val="10000"/>
+                    </a:schemeClr>
+                  </a:solidFill>
+                </a:ln>
+                <a:solidFill>
+                  <a:schemeClr val="tx2"/>
+                </a:solidFill>
+                <a:effectLst>
+                  <a:outerShdw blurRad="9525" dist="25400" dir="14640000" algn="tl" rotWithShape="0">
+                    <a:schemeClr val="bg1">
+                      <a:alpha val="30000"/>
+                    </a:schemeClr>
+                  </a:outerShdw>
+                </a:effectLst>
+                <a:latin typeface="+mn-lt"/>
+                <a:ea typeface="+mn-ea"/>
+                <a:cs typeface="+mn-cs"/>
+              </a:defRPr>
+            </a:lvl4pPr>
+            <a:lvl5pPr marL="1674000" indent="-216000" algn="l" defTabSz="457200" rtl="0" eaLnBrk="1" latinLnBrk="0" hangingPunct="1">
+              <a:spcBef>
+                <a:spcPct val="20000"/>
+              </a:spcBef>
+              <a:spcAft>
+                <a:spcPts val="600"/>
+              </a:spcAft>
+              <a:buClr>
+                <a:schemeClr val="tx2"/>
+              </a:buClr>
+              <a:buSzPct val="70000"/>
+              <a:buFont typeface="Wingdings 2" charset="2"/>
+              <a:buChar char=""/>
+              <a:defRPr sz="1400" kern="1200">
+                <a:ln>
+                  <a:solidFill>
+                    <a:schemeClr val="bg1">
+                      <a:lumMod val="75000"/>
+                      <a:lumOff val="25000"/>
+                      <a:alpha val="10000"/>
+                    </a:schemeClr>
+                  </a:solidFill>
+                </a:ln>
+                <a:solidFill>
+                  <a:schemeClr val="tx2"/>
+                </a:solidFill>
+                <a:effectLst>
+                  <a:outerShdw blurRad="9525" dist="25400" dir="14640000" algn="tl" rotWithShape="0">
+                    <a:schemeClr val="bg1">
+                      <a:alpha val="30000"/>
+                    </a:schemeClr>
+                  </a:outerShdw>
+                </a:effectLst>
+                <a:latin typeface="+mn-lt"/>
+                <a:ea typeface="+mn-ea"/>
+                <a:cs typeface="+mn-cs"/>
+              </a:defRPr>
+            </a:lvl5pPr>
+            <a:lvl6pPr marL="2014600" indent="-228600" algn="l" defTabSz="457200" rtl="0" eaLnBrk="1" latinLnBrk="0" hangingPunct="1">
+              <a:spcBef>
+                <a:spcPct val="20000"/>
+              </a:spcBef>
+              <a:spcAft>
+                <a:spcPts val="600"/>
+              </a:spcAft>
+              <a:buClr>
+                <a:schemeClr val="tx2"/>
+              </a:buClr>
+              <a:buSzPct val="70000"/>
+              <a:buFont typeface="Wingdings 2" charset="2"/>
+              <a:buChar char=""/>
+              <a:defRPr sz="1400" kern="1200">
+                <a:ln>
+                  <a:solidFill>
+                    <a:schemeClr val="bg1">
+                      <a:lumMod val="75000"/>
+                      <a:lumOff val="25000"/>
+                      <a:alpha val="10000"/>
+                    </a:schemeClr>
+                  </a:solidFill>
+                </a:ln>
+                <a:solidFill>
+                  <a:schemeClr val="tx2"/>
+                </a:solidFill>
+                <a:effectLst>
+                  <a:outerShdw blurRad="9525" dist="25400" dir="14640000" algn="tl" rotWithShape="0">
+                    <a:schemeClr val="bg1">
+                      <a:alpha val="30000"/>
+                    </a:schemeClr>
+                  </a:outerShdw>
+                </a:effectLst>
+                <a:latin typeface="+mn-lt"/>
+                <a:ea typeface="+mn-ea"/>
+                <a:cs typeface="+mn-cs"/>
+              </a:defRPr>
+            </a:lvl6pPr>
+            <a:lvl7pPr marL="2401800" indent="-228600" algn="l" defTabSz="457200" rtl="0" eaLnBrk="1" latinLnBrk="0" hangingPunct="1">
+              <a:spcBef>
+                <a:spcPct val="20000"/>
+              </a:spcBef>
+              <a:spcAft>
+                <a:spcPts val="600"/>
+              </a:spcAft>
+              <a:buClr>
+                <a:schemeClr val="tx2"/>
+              </a:buClr>
+              <a:buSzPct val="70000"/>
+              <a:buFont typeface="Wingdings 2" charset="2"/>
+              <a:buChar char=""/>
+              <a:defRPr sz="1400" kern="1200">
+                <a:ln>
+                  <a:solidFill>
+                    <a:schemeClr val="bg1">
+                      <a:lumMod val="75000"/>
+                      <a:lumOff val="25000"/>
+                      <a:alpha val="10000"/>
+                    </a:schemeClr>
+                  </a:solidFill>
+                </a:ln>
+                <a:solidFill>
+                  <a:schemeClr val="tx2"/>
+                </a:solidFill>
+                <a:effectLst>
+                  <a:outerShdw blurRad="9525" dist="25400" dir="14640000" algn="tl" rotWithShape="0">
+                    <a:schemeClr val="bg1">
+                      <a:alpha val="30000"/>
+                    </a:schemeClr>
+                  </a:outerShdw>
+                </a:effectLst>
+                <a:latin typeface="+mn-lt"/>
+                <a:ea typeface="+mn-ea"/>
+                <a:cs typeface="+mn-cs"/>
+              </a:defRPr>
+            </a:lvl7pPr>
+            <a:lvl8pPr marL="2789000" indent="-228600" algn="l" defTabSz="457200" rtl="0" eaLnBrk="1" latinLnBrk="0" hangingPunct="1">
+              <a:spcBef>
+                <a:spcPct val="20000"/>
+              </a:spcBef>
+              <a:spcAft>
+                <a:spcPts val="600"/>
+              </a:spcAft>
+              <a:buClr>
+                <a:schemeClr val="tx2"/>
+              </a:buClr>
+              <a:buSzPct val="70000"/>
+              <a:buFont typeface="Wingdings 2" charset="2"/>
+              <a:buChar char=""/>
+              <a:defRPr sz="1400" kern="1200">
+                <a:ln>
+                  <a:solidFill>
+                    <a:schemeClr val="bg1">
+                      <a:lumMod val="75000"/>
+                      <a:lumOff val="25000"/>
+                      <a:alpha val="10000"/>
+                    </a:schemeClr>
+                  </a:solidFill>
+                </a:ln>
+                <a:solidFill>
+                  <a:schemeClr val="tx2"/>
+                </a:solidFill>
+                <a:effectLst>
+                  <a:outerShdw blurRad="9525" dist="25400" dir="14640000" algn="tl" rotWithShape="0">
+                    <a:schemeClr val="bg1">
+                      <a:alpha val="30000"/>
+                    </a:schemeClr>
+                  </a:outerShdw>
+                </a:effectLst>
+                <a:latin typeface="+mn-lt"/>
+                <a:ea typeface="+mn-ea"/>
+                <a:cs typeface="+mn-cs"/>
+              </a:defRPr>
+            </a:lvl8pPr>
+            <a:lvl9pPr marL="3106200" indent="-228600" algn="l" defTabSz="457200" rtl="0" eaLnBrk="1" latinLnBrk="0" hangingPunct="1">
+              <a:spcBef>
+                <a:spcPct val="20000"/>
+              </a:spcBef>
+              <a:spcAft>
+                <a:spcPts val="600"/>
+              </a:spcAft>
+              <a:buClr>
+                <a:schemeClr val="tx2"/>
+              </a:buClr>
+              <a:buSzPct val="70000"/>
+              <a:buFont typeface="Wingdings 2" charset="2"/>
+              <a:buChar char=""/>
+              <a:defRPr sz="1400" kern="1200">
+                <a:ln>
+                  <a:solidFill>
+                    <a:schemeClr val="bg1">
+                      <a:lumMod val="75000"/>
+                      <a:lumOff val="25000"/>
+                      <a:alpha val="10000"/>
+                    </a:schemeClr>
+                  </a:solidFill>
+                </a:ln>
+                <a:solidFill>
+                  <a:schemeClr val="tx2"/>
+                </a:solidFill>
+                <a:effectLst>
+                  <a:outerShdw blurRad="9525" dist="25400" dir="14640000" algn="tl" rotWithShape="0">
+                    <a:schemeClr val="bg1">
+                      <a:alpha val="30000"/>
+                    </a:schemeClr>
+                  </a:outerShdw>
+                </a:effectLst>
+                <a:latin typeface="+mn-lt"/>
+                <a:ea typeface="+mn-ea"/>
+                <a:cs typeface="+mn-cs"/>
+              </a:defRPr>
+            </a:lvl9pPr>
+          </a:lstStyle>
+          <a:p>
+            <a:pPr marL="347472" indent="-301752" algn="l" rtl="0" eaLnBrk="1" latinLnBrk="0" hangingPunct="1">
+              <a:spcBef>
                 <a:spcPts val="192"/>
               </a:spcBef>
               <a:spcAft>
@@ -9178,7 +12574,7 @@
 </p:sld>
 </file>
 
-<file path=ppt/slides/slide7.xml><?xml version="1.0" encoding="utf-8"?>
+<file path=ppt/slides/slide6.xml><?xml version="1.0" encoding="utf-8"?>
 <p:sld xmlns:a="http://schemas.openxmlformats.org/drawingml/2006/main" xmlns:r="http://schemas.openxmlformats.org/officeDocument/2006/relationships" xmlns:p="http://schemas.openxmlformats.org/presentationml/2006/main">
   <p:cSld>
     <p:bg>
@@ -9281,13 +12677,13 @@
         </p:nvSpPr>
         <p:spPr>
           <a:xfrm>
-            <a:off x="913795" y="609600"/>
-            <a:ext cx="3078749" cy="970450"/>
+            <a:off x="913795" y="1002939"/>
+            <a:ext cx="4433457" cy="509119"/>
           </a:xfrm>
         </p:spPr>
         <p:txBody>
           <a:bodyPr anchor="b">
-            <a:normAutofit/>
+            <a:noAutofit/>
           </a:bodyPr>
           <a:lstStyle/>
           <a:p>
@@ -9297,7 +12693,7 @@
               </a:lnSpc>
             </a:pPr>
             <a:r>
-              <a:rPr lang="en-US" sz="2000">
+              <a:rPr lang="en-US" sz="3000" dirty="0">
                 <a:ln>
                   <a:solidFill>
                     <a:srgbClr val="404040">
@@ -9308,11 +12704,48 @@
                 <a:solidFill>
                   <a:srgbClr val="DADADA"/>
                 </a:solidFill>
+                <a:effectLst/>
               </a:rPr>
-              <a:t>Exploratory Data Analysis:</a:t>
-            </a:r>
-            <a:br>
-              <a:rPr lang="en-US" sz="2000">
+              <a:t>Concepts/Approaches</a:t>
+            </a:r>
+          </a:p>
+        </p:txBody>
+      </p:sp>
+      <p:sp>
+        <p:nvSpPr>
+          <p:cNvPr id="19" name="Content Placeholder 12">
+            <a:extLst>
+              <a:ext uri="{FF2B5EF4-FFF2-40B4-BE49-F238E27FC236}">
+                <a16:creationId xmlns:a16="http://schemas.microsoft.com/office/drawing/2014/main" id="{9825B844-9985-6367-830B-4E07C54E1081}"/>
+              </a:ext>
+            </a:extLst>
+          </p:cNvPr>
+          <p:cNvSpPr>
+            <a:spLocks noGrp="1"/>
+          </p:cNvSpPr>
+          <p:nvPr>
+            <p:ph idx="1"/>
+          </p:nvPr>
+        </p:nvSpPr>
+        <p:spPr>
+          <a:xfrm>
+            <a:off x="913795" y="1757803"/>
+            <a:ext cx="3214257" cy="4074307"/>
+          </a:xfrm>
+        </p:spPr>
+        <p:txBody>
+          <a:bodyPr anchor="t">
+            <a:noAutofit/>
+          </a:bodyPr>
+          <a:lstStyle/>
+          <a:p>
+            <a:pPr>
+              <a:buClr>
+                <a:srgbClr val="E88834"/>
+              </a:buClr>
+            </a:pPr>
+            <a:r>
+              <a:rPr lang="en-US" sz="1800" dirty="0">
                 <a:ln>
                   <a:solidFill>
                     <a:srgbClr val="404040">
@@ -9323,10 +12756,19 @@
                 <a:solidFill>
                   <a:srgbClr val="DADADA"/>
                 </a:solidFill>
+                <a:effectLst/>
               </a:rPr>
-            </a:br>
-            <a:r>
-              <a:rPr lang="en-US" sz="2000">
+              <a:t>Developed Functions to Sift through the Feature Rich Data</a:t>
+            </a:r>
+          </a:p>
+          <a:p>
+            <a:pPr lvl="1">
+              <a:buClr>
+                <a:srgbClr val="E88834"/>
+              </a:buClr>
+            </a:pPr>
+            <a:r>
+              <a:rPr lang="en-US" dirty="0">
                 <a:ln>
                   <a:solidFill>
                     <a:srgbClr val="404040">
@@ -9337,59 +12779,19 @@
                 <a:solidFill>
                   <a:srgbClr val="DADADA"/>
                 </a:solidFill>
+                <a:effectLst/>
               </a:rPr>
-              <a:t>Concepts/Approaches</a:t>
-            </a:r>
-            <a:endParaRPr lang="en-US" sz="2000" dirty="0">
-              <a:ln>
-                <a:solidFill>
-                  <a:srgbClr val="404040">
-                    <a:alpha val="10000"/>
-                  </a:srgbClr>
-                </a:solidFill>
-              </a:ln>
-              <a:solidFill>
-                <a:srgbClr val="DADADA"/>
-              </a:solidFill>
-            </a:endParaRPr>
-          </a:p>
-        </p:txBody>
-      </p:sp>
-      <p:sp>
-        <p:nvSpPr>
-          <p:cNvPr id="19" name="Content Placeholder 12">
-            <a:extLst>
-              <a:ext uri="{FF2B5EF4-FFF2-40B4-BE49-F238E27FC236}">
-                <a16:creationId xmlns:a16="http://schemas.microsoft.com/office/drawing/2014/main" id="{9825B844-9985-6367-830B-4E07C54E1081}"/>
-              </a:ext>
-            </a:extLst>
-          </p:cNvPr>
-          <p:cNvSpPr>
-            <a:spLocks noGrp="1"/>
-          </p:cNvSpPr>
-          <p:nvPr>
-            <p:ph idx="1"/>
-          </p:nvPr>
-        </p:nvSpPr>
-        <p:spPr>
-          <a:xfrm>
-            <a:off x="913795" y="1732449"/>
-            <a:ext cx="3078749" cy="4482084"/>
-          </a:xfrm>
-        </p:spPr>
-        <p:txBody>
-          <a:bodyPr anchor="t">
-            <a:normAutofit/>
-          </a:bodyPr>
-          <a:lstStyle/>
-          <a:p>
-            <a:pPr>
+              <a:t>Produce Normalized Bar Plots for Many Combinations of Features</a:t>
+            </a:r>
+          </a:p>
+          <a:p>
+            <a:pPr lvl="1">
               <a:buClr>
                 <a:srgbClr val="E88834"/>
               </a:buClr>
             </a:pPr>
             <a:r>
-              <a:rPr lang="en-US" sz="1600" dirty="0">
+              <a:rPr lang="en-US" dirty="0">
                 <a:ln>
                   <a:solidFill>
                     <a:srgbClr val="404040">
@@ -9400,18 +12802,12 @@
                 <a:solidFill>
                   <a:srgbClr val="DADADA"/>
                 </a:solidFill>
+                <a:effectLst/>
               </a:rPr>
-              <a:t>Developed Functions to Sift through the Feature Rich Data</a:t>
-            </a:r>
-          </a:p>
-          <a:p>
-            <a:pPr lvl="1">
-              <a:buClr>
-                <a:srgbClr val="E88834"/>
-              </a:buClr>
-            </a:pPr>
-            <a:r>
-              <a:rPr lang="en-US" sz="1400" dirty="0">
+              <a:t>“Other”-</a:t>
+            </a:r>
+            <a:r>
+              <a:rPr lang="en-US" dirty="0" err="1">
                 <a:ln>
                   <a:solidFill>
                     <a:srgbClr val="404040">
@@ -9422,18 +12818,12 @@
                 <a:solidFill>
                   <a:srgbClr val="DADADA"/>
                 </a:solidFill>
+                <a:effectLst/>
               </a:rPr>
-              <a:t>Produce Normalized Bar Plots for Many Combinations of Features</a:t>
-            </a:r>
-          </a:p>
-          <a:p>
-            <a:pPr lvl="1">
-              <a:buClr>
-                <a:srgbClr val="E88834"/>
-              </a:buClr>
-            </a:pPr>
-            <a:r>
-              <a:rPr lang="en-US" sz="1400" dirty="0">
+              <a:t>ing</a:t>
+            </a:r>
+            <a:r>
+              <a:rPr lang="en-US" dirty="0">
                 <a:ln>
                   <a:solidFill>
                     <a:srgbClr val="404040">
@@ -9444,11 +12834,19 @@
                 <a:solidFill>
                   <a:srgbClr val="DADADA"/>
                 </a:solidFill>
+                <a:effectLst/>
               </a:rPr>
-              <a:t>“Other”-</a:t>
-            </a:r>
-            <a:r>
-              <a:rPr lang="en-US" sz="1400" dirty="0" err="1">
+              <a:t> function for grouping low response categories for better visualization</a:t>
+            </a:r>
+          </a:p>
+          <a:p>
+            <a:pPr>
+              <a:buClr>
+                <a:srgbClr val="E88834"/>
+              </a:buClr>
+            </a:pPr>
+            <a:r>
+              <a:rPr lang="en-US" sz="1800" dirty="0">
                 <a:ln>
                   <a:solidFill>
                     <a:srgbClr val="404040">
@@ -9459,56 +12857,58 @@
                 <a:solidFill>
                   <a:srgbClr val="DADADA"/>
                 </a:solidFill>
-              </a:rPr>
-              <a:t>ing</a:t>
-            </a:r>
-            <a:r>
-              <a:rPr lang="en-US" sz="1400" dirty="0">
-                <a:ln>
-                  <a:solidFill>
-                    <a:srgbClr val="404040">
-                      <a:alpha val="10000"/>
-                    </a:srgbClr>
-                  </a:solidFill>
-                </a:ln>
-                <a:solidFill>
-                  <a:srgbClr val="DADADA"/>
-                </a:solidFill>
-              </a:rPr>
-              <a:t> function for grouping low response categories for better visualization</a:t>
-            </a:r>
-          </a:p>
-          <a:p>
-            <a:pPr>
-              <a:buClr>
-                <a:srgbClr val="E88834"/>
-              </a:buClr>
-            </a:pPr>
-            <a:r>
-              <a:rPr lang="en-US" sz="1600" dirty="0">
-                <a:ln>
-                  <a:solidFill>
-                    <a:srgbClr val="404040">
-                      <a:alpha val="10000"/>
-                    </a:srgbClr>
-                  </a:solidFill>
-                </a:ln>
-                <a:solidFill>
-                  <a:srgbClr val="DADADA"/>
-                </a:solidFill>
+                <a:effectLst/>
               </a:rPr>
               <a:t>Employed Clustering to discover highly-dimensional patterns</a:t>
             </a:r>
-            <a:endParaRPr lang="en-US" sz="1400" dirty="0">
-              <a:ln>
-                <a:solidFill>
-                  <a:srgbClr val="404040">
-                    <a:alpha val="10000"/>
-                  </a:srgbClr>
-                </a:solidFill>
-              </a:ln>
+          </a:p>
+        </p:txBody>
+      </p:sp>
+      <p:sp>
+        <p:nvSpPr>
+          <p:cNvPr id="4" name="TextBox 3">
+            <a:extLst>
+              <a:ext uri="{FF2B5EF4-FFF2-40B4-BE49-F238E27FC236}">
+                <a16:creationId xmlns:a16="http://schemas.microsoft.com/office/drawing/2014/main" id="{8FF9CEFA-CF2F-2A22-333C-2EC0E417A8A5}"/>
+              </a:ext>
+            </a:extLst>
+          </p:cNvPr>
+          <p:cNvSpPr txBox="1"/>
+          <p:nvPr/>
+        </p:nvSpPr>
+        <p:spPr>
+          <a:xfrm>
+            <a:off x="794526" y="752654"/>
+            <a:ext cx="2504661" cy="369332"/>
+          </a:xfrm>
+          <a:prstGeom prst="rect">
+            <a:avLst/>
+          </a:prstGeom>
+          <a:noFill/>
+        </p:spPr>
+        <p:txBody>
+          <a:bodyPr wrap="square" rtlCol="0">
+            <a:spAutoFit/>
+          </a:bodyPr>
+          <a:lstStyle/>
+          <a:p>
+            <a:r>
+              <a:rPr lang="en-US" sz="1800" dirty="0">
+                <a:solidFill>
+                  <a:schemeClr val="bg2">
+                    <a:lumMod val="25000"/>
+                    <a:lumOff val="75000"/>
+                  </a:schemeClr>
+                </a:solidFill>
+              </a:rPr>
+              <a:t>Exploratory Analysis:</a:t>
+            </a:r>
+            <a:endParaRPr lang="en-US" dirty="0">
               <a:solidFill>
-                <a:srgbClr val="DADADA"/>
+                <a:schemeClr val="bg2">
+                  <a:lumMod val="25000"/>
+                  <a:lumOff val="75000"/>
+                </a:schemeClr>
               </a:solidFill>
             </a:endParaRPr>
           </a:p>
@@ -9516,10 +12916,10 @@
       </p:sp>
       <p:pic>
         <p:nvPicPr>
-          <p:cNvPr id="11" name="Picture 10">
+          <p:cNvPr id="8" name="Picture 7">
             <a:extLst>
               <a:ext uri="{FF2B5EF4-FFF2-40B4-BE49-F238E27FC236}">
-                <a16:creationId xmlns:a16="http://schemas.microsoft.com/office/drawing/2014/main" id="{2FF22D82-FA11-50E3-0C8F-265B45BEFE66}"/>
+                <a16:creationId xmlns:a16="http://schemas.microsoft.com/office/drawing/2014/main" id="{230D6428-B5A4-D31C-6663-0DCECF393FEB}"/>
               </a:ext>
             </a:extLst>
           </p:cNvPr>
@@ -9536,8 +12936,8 @@
         </p:blipFill>
         <p:spPr>
           <a:xfrm>
-            <a:off x="4906339" y="747215"/>
-            <a:ext cx="6642193" cy="5363569"/>
+            <a:off x="4773817" y="752654"/>
+            <a:ext cx="7000739" cy="5370833"/>
           </a:xfrm>
           <a:prstGeom prst="rect">
             <a:avLst/>
@@ -9553,6 +12953,137 @@
   </p:cSld>
   <p:clrMapOvr>
     <a:overrideClrMapping bg1="lt1" tx1="dk1" bg2="lt2" tx2="dk2" accent1="accent1" accent2="accent2" accent3="accent3" accent4="accent4" accent5="accent5" accent6="accent6" hlink="hlink" folHlink="folHlink"/>
+  </p:clrMapOvr>
+</p:sld>
+</file>
+
+<file path=ppt/slides/slide7.xml><?xml version="1.0" encoding="utf-8"?>
+<p:sld xmlns:a="http://schemas.openxmlformats.org/drawingml/2006/main" xmlns:r="http://schemas.openxmlformats.org/officeDocument/2006/relationships" xmlns:p="http://schemas.openxmlformats.org/presentationml/2006/main">
+  <p:cSld>
+    <p:spTree>
+      <p:nvGrpSpPr>
+        <p:cNvPr id="1" name=""/>
+        <p:cNvGrpSpPr/>
+        <p:nvPr/>
+      </p:nvGrpSpPr>
+      <p:grpSpPr>
+        <a:xfrm>
+          <a:off x="0" y="0"/>
+          <a:ext cx="0" cy="0"/>
+          <a:chOff x="0" y="0"/>
+          <a:chExt cx="0" cy="0"/>
+        </a:xfrm>
+      </p:grpSpPr>
+      <p:sp>
+        <p:nvSpPr>
+          <p:cNvPr id="2" name="Title 1">
+            <a:extLst>
+              <a:ext uri="{FF2B5EF4-FFF2-40B4-BE49-F238E27FC236}">
+                <a16:creationId xmlns:a16="http://schemas.microsoft.com/office/drawing/2014/main" id="{56BE8B42-884F-A127-F785-060B2432FACC}"/>
+              </a:ext>
+            </a:extLst>
+          </p:cNvPr>
+          <p:cNvSpPr>
+            <a:spLocks noGrp="1"/>
+          </p:cNvSpPr>
+          <p:nvPr>
+            <p:ph type="title"/>
+          </p:nvPr>
+        </p:nvSpPr>
+        <p:spPr>
+          <a:xfrm>
+            <a:off x="913795" y="609600"/>
+            <a:ext cx="4388360" cy="970450"/>
+          </a:xfrm>
+        </p:spPr>
+        <p:txBody>
+          <a:bodyPr>
+            <a:normAutofit/>
+          </a:bodyPr>
+          <a:lstStyle/>
+          <a:p>
+            <a:r>
+              <a:rPr lang="en-US" dirty="0"/>
+              <a:t>Discoveries (1/5)</a:t>
+            </a:r>
+          </a:p>
+        </p:txBody>
+      </p:sp>
+      <p:sp>
+        <p:nvSpPr>
+          <p:cNvPr id="4" name="TextBox 3">
+            <a:extLst>
+              <a:ext uri="{FF2B5EF4-FFF2-40B4-BE49-F238E27FC236}">
+                <a16:creationId xmlns:a16="http://schemas.microsoft.com/office/drawing/2014/main" id="{647C5E28-73D9-622E-04E3-CD82DD686780}"/>
+              </a:ext>
+            </a:extLst>
+          </p:cNvPr>
+          <p:cNvSpPr txBox="1"/>
+          <p:nvPr/>
+        </p:nvSpPr>
+        <p:spPr>
+          <a:xfrm>
+            <a:off x="913795" y="609600"/>
+            <a:ext cx="2504661" cy="369332"/>
+          </a:xfrm>
+          <a:prstGeom prst="rect">
+            <a:avLst/>
+          </a:prstGeom>
+          <a:noFill/>
+        </p:spPr>
+        <p:txBody>
+          <a:bodyPr wrap="square" rtlCol="0">
+            <a:spAutoFit/>
+          </a:bodyPr>
+          <a:lstStyle/>
+          <a:p>
+            <a:r>
+              <a:rPr lang="en-US" sz="1800" dirty="0"/>
+              <a:t>Exploratory Analysis:</a:t>
+            </a:r>
+            <a:endParaRPr lang="en-US" dirty="0"/>
+          </a:p>
+        </p:txBody>
+      </p:sp>
+      <p:pic>
+        <p:nvPicPr>
+          <p:cNvPr id="23" name="Picture 22">
+            <a:extLst>
+              <a:ext uri="{FF2B5EF4-FFF2-40B4-BE49-F238E27FC236}">
+                <a16:creationId xmlns:a16="http://schemas.microsoft.com/office/drawing/2014/main" id="{A62DC265-5946-9269-165C-C2DB0B0A6283}"/>
+              </a:ext>
+            </a:extLst>
+          </p:cNvPr>
+          <p:cNvPicPr>
+            <a:picLocks noChangeAspect="1"/>
+          </p:cNvPicPr>
+          <p:nvPr/>
+        </p:nvPicPr>
+        <p:blipFill>
+          <a:blip r:embed="rId2"/>
+          <a:stretch>
+            <a:fillRect/>
+          </a:stretch>
+        </p:blipFill>
+        <p:spPr>
+          <a:xfrm>
+            <a:off x="1835624" y="1518312"/>
+            <a:ext cx="8810837" cy="4964374"/>
+          </a:xfrm>
+          <a:prstGeom prst="rect">
+            <a:avLst/>
+          </a:prstGeom>
+        </p:spPr>
+      </p:pic>
+    </p:spTree>
+    <p:extLst>
+      <p:ext uri="{BB962C8B-B14F-4D97-AF65-F5344CB8AC3E}">
+        <p14:creationId xmlns:p14="http://schemas.microsoft.com/office/powerpoint/2010/main" val="3869431455"/>
+      </p:ext>
+    </p:extLst>
+  </p:cSld>
+  <p:clrMapOvr>
+    <a:masterClrMapping/>
   </p:clrMapOvr>
 </p:sld>
 </file>
@@ -9590,47 +13121,65 @@
             <p:ph type="title"/>
           </p:nvPr>
         </p:nvSpPr>
-        <p:spPr/>
-        <p:txBody>
-          <a:bodyPr/>
+        <p:spPr>
+          <a:xfrm>
+            <a:off x="913795" y="609600"/>
+            <a:ext cx="4388360" cy="970450"/>
+          </a:xfrm>
+        </p:spPr>
+        <p:txBody>
+          <a:bodyPr>
+            <a:normAutofit/>
+          </a:bodyPr>
           <a:lstStyle/>
           <a:p>
             <a:r>
               <a:rPr lang="en-US" dirty="0"/>
-              <a:t>Exploratory Analysis: Discoveries</a:t>
-            </a:r>
-          </a:p>
-        </p:txBody>
-      </p:sp>
-      <p:sp>
-        <p:nvSpPr>
-          <p:cNvPr id="3" name="Content Placeholder 2">
+              <a:t>Discoveries (2/5)</a:t>
+            </a:r>
+          </a:p>
+        </p:txBody>
+      </p:sp>
+      <p:sp>
+        <p:nvSpPr>
+          <p:cNvPr id="4" name="TextBox 3">
             <a:extLst>
               <a:ext uri="{FF2B5EF4-FFF2-40B4-BE49-F238E27FC236}">
-                <a16:creationId xmlns:a16="http://schemas.microsoft.com/office/drawing/2014/main" id="{D4648559-3A05-D807-3E4C-061E69B7E948}"/>
+                <a16:creationId xmlns:a16="http://schemas.microsoft.com/office/drawing/2014/main" id="{647C5E28-73D9-622E-04E3-CD82DD686780}"/>
               </a:ext>
             </a:extLst>
           </p:cNvPr>
-          <p:cNvSpPr>
-            <a:spLocks noGrp="1"/>
-          </p:cNvSpPr>
-          <p:nvPr>
-            <p:ph idx="1"/>
-          </p:nvPr>
-        </p:nvSpPr>
-        <p:spPr/>
-        <p:txBody>
-          <a:bodyPr/>
+          <p:cNvSpPr txBox="1"/>
+          <p:nvPr/>
+        </p:nvSpPr>
+        <p:spPr>
+          <a:xfrm>
+            <a:off x="913795" y="609600"/>
+            <a:ext cx="2504661" cy="369332"/>
+          </a:xfrm>
+          <a:prstGeom prst="rect">
+            <a:avLst/>
+          </a:prstGeom>
+          <a:noFill/>
+        </p:spPr>
+        <p:txBody>
+          <a:bodyPr wrap="square" rtlCol="0">
+            <a:spAutoFit/>
+          </a:bodyPr>
           <a:lstStyle/>
           <a:p>
-            <a:endParaRPr lang="en-US"/>
+            <a:r>
+              <a:rPr lang="en-US" sz="1800" dirty="0"/>
+              <a:t>Exploratory Analysis:</a:t>
+            </a:r>
+            <a:endParaRPr lang="en-US" dirty="0"/>
           </a:p>
         </p:txBody>
       </p:sp>
     </p:spTree>
     <p:extLst>
       <p:ext uri="{BB962C8B-B14F-4D97-AF65-F5344CB8AC3E}">
-        <p14:creationId xmlns:p14="http://schemas.microsoft.com/office/powerpoint/2010/main" val="3869431455"/>
+        <p14:creationId xmlns:p14="http://schemas.microsoft.com/office/powerpoint/2010/main" val="2754963147"/>
       </p:ext>
     </p:extLst>
   </p:cSld>
@@ -9662,7 +13211,7 @@
           <p:cNvPr id="2" name="Title 1">
             <a:extLst>
               <a:ext uri="{FF2B5EF4-FFF2-40B4-BE49-F238E27FC236}">
-                <a16:creationId xmlns:a16="http://schemas.microsoft.com/office/drawing/2014/main" id="{3766D2DA-9541-0022-30F6-736821CCA193}"/>
+                <a16:creationId xmlns:a16="http://schemas.microsoft.com/office/drawing/2014/main" id="{56BE8B42-884F-A127-F785-060B2432FACC}"/>
               </a:ext>
             </a:extLst>
           </p:cNvPr>
@@ -9673,47 +13222,65 @@
             <p:ph type="title"/>
           </p:nvPr>
         </p:nvSpPr>
-        <p:spPr/>
-        <p:txBody>
-          <a:bodyPr/>
+        <p:spPr>
+          <a:xfrm>
+            <a:off x="913795" y="609600"/>
+            <a:ext cx="4388360" cy="970450"/>
+          </a:xfrm>
+        </p:spPr>
+        <p:txBody>
+          <a:bodyPr>
+            <a:normAutofit/>
+          </a:bodyPr>
           <a:lstStyle/>
           <a:p>
             <a:r>
               <a:rPr lang="en-US" dirty="0"/>
-              <a:t>Exploratory Analysis: Clustering</a:t>
-            </a:r>
-          </a:p>
-        </p:txBody>
-      </p:sp>
-      <p:sp>
-        <p:nvSpPr>
-          <p:cNvPr id="3" name="Content Placeholder 2">
+              <a:t>Discoveries (3/5)</a:t>
+            </a:r>
+          </a:p>
+        </p:txBody>
+      </p:sp>
+      <p:sp>
+        <p:nvSpPr>
+          <p:cNvPr id="4" name="TextBox 3">
             <a:extLst>
               <a:ext uri="{FF2B5EF4-FFF2-40B4-BE49-F238E27FC236}">
-                <a16:creationId xmlns:a16="http://schemas.microsoft.com/office/drawing/2014/main" id="{593CE243-1019-2AA9-D5BD-8528586A4050}"/>
+                <a16:creationId xmlns:a16="http://schemas.microsoft.com/office/drawing/2014/main" id="{647C5E28-73D9-622E-04E3-CD82DD686780}"/>
               </a:ext>
             </a:extLst>
           </p:cNvPr>
-          <p:cNvSpPr>
-            <a:spLocks noGrp="1"/>
-          </p:cNvSpPr>
-          <p:nvPr>
-            <p:ph idx="1"/>
-          </p:nvPr>
-        </p:nvSpPr>
-        <p:spPr/>
-        <p:txBody>
-          <a:bodyPr/>
+          <p:cNvSpPr txBox="1"/>
+          <p:nvPr/>
+        </p:nvSpPr>
+        <p:spPr>
+          <a:xfrm>
+            <a:off x="913795" y="609600"/>
+            <a:ext cx="2504661" cy="369332"/>
+          </a:xfrm>
+          <a:prstGeom prst="rect">
+            <a:avLst/>
+          </a:prstGeom>
+          <a:noFill/>
+        </p:spPr>
+        <p:txBody>
+          <a:bodyPr wrap="square" rtlCol="0">
+            <a:spAutoFit/>
+          </a:bodyPr>
           <a:lstStyle/>
           <a:p>
-            <a:endParaRPr lang="en-US"/>
+            <a:r>
+              <a:rPr lang="en-US" sz="1800" dirty="0"/>
+              <a:t>Exploratory Analysis:</a:t>
+            </a:r>
+            <a:endParaRPr lang="en-US" dirty="0"/>
           </a:p>
         </p:txBody>
       </p:sp>
     </p:spTree>
     <p:extLst>
       <p:ext uri="{BB962C8B-B14F-4D97-AF65-F5344CB8AC3E}">
-        <p14:creationId xmlns:p14="http://schemas.microsoft.com/office/powerpoint/2010/main" val="3525398260"/>
+        <p14:creationId xmlns:p14="http://schemas.microsoft.com/office/powerpoint/2010/main" val="4208127805"/>
       </p:ext>
     </p:extLst>
   </p:cSld>

--- a/write-ups/presentation.pptx
+++ b/write-ups/presentation.pptx
@@ -5,7 +5,7 @@
     <p:sldMasterId id="2147483660" r:id="rId1"/>
   </p:sldMasterIdLst>
   <p:notesMasterIdLst>
-    <p:notesMasterId r:id="rId19"/>
+    <p:notesMasterId r:id="rId17"/>
   </p:notesMasterIdLst>
   <p:sldIdLst>
     <p:sldId id="256" r:id="rId2"/>
@@ -16,15 +16,13 @@
     <p:sldId id="261" r:id="rId7"/>
     <p:sldId id="267" r:id="rId8"/>
     <p:sldId id="275" r:id="rId9"/>
-    <p:sldId id="272" r:id="rId10"/>
-    <p:sldId id="273" r:id="rId11"/>
-    <p:sldId id="274" r:id="rId12"/>
-    <p:sldId id="268" r:id="rId13"/>
-    <p:sldId id="269" r:id="rId14"/>
-    <p:sldId id="262" r:id="rId15"/>
-    <p:sldId id="263" r:id="rId16"/>
-    <p:sldId id="264" r:id="rId17"/>
-    <p:sldId id="266" r:id="rId18"/>
+    <p:sldId id="274" r:id="rId10"/>
+    <p:sldId id="268" r:id="rId11"/>
+    <p:sldId id="269" r:id="rId12"/>
+    <p:sldId id="262" r:id="rId13"/>
+    <p:sldId id="263" r:id="rId14"/>
+    <p:sldId id="264" r:id="rId15"/>
+    <p:sldId id="266" r:id="rId16"/>
   </p:sldIdLst>
   <p:sldSz cx="12192000" cy="6858000"/>
   <p:notesSz cx="6858000" cy="9144000"/>
@@ -935,7 +933,7 @@
           <a:p>
             <a:fld id="{8793C440-CB3B-49CE-807A-74AE90D71E23}" type="slidenum">
               <a:rPr lang="en-US" smtClean="0"/>
-              <a:t>13</a:t>
+              <a:t>11</a:t>
             </a:fld>
             <a:endParaRPr lang="en-US"/>
           </a:p>
@@ -7162,7 +7160,7 @@
           <p:cNvPr id="2" name="Title 1">
             <a:extLst>
               <a:ext uri="{FF2B5EF4-FFF2-40B4-BE49-F238E27FC236}">
-                <a16:creationId xmlns:a16="http://schemas.microsoft.com/office/drawing/2014/main" id="{56BE8B42-884F-A127-F785-060B2432FACC}"/>
+                <a16:creationId xmlns:a16="http://schemas.microsoft.com/office/drawing/2014/main" id="{3766D2DA-9541-0022-30F6-736821CCA193}"/>
               </a:ext>
             </a:extLst>
           </p:cNvPr>
@@ -7176,28 +7174,28 @@
         <p:spPr>
           <a:xfrm>
             <a:off x="913795" y="609600"/>
-            <a:ext cx="4388360" cy="970450"/>
+            <a:ext cx="3121492" cy="993913"/>
           </a:xfrm>
         </p:spPr>
         <p:txBody>
-          <a:bodyPr>
-            <a:normAutofit/>
-          </a:bodyPr>
+          <a:bodyPr/>
           <a:lstStyle/>
           <a:p>
             <a:r>
-              <a:rPr lang="en-US" dirty="0"/>
-              <a:t>Discoveries (4/5)</a:t>
-            </a:r>
-          </a:p>
-        </p:txBody>
-      </p:sp>
-      <p:sp>
-        <p:nvSpPr>
-          <p:cNvPr id="4" name="TextBox 3">
+              <a:rPr lang="en-US" dirty="0">
+                <a:effectLst/>
+              </a:rPr>
+              <a:t>Clustering</a:t>
+            </a:r>
+          </a:p>
+        </p:txBody>
+      </p:sp>
+      <p:sp>
+        <p:nvSpPr>
+          <p:cNvPr id="6" name="TextBox 5">
             <a:extLst>
               <a:ext uri="{FF2B5EF4-FFF2-40B4-BE49-F238E27FC236}">
-                <a16:creationId xmlns:a16="http://schemas.microsoft.com/office/drawing/2014/main" id="{647C5E28-73D9-622E-04E3-CD82DD686780}"/>
+                <a16:creationId xmlns:a16="http://schemas.microsoft.com/office/drawing/2014/main" id="{0153244A-F660-589B-3C37-C6CFA318B3CF}"/>
               </a:ext>
             </a:extLst>
           </p:cNvPr>
@@ -7228,208 +7226,6 @@
           </a:p>
         </p:txBody>
       </p:sp>
-    </p:spTree>
-    <p:extLst>
-      <p:ext uri="{BB962C8B-B14F-4D97-AF65-F5344CB8AC3E}">
-        <p14:creationId xmlns:p14="http://schemas.microsoft.com/office/powerpoint/2010/main" val="134045528"/>
-      </p:ext>
-    </p:extLst>
-  </p:cSld>
-  <p:clrMapOvr>
-    <a:masterClrMapping/>
-  </p:clrMapOvr>
-</p:sld>
-</file>
-
-<file path=ppt/slides/slide11.xml><?xml version="1.0" encoding="utf-8"?>
-<p:sld xmlns:a="http://schemas.openxmlformats.org/drawingml/2006/main" xmlns:r="http://schemas.openxmlformats.org/officeDocument/2006/relationships" xmlns:p="http://schemas.openxmlformats.org/presentationml/2006/main">
-  <p:cSld>
-    <p:spTree>
-      <p:nvGrpSpPr>
-        <p:cNvPr id="1" name=""/>
-        <p:cNvGrpSpPr/>
-        <p:nvPr/>
-      </p:nvGrpSpPr>
-      <p:grpSpPr>
-        <a:xfrm>
-          <a:off x="0" y="0"/>
-          <a:ext cx="0" cy="0"/>
-          <a:chOff x="0" y="0"/>
-          <a:chExt cx="0" cy="0"/>
-        </a:xfrm>
-      </p:grpSpPr>
-      <p:sp>
-        <p:nvSpPr>
-          <p:cNvPr id="2" name="Title 1">
-            <a:extLst>
-              <a:ext uri="{FF2B5EF4-FFF2-40B4-BE49-F238E27FC236}">
-                <a16:creationId xmlns:a16="http://schemas.microsoft.com/office/drawing/2014/main" id="{56BE8B42-884F-A127-F785-060B2432FACC}"/>
-              </a:ext>
-            </a:extLst>
-          </p:cNvPr>
-          <p:cNvSpPr>
-            <a:spLocks noGrp="1"/>
-          </p:cNvSpPr>
-          <p:nvPr>
-            <p:ph type="title"/>
-          </p:nvPr>
-        </p:nvSpPr>
-        <p:spPr>
-          <a:xfrm>
-            <a:off x="913795" y="609600"/>
-            <a:ext cx="4388360" cy="970450"/>
-          </a:xfrm>
-        </p:spPr>
-        <p:txBody>
-          <a:bodyPr>
-            <a:normAutofit/>
-          </a:bodyPr>
-          <a:lstStyle/>
-          <a:p>
-            <a:r>
-              <a:rPr lang="en-US" dirty="0"/>
-              <a:t>Discoveries (5/5)</a:t>
-            </a:r>
-          </a:p>
-        </p:txBody>
-      </p:sp>
-      <p:sp>
-        <p:nvSpPr>
-          <p:cNvPr id="4" name="TextBox 3">
-            <a:extLst>
-              <a:ext uri="{FF2B5EF4-FFF2-40B4-BE49-F238E27FC236}">
-                <a16:creationId xmlns:a16="http://schemas.microsoft.com/office/drawing/2014/main" id="{647C5E28-73D9-622E-04E3-CD82DD686780}"/>
-              </a:ext>
-            </a:extLst>
-          </p:cNvPr>
-          <p:cNvSpPr txBox="1"/>
-          <p:nvPr/>
-        </p:nvSpPr>
-        <p:spPr>
-          <a:xfrm>
-            <a:off x="913795" y="609600"/>
-            <a:ext cx="2504661" cy="369332"/>
-          </a:xfrm>
-          <a:prstGeom prst="rect">
-            <a:avLst/>
-          </a:prstGeom>
-          <a:noFill/>
-        </p:spPr>
-        <p:txBody>
-          <a:bodyPr wrap="square" rtlCol="0">
-            <a:spAutoFit/>
-          </a:bodyPr>
-          <a:lstStyle/>
-          <a:p>
-            <a:r>
-              <a:rPr lang="en-US" sz="1800" dirty="0"/>
-              <a:t>Exploratory Analysis:</a:t>
-            </a:r>
-            <a:endParaRPr lang="en-US" dirty="0"/>
-          </a:p>
-        </p:txBody>
-      </p:sp>
-    </p:spTree>
-    <p:extLst>
-      <p:ext uri="{BB962C8B-B14F-4D97-AF65-F5344CB8AC3E}">
-        <p14:creationId xmlns:p14="http://schemas.microsoft.com/office/powerpoint/2010/main" val="3160549705"/>
-      </p:ext>
-    </p:extLst>
-  </p:cSld>
-  <p:clrMapOvr>
-    <a:masterClrMapping/>
-  </p:clrMapOvr>
-</p:sld>
-</file>
-
-<file path=ppt/slides/slide12.xml><?xml version="1.0" encoding="utf-8"?>
-<p:sld xmlns:a="http://schemas.openxmlformats.org/drawingml/2006/main" xmlns:r="http://schemas.openxmlformats.org/officeDocument/2006/relationships" xmlns:p="http://schemas.openxmlformats.org/presentationml/2006/main">
-  <p:cSld>
-    <p:spTree>
-      <p:nvGrpSpPr>
-        <p:cNvPr id="1" name=""/>
-        <p:cNvGrpSpPr/>
-        <p:nvPr/>
-      </p:nvGrpSpPr>
-      <p:grpSpPr>
-        <a:xfrm>
-          <a:off x="0" y="0"/>
-          <a:ext cx="0" cy="0"/>
-          <a:chOff x="0" y="0"/>
-          <a:chExt cx="0" cy="0"/>
-        </a:xfrm>
-      </p:grpSpPr>
-      <p:sp>
-        <p:nvSpPr>
-          <p:cNvPr id="2" name="Title 1">
-            <a:extLst>
-              <a:ext uri="{FF2B5EF4-FFF2-40B4-BE49-F238E27FC236}">
-                <a16:creationId xmlns:a16="http://schemas.microsoft.com/office/drawing/2014/main" id="{3766D2DA-9541-0022-30F6-736821CCA193}"/>
-              </a:ext>
-            </a:extLst>
-          </p:cNvPr>
-          <p:cNvSpPr>
-            <a:spLocks noGrp="1"/>
-          </p:cNvSpPr>
-          <p:nvPr>
-            <p:ph type="title"/>
-          </p:nvPr>
-        </p:nvSpPr>
-        <p:spPr>
-          <a:xfrm>
-            <a:off x="913795" y="609600"/>
-            <a:ext cx="3121492" cy="993913"/>
-          </a:xfrm>
-        </p:spPr>
-        <p:txBody>
-          <a:bodyPr/>
-          <a:lstStyle/>
-          <a:p>
-            <a:r>
-              <a:rPr lang="en-US" dirty="0">
-                <a:effectLst/>
-              </a:rPr>
-              <a:t>Clustering</a:t>
-            </a:r>
-          </a:p>
-        </p:txBody>
-      </p:sp>
-      <p:sp>
-        <p:nvSpPr>
-          <p:cNvPr id="6" name="TextBox 5">
-            <a:extLst>
-              <a:ext uri="{FF2B5EF4-FFF2-40B4-BE49-F238E27FC236}">
-                <a16:creationId xmlns:a16="http://schemas.microsoft.com/office/drawing/2014/main" id="{0153244A-F660-589B-3C37-C6CFA318B3CF}"/>
-              </a:ext>
-            </a:extLst>
-          </p:cNvPr>
-          <p:cNvSpPr txBox="1"/>
-          <p:nvPr/>
-        </p:nvSpPr>
-        <p:spPr>
-          <a:xfrm>
-            <a:off x="913795" y="609600"/>
-            <a:ext cx="2504661" cy="369332"/>
-          </a:xfrm>
-          <a:prstGeom prst="rect">
-            <a:avLst/>
-          </a:prstGeom>
-          <a:noFill/>
-        </p:spPr>
-        <p:txBody>
-          <a:bodyPr wrap="square" rtlCol="0">
-            <a:spAutoFit/>
-          </a:bodyPr>
-          <a:lstStyle/>
-          <a:p>
-            <a:r>
-              <a:rPr lang="en-US" sz="1800" dirty="0"/>
-              <a:t>Exploratory Analysis:</a:t>
-            </a:r>
-            <a:endParaRPr lang="en-US" dirty="0"/>
-          </a:p>
-        </p:txBody>
-      </p:sp>
       <p:sp>
         <p:nvSpPr>
           <p:cNvPr id="12" name="Content Placeholder 11">
@@ -7448,12 +7244,14 @@
         </p:nvSpPr>
         <p:spPr>
           <a:xfrm>
-            <a:off x="913795" y="1732449"/>
-            <a:ext cx="4299650" cy="4058751"/>
+            <a:off x="913794" y="1732449"/>
+            <a:ext cx="6235753" cy="4615342"/>
           </a:xfrm>
         </p:spPr>
         <p:txBody>
-          <a:bodyPr/>
+          <a:bodyPr>
+            <a:normAutofit fontScale="85000" lnSpcReduction="10000"/>
+          </a:bodyPr>
           <a:lstStyle/>
           <a:p>
             <a:r>
@@ -7464,7 +7262,7 @@
           <a:p>
             <a:r>
               <a:rPr lang="en-US" dirty="0"/>
-              <a:t>Highest Silhouette was 0.119 with 2 clusters</a:t>
+              <a:t>Showed Clear Patterns for Two Distinct Groups of People</a:t>
             </a:r>
           </a:p>
           <a:p>
@@ -7490,16 +7288,51 @@
           <a:p>
             <a:r>
               <a:rPr lang="en-US" dirty="0"/>
-              <a:t>Plotting Data Against the Cluster Assignment reveals the Emergent Label “</a:t>
-            </a:r>
-            <a:r>
-              <a:rPr lang="en-US" dirty="0" err="1"/>
-              <a:t>IsEnthusiast</a:t>
-            </a:r>
+              <a:t>Emergent Label “Enthusiast”</a:t>
+            </a:r>
+          </a:p>
+          <a:p>
             <a:r>
               <a:rPr lang="en-US" dirty="0"/>
-              <a:t>”</a:t>
-            </a:r>
+              <a:t>Compared to the Non-Enthusiast group, the Involved Gamers:</a:t>
+            </a:r>
+          </a:p>
+          <a:p>
+            <a:pPr lvl="1"/>
+            <a:r>
+              <a:rPr lang="en-US" dirty="0"/>
+              <a:t>Own more board games</a:t>
+            </a:r>
+          </a:p>
+          <a:p>
+            <a:pPr lvl="1"/>
+            <a:r>
+              <a:rPr lang="en-US" dirty="0"/>
+              <a:t>Are more willing to play different types of games depending on the situation</a:t>
+            </a:r>
+          </a:p>
+          <a:p>
+            <a:pPr lvl="1"/>
+            <a:r>
+              <a:rPr lang="en-US" dirty="0"/>
+              <a:t>Are more likely enjoy any given category of genre and gameplay element</a:t>
+            </a:r>
+          </a:p>
+          <a:p>
+            <a:pPr lvl="1"/>
+            <a:r>
+              <a:rPr lang="en-US" dirty="0"/>
+              <a:t>Suggests a broader range of tastes than the more casual group</a:t>
+            </a:r>
+          </a:p>
+          <a:p>
+            <a:r>
+              <a:rPr lang="en-US" dirty="0"/>
+              <a:t>The Enthusiast Clustering is indifferent to ones gender</a:t>
+            </a:r>
+          </a:p>
+          <a:p>
+            <a:endParaRPr lang="en-US" dirty="0"/>
           </a:p>
         </p:txBody>
       </p:sp>
@@ -7525,7 +7358,7 @@
         </p:blipFill>
         <p:spPr>
           <a:xfrm>
-            <a:off x="6686567" y="0"/>
+            <a:off x="8184063" y="0"/>
             <a:ext cx="4007937" cy="3498992"/>
           </a:xfrm>
           <a:prstGeom prst="rect">
@@ -7555,7 +7388,7 @@
         </p:blipFill>
         <p:spPr>
           <a:xfrm>
-            <a:off x="6686567" y="3498992"/>
+            <a:off x="8184062" y="3515160"/>
             <a:ext cx="4007938" cy="3342840"/>
           </a:xfrm>
           <a:prstGeom prst="rect">
@@ -7563,433 +7396,6 @@
           </a:prstGeom>
         </p:spPr>
       </p:pic>
-      <p:sp>
-        <p:nvSpPr>
-          <p:cNvPr id="3" name="Content Placeholder 2">
-            <a:extLst>
-              <a:ext uri="{FF2B5EF4-FFF2-40B4-BE49-F238E27FC236}">
-                <a16:creationId xmlns:a16="http://schemas.microsoft.com/office/drawing/2014/main" id="{1CA7C232-EF36-84EB-F250-FCF9DB871151}"/>
-              </a:ext>
-            </a:extLst>
-          </p:cNvPr>
-          <p:cNvSpPr>
-            <a:spLocks noGrp="1"/>
-          </p:cNvSpPr>
-          <p:nvPr/>
-        </p:nvSpPr>
-        <p:spPr>
-          <a:xfrm>
-            <a:off x="1934515" y="2783081"/>
-            <a:ext cx="4877405" cy="4058751"/>
-          </a:xfrm>
-          <a:prstGeom prst="rect">
-            <a:avLst/>
-          </a:prstGeom>
-          <a:effectLst>
-            <a:outerShdw blurRad="25400" dir="17880000">
-              <a:srgbClr val="000000">
-                <a:alpha val="46000"/>
-              </a:srgbClr>
-            </a:outerShdw>
-          </a:effectLst>
-        </p:spPr>
-        <p:txBody>
-          <a:bodyPr vert="horz" lIns="91440" tIns="45720" rIns="91440" bIns="45720" rtlCol="0" anchor="t">
-            <a:normAutofit fontScale="92500" lnSpcReduction="10000"/>
-          </a:bodyPr>
-          <a:lstStyle>
-            <a:lvl1pPr marL="342900" indent="-306000" algn="l" defTabSz="457200" rtl="0" eaLnBrk="1" latinLnBrk="0" hangingPunct="1">
-              <a:spcBef>
-                <a:spcPct val="20000"/>
-              </a:spcBef>
-              <a:spcAft>
-                <a:spcPts val="600"/>
-              </a:spcAft>
-              <a:buClr>
-                <a:schemeClr val="tx2"/>
-              </a:buClr>
-              <a:buSzPct val="70000"/>
-              <a:buFont typeface="Wingdings 2" charset="2"/>
-              <a:buChar char=""/>
-              <a:defRPr sz="2000" kern="1200">
-                <a:ln>
-                  <a:solidFill>
-                    <a:schemeClr val="bg1">
-                      <a:lumMod val="75000"/>
-                      <a:lumOff val="25000"/>
-                      <a:alpha val="10000"/>
-                    </a:schemeClr>
-                  </a:solidFill>
-                </a:ln>
-                <a:solidFill>
-                  <a:schemeClr val="tx2"/>
-                </a:solidFill>
-                <a:effectLst>
-                  <a:outerShdw blurRad="9525" dist="25400" dir="14640000" algn="tl" rotWithShape="0">
-                    <a:schemeClr val="bg1">
-                      <a:alpha val="30000"/>
-                    </a:schemeClr>
-                  </a:outerShdw>
-                </a:effectLst>
-                <a:latin typeface="+mn-lt"/>
-                <a:ea typeface="+mn-ea"/>
-                <a:cs typeface="+mn-cs"/>
-              </a:defRPr>
-            </a:lvl1pPr>
-            <a:lvl2pPr marL="720000" indent="-270000" algn="l" defTabSz="457200" rtl="0" eaLnBrk="1" latinLnBrk="0" hangingPunct="1">
-              <a:spcBef>
-                <a:spcPct val="20000"/>
-              </a:spcBef>
-              <a:spcAft>
-                <a:spcPts val="600"/>
-              </a:spcAft>
-              <a:buClr>
-                <a:schemeClr val="tx2"/>
-              </a:buClr>
-              <a:buSzPct val="70000"/>
-              <a:buFont typeface="Wingdings 2" charset="2"/>
-              <a:buChar char=""/>
-              <a:defRPr sz="1800" kern="1200">
-                <a:ln>
-                  <a:solidFill>
-                    <a:schemeClr val="bg1">
-                      <a:lumMod val="75000"/>
-                      <a:lumOff val="25000"/>
-                      <a:alpha val="10000"/>
-                    </a:schemeClr>
-                  </a:solidFill>
-                </a:ln>
-                <a:solidFill>
-                  <a:schemeClr val="tx2"/>
-                </a:solidFill>
-                <a:effectLst>
-                  <a:outerShdw blurRad="9525" dist="25400" dir="14640000" algn="tl" rotWithShape="0">
-                    <a:schemeClr val="bg1">
-                      <a:alpha val="30000"/>
-                    </a:schemeClr>
-                  </a:outerShdw>
-                </a:effectLst>
-                <a:latin typeface="+mn-lt"/>
-                <a:ea typeface="+mn-ea"/>
-                <a:cs typeface="+mn-cs"/>
-              </a:defRPr>
-            </a:lvl2pPr>
-            <a:lvl3pPr marL="1026000" indent="-216000" algn="l" defTabSz="457200" rtl="0" eaLnBrk="1" latinLnBrk="0" hangingPunct="1">
-              <a:spcBef>
-                <a:spcPct val="20000"/>
-              </a:spcBef>
-              <a:spcAft>
-                <a:spcPts val="600"/>
-              </a:spcAft>
-              <a:buClr>
-                <a:schemeClr val="tx2"/>
-              </a:buClr>
-              <a:buSzPct val="70000"/>
-              <a:buFont typeface="Wingdings 2" charset="2"/>
-              <a:buChar char=""/>
-              <a:defRPr sz="1600" kern="1200">
-                <a:ln>
-                  <a:solidFill>
-                    <a:schemeClr val="bg1">
-                      <a:lumMod val="75000"/>
-                      <a:lumOff val="25000"/>
-                      <a:alpha val="10000"/>
-                    </a:schemeClr>
-                  </a:solidFill>
-                </a:ln>
-                <a:solidFill>
-                  <a:schemeClr val="tx2"/>
-                </a:solidFill>
-                <a:effectLst>
-                  <a:outerShdw blurRad="9525" dist="25400" dir="14640000" algn="tl" rotWithShape="0">
-                    <a:schemeClr val="bg1">
-                      <a:alpha val="30000"/>
-                    </a:schemeClr>
-                  </a:outerShdw>
-                </a:effectLst>
-                <a:latin typeface="+mn-lt"/>
-                <a:ea typeface="+mn-ea"/>
-                <a:cs typeface="+mn-cs"/>
-              </a:defRPr>
-            </a:lvl3pPr>
-            <a:lvl4pPr marL="1386000" indent="-216000" algn="l" defTabSz="457200" rtl="0" eaLnBrk="1" latinLnBrk="0" hangingPunct="1">
-              <a:spcBef>
-                <a:spcPct val="20000"/>
-              </a:spcBef>
-              <a:spcAft>
-                <a:spcPts val="600"/>
-              </a:spcAft>
-              <a:buClr>
-                <a:schemeClr val="tx2"/>
-              </a:buClr>
-              <a:buSzPct val="70000"/>
-              <a:buFont typeface="Wingdings 2" charset="2"/>
-              <a:buChar char=""/>
-              <a:defRPr sz="1400" kern="1200">
-                <a:ln>
-                  <a:solidFill>
-                    <a:schemeClr val="bg1">
-                      <a:lumMod val="75000"/>
-                      <a:lumOff val="25000"/>
-                      <a:alpha val="10000"/>
-                    </a:schemeClr>
-                  </a:solidFill>
-                </a:ln>
-                <a:solidFill>
-                  <a:schemeClr val="tx2"/>
-                </a:solidFill>
-                <a:effectLst>
-                  <a:outerShdw blurRad="9525" dist="25400" dir="14640000" algn="tl" rotWithShape="0">
-                    <a:schemeClr val="bg1">
-                      <a:alpha val="30000"/>
-                    </a:schemeClr>
-                  </a:outerShdw>
-                </a:effectLst>
-                <a:latin typeface="+mn-lt"/>
-                <a:ea typeface="+mn-ea"/>
-                <a:cs typeface="+mn-cs"/>
-              </a:defRPr>
-            </a:lvl4pPr>
-            <a:lvl5pPr marL="1674000" indent="-216000" algn="l" defTabSz="457200" rtl="0" eaLnBrk="1" latinLnBrk="0" hangingPunct="1">
-              <a:spcBef>
-                <a:spcPct val="20000"/>
-              </a:spcBef>
-              <a:spcAft>
-                <a:spcPts val="600"/>
-              </a:spcAft>
-              <a:buClr>
-                <a:schemeClr val="tx2"/>
-              </a:buClr>
-              <a:buSzPct val="70000"/>
-              <a:buFont typeface="Wingdings 2" charset="2"/>
-              <a:buChar char=""/>
-              <a:defRPr sz="1400" kern="1200">
-                <a:ln>
-                  <a:solidFill>
-                    <a:schemeClr val="bg1">
-                      <a:lumMod val="75000"/>
-                      <a:lumOff val="25000"/>
-                      <a:alpha val="10000"/>
-                    </a:schemeClr>
-                  </a:solidFill>
-                </a:ln>
-                <a:solidFill>
-                  <a:schemeClr val="tx2"/>
-                </a:solidFill>
-                <a:effectLst>
-                  <a:outerShdw blurRad="9525" dist="25400" dir="14640000" algn="tl" rotWithShape="0">
-                    <a:schemeClr val="bg1">
-                      <a:alpha val="30000"/>
-                    </a:schemeClr>
-                  </a:outerShdw>
-                </a:effectLst>
-                <a:latin typeface="+mn-lt"/>
-                <a:ea typeface="+mn-ea"/>
-                <a:cs typeface="+mn-cs"/>
-              </a:defRPr>
-            </a:lvl5pPr>
-            <a:lvl6pPr marL="2014600" indent="-228600" algn="l" defTabSz="457200" rtl="0" eaLnBrk="1" latinLnBrk="0" hangingPunct="1">
-              <a:spcBef>
-                <a:spcPct val="20000"/>
-              </a:spcBef>
-              <a:spcAft>
-                <a:spcPts val="600"/>
-              </a:spcAft>
-              <a:buClr>
-                <a:schemeClr val="tx2"/>
-              </a:buClr>
-              <a:buSzPct val="70000"/>
-              <a:buFont typeface="Wingdings 2" charset="2"/>
-              <a:buChar char=""/>
-              <a:defRPr sz="1400" kern="1200">
-                <a:ln>
-                  <a:solidFill>
-                    <a:schemeClr val="bg1">
-                      <a:lumMod val="75000"/>
-                      <a:lumOff val="25000"/>
-                      <a:alpha val="10000"/>
-                    </a:schemeClr>
-                  </a:solidFill>
-                </a:ln>
-                <a:solidFill>
-                  <a:schemeClr val="tx2"/>
-                </a:solidFill>
-                <a:effectLst>
-                  <a:outerShdw blurRad="9525" dist="25400" dir="14640000" algn="tl" rotWithShape="0">
-                    <a:schemeClr val="bg1">
-                      <a:alpha val="30000"/>
-                    </a:schemeClr>
-                  </a:outerShdw>
-                </a:effectLst>
-                <a:latin typeface="+mn-lt"/>
-                <a:ea typeface="+mn-ea"/>
-                <a:cs typeface="+mn-cs"/>
-              </a:defRPr>
-            </a:lvl6pPr>
-            <a:lvl7pPr marL="2401800" indent="-228600" algn="l" defTabSz="457200" rtl="0" eaLnBrk="1" latinLnBrk="0" hangingPunct="1">
-              <a:spcBef>
-                <a:spcPct val="20000"/>
-              </a:spcBef>
-              <a:spcAft>
-                <a:spcPts val="600"/>
-              </a:spcAft>
-              <a:buClr>
-                <a:schemeClr val="tx2"/>
-              </a:buClr>
-              <a:buSzPct val="70000"/>
-              <a:buFont typeface="Wingdings 2" charset="2"/>
-              <a:buChar char=""/>
-              <a:defRPr sz="1400" kern="1200">
-                <a:ln>
-                  <a:solidFill>
-                    <a:schemeClr val="bg1">
-                      <a:lumMod val="75000"/>
-                      <a:lumOff val="25000"/>
-                      <a:alpha val="10000"/>
-                    </a:schemeClr>
-                  </a:solidFill>
-                </a:ln>
-                <a:solidFill>
-                  <a:schemeClr val="tx2"/>
-                </a:solidFill>
-                <a:effectLst>
-                  <a:outerShdw blurRad="9525" dist="25400" dir="14640000" algn="tl" rotWithShape="0">
-                    <a:schemeClr val="bg1">
-                      <a:alpha val="30000"/>
-                    </a:schemeClr>
-                  </a:outerShdw>
-                </a:effectLst>
-                <a:latin typeface="+mn-lt"/>
-                <a:ea typeface="+mn-ea"/>
-                <a:cs typeface="+mn-cs"/>
-              </a:defRPr>
-            </a:lvl7pPr>
-            <a:lvl8pPr marL="2789000" indent="-228600" algn="l" defTabSz="457200" rtl="0" eaLnBrk="1" latinLnBrk="0" hangingPunct="1">
-              <a:spcBef>
-                <a:spcPct val="20000"/>
-              </a:spcBef>
-              <a:spcAft>
-                <a:spcPts val="600"/>
-              </a:spcAft>
-              <a:buClr>
-                <a:schemeClr val="tx2"/>
-              </a:buClr>
-              <a:buSzPct val="70000"/>
-              <a:buFont typeface="Wingdings 2" charset="2"/>
-              <a:buChar char=""/>
-              <a:defRPr sz="1400" kern="1200">
-                <a:ln>
-                  <a:solidFill>
-                    <a:schemeClr val="bg1">
-                      <a:lumMod val="75000"/>
-                      <a:lumOff val="25000"/>
-                      <a:alpha val="10000"/>
-                    </a:schemeClr>
-                  </a:solidFill>
-                </a:ln>
-                <a:solidFill>
-                  <a:schemeClr val="tx2"/>
-                </a:solidFill>
-                <a:effectLst>
-                  <a:outerShdw blurRad="9525" dist="25400" dir="14640000" algn="tl" rotWithShape="0">
-                    <a:schemeClr val="bg1">
-                      <a:alpha val="30000"/>
-                    </a:schemeClr>
-                  </a:outerShdw>
-                </a:effectLst>
-                <a:latin typeface="+mn-lt"/>
-                <a:ea typeface="+mn-ea"/>
-                <a:cs typeface="+mn-cs"/>
-              </a:defRPr>
-            </a:lvl8pPr>
-            <a:lvl9pPr marL="3106200" indent="-228600" algn="l" defTabSz="457200" rtl="0" eaLnBrk="1" latinLnBrk="0" hangingPunct="1">
-              <a:spcBef>
-                <a:spcPct val="20000"/>
-              </a:spcBef>
-              <a:spcAft>
-                <a:spcPts val="600"/>
-              </a:spcAft>
-              <a:buClr>
-                <a:schemeClr val="tx2"/>
-              </a:buClr>
-              <a:buSzPct val="70000"/>
-              <a:buFont typeface="Wingdings 2" charset="2"/>
-              <a:buChar char=""/>
-              <a:defRPr sz="1400" kern="1200">
-                <a:ln>
-                  <a:solidFill>
-                    <a:schemeClr val="bg1">
-                      <a:lumMod val="75000"/>
-                      <a:lumOff val="25000"/>
-                      <a:alpha val="10000"/>
-                    </a:schemeClr>
-                  </a:solidFill>
-                </a:ln>
-                <a:solidFill>
-                  <a:schemeClr val="tx2"/>
-                </a:solidFill>
-                <a:effectLst>
-                  <a:outerShdw blurRad="9525" dist="25400" dir="14640000" algn="tl" rotWithShape="0">
-                    <a:schemeClr val="bg1">
-                      <a:alpha val="30000"/>
-                    </a:schemeClr>
-                  </a:outerShdw>
-                </a:effectLst>
-                <a:latin typeface="+mn-lt"/>
-                <a:ea typeface="+mn-ea"/>
-                <a:cs typeface="+mn-cs"/>
-              </a:defRPr>
-            </a:lvl9pPr>
-          </a:lstStyle>
-          <a:p>
-            <a:r>
-              <a:rPr lang="en-US" dirty="0"/>
-              <a:t>Clustering showed clear patterns for two distinct groups of people</a:t>
-            </a:r>
-          </a:p>
-          <a:p>
-            <a:pPr lvl="1"/>
-            <a:r>
-              <a:rPr lang="en-US" dirty="0"/>
-              <a:t>Casual/non-gamers and more involved gamers</a:t>
-            </a:r>
-          </a:p>
-          <a:p>
-            <a:r>
-              <a:rPr lang="en-US" dirty="0"/>
-              <a:t>Compared to the casual group, the involved gamers:</a:t>
-            </a:r>
-          </a:p>
-          <a:p>
-            <a:pPr lvl="1"/>
-            <a:r>
-              <a:rPr lang="en-US" dirty="0"/>
-              <a:t>Owned more board games</a:t>
-            </a:r>
-          </a:p>
-          <a:p>
-            <a:pPr lvl="1"/>
-            <a:r>
-              <a:rPr lang="en-US" dirty="0"/>
-              <a:t>Were more willing to play different types of games depending on the situation</a:t>
-            </a:r>
-          </a:p>
-          <a:p>
-            <a:pPr lvl="1"/>
-            <a:r>
-              <a:rPr lang="en-US" dirty="0"/>
-              <a:t>Were more likely enjoy any given category of genre and gameplay element</a:t>
-            </a:r>
-          </a:p>
-          <a:p>
-            <a:pPr lvl="1"/>
-            <a:r>
-              <a:rPr lang="en-US" dirty="0"/>
-              <a:t>Suggests a broader range of tastes than the more casual group</a:t>
-            </a:r>
-          </a:p>
-        </p:txBody>
-      </p:sp>
     </p:spTree>
     <p:extLst>
       <p:ext uri="{BB962C8B-B14F-4D97-AF65-F5344CB8AC3E}">
@@ -8003,7 +7409,7 @@
 </p:sld>
 </file>
 
-<file path=ppt/slides/slide13.xml><?xml version="1.0" encoding="utf-8"?>
+<file path=ppt/slides/slide11.xml><?xml version="1.0" encoding="utf-8"?>
 <p:sld xmlns:a="http://schemas.openxmlformats.org/drawingml/2006/main" xmlns:r="http://schemas.openxmlformats.org/officeDocument/2006/relationships" xmlns:p="http://schemas.openxmlformats.org/presentationml/2006/main">
   <p:cSld>
     <p:bg>
@@ -8198,6 +7604,101 @@
           </a:prstGeom>
         </p:spPr>
       </p:pic>
+      <p:sp>
+        <p:nvSpPr>
+          <p:cNvPr id="5" name="Title 1">
+            <a:extLst>
+              <a:ext uri="{FF2B5EF4-FFF2-40B4-BE49-F238E27FC236}">
+                <a16:creationId xmlns:a16="http://schemas.microsoft.com/office/drawing/2014/main" id="{AE548798-75AF-5A0D-4E8B-75D46EC16CE0}"/>
+              </a:ext>
+            </a:extLst>
+          </p:cNvPr>
+          <p:cNvSpPr>
+            <a:spLocks noGrp="1"/>
+          </p:cNvSpPr>
+          <p:nvPr>
+            <p:ph type="title"/>
+          </p:nvPr>
+        </p:nvSpPr>
+        <p:spPr>
+          <a:xfrm>
+            <a:off x="0" y="-337930"/>
+            <a:ext cx="3121492" cy="1146313"/>
+          </a:xfrm>
+          <a:solidFill>
+            <a:schemeClr val="tx1"/>
+          </a:solidFill>
+        </p:spPr>
+        <p:txBody>
+          <a:bodyPr>
+            <a:normAutofit fontScale="90000"/>
+          </a:bodyPr>
+          <a:lstStyle/>
+          <a:p>
+            <a:br>
+              <a:rPr lang="en-US" dirty="0">
+                <a:solidFill>
+                  <a:schemeClr val="bg1"/>
+                </a:solidFill>
+                <a:effectLst/>
+              </a:rPr>
+            </a:br>
+            <a:r>
+              <a:rPr lang="en-US" dirty="0">
+                <a:solidFill>
+                  <a:schemeClr val="bg1"/>
+                </a:solidFill>
+                <a:effectLst/>
+              </a:rPr>
+              <a:t>Clustering</a:t>
+            </a:r>
+          </a:p>
+        </p:txBody>
+      </p:sp>
+      <p:sp>
+        <p:nvSpPr>
+          <p:cNvPr id="4" name="TextBox 3">
+            <a:extLst>
+              <a:ext uri="{FF2B5EF4-FFF2-40B4-BE49-F238E27FC236}">
+                <a16:creationId xmlns:a16="http://schemas.microsoft.com/office/drawing/2014/main" id="{37EC643F-60BB-6B9E-6940-C367E324716F}"/>
+              </a:ext>
+            </a:extLst>
+          </p:cNvPr>
+          <p:cNvSpPr txBox="1"/>
+          <p:nvPr/>
+        </p:nvSpPr>
+        <p:spPr>
+          <a:xfrm>
+            <a:off x="0" y="12250"/>
+            <a:ext cx="2504661" cy="369332"/>
+          </a:xfrm>
+          <a:prstGeom prst="rect">
+            <a:avLst/>
+          </a:prstGeom>
+          <a:noFill/>
+        </p:spPr>
+        <p:txBody>
+          <a:bodyPr wrap="square" rtlCol="0">
+            <a:spAutoFit/>
+          </a:bodyPr>
+          <a:lstStyle/>
+          <a:p>
+            <a:r>
+              <a:rPr lang="en-US" sz="1800" dirty="0">
+                <a:solidFill>
+                  <a:schemeClr val="bg1"/>
+                </a:solidFill>
+              </a:rPr>
+              <a:t>Exploratory Analysis:</a:t>
+            </a:r>
+            <a:endParaRPr lang="en-US" dirty="0">
+              <a:solidFill>
+                <a:schemeClr val="bg1"/>
+              </a:solidFill>
+            </a:endParaRPr>
+          </a:p>
+        </p:txBody>
+      </p:sp>
     </p:spTree>
     <p:extLst>
       <p:ext uri="{BB962C8B-B14F-4D97-AF65-F5344CB8AC3E}">
@@ -8211,7 +7712,7 @@
 </p:sld>
 </file>
 
-<file path=ppt/slides/slide14.xml><?xml version="1.0" encoding="utf-8"?>
+<file path=ppt/slides/slide12.xml><?xml version="1.0" encoding="utf-8"?>
 <p:sld xmlns:a="http://schemas.openxmlformats.org/drawingml/2006/main" xmlns:r="http://schemas.openxmlformats.org/officeDocument/2006/relationships" xmlns:p="http://schemas.openxmlformats.org/presentationml/2006/main">
   <p:cSld>
     <p:spTree>
@@ -9523,7 +9024,7 @@
 </p:sld>
 </file>
 
-<file path=ppt/slides/slide15.xml><?xml version="1.0" encoding="utf-8"?>
+<file path=ppt/slides/slide13.xml><?xml version="1.0" encoding="utf-8"?>
 <p:sld xmlns:a="http://schemas.openxmlformats.org/drawingml/2006/main" xmlns:r="http://schemas.openxmlformats.org/officeDocument/2006/relationships" xmlns:p="http://schemas.openxmlformats.org/presentationml/2006/main">
   <p:cSld>
     <p:spTree>
@@ -11411,7 +10912,7 @@
 </p:sld>
 </file>
 
-<file path=ppt/slides/slide16.xml><?xml version="1.0" encoding="utf-8"?>
+<file path=ppt/slides/slide14.xml><?xml version="1.0" encoding="utf-8"?>
 <p:sld xmlns:a="http://schemas.openxmlformats.org/drawingml/2006/main" xmlns:r="http://schemas.openxmlformats.org/officeDocument/2006/relationships" xmlns:p="http://schemas.openxmlformats.org/presentationml/2006/main">
   <p:cSld>
     <p:spTree>
@@ -11561,7 +11062,7 @@
 </p:sld>
 </file>
 
-<file path=ppt/slides/slide17.xml><?xml version="1.0" encoding="utf-8"?>
+<file path=ppt/slides/slide15.xml><?xml version="1.0" encoding="utf-8"?>
 <p:sld xmlns:a="http://schemas.openxmlformats.org/drawingml/2006/main" xmlns:r="http://schemas.openxmlformats.org/officeDocument/2006/relationships" xmlns:p="http://schemas.openxmlformats.org/presentationml/2006/main">
   <p:cSld>
     <p:spTree>
@@ -13208,7 +12709,7 @@
                 </a:solidFill>
                 <a:effectLst/>
               </a:rPr>
-              <a:t>Produce Normalized Bar Plots for Many Combinations of Features</a:t>
+              <a:t>Produce normalized Bar Plots for many combinations of features</a:t>
             </a:r>
           </a:p>
           <a:p>
@@ -13419,8 +12920,8 @@
         </p:nvSpPr>
         <p:spPr>
           <a:xfrm>
-            <a:off x="913795" y="609600"/>
-            <a:ext cx="4388360" cy="970450"/>
+            <a:off x="913795" y="669234"/>
+            <a:ext cx="4388360" cy="910815"/>
           </a:xfrm>
         </p:spPr>
         <p:txBody>
@@ -13431,7 +12932,7 @@
           <a:p>
             <a:r>
               <a:rPr lang="en-US" dirty="0"/>
-              <a:t>Discoveries (1/5)</a:t>
+              <a:t>Discoveries (1/3)</a:t>
             </a:r>
           </a:p>
         </p:txBody>
@@ -13494,14 +12995,155 @@
         </p:blipFill>
         <p:spPr>
           <a:xfrm>
-            <a:off x="1835624" y="1518312"/>
-            <a:ext cx="8810837" cy="4964374"/>
+            <a:off x="4083330" y="1679655"/>
+            <a:ext cx="8108670" cy="4568745"/>
           </a:xfrm>
           <a:prstGeom prst="rect">
             <a:avLst/>
           </a:prstGeom>
         </p:spPr>
       </p:pic>
+      <p:sp>
+        <p:nvSpPr>
+          <p:cNvPr id="5" name="Content Placeholder 12">
+            <a:extLst>
+              <a:ext uri="{FF2B5EF4-FFF2-40B4-BE49-F238E27FC236}">
+                <a16:creationId xmlns:a16="http://schemas.microsoft.com/office/drawing/2014/main" id="{1D6A3DA7-F5E3-BBE1-D5B7-A8883910B130}"/>
+              </a:ext>
+            </a:extLst>
+          </p:cNvPr>
+          <p:cNvSpPr>
+            <a:spLocks noGrp="1"/>
+          </p:cNvSpPr>
+          <p:nvPr>
+            <p:ph idx="1"/>
+          </p:nvPr>
+        </p:nvSpPr>
+        <p:spPr>
+          <a:xfrm>
+            <a:off x="742123" y="1757803"/>
+            <a:ext cx="3034748" cy="4074307"/>
+          </a:xfrm>
+        </p:spPr>
+        <p:txBody>
+          <a:bodyPr anchor="t">
+            <a:noAutofit/>
+          </a:bodyPr>
+          <a:lstStyle/>
+          <a:p>
+            <a:pPr>
+              <a:buClr>
+                <a:srgbClr val="E88834"/>
+              </a:buClr>
+            </a:pPr>
+            <a:r>
+              <a:rPr lang="en-US" sz="1800" dirty="0">
+                <a:ln>
+                  <a:solidFill>
+                    <a:srgbClr val="404040">
+                      <a:alpha val="10000"/>
+                    </a:srgbClr>
+                  </a:solidFill>
+                </a:ln>
+                <a:solidFill>
+                  <a:srgbClr val="DADADA"/>
+                </a:solidFill>
+                <a:effectLst/>
+              </a:rPr>
+              <a:t>Player Style influences Chess Rating distribution</a:t>
+            </a:r>
+          </a:p>
+          <a:p>
+            <a:pPr>
+              <a:buClr>
+                <a:srgbClr val="E88834"/>
+              </a:buClr>
+            </a:pPr>
+            <a:r>
+              <a:rPr lang="en-US" sz="1800" dirty="0">
+                <a:ln>
+                  <a:solidFill>
+                    <a:srgbClr val="404040">
+                      <a:alpha val="10000"/>
+                    </a:srgbClr>
+                  </a:solidFill>
+                </a:ln>
+                <a:solidFill>
+                  <a:srgbClr val="DADADA"/>
+                </a:solidFill>
+                <a:effectLst/>
+              </a:rPr>
+              <a:t>Strategic Players are generally favorable towards Chess</a:t>
+            </a:r>
+          </a:p>
+          <a:p>
+            <a:pPr>
+              <a:buClr>
+                <a:srgbClr val="E88834"/>
+              </a:buClr>
+            </a:pPr>
+            <a:r>
+              <a:rPr lang="en-US" sz="1800" dirty="0">
+                <a:ln>
+                  <a:solidFill>
+                    <a:srgbClr val="404040">
+                      <a:alpha val="10000"/>
+                    </a:srgbClr>
+                  </a:solidFill>
+                </a:ln>
+                <a:solidFill>
+                  <a:srgbClr val="DADADA"/>
+                </a:solidFill>
+                <a:effectLst/>
+              </a:rPr>
+              <a:t>Situation-Specific and Casual Players are relatively indifferent</a:t>
+            </a:r>
+          </a:p>
+          <a:p>
+            <a:pPr>
+              <a:buClr>
+                <a:srgbClr val="E88834"/>
+              </a:buClr>
+            </a:pPr>
+            <a:r>
+              <a:rPr lang="en-US" sz="1800" dirty="0">
+                <a:ln>
+                  <a:solidFill>
+                    <a:srgbClr val="404040">
+                      <a:alpha val="10000"/>
+                    </a:srgbClr>
+                  </a:solidFill>
+                </a:ln>
+                <a:solidFill>
+                  <a:srgbClr val="DADADA"/>
+                </a:solidFill>
+                <a:effectLst/>
+              </a:rPr>
+              <a:t>Party/Social and all other players never rated it higher than a 7 </a:t>
+            </a:r>
+          </a:p>
+          <a:p>
+            <a:pPr>
+              <a:buClr>
+                <a:srgbClr val="E88834"/>
+              </a:buClr>
+            </a:pPr>
+            <a:endParaRPr lang="en-US" sz="1800" dirty="0">
+              <a:ln>
+                <a:solidFill>
+                  <a:srgbClr val="404040">
+                    <a:alpha val="10000"/>
+                  </a:srgbClr>
+                </a:solidFill>
+              </a:ln>
+              <a:solidFill>
+                <a:srgbClr val="DADADA"/>
+              </a:solidFill>
+              <a:effectLst/>
+            </a:endParaRPr>
+          </a:p>
+        </p:txBody>
+      </p:sp>
     </p:spTree>
     <p:extLst>
       <p:ext uri="{BB962C8B-B14F-4D97-AF65-F5344CB8AC3E}">
@@ -13551,32 +13193,88 @@
         <p:spPr>
           <a:xfrm>
             <a:off x="913795" y="1732449"/>
-            <a:ext cx="4681462" cy="4515951"/>
+            <a:ext cx="3876866" cy="4515951"/>
           </a:xfrm>
         </p:spPr>
         <p:txBody>
           <a:bodyPr>
-            <a:normAutofit/>
+            <a:normAutofit fontScale="92500" lnSpcReduction="10000"/>
           </a:bodyPr>
           <a:lstStyle/>
           <a:p>
             <a:r>
               <a:rPr lang="en-US" dirty="0"/>
-              <a:t>Out of Demographic Information, Gender showed the clearest patterns</a:t>
+              <a:t>Graphing Gender Against Enjoyed Genres reveals:</a:t>
             </a:r>
           </a:p>
           <a:p>
             <a:pPr lvl="1"/>
             <a:r>
               <a:rPr lang="en-US" dirty="0"/>
-              <a:t>Women were significantly more likely than Men to select “Animals”, “Puzzle”, “Party”, “Memory”, “Trivia”, and “Luck” as enjoyed genres</a:t>
+              <a:t>Women are significantly more likely than Men to select:</a:t>
+            </a:r>
+          </a:p>
+          <a:p>
+            <a:pPr lvl="2"/>
+            <a:r>
+              <a:rPr lang="en-US" dirty="0"/>
+              <a:t>“Animals”</a:t>
+            </a:r>
+          </a:p>
+          <a:p>
+            <a:pPr lvl="2"/>
+            <a:r>
+              <a:rPr lang="en-US" dirty="0"/>
+              <a:t>“Puzzle”</a:t>
+            </a:r>
+          </a:p>
+          <a:p>
+            <a:pPr lvl="2"/>
+            <a:r>
+              <a:rPr lang="en-US" dirty="0"/>
+              <a:t>“Party/Social”</a:t>
+            </a:r>
+          </a:p>
+          <a:p>
+            <a:pPr lvl="2"/>
+            <a:r>
+              <a:rPr lang="en-US" dirty="0"/>
+              <a:t>“Memory”</a:t>
+            </a:r>
+          </a:p>
+          <a:p>
+            <a:pPr lvl="2"/>
+            <a:r>
+              <a:rPr lang="en-US" dirty="0"/>
+              <a:t>“Trivia”</a:t>
+            </a:r>
+          </a:p>
+          <a:p>
+            <a:pPr lvl="2"/>
+            <a:r>
+              <a:rPr lang="en-US" dirty="0"/>
+              <a:t>“Luck”</a:t>
             </a:r>
           </a:p>
           <a:p>
             <a:pPr lvl="1"/>
             <a:r>
               <a:rPr lang="en-US" dirty="0"/>
-              <a:t>Respondents identifying as male were significantly more likely than women to select science fiction and World War II as enjoyed genres</a:t>
+              <a:t>Men were significantly more likely than Women to select:</a:t>
+            </a:r>
+          </a:p>
+          <a:p>
+            <a:pPr lvl="2"/>
+            <a:r>
+              <a:rPr lang="en-US" dirty="0"/>
+              <a:t>“Science Fiction”</a:t>
+            </a:r>
+          </a:p>
+          <a:p>
+            <a:pPr lvl="2"/>
+            <a:r>
+              <a:rPr lang="en-US" dirty="0"/>
+              <a:t>“World War II”</a:t>
             </a:r>
           </a:p>
         </p:txBody>
@@ -13603,144 +13301,14 @@
         </p:blipFill>
         <p:spPr>
           <a:xfrm>
-            <a:off x="6291942" y="916499"/>
-            <a:ext cx="5116286" cy="5025002"/>
+            <a:off x="5209418" y="0"/>
+            <a:ext cx="6982582" cy="6858000"/>
           </a:xfrm>
           <a:prstGeom prst="rect">
             <a:avLst/>
           </a:prstGeom>
         </p:spPr>
       </p:pic>
-      <p:sp>
-        <p:nvSpPr>
-          <p:cNvPr id="8" name="Title 1">
-            <a:extLst>
-              <a:ext uri="{FF2B5EF4-FFF2-40B4-BE49-F238E27FC236}">
-                <a16:creationId xmlns:a16="http://schemas.microsoft.com/office/drawing/2014/main" id="{4BA00923-1106-3057-DA4A-0198F1C013F2}"/>
-              </a:ext>
-            </a:extLst>
-          </p:cNvPr>
-          <p:cNvSpPr txBox="1">
-            <a:spLocks/>
-          </p:cNvSpPr>
-          <p:nvPr/>
-        </p:nvSpPr>
-        <p:spPr>
-          <a:xfrm>
-            <a:off x="913795" y="609600"/>
-            <a:ext cx="4388360" cy="970450"/>
-          </a:xfrm>
-          <a:prstGeom prst="rect">
-            <a:avLst/>
-          </a:prstGeom>
-          <a:effectLst>
-            <a:outerShdw blurRad="25400" dir="17880000">
-              <a:srgbClr val="000000">
-                <a:alpha val="46000"/>
-              </a:srgbClr>
-            </a:outerShdw>
-          </a:effectLst>
-        </p:spPr>
-        <p:txBody>
-          <a:bodyPr vert="horz" lIns="91440" tIns="45720" rIns="91440" bIns="45720" rtlCol="0" anchor="ctr">
-            <a:normAutofit/>
-          </a:bodyPr>
-          <a:lstStyle>
-            <a:lvl1pPr algn="ctr" defTabSz="457200" rtl="0" eaLnBrk="1" latinLnBrk="0" hangingPunct="1">
-              <a:spcBef>
-                <a:spcPct val="0"/>
-              </a:spcBef>
-              <a:buNone/>
-              <a:defRPr sz="4000" kern="1200">
-                <a:ln>
-                  <a:solidFill>
-                    <a:schemeClr val="bg1">
-                      <a:lumMod val="75000"/>
-                      <a:lumOff val="25000"/>
-                      <a:alpha val="10000"/>
-                    </a:schemeClr>
-                  </a:solidFill>
-                </a:ln>
-                <a:solidFill>
-                  <a:schemeClr val="tx2"/>
-                </a:solidFill>
-                <a:effectLst>
-                  <a:outerShdw blurRad="9525" dist="25400" dir="14640000" algn="tl" rotWithShape="0">
-                    <a:schemeClr val="bg1">
-                      <a:alpha val="30000"/>
-                    </a:schemeClr>
-                  </a:outerShdw>
-                </a:effectLst>
-                <a:latin typeface="+mj-lt"/>
-                <a:ea typeface="+mj-ea"/>
-                <a:cs typeface="Trebuchet MS"/>
-              </a:defRPr>
-            </a:lvl1pPr>
-            <a:lvl2pPr eaLnBrk="1" hangingPunct="1">
-              <a:defRPr>
-                <a:solidFill>
-                  <a:schemeClr val="tx2"/>
-                </a:solidFill>
-              </a:defRPr>
-            </a:lvl2pPr>
-            <a:lvl3pPr eaLnBrk="1" hangingPunct="1">
-              <a:defRPr>
-                <a:solidFill>
-                  <a:schemeClr val="tx2"/>
-                </a:solidFill>
-              </a:defRPr>
-            </a:lvl3pPr>
-            <a:lvl4pPr eaLnBrk="1" hangingPunct="1">
-              <a:defRPr>
-                <a:solidFill>
-                  <a:schemeClr val="tx2"/>
-                </a:solidFill>
-              </a:defRPr>
-            </a:lvl4pPr>
-            <a:lvl5pPr eaLnBrk="1" hangingPunct="1">
-              <a:defRPr>
-                <a:solidFill>
-                  <a:schemeClr val="tx2"/>
-                </a:solidFill>
-              </a:defRPr>
-            </a:lvl5pPr>
-            <a:lvl6pPr eaLnBrk="1" hangingPunct="1">
-              <a:defRPr>
-                <a:solidFill>
-                  <a:schemeClr val="tx2"/>
-                </a:solidFill>
-              </a:defRPr>
-            </a:lvl6pPr>
-            <a:lvl7pPr eaLnBrk="1" hangingPunct="1">
-              <a:defRPr>
-                <a:solidFill>
-                  <a:schemeClr val="tx2"/>
-                </a:solidFill>
-              </a:defRPr>
-            </a:lvl7pPr>
-            <a:lvl8pPr eaLnBrk="1" hangingPunct="1">
-              <a:defRPr>
-                <a:solidFill>
-                  <a:schemeClr val="tx2"/>
-                </a:solidFill>
-              </a:defRPr>
-            </a:lvl8pPr>
-            <a:lvl9pPr eaLnBrk="1" hangingPunct="1">
-              <a:defRPr>
-                <a:solidFill>
-                  <a:schemeClr val="tx2"/>
-                </a:solidFill>
-              </a:defRPr>
-            </a:lvl9pPr>
-          </a:lstStyle>
-          <a:p>
-            <a:r>
-              <a:rPr lang="en-US" dirty="0"/>
-              <a:t>Discoveries (2/5)</a:t>
-            </a:r>
-          </a:p>
-        </p:txBody>
-      </p:sp>
       <p:sp>
         <p:nvSpPr>
           <p:cNvPr id="9" name="TextBox 8">
@@ -13774,6 +13342,41 @@
               <a:t>Exploratory Analysis:</a:t>
             </a:r>
             <a:endParaRPr lang="en-US" dirty="0"/>
+          </a:p>
+        </p:txBody>
+      </p:sp>
+      <p:sp>
+        <p:nvSpPr>
+          <p:cNvPr id="2" name="Title 1">
+            <a:extLst>
+              <a:ext uri="{FF2B5EF4-FFF2-40B4-BE49-F238E27FC236}">
+                <a16:creationId xmlns:a16="http://schemas.microsoft.com/office/drawing/2014/main" id="{24DA0A25-3947-FA4A-055C-431D598E2B12}"/>
+              </a:ext>
+            </a:extLst>
+          </p:cNvPr>
+          <p:cNvSpPr>
+            <a:spLocks noGrp="1"/>
+          </p:cNvSpPr>
+          <p:nvPr>
+            <p:ph type="title"/>
+          </p:nvPr>
+        </p:nvSpPr>
+        <p:spPr>
+          <a:xfrm>
+            <a:off x="913795" y="669234"/>
+            <a:ext cx="4388360" cy="910815"/>
+          </a:xfrm>
+        </p:spPr>
+        <p:txBody>
+          <a:bodyPr>
+            <a:normAutofit/>
+          </a:bodyPr>
+          <a:lstStyle/>
+          <a:p>
+            <a:r>
+              <a:rPr lang="en-US" dirty="0"/>
+              <a:t>Discoveries (2/3)</a:t>
+            </a:r>
           </a:p>
         </p:txBody>
       </p:sp>
@@ -13809,41 +13412,6 @@
       </p:grpSpPr>
       <p:sp>
         <p:nvSpPr>
-          <p:cNvPr id="2" name="Title 1">
-            <a:extLst>
-              <a:ext uri="{FF2B5EF4-FFF2-40B4-BE49-F238E27FC236}">
-                <a16:creationId xmlns:a16="http://schemas.microsoft.com/office/drawing/2014/main" id="{56BE8B42-884F-A127-F785-060B2432FACC}"/>
-              </a:ext>
-            </a:extLst>
-          </p:cNvPr>
-          <p:cNvSpPr>
-            <a:spLocks noGrp="1"/>
-          </p:cNvSpPr>
-          <p:nvPr>
-            <p:ph type="title"/>
-          </p:nvPr>
-        </p:nvSpPr>
-        <p:spPr>
-          <a:xfrm>
-            <a:off x="913795" y="609600"/>
-            <a:ext cx="4388360" cy="970450"/>
-          </a:xfrm>
-        </p:spPr>
-        <p:txBody>
-          <a:bodyPr>
-            <a:normAutofit/>
-          </a:bodyPr>
-          <a:lstStyle/>
-          <a:p>
-            <a:r>
-              <a:rPr lang="en-US" dirty="0"/>
-              <a:t>Discoveries (3/5)</a:t>
-            </a:r>
-          </a:p>
-        </p:txBody>
-      </p:sp>
-      <p:sp>
-        <p:nvSpPr>
           <p:cNvPr id="4" name="TextBox 3">
             <a:extLst>
               <a:ext uri="{FF2B5EF4-FFF2-40B4-BE49-F238E27FC236}">
@@ -13878,10 +13446,170 @@
           </a:p>
         </p:txBody>
       </p:sp>
+      <p:sp>
+        <p:nvSpPr>
+          <p:cNvPr id="6" name="Title 1">
+            <a:extLst>
+              <a:ext uri="{FF2B5EF4-FFF2-40B4-BE49-F238E27FC236}">
+                <a16:creationId xmlns:a16="http://schemas.microsoft.com/office/drawing/2014/main" id="{77B906AB-CE44-0AC9-0D89-04588AF0840B}"/>
+              </a:ext>
+            </a:extLst>
+          </p:cNvPr>
+          <p:cNvSpPr txBox="1">
+            <a:spLocks/>
+          </p:cNvSpPr>
+          <p:nvPr/>
+        </p:nvSpPr>
+        <p:spPr>
+          <a:xfrm>
+            <a:off x="913795" y="669234"/>
+            <a:ext cx="4388360" cy="910815"/>
+          </a:xfrm>
+          <a:prstGeom prst="rect">
+            <a:avLst/>
+          </a:prstGeom>
+          <a:effectLst>
+            <a:outerShdw blurRad="25400" dir="17880000">
+              <a:srgbClr val="000000">
+                <a:alpha val="46000"/>
+              </a:srgbClr>
+            </a:outerShdw>
+          </a:effectLst>
+        </p:spPr>
+        <p:txBody>
+          <a:bodyPr vert="horz" lIns="91440" tIns="45720" rIns="91440" bIns="45720" rtlCol="0" anchor="ctr">
+            <a:normAutofit/>
+          </a:bodyPr>
+          <a:lstStyle>
+            <a:lvl1pPr algn="ctr" defTabSz="457200" rtl="0" eaLnBrk="1" latinLnBrk="0" hangingPunct="1">
+              <a:spcBef>
+                <a:spcPct val="0"/>
+              </a:spcBef>
+              <a:buNone/>
+              <a:defRPr sz="4000" kern="1200">
+                <a:ln>
+                  <a:solidFill>
+                    <a:schemeClr val="bg1">
+                      <a:lumMod val="75000"/>
+                      <a:lumOff val="25000"/>
+                      <a:alpha val="10000"/>
+                    </a:schemeClr>
+                  </a:solidFill>
+                </a:ln>
+                <a:solidFill>
+                  <a:schemeClr val="tx2"/>
+                </a:solidFill>
+                <a:effectLst>
+                  <a:outerShdw blurRad="9525" dist="25400" dir="14640000" algn="tl" rotWithShape="0">
+                    <a:schemeClr val="bg1">
+                      <a:alpha val="30000"/>
+                    </a:schemeClr>
+                  </a:outerShdw>
+                </a:effectLst>
+                <a:latin typeface="+mj-lt"/>
+                <a:ea typeface="+mj-ea"/>
+                <a:cs typeface="Trebuchet MS"/>
+              </a:defRPr>
+            </a:lvl1pPr>
+            <a:lvl2pPr eaLnBrk="1" hangingPunct="1">
+              <a:defRPr>
+                <a:solidFill>
+                  <a:schemeClr val="tx2"/>
+                </a:solidFill>
+              </a:defRPr>
+            </a:lvl2pPr>
+            <a:lvl3pPr eaLnBrk="1" hangingPunct="1">
+              <a:defRPr>
+                <a:solidFill>
+                  <a:schemeClr val="tx2"/>
+                </a:solidFill>
+              </a:defRPr>
+            </a:lvl3pPr>
+            <a:lvl4pPr eaLnBrk="1" hangingPunct="1">
+              <a:defRPr>
+                <a:solidFill>
+                  <a:schemeClr val="tx2"/>
+                </a:solidFill>
+              </a:defRPr>
+            </a:lvl4pPr>
+            <a:lvl5pPr eaLnBrk="1" hangingPunct="1">
+              <a:defRPr>
+                <a:solidFill>
+                  <a:schemeClr val="tx2"/>
+                </a:solidFill>
+              </a:defRPr>
+            </a:lvl5pPr>
+            <a:lvl6pPr eaLnBrk="1" hangingPunct="1">
+              <a:defRPr>
+                <a:solidFill>
+                  <a:schemeClr val="tx2"/>
+                </a:solidFill>
+              </a:defRPr>
+            </a:lvl6pPr>
+            <a:lvl7pPr eaLnBrk="1" hangingPunct="1">
+              <a:defRPr>
+                <a:solidFill>
+                  <a:schemeClr val="tx2"/>
+                </a:solidFill>
+              </a:defRPr>
+            </a:lvl7pPr>
+            <a:lvl8pPr eaLnBrk="1" hangingPunct="1">
+              <a:defRPr>
+                <a:solidFill>
+                  <a:schemeClr val="tx2"/>
+                </a:solidFill>
+              </a:defRPr>
+            </a:lvl8pPr>
+            <a:lvl9pPr eaLnBrk="1" hangingPunct="1">
+              <a:defRPr>
+                <a:solidFill>
+                  <a:schemeClr val="tx2"/>
+                </a:solidFill>
+              </a:defRPr>
+            </a:lvl9pPr>
+          </a:lstStyle>
+          <a:p>
+            <a:r>
+              <a:rPr lang="en-US" dirty="0"/>
+              <a:t>Discoveries (3/3)</a:t>
+            </a:r>
+          </a:p>
+        </p:txBody>
+      </p:sp>
+      <p:pic>
+        <p:nvPicPr>
+          <p:cNvPr id="8" name="Picture 7">
+            <a:extLst>
+              <a:ext uri="{FF2B5EF4-FFF2-40B4-BE49-F238E27FC236}">
+                <a16:creationId xmlns:a16="http://schemas.microsoft.com/office/drawing/2014/main" id="{C8F66402-EE82-F24D-CB40-C6685A907F55}"/>
+              </a:ext>
+            </a:extLst>
+          </p:cNvPr>
+          <p:cNvPicPr>
+            <a:picLocks noChangeAspect="1"/>
+          </p:cNvPicPr>
+          <p:nvPr/>
+        </p:nvPicPr>
+        <p:blipFill>
+          <a:blip r:embed="rId2"/>
+          <a:stretch>
+            <a:fillRect/>
+          </a:stretch>
+        </p:blipFill>
+        <p:spPr>
+          <a:xfrm>
+            <a:off x="1829554" y="0"/>
+            <a:ext cx="8532891" cy="6858000"/>
+          </a:xfrm>
+          <a:prstGeom prst="rect">
+            <a:avLst/>
+          </a:prstGeom>
+        </p:spPr>
+      </p:pic>
     </p:spTree>
     <p:extLst>
       <p:ext uri="{BB962C8B-B14F-4D97-AF65-F5344CB8AC3E}">
-        <p14:creationId xmlns:p14="http://schemas.microsoft.com/office/powerpoint/2010/main" val="4208127805"/>
+        <p14:creationId xmlns:p14="http://schemas.microsoft.com/office/powerpoint/2010/main" val="3160549705"/>
       </p:ext>
     </p:extLst>
   </p:cSld>

--- a/write-ups/presentation.pptx
+++ b/write-ups/presentation.pptx
@@ -7328,7 +7328,7 @@
           <a:p>
             <a:r>
               <a:rPr lang="en-US" dirty="0"/>
-              <a:t>The Enthusiast Clustering is indifferent to ones gender</a:t>
+              <a:t>The Enthusiast Clustering is indifferent to one’s gender</a:t>
             </a:r>
           </a:p>
           <a:p>
@@ -13576,12 +13576,67 @@
           </a:p>
         </p:txBody>
       </p:sp>
+      <p:sp>
+        <p:nvSpPr>
+          <p:cNvPr id="5" name="Content Placeholder 11">
+            <a:extLst>
+              <a:ext uri="{FF2B5EF4-FFF2-40B4-BE49-F238E27FC236}">
+                <a16:creationId xmlns:a16="http://schemas.microsoft.com/office/drawing/2014/main" id="{9F44B66B-78DC-F549-6042-A9408E89E3E1}"/>
+              </a:ext>
+            </a:extLst>
+          </p:cNvPr>
+          <p:cNvSpPr>
+            <a:spLocks noGrp="1"/>
+          </p:cNvSpPr>
+          <p:nvPr>
+            <p:ph idx="1"/>
+          </p:nvPr>
+        </p:nvSpPr>
+        <p:spPr>
+          <a:xfrm>
+            <a:off x="913795" y="1580049"/>
+            <a:ext cx="4238882" cy="4615342"/>
+          </a:xfrm>
+        </p:spPr>
+        <p:txBody>
+          <a:bodyPr>
+            <a:normAutofit/>
+          </a:bodyPr>
+          <a:lstStyle/>
+          <a:p>
+            <a:r>
+              <a:rPr lang="en-US" dirty="0"/>
+              <a:t>Area of Study is relatively indifferent to one’s selection of “Preferred Board Game Elements”</a:t>
+            </a:r>
+          </a:p>
+          <a:p>
+            <a:r>
+              <a:rPr lang="en-US" dirty="0"/>
+              <a:t>However, there are still notable points:</a:t>
+            </a:r>
+          </a:p>
+          <a:p>
+            <a:pPr lvl="1"/>
+            <a:r>
+              <a:rPr lang="en-US" dirty="0"/>
+              <a:t>People w/ “Arts &amp; Humanities” or “Unknown” Area of Study prefer “Conflict” and “Party/Low-Stakes” over “STEM”</a:t>
+            </a:r>
+          </a:p>
+          <a:p>
+            <a:pPr lvl="1"/>
+            <a:r>
+              <a:rPr lang="en-US" dirty="0"/>
+              <a:t>“Arts &amp; Humanities” prefers “Heavy/Immersive Theming” by nearly double compared to STEM</a:t>
+            </a:r>
+          </a:p>
+        </p:txBody>
+      </p:sp>
       <p:pic>
         <p:nvPicPr>
-          <p:cNvPr id="8" name="Picture 7">
+          <p:cNvPr id="9" name="Picture 8">
             <a:extLst>
               <a:ext uri="{FF2B5EF4-FFF2-40B4-BE49-F238E27FC236}">
-                <a16:creationId xmlns:a16="http://schemas.microsoft.com/office/drawing/2014/main" id="{C8F66402-EE82-F24D-CB40-C6685A907F55}"/>
+                <a16:creationId xmlns:a16="http://schemas.microsoft.com/office/drawing/2014/main" id="{B3F8E396-72D2-5EE2-9331-690804FE9E5A}"/>
               </a:ext>
             </a:extLst>
           </p:cNvPr>
@@ -13598,8 +13653,8 @@
         </p:blipFill>
         <p:spPr>
           <a:xfrm>
-            <a:off x="1829554" y="0"/>
-            <a:ext cx="8532891" cy="6858000"/>
+            <a:off x="5596825" y="807610"/>
+            <a:ext cx="6595176" cy="5559818"/>
           </a:xfrm>
           <a:prstGeom prst="rect">
             <a:avLst/>

--- a/write-ups/presentation.pptx
+++ b/write-ups/presentation.pptx
@@ -6915,7 +6915,7 @@
           <a:p>
             <a:r>
               <a:rPr lang="en-US" dirty="0"/>
-              <a:t>Are there any inciteful relationships between peoples’ demographics and how they enjoy board games?</a:t>
+              <a:t>Are there any insightful relationships between peoples’ demographics and how they enjoy board games?</a:t>
             </a:r>
           </a:p>
         </p:txBody>
@@ -10978,74 +10978,617 @@
         <p:spPr>
           <a:xfrm>
             <a:off x="913795" y="1732449"/>
-            <a:ext cx="6666448" cy="4058751"/>
+            <a:ext cx="5182205" cy="4058751"/>
           </a:xfrm>
         </p:spPr>
         <p:txBody>
-          <a:bodyPr/>
+          <a:bodyPr>
+            <a:normAutofit/>
+          </a:bodyPr>
           <a:lstStyle/>
           <a:p>
             <a:r>
-              <a:rPr lang="en-US" dirty="0"/>
+              <a:rPr lang="en-US" sz="2500" dirty="0">
+                <a:effectLst/>
+              </a:rPr>
               <a:t>Additional Survey</a:t>
             </a:r>
           </a:p>
           <a:p>
             <a:pPr lvl="1"/>
             <a:r>
-              <a:rPr lang="en-US" dirty="0"/>
+              <a:rPr lang="en-US" sz="2500" dirty="0">
+                <a:effectLst/>
+              </a:rPr>
               <a:t>Perhaps Increase Response Total to 500 or 1000</a:t>
             </a:r>
           </a:p>
           <a:p>
             <a:pPr lvl="1"/>
             <a:r>
-              <a:rPr lang="en-US" dirty="0"/>
+              <a:rPr lang="en-US" sz="2500" dirty="0">
+                <a:effectLst/>
+              </a:rPr>
               <a:t>Allow for improved accuracy and predictive power of our current model</a:t>
             </a:r>
           </a:p>
           <a:p>
             <a:pPr lvl="1"/>
             <a:r>
-              <a:rPr lang="en-US" dirty="0"/>
+              <a:rPr lang="en-US" sz="2500" dirty="0">
+                <a:effectLst/>
+              </a:rPr>
               <a:t>Allow for better attempt of initial goal: Predicting Board Games with Demographics</a:t>
             </a:r>
           </a:p>
           <a:p>
-            <a:r>
-              <a:rPr lang="en-US" dirty="0"/>
+            <a:pPr lvl="1"/>
+            <a:endParaRPr lang="en-US" sz="2500" dirty="0">
+              <a:effectLst/>
+            </a:endParaRPr>
+          </a:p>
+        </p:txBody>
+      </p:sp>
+      <p:sp>
+        <p:nvSpPr>
+          <p:cNvPr id="4" name="Content Placeholder 2">
+            <a:extLst>
+              <a:ext uri="{FF2B5EF4-FFF2-40B4-BE49-F238E27FC236}">
+                <a16:creationId xmlns:a16="http://schemas.microsoft.com/office/drawing/2014/main" id="{A280AA81-80CD-5943-B9C2-64970706945F}"/>
+              </a:ext>
+            </a:extLst>
+          </p:cNvPr>
+          <p:cNvSpPr txBox="1">
+            <a:spLocks/>
+          </p:cNvSpPr>
+          <p:nvPr/>
+        </p:nvSpPr>
+        <p:spPr>
+          <a:xfrm>
+            <a:off x="6090676" y="1732448"/>
+            <a:ext cx="5121610" cy="4058751"/>
+          </a:xfrm>
+          <a:prstGeom prst="rect">
+            <a:avLst/>
+          </a:prstGeom>
+          <a:effectLst>
+            <a:outerShdw blurRad="25400" dir="17880000">
+              <a:srgbClr val="000000">
+                <a:alpha val="46000"/>
+              </a:srgbClr>
+            </a:outerShdw>
+          </a:effectLst>
+        </p:spPr>
+        <p:txBody>
+          <a:bodyPr vert="horz" lIns="91440" tIns="45720" rIns="91440" bIns="45720" rtlCol="0" anchor="t">
+            <a:normAutofit/>
+          </a:bodyPr>
+          <a:lstStyle>
+            <a:lvl1pPr marL="342900" indent="-306000" algn="l" defTabSz="457200" rtl="0" eaLnBrk="1" latinLnBrk="0" hangingPunct="1">
+              <a:spcBef>
+                <a:spcPct val="20000"/>
+              </a:spcBef>
+              <a:spcAft>
+                <a:spcPts val="600"/>
+              </a:spcAft>
+              <a:buClr>
+                <a:schemeClr val="tx2"/>
+              </a:buClr>
+              <a:buSzPct val="70000"/>
+              <a:buFont typeface="Wingdings 2" charset="2"/>
+              <a:buChar char=""/>
+              <a:defRPr sz="2000" kern="1200">
+                <a:ln>
+                  <a:solidFill>
+                    <a:schemeClr val="bg1">
+                      <a:lumMod val="75000"/>
+                      <a:lumOff val="25000"/>
+                      <a:alpha val="10000"/>
+                    </a:schemeClr>
+                  </a:solidFill>
+                </a:ln>
+                <a:solidFill>
+                  <a:schemeClr val="tx2"/>
+                </a:solidFill>
+                <a:effectLst>
+                  <a:outerShdw blurRad="9525" dist="25400" dir="14640000" algn="tl" rotWithShape="0">
+                    <a:schemeClr val="bg1">
+                      <a:alpha val="30000"/>
+                    </a:schemeClr>
+                  </a:outerShdw>
+                </a:effectLst>
+                <a:latin typeface="+mn-lt"/>
+                <a:ea typeface="+mn-ea"/>
+                <a:cs typeface="+mn-cs"/>
+              </a:defRPr>
+            </a:lvl1pPr>
+            <a:lvl2pPr marL="720000" indent="-270000" algn="l" defTabSz="457200" rtl="0" eaLnBrk="1" latinLnBrk="0" hangingPunct="1">
+              <a:spcBef>
+                <a:spcPct val="20000"/>
+              </a:spcBef>
+              <a:spcAft>
+                <a:spcPts val="600"/>
+              </a:spcAft>
+              <a:buClr>
+                <a:schemeClr val="tx2"/>
+              </a:buClr>
+              <a:buSzPct val="70000"/>
+              <a:buFont typeface="Wingdings 2" charset="2"/>
+              <a:buChar char=""/>
+              <a:defRPr sz="1800" kern="1200">
+                <a:ln>
+                  <a:solidFill>
+                    <a:schemeClr val="bg1">
+                      <a:lumMod val="75000"/>
+                      <a:lumOff val="25000"/>
+                      <a:alpha val="10000"/>
+                    </a:schemeClr>
+                  </a:solidFill>
+                </a:ln>
+                <a:solidFill>
+                  <a:schemeClr val="tx2"/>
+                </a:solidFill>
+                <a:effectLst>
+                  <a:outerShdw blurRad="9525" dist="25400" dir="14640000" algn="tl" rotWithShape="0">
+                    <a:schemeClr val="bg1">
+                      <a:alpha val="30000"/>
+                    </a:schemeClr>
+                  </a:outerShdw>
+                </a:effectLst>
+                <a:latin typeface="+mn-lt"/>
+                <a:ea typeface="+mn-ea"/>
+                <a:cs typeface="+mn-cs"/>
+              </a:defRPr>
+            </a:lvl2pPr>
+            <a:lvl3pPr marL="1026000" indent="-216000" algn="l" defTabSz="457200" rtl="0" eaLnBrk="1" latinLnBrk="0" hangingPunct="1">
+              <a:spcBef>
+                <a:spcPct val="20000"/>
+              </a:spcBef>
+              <a:spcAft>
+                <a:spcPts val="600"/>
+              </a:spcAft>
+              <a:buClr>
+                <a:schemeClr val="tx2"/>
+              </a:buClr>
+              <a:buSzPct val="70000"/>
+              <a:buFont typeface="Wingdings 2" charset="2"/>
+              <a:buChar char=""/>
+              <a:defRPr sz="1600" kern="1200">
+                <a:ln>
+                  <a:solidFill>
+                    <a:schemeClr val="bg1">
+                      <a:lumMod val="75000"/>
+                      <a:lumOff val="25000"/>
+                      <a:alpha val="10000"/>
+                    </a:schemeClr>
+                  </a:solidFill>
+                </a:ln>
+                <a:solidFill>
+                  <a:schemeClr val="tx2"/>
+                </a:solidFill>
+                <a:effectLst>
+                  <a:outerShdw blurRad="9525" dist="25400" dir="14640000" algn="tl" rotWithShape="0">
+                    <a:schemeClr val="bg1">
+                      <a:alpha val="30000"/>
+                    </a:schemeClr>
+                  </a:outerShdw>
+                </a:effectLst>
+                <a:latin typeface="+mn-lt"/>
+                <a:ea typeface="+mn-ea"/>
+                <a:cs typeface="+mn-cs"/>
+              </a:defRPr>
+            </a:lvl3pPr>
+            <a:lvl4pPr marL="1386000" indent="-216000" algn="l" defTabSz="457200" rtl="0" eaLnBrk="1" latinLnBrk="0" hangingPunct="1">
+              <a:spcBef>
+                <a:spcPct val="20000"/>
+              </a:spcBef>
+              <a:spcAft>
+                <a:spcPts val="600"/>
+              </a:spcAft>
+              <a:buClr>
+                <a:schemeClr val="tx2"/>
+              </a:buClr>
+              <a:buSzPct val="70000"/>
+              <a:buFont typeface="Wingdings 2" charset="2"/>
+              <a:buChar char=""/>
+              <a:defRPr sz="1400" kern="1200">
+                <a:ln>
+                  <a:solidFill>
+                    <a:schemeClr val="bg1">
+                      <a:lumMod val="75000"/>
+                      <a:lumOff val="25000"/>
+                      <a:alpha val="10000"/>
+                    </a:schemeClr>
+                  </a:solidFill>
+                </a:ln>
+                <a:solidFill>
+                  <a:schemeClr val="tx2"/>
+                </a:solidFill>
+                <a:effectLst>
+                  <a:outerShdw blurRad="9525" dist="25400" dir="14640000" algn="tl" rotWithShape="0">
+                    <a:schemeClr val="bg1">
+                      <a:alpha val="30000"/>
+                    </a:schemeClr>
+                  </a:outerShdw>
+                </a:effectLst>
+                <a:latin typeface="+mn-lt"/>
+                <a:ea typeface="+mn-ea"/>
+                <a:cs typeface="+mn-cs"/>
+              </a:defRPr>
+            </a:lvl4pPr>
+            <a:lvl5pPr marL="1674000" indent="-216000" algn="l" defTabSz="457200" rtl="0" eaLnBrk="1" latinLnBrk="0" hangingPunct="1">
+              <a:spcBef>
+                <a:spcPct val="20000"/>
+              </a:spcBef>
+              <a:spcAft>
+                <a:spcPts val="600"/>
+              </a:spcAft>
+              <a:buClr>
+                <a:schemeClr val="tx2"/>
+              </a:buClr>
+              <a:buSzPct val="70000"/>
+              <a:buFont typeface="Wingdings 2" charset="2"/>
+              <a:buChar char=""/>
+              <a:defRPr sz="1400" kern="1200">
+                <a:ln>
+                  <a:solidFill>
+                    <a:schemeClr val="bg1">
+                      <a:lumMod val="75000"/>
+                      <a:lumOff val="25000"/>
+                      <a:alpha val="10000"/>
+                    </a:schemeClr>
+                  </a:solidFill>
+                </a:ln>
+                <a:solidFill>
+                  <a:schemeClr val="tx2"/>
+                </a:solidFill>
+                <a:effectLst>
+                  <a:outerShdw blurRad="9525" dist="25400" dir="14640000" algn="tl" rotWithShape="0">
+                    <a:schemeClr val="bg1">
+                      <a:alpha val="30000"/>
+                    </a:schemeClr>
+                  </a:outerShdw>
+                </a:effectLst>
+                <a:latin typeface="+mn-lt"/>
+                <a:ea typeface="+mn-ea"/>
+                <a:cs typeface="+mn-cs"/>
+              </a:defRPr>
+            </a:lvl5pPr>
+            <a:lvl6pPr marL="2014600" indent="-228600" algn="l" defTabSz="457200" rtl="0" eaLnBrk="1" latinLnBrk="0" hangingPunct="1">
+              <a:spcBef>
+                <a:spcPct val="20000"/>
+              </a:spcBef>
+              <a:spcAft>
+                <a:spcPts val="600"/>
+              </a:spcAft>
+              <a:buClr>
+                <a:schemeClr val="tx2"/>
+              </a:buClr>
+              <a:buSzPct val="70000"/>
+              <a:buFont typeface="Wingdings 2" charset="2"/>
+              <a:buChar char=""/>
+              <a:defRPr sz="1400" kern="1200">
+                <a:ln>
+                  <a:solidFill>
+                    <a:schemeClr val="bg1">
+                      <a:lumMod val="75000"/>
+                      <a:lumOff val="25000"/>
+                      <a:alpha val="10000"/>
+                    </a:schemeClr>
+                  </a:solidFill>
+                </a:ln>
+                <a:solidFill>
+                  <a:schemeClr val="tx2"/>
+                </a:solidFill>
+                <a:effectLst>
+                  <a:outerShdw blurRad="9525" dist="25400" dir="14640000" algn="tl" rotWithShape="0">
+                    <a:schemeClr val="bg1">
+                      <a:alpha val="30000"/>
+                    </a:schemeClr>
+                  </a:outerShdw>
+                </a:effectLst>
+                <a:latin typeface="+mn-lt"/>
+                <a:ea typeface="+mn-ea"/>
+                <a:cs typeface="+mn-cs"/>
+              </a:defRPr>
+            </a:lvl6pPr>
+            <a:lvl7pPr marL="2401800" indent="-228600" algn="l" defTabSz="457200" rtl="0" eaLnBrk="1" latinLnBrk="0" hangingPunct="1">
+              <a:spcBef>
+                <a:spcPct val="20000"/>
+              </a:spcBef>
+              <a:spcAft>
+                <a:spcPts val="600"/>
+              </a:spcAft>
+              <a:buClr>
+                <a:schemeClr val="tx2"/>
+              </a:buClr>
+              <a:buSzPct val="70000"/>
+              <a:buFont typeface="Wingdings 2" charset="2"/>
+              <a:buChar char=""/>
+              <a:defRPr sz="1400" kern="1200">
+                <a:ln>
+                  <a:solidFill>
+                    <a:schemeClr val="bg1">
+                      <a:lumMod val="75000"/>
+                      <a:lumOff val="25000"/>
+                      <a:alpha val="10000"/>
+                    </a:schemeClr>
+                  </a:solidFill>
+                </a:ln>
+                <a:solidFill>
+                  <a:schemeClr val="tx2"/>
+                </a:solidFill>
+                <a:effectLst>
+                  <a:outerShdw blurRad="9525" dist="25400" dir="14640000" algn="tl" rotWithShape="0">
+                    <a:schemeClr val="bg1">
+                      <a:alpha val="30000"/>
+                    </a:schemeClr>
+                  </a:outerShdw>
+                </a:effectLst>
+                <a:latin typeface="+mn-lt"/>
+                <a:ea typeface="+mn-ea"/>
+                <a:cs typeface="+mn-cs"/>
+              </a:defRPr>
+            </a:lvl7pPr>
+            <a:lvl8pPr marL="2789000" indent="-228600" algn="l" defTabSz="457200" rtl="0" eaLnBrk="1" latinLnBrk="0" hangingPunct="1">
+              <a:spcBef>
+                <a:spcPct val="20000"/>
+              </a:spcBef>
+              <a:spcAft>
+                <a:spcPts val="600"/>
+              </a:spcAft>
+              <a:buClr>
+                <a:schemeClr val="tx2"/>
+              </a:buClr>
+              <a:buSzPct val="70000"/>
+              <a:buFont typeface="Wingdings 2" charset="2"/>
+              <a:buChar char=""/>
+              <a:defRPr sz="1400" kern="1200">
+                <a:ln>
+                  <a:solidFill>
+                    <a:schemeClr val="bg1">
+                      <a:lumMod val="75000"/>
+                      <a:lumOff val="25000"/>
+                      <a:alpha val="10000"/>
+                    </a:schemeClr>
+                  </a:solidFill>
+                </a:ln>
+                <a:solidFill>
+                  <a:schemeClr val="tx2"/>
+                </a:solidFill>
+                <a:effectLst>
+                  <a:outerShdw blurRad="9525" dist="25400" dir="14640000" algn="tl" rotWithShape="0">
+                    <a:schemeClr val="bg1">
+                      <a:alpha val="30000"/>
+                    </a:schemeClr>
+                  </a:outerShdw>
+                </a:effectLst>
+                <a:latin typeface="+mn-lt"/>
+                <a:ea typeface="+mn-ea"/>
+                <a:cs typeface="+mn-cs"/>
+              </a:defRPr>
+            </a:lvl8pPr>
+            <a:lvl9pPr marL="3106200" indent="-228600" algn="l" defTabSz="457200" rtl="0" eaLnBrk="1" latinLnBrk="0" hangingPunct="1">
+              <a:spcBef>
+                <a:spcPct val="20000"/>
+              </a:spcBef>
+              <a:spcAft>
+                <a:spcPts val="600"/>
+              </a:spcAft>
+              <a:buClr>
+                <a:schemeClr val="tx2"/>
+              </a:buClr>
+              <a:buSzPct val="70000"/>
+              <a:buFont typeface="Wingdings 2" charset="2"/>
+              <a:buChar char=""/>
+              <a:defRPr sz="1400" kern="1200">
+                <a:ln>
+                  <a:solidFill>
+                    <a:schemeClr val="bg1">
+                      <a:lumMod val="75000"/>
+                      <a:lumOff val="25000"/>
+                      <a:alpha val="10000"/>
+                    </a:schemeClr>
+                  </a:solidFill>
+                </a:ln>
+                <a:solidFill>
+                  <a:schemeClr val="tx2"/>
+                </a:solidFill>
+                <a:effectLst>
+                  <a:outerShdw blurRad="9525" dist="25400" dir="14640000" algn="tl" rotWithShape="0">
+                    <a:schemeClr val="bg1">
+                      <a:alpha val="30000"/>
+                    </a:schemeClr>
+                  </a:outerShdw>
+                </a:effectLst>
+                <a:latin typeface="+mn-lt"/>
+                <a:ea typeface="+mn-ea"/>
+                <a:cs typeface="+mn-cs"/>
+              </a:defRPr>
+            </a:lvl9pPr>
+          </a:lstStyle>
+          <a:p>
+            <a:pPr marL="347472" indent="-301752" algn="l" rtl="0" eaLnBrk="1" latinLnBrk="0" hangingPunct="1">
+              <a:spcBef>
+                <a:spcPts val="480"/>
+              </a:spcBef>
+              <a:spcAft>
+                <a:spcPts val="600"/>
+              </a:spcAft>
+              <a:buClr>
+                <a:schemeClr val="tx2"/>
+              </a:buClr>
+              <a:buSzPct val="70000"/>
+              <a:buFont typeface="Wingdings 2" panose="05020102010507070707" pitchFamily="18" charset="2"/>
+              <a:buChar char="±"/>
+            </a:pPr>
+            <a:r>
+              <a:rPr lang="en-US" sz="2500" kern="1200" dirty="0">
+                <a:ln w="9525" cap="flat" cmpd="sng" algn="ctr">
+                  <a:solidFill>
+                    <a:srgbClr val="404040">
+                      <a:alpha val="10000"/>
+                    </a:srgbClr>
+                  </a:solidFill>
+                  <a:prstDash val="solid"/>
+                  <a:round/>
+                </a:ln>
+                <a:solidFill>
+                  <a:srgbClr val="DADADA"/>
+                </a:solidFill>
+                <a:effectLst>
+                  <a:outerShdw blurRad="9525" dist="25400" dir="14640000" algn="tl" rotWithShape="0">
+                    <a:schemeClr val="bg1">
+                      <a:alpha val="30000"/>
+                    </a:schemeClr>
+                  </a:outerShdw>
+                </a:effectLst>
+                <a:latin typeface="+mj-lt"/>
+                <a:ea typeface="+mn-ea"/>
+                <a:cs typeface="+mn-cs"/>
+              </a:rPr>
               <a:t>More exploratory analysis</a:t>
             </a:r>
-          </a:p>
-          <a:p>
-            <a:pPr lvl="1"/>
-            <a:r>
-              <a:rPr lang="en-US" dirty="0"/>
+            <a:endParaRPr lang="en-US" sz="2500" dirty="0">
+              <a:effectLst/>
+              <a:latin typeface="+mj-lt"/>
+            </a:endParaRPr>
+          </a:p>
+          <a:p>
+            <a:pPr marL="722376" indent="-274320" algn="l" rtl="0" eaLnBrk="1" latinLnBrk="0" hangingPunct="1">
+              <a:spcBef>
+                <a:spcPts val="432"/>
+              </a:spcBef>
+              <a:spcAft>
+                <a:spcPts val="600"/>
+              </a:spcAft>
+            </a:pPr>
+            <a:r>
+              <a:rPr lang="en-US" sz="2500" kern="1200" dirty="0">
+                <a:ln w="9525" cap="flat" cmpd="sng" algn="ctr">
+                  <a:solidFill>
+                    <a:srgbClr val="404040">
+                      <a:alpha val="10000"/>
+                    </a:srgbClr>
+                  </a:solidFill>
+                  <a:prstDash val="solid"/>
+                  <a:round/>
+                </a:ln>
+                <a:solidFill>
+                  <a:srgbClr val="DADADA"/>
+                </a:solidFill>
+                <a:effectLst>
+                  <a:outerShdw blurRad="9525" dist="25400" dir="14640000" algn="tl" rotWithShape="0">
+                    <a:schemeClr val="bg1">
+                      <a:alpha val="30000"/>
+                    </a:schemeClr>
+                  </a:outerShdw>
+                </a:effectLst>
+                <a:latin typeface="+mj-lt"/>
+                <a:ea typeface="+mn-ea"/>
+                <a:cs typeface="+mn-cs"/>
+              </a:rPr>
               <a:t>This data set is very feature rich and there is likely interesting patterns that have been overlooked</a:t>
             </a:r>
-          </a:p>
-          <a:p>
-            <a:pPr lvl="1"/>
-            <a:r>
-              <a:rPr lang="en-US" dirty="0"/>
+            <a:endParaRPr lang="en-US" sz="2500" dirty="0">
+              <a:effectLst/>
+              <a:latin typeface="+mj-lt"/>
+            </a:endParaRPr>
+          </a:p>
+          <a:p>
+            <a:pPr marL="722376" indent="-274320" algn="l" rtl="0" eaLnBrk="1" latinLnBrk="0" hangingPunct="1">
+              <a:spcBef>
+                <a:spcPts val="432"/>
+              </a:spcBef>
+              <a:spcAft>
+                <a:spcPts val="600"/>
+              </a:spcAft>
+            </a:pPr>
+            <a:r>
+              <a:rPr lang="en-US" sz="2500" kern="1200" dirty="0">
+                <a:ln w="9525" cap="flat" cmpd="sng" algn="ctr">
+                  <a:solidFill>
+                    <a:srgbClr val="404040">
+                      <a:alpha val="10000"/>
+                    </a:srgbClr>
+                  </a:solidFill>
+                  <a:prstDash val="solid"/>
+                  <a:round/>
+                </a:ln>
+                <a:solidFill>
+                  <a:srgbClr val="DADADA"/>
+                </a:solidFill>
+                <a:effectLst>
+                  <a:outerShdw blurRad="9525" dist="25400" dir="14640000" algn="tl" rotWithShape="0">
+                    <a:schemeClr val="bg1">
+                      <a:alpha val="30000"/>
+                    </a:schemeClr>
+                  </a:outerShdw>
+                </a:effectLst>
+                <a:latin typeface="+mj-lt"/>
+                <a:ea typeface="+mn-ea"/>
+                <a:cs typeface="+mn-cs"/>
+              </a:rPr>
               <a:t>Analysis of the “</a:t>
             </a:r>
             <a:r>
-              <a:rPr lang="en-US" dirty="0" err="1"/>
+              <a:rPr lang="en-US" sz="2500" kern="1200" dirty="0" err="1">
+                <a:ln w="9525" cap="flat" cmpd="sng" algn="ctr">
+                  <a:solidFill>
+                    <a:srgbClr val="404040">
+                      <a:alpha val="10000"/>
+                    </a:srgbClr>
+                  </a:solidFill>
+                  <a:prstDash val="solid"/>
+                  <a:round/>
+                </a:ln>
+                <a:solidFill>
+                  <a:srgbClr val="DADADA"/>
+                </a:solidFill>
+                <a:effectLst>
+                  <a:outerShdw blurRad="9525" dist="25400" dir="14640000" algn="tl" rotWithShape="0">
+                    <a:schemeClr val="bg1">
+                      <a:alpha val="30000"/>
+                    </a:schemeClr>
+                  </a:outerShdw>
+                </a:effectLst>
+                <a:latin typeface="+mj-lt"/>
+                <a:ea typeface="+mn-ea"/>
+                <a:cs typeface="+mn-cs"/>
+              </a:rPr>
               <a:t>EnjoyedBoardGames</a:t>
             </a:r>
             <a:r>
-              <a:rPr lang="en-US" dirty="0"/>
+              <a:rPr lang="en-US" sz="2500" kern="1200" dirty="0">
+                <a:ln w="9525" cap="flat" cmpd="sng" algn="ctr">
+                  <a:solidFill>
+                    <a:srgbClr val="404040">
+                      <a:alpha val="10000"/>
+                    </a:srgbClr>
+                  </a:solidFill>
+                  <a:prstDash val="solid"/>
+                  <a:round/>
+                </a:ln>
+                <a:solidFill>
+                  <a:srgbClr val="DADADA"/>
+                </a:solidFill>
+                <a:effectLst>
+                  <a:outerShdw blurRad="9525" dist="25400" dir="14640000" algn="tl" rotWithShape="0">
+                    <a:schemeClr val="bg1">
+                      <a:alpha val="30000"/>
+                    </a:schemeClr>
+                  </a:outerShdw>
+                </a:effectLst>
+                <a:latin typeface="+mj-lt"/>
+                <a:ea typeface="+mn-ea"/>
+                <a:cs typeface="+mn-cs"/>
+              </a:rPr>
               <a:t>” feature</a:t>
             </a:r>
-          </a:p>
-          <a:p>
-            <a:pPr lvl="1"/>
-            <a:endParaRPr lang="en-US" dirty="0"/>
-          </a:p>
-          <a:p>
-            <a:pPr lvl="1"/>
-            <a:endParaRPr lang="en-US" dirty="0"/>
+            <a:endParaRPr lang="en-US" sz="2500" dirty="0">
+              <a:effectLst/>
+              <a:latin typeface="+mj-lt"/>
+            </a:endParaRPr>
           </a:p>
         </p:txBody>
       </p:sp>
@@ -11097,8 +11640,8 @@
         </p:nvSpPr>
         <p:spPr>
           <a:xfrm>
-            <a:off x="919119" y="3383281"/>
-            <a:ext cx="10353762" cy="45719"/>
+            <a:off x="919119" y="3265715"/>
+            <a:ext cx="10353762" cy="163286"/>
           </a:xfrm>
         </p:spPr>
         <p:txBody>
@@ -11111,6 +11654,49 @@
               <a:rPr lang="en-US" sz="6000" dirty="0"/>
               <a:t>Questions?</a:t>
             </a:r>
+          </a:p>
+        </p:txBody>
+      </p:sp>
+      <p:sp>
+        <p:nvSpPr>
+          <p:cNvPr id="3" name="TextBox 2">
+            <a:extLst>
+              <a:ext uri="{FF2B5EF4-FFF2-40B4-BE49-F238E27FC236}">
+                <a16:creationId xmlns:a16="http://schemas.microsoft.com/office/drawing/2014/main" id="{B77CC421-106F-48F5-FC0C-AFBA11C82033}"/>
+              </a:ext>
+            </a:extLst>
+          </p:cNvPr>
+          <p:cNvSpPr txBox="1"/>
+          <p:nvPr/>
+        </p:nvSpPr>
+        <p:spPr>
+          <a:xfrm>
+            <a:off x="0" y="4071258"/>
+            <a:ext cx="12192000" cy="369332"/>
+          </a:xfrm>
+          <a:prstGeom prst="rect">
+            <a:avLst/>
+          </a:prstGeom>
+          <a:noFill/>
+        </p:spPr>
+        <p:txBody>
+          <a:bodyPr wrap="square" rtlCol="0">
+            <a:spAutoFit/>
+          </a:bodyPr>
+          <a:lstStyle/>
+          <a:p>
+            <a:pPr algn="ctr"/>
+            <a:r>
+              <a:rPr lang="en-US" dirty="0"/>
+              <a:t>Our project can be found at: </a:t>
+            </a:r>
+            <a:r>
+              <a:rPr lang="en-US" dirty="0">
+                <a:hlinkClick r:id="rId2"/>
+              </a:rPr>
+              <a:t>https://sevenwwu.github.io</a:t>
+            </a:r>
+            <a:endParaRPr lang="en-US" dirty="0"/>
           </a:p>
         </p:txBody>
       </p:sp>
@@ -11190,74 +11776,47 @@
         </p:nvSpPr>
         <p:spPr/>
         <p:txBody>
-          <a:bodyPr/>
+          <a:bodyPr anchor="t">
+            <a:noAutofit/>
+          </a:bodyPr>
           <a:lstStyle/>
           <a:p>
-            <a:r>
-              <a:rPr lang="en-US" dirty="0"/>
-              <a:t>Demographic research is important for:</a:t>
-            </a:r>
-          </a:p>
-          <a:p>
-            <a:pPr lvl="1"/>
-            <a:r>
-              <a:rPr lang="en-US" dirty="0"/>
-              <a:t>Promoting equality across society</a:t>
-            </a:r>
-          </a:p>
-          <a:p>
-            <a:pPr lvl="2"/>
-            <a:r>
-              <a:rPr lang="en-US" dirty="0"/>
-              <a:t>This includes the board gaming</a:t>
-            </a:r>
-          </a:p>
-          <a:p>
-            <a:pPr lvl="1"/>
-            <a:r>
-              <a:rPr lang="en-US" dirty="0"/>
-              <a:t>Targeted Advertisement</a:t>
-            </a:r>
-          </a:p>
-          <a:p>
-            <a:pPr lvl="1"/>
-            <a:r>
-              <a:rPr lang="en-US" dirty="0"/>
-              <a:t>Improving Board Game Accessibility and Design</a:t>
-            </a:r>
-          </a:p>
-          <a:p>
-            <a:pPr lvl="2"/>
-            <a:r>
-              <a:rPr lang="en-US" dirty="0"/>
-              <a:t>Improves Sales</a:t>
-            </a:r>
-          </a:p>
-          <a:p>
-            <a:pPr lvl="2"/>
-            <a:r>
-              <a:rPr lang="en-US" dirty="0"/>
-              <a:t>Promotes Equality</a:t>
-            </a:r>
-          </a:p>
-          <a:p>
-            <a:r>
-              <a:rPr lang="en-US" dirty="0"/>
-              <a:t>Random Survey allows for:</a:t>
-            </a:r>
-          </a:p>
-          <a:p>
-            <a:pPr lvl="1"/>
-            <a:r>
-              <a:rPr lang="en-US" dirty="0"/>
-              <a:t>Discovery of trends on WWU campus</a:t>
-            </a:r>
-          </a:p>
-          <a:p>
-            <a:pPr lvl="1"/>
-            <a:r>
-              <a:rPr lang="en-US" dirty="0"/>
-              <a:t>Extrapolating patterns to the total population of WWU  </a:t>
+            <a:pPr>
+              <a:lnSpc>
+                <a:spcPct val="200000"/>
+              </a:lnSpc>
+            </a:pPr>
+            <a:r>
+              <a:rPr lang="en-US" sz="3000" dirty="0">
+                <a:effectLst/>
+              </a:rPr>
+              <a:t>Discover Patterns and Trends within WWU Campus</a:t>
+            </a:r>
+          </a:p>
+          <a:p>
+            <a:pPr>
+              <a:lnSpc>
+                <a:spcPct val="200000"/>
+              </a:lnSpc>
+            </a:pPr>
+            <a:r>
+              <a:rPr lang="en-US" sz="3000" dirty="0">
+                <a:effectLst/>
+              </a:rPr>
+              <a:t>Improve accessibility and equality </a:t>
+            </a:r>
+          </a:p>
+          <a:p>
+            <a:pPr>
+              <a:lnSpc>
+                <a:spcPct val="200000"/>
+              </a:lnSpc>
+            </a:pPr>
+            <a:r>
+              <a:rPr lang="en-US" sz="3000" dirty="0">
+                <a:effectLst/>
+              </a:rPr>
+              <a:t>Advertising/Marketing</a:t>
             </a:r>
           </a:p>
         </p:txBody>
@@ -11338,7 +11897,9 @@
         </p:nvSpPr>
         <p:spPr/>
         <p:txBody>
-          <a:bodyPr/>
+          <a:bodyPr anchor="ctr">
+            <a:noAutofit/>
+          </a:bodyPr>
           <a:lstStyle/>
           <a:p>
             <a:pPr marL="494100" indent="-457200">
@@ -11346,7 +11907,7 @@
               <a:buAutoNum type="arabicParenR"/>
             </a:pPr>
             <a:r>
-              <a:rPr lang="en-US" dirty="0"/>
+              <a:rPr lang="en-US" sz="3000" dirty="0"/>
               <a:t>Gather Survey Data from WWU Students</a:t>
             </a:r>
           </a:p>
@@ -11356,8 +11917,8 @@
               <a:buAutoNum type="arabicParenR"/>
             </a:pPr>
             <a:r>
-              <a:rPr lang="en-US" dirty="0"/>
-              <a:t>Download Raw .xlsx from Microsoft Forms</a:t>
+              <a:rPr lang="en-US" sz="3000" dirty="0"/>
+              <a:t>Perform Data Cleaning and Curation on Raw Data</a:t>
             </a:r>
           </a:p>
           <a:p>
@@ -11366,16 +11927,8 @@
               <a:buAutoNum type="arabicParenR"/>
             </a:pPr>
             <a:r>
-              <a:rPr lang="en-US" dirty="0"/>
-              <a:t>Load into </a:t>
-            </a:r>
-            <a:r>
-              <a:rPr lang="en-US" dirty="0" err="1"/>
-              <a:t>Juypter</a:t>
-            </a:r>
-            <a:r>
-              <a:rPr lang="en-US" dirty="0"/>
-              <a:t> Notebook</a:t>
+              <a:rPr lang="en-US" sz="3000" dirty="0"/>
+              <a:t>Perform Exploratory Analysis on Cleaned Data to Discover Trends</a:t>
             </a:r>
           </a:p>
           <a:p>
@@ -11384,27 +11937,7 @@
               <a:buAutoNum type="arabicParenR"/>
             </a:pPr>
             <a:r>
-              <a:rPr lang="en-US" dirty="0"/>
-              <a:t>Perform Data Cleaning and Curation on Raw Data</a:t>
-            </a:r>
-          </a:p>
-          <a:p>
-            <a:pPr marL="494100" indent="-457200">
-              <a:buFont typeface="+mj-lt"/>
-              <a:buAutoNum type="arabicParenR"/>
-            </a:pPr>
-            <a:r>
-              <a:rPr lang="en-US" dirty="0"/>
-              <a:t>Perform Exploratory Analysis on Cleaned Data to Discover Trends</a:t>
-            </a:r>
-          </a:p>
-          <a:p>
-            <a:pPr marL="494100" indent="-457200">
-              <a:buFont typeface="+mj-lt"/>
-              <a:buAutoNum type="arabicParenR"/>
-            </a:pPr>
-            <a:r>
-              <a:rPr lang="en-US" dirty="0"/>
+              <a:rPr lang="en-US" sz="3000" dirty="0"/>
               <a:t>Build Predictive Machine Learning Model Based on Discovered Trends</a:t>
             </a:r>
           </a:p>
@@ -11486,15 +12019,450 @@
         </p:nvSpPr>
         <p:spPr>
           <a:xfrm>
-            <a:off x="913795" y="1732449"/>
-            <a:ext cx="6834542" cy="4776635"/>
+            <a:off x="6090676" y="1884848"/>
+            <a:ext cx="5176881" cy="4776635"/>
           </a:xfrm>
         </p:spPr>
         <p:txBody>
           <a:bodyPr>
-            <a:normAutofit fontScale="85000" lnSpcReduction="10000"/>
+            <a:normAutofit/>
           </a:bodyPr>
           <a:lstStyle/>
+          <a:p>
+            <a:r>
+              <a:rPr lang="en-US" dirty="0"/>
+              <a:t>Curation Steps:</a:t>
+            </a:r>
+          </a:p>
+          <a:p>
+            <a:pPr lvl="1"/>
+            <a:r>
+              <a:rPr lang="en-US" dirty="0"/>
+              <a:t>Drop Metadata</a:t>
+            </a:r>
+          </a:p>
+          <a:p>
+            <a:pPr lvl="1"/>
+            <a:r>
+              <a:rPr lang="en-US" dirty="0"/>
+              <a:t>Rename Questions to Concise Field Names</a:t>
+            </a:r>
+          </a:p>
+          <a:p>
+            <a:pPr lvl="1"/>
+            <a:r>
+              <a:rPr lang="en-US" dirty="0"/>
+              <a:t>Transform Multi-Select Questions</a:t>
+            </a:r>
+          </a:p>
+          <a:p>
+            <a:pPr lvl="1"/>
+            <a:r>
+              <a:rPr lang="en-US" dirty="0"/>
+              <a:t>Manual Bucketing of Area of Study Freeform Responses</a:t>
+            </a:r>
+          </a:p>
+          <a:p>
+            <a:pPr lvl="1"/>
+            <a:r>
+              <a:rPr lang="en-US" dirty="0"/>
+              <a:t>Shorten Categorical Strings for Easier Analysis</a:t>
+            </a:r>
+          </a:p>
+          <a:p>
+            <a:pPr lvl="1"/>
+            <a:r>
+              <a:rPr lang="en-US" dirty="0"/>
+              <a:t>Assign Order to some Categorical Variables</a:t>
+            </a:r>
+          </a:p>
+          <a:p>
+            <a:pPr lvl="1"/>
+            <a:endParaRPr lang="en-US" dirty="0"/>
+          </a:p>
+          <a:p>
+            <a:endParaRPr lang="en-US" dirty="0"/>
+          </a:p>
+        </p:txBody>
+      </p:sp>
+      <p:sp>
+        <p:nvSpPr>
+          <p:cNvPr id="9" name="Content Placeholder 2">
+            <a:extLst>
+              <a:ext uri="{FF2B5EF4-FFF2-40B4-BE49-F238E27FC236}">
+                <a16:creationId xmlns:a16="http://schemas.microsoft.com/office/drawing/2014/main" id="{5FDF283A-8F3A-6BB1-0975-4B6B4AD2564A}"/>
+              </a:ext>
+            </a:extLst>
+          </p:cNvPr>
+          <p:cNvSpPr txBox="1">
+            <a:spLocks/>
+          </p:cNvSpPr>
+          <p:nvPr/>
+        </p:nvSpPr>
+        <p:spPr>
+          <a:xfrm>
+            <a:off x="1066195" y="1884849"/>
+            <a:ext cx="4910399" cy="4776635"/>
+          </a:xfrm>
+          <a:prstGeom prst="rect">
+            <a:avLst/>
+          </a:prstGeom>
+          <a:effectLst>
+            <a:outerShdw blurRad="25400" dir="17880000">
+              <a:srgbClr val="000000">
+                <a:alpha val="46000"/>
+              </a:srgbClr>
+            </a:outerShdw>
+          </a:effectLst>
+        </p:spPr>
+        <p:txBody>
+          <a:bodyPr vert="horz" lIns="91440" tIns="45720" rIns="91440" bIns="45720" rtlCol="0" anchor="t">
+            <a:normAutofit/>
+          </a:bodyPr>
+          <a:lstStyle>
+            <a:lvl1pPr marL="342900" indent="-306000" algn="l" defTabSz="457200" rtl="0" eaLnBrk="1" latinLnBrk="0" hangingPunct="1">
+              <a:spcBef>
+                <a:spcPct val="20000"/>
+              </a:spcBef>
+              <a:spcAft>
+                <a:spcPts val="600"/>
+              </a:spcAft>
+              <a:buClr>
+                <a:schemeClr val="tx2"/>
+              </a:buClr>
+              <a:buSzPct val="70000"/>
+              <a:buFont typeface="Wingdings 2" charset="2"/>
+              <a:buChar char=""/>
+              <a:defRPr sz="2000" kern="1200">
+                <a:ln>
+                  <a:solidFill>
+                    <a:schemeClr val="bg1">
+                      <a:lumMod val="75000"/>
+                      <a:lumOff val="25000"/>
+                      <a:alpha val="10000"/>
+                    </a:schemeClr>
+                  </a:solidFill>
+                </a:ln>
+                <a:solidFill>
+                  <a:schemeClr val="tx2"/>
+                </a:solidFill>
+                <a:effectLst>
+                  <a:outerShdw blurRad="9525" dist="25400" dir="14640000" algn="tl" rotWithShape="0">
+                    <a:schemeClr val="bg1">
+                      <a:alpha val="30000"/>
+                    </a:schemeClr>
+                  </a:outerShdw>
+                </a:effectLst>
+                <a:latin typeface="+mn-lt"/>
+                <a:ea typeface="+mn-ea"/>
+                <a:cs typeface="+mn-cs"/>
+              </a:defRPr>
+            </a:lvl1pPr>
+            <a:lvl2pPr marL="720000" indent="-270000" algn="l" defTabSz="457200" rtl="0" eaLnBrk="1" latinLnBrk="0" hangingPunct="1">
+              <a:spcBef>
+                <a:spcPct val="20000"/>
+              </a:spcBef>
+              <a:spcAft>
+                <a:spcPts val="600"/>
+              </a:spcAft>
+              <a:buClr>
+                <a:schemeClr val="tx2"/>
+              </a:buClr>
+              <a:buSzPct val="70000"/>
+              <a:buFont typeface="Wingdings 2" charset="2"/>
+              <a:buChar char=""/>
+              <a:defRPr sz="1800" kern="1200">
+                <a:ln>
+                  <a:solidFill>
+                    <a:schemeClr val="bg1">
+                      <a:lumMod val="75000"/>
+                      <a:lumOff val="25000"/>
+                      <a:alpha val="10000"/>
+                    </a:schemeClr>
+                  </a:solidFill>
+                </a:ln>
+                <a:solidFill>
+                  <a:schemeClr val="tx2"/>
+                </a:solidFill>
+                <a:effectLst>
+                  <a:outerShdw blurRad="9525" dist="25400" dir="14640000" algn="tl" rotWithShape="0">
+                    <a:schemeClr val="bg1">
+                      <a:alpha val="30000"/>
+                    </a:schemeClr>
+                  </a:outerShdw>
+                </a:effectLst>
+                <a:latin typeface="+mn-lt"/>
+                <a:ea typeface="+mn-ea"/>
+                <a:cs typeface="+mn-cs"/>
+              </a:defRPr>
+            </a:lvl2pPr>
+            <a:lvl3pPr marL="1026000" indent="-216000" algn="l" defTabSz="457200" rtl="0" eaLnBrk="1" latinLnBrk="0" hangingPunct="1">
+              <a:spcBef>
+                <a:spcPct val="20000"/>
+              </a:spcBef>
+              <a:spcAft>
+                <a:spcPts val="600"/>
+              </a:spcAft>
+              <a:buClr>
+                <a:schemeClr val="tx2"/>
+              </a:buClr>
+              <a:buSzPct val="70000"/>
+              <a:buFont typeface="Wingdings 2" charset="2"/>
+              <a:buChar char=""/>
+              <a:defRPr sz="1600" kern="1200">
+                <a:ln>
+                  <a:solidFill>
+                    <a:schemeClr val="bg1">
+                      <a:lumMod val="75000"/>
+                      <a:lumOff val="25000"/>
+                      <a:alpha val="10000"/>
+                    </a:schemeClr>
+                  </a:solidFill>
+                </a:ln>
+                <a:solidFill>
+                  <a:schemeClr val="tx2"/>
+                </a:solidFill>
+                <a:effectLst>
+                  <a:outerShdw blurRad="9525" dist="25400" dir="14640000" algn="tl" rotWithShape="0">
+                    <a:schemeClr val="bg1">
+                      <a:alpha val="30000"/>
+                    </a:schemeClr>
+                  </a:outerShdw>
+                </a:effectLst>
+                <a:latin typeface="+mn-lt"/>
+                <a:ea typeface="+mn-ea"/>
+                <a:cs typeface="+mn-cs"/>
+              </a:defRPr>
+            </a:lvl3pPr>
+            <a:lvl4pPr marL="1386000" indent="-216000" algn="l" defTabSz="457200" rtl="0" eaLnBrk="1" latinLnBrk="0" hangingPunct="1">
+              <a:spcBef>
+                <a:spcPct val="20000"/>
+              </a:spcBef>
+              <a:spcAft>
+                <a:spcPts val="600"/>
+              </a:spcAft>
+              <a:buClr>
+                <a:schemeClr val="tx2"/>
+              </a:buClr>
+              <a:buSzPct val="70000"/>
+              <a:buFont typeface="Wingdings 2" charset="2"/>
+              <a:buChar char=""/>
+              <a:defRPr sz="1400" kern="1200">
+                <a:ln>
+                  <a:solidFill>
+                    <a:schemeClr val="bg1">
+                      <a:lumMod val="75000"/>
+                      <a:lumOff val="25000"/>
+                      <a:alpha val="10000"/>
+                    </a:schemeClr>
+                  </a:solidFill>
+                </a:ln>
+                <a:solidFill>
+                  <a:schemeClr val="tx2"/>
+                </a:solidFill>
+                <a:effectLst>
+                  <a:outerShdw blurRad="9525" dist="25400" dir="14640000" algn="tl" rotWithShape="0">
+                    <a:schemeClr val="bg1">
+                      <a:alpha val="30000"/>
+                    </a:schemeClr>
+                  </a:outerShdw>
+                </a:effectLst>
+                <a:latin typeface="+mn-lt"/>
+                <a:ea typeface="+mn-ea"/>
+                <a:cs typeface="+mn-cs"/>
+              </a:defRPr>
+            </a:lvl4pPr>
+            <a:lvl5pPr marL="1674000" indent="-216000" algn="l" defTabSz="457200" rtl="0" eaLnBrk="1" latinLnBrk="0" hangingPunct="1">
+              <a:spcBef>
+                <a:spcPct val="20000"/>
+              </a:spcBef>
+              <a:spcAft>
+                <a:spcPts val="600"/>
+              </a:spcAft>
+              <a:buClr>
+                <a:schemeClr val="tx2"/>
+              </a:buClr>
+              <a:buSzPct val="70000"/>
+              <a:buFont typeface="Wingdings 2" charset="2"/>
+              <a:buChar char=""/>
+              <a:defRPr sz="1400" kern="1200">
+                <a:ln>
+                  <a:solidFill>
+                    <a:schemeClr val="bg1">
+                      <a:lumMod val="75000"/>
+                      <a:lumOff val="25000"/>
+                      <a:alpha val="10000"/>
+                    </a:schemeClr>
+                  </a:solidFill>
+                </a:ln>
+                <a:solidFill>
+                  <a:schemeClr val="tx2"/>
+                </a:solidFill>
+                <a:effectLst>
+                  <a:outerShdw blurRad="9525" dist="25400" dir="14640000" algn="tl" rotWithShape="0">
+                    <a:schemeClr val="bg1">
+                      <a:alpha val="30000"/>
+                    </a:schemeClr>
+                  </a:outerShdw>
+                </a:effectLst>
+                <a:latin typeface="+mn-lt"/>
+                <a:ea typeface="+mn-ea"/>
+                <a:cs typeface="+mn-cs"/>
+              </a:defRPr>
+            </a:lvl5pPr>
+            <a:lvl6pPr marL="2014600" indent="-228600" algn="l" defTabSz="457200" rtl="0" eaLnBrk="1" latinLnBrk="0" hangingPunct="1">
+              <a:spcBef>
+                <a:spcPct val="20000"/>
+              </a:spcBef>
+              <a:spcAft>
+                <a:spcPts val="600"/>
+              </a:spcAft>
+              <a:buClr>
+                <a:schemeClr val="tx2"/>
+              </a:buClr>
+              <a:buSzPct val="70000"/>
+              <a:buFont typeface="Wingdings 2" charset="2"/>
+              <a:buChar char=""/>
+              <a:defRPr sz="1400" kern="1200">
+                <a:ln>
+                  <a:solidFill>
+                    <a:schemeClr val="bg1">
+                      <a:lumMod val="75000"/>
+                      <a:lumOff val="25000"/>
+                      <a:alpha val="10000"/>
+                    </a:schemeClr>
+                  </a:solidFill>
+                </a:ln>
+                <a:solidFill>
+                  <a:schemeClr val="tx2"/>
+                </a:solidFill>
+                <a:effectLst>
+                  <a:outerShdw blurRad="9525" dist="25400" dir="14640000" algn="tl" rotWithShape="0">
+                    <a:schemeClr val="bg1">
+                      <a:alpha val="30000"/>
+                    </a:schemeClr>
+                  </a:outerShdw>
+                </a:effectLst>
+                <a:latin typeface="+mn-lt"/>
+                <a:ea typeface="+mn-ea"/>
+                <a:cs typeface="+mn-cs"/>
+              </a:defRPr>
+            </a:lvl6pPr>
+            <a:lvl7pPr marL="2401800" indent="-228600" algn="l" defTabSz="457200" rtl="0" eaLnBrk="1" latinLnBrk="0" hangingPunct="1">
+              <a:spcBef>
+                <a:spcPct val="20000"/>
+              </a:spcBef>
+              <a:spcAft>
+                <a:spcPts val="600"/>
+              </a:spcAft>
+              <a:buClr>
+                <a:schemeClr val="tx2"/>
+              </a:buClr>
+              <a:buSzPct val="70000"/>
+              <a:buFont typeface="Wingdings 2" charset="2"/>
+              <a:buChar char=""/>
+              <a:defRPr sz="1400" kern="1200">
+                <a:ln>
+                  <a:solidFill>
+                    <a:schemeClr val="bg1">
+                      <a:lumMod val="75000"/>
+                      <a:lumOff val="25000"/>
+                      <a:alpha val="10000"/>
+                    </a:schemeClr>
+                  </a:solidFill>
+                </a:ln>
+                <a:solidFill>
+                  <a:schemeClr val="tx2"/>
+                </a:solidFill>
+                <a:effectLst>
+                  <a:outerShdw blurRad="9525" dist="25400" dir="14640000" algn="tl" rotWithShape="0">
+                    <a:schemeClr val="bg1">
+                      <a:alpha val="30000"/>
+                    </a:schemeClr>
+                  </a:outerShdw>
+                </a:effectLst>
+                <a:latin typeface="+mn-lt"/>
+                <a:ea typeface="+mn-ea"/>
+                <a:cs typeface="+mn-cs"/>
+              </a:defRPr>
+            </a:lvl7pPr>
+            <a:lvl8pPr marL="2789000" indent="-228600" algn="l" defTabSz="457200" rtl="0" eaLnBrk="1" latinLnBrk="0" hangingPunct="1">
+              <a:spcBef>
+                <a:spcPct val="20000"/>
+              </a:spcBef>
+              <a:spcAft>
+                <a:spcPts val="600"/>
+              </a:spcAft>
+              <a:buClr>
+                <a:schemeClr val="tx2"/>
+              </a:buClr>
+              <a:buSzPct val="70000"/>
+              <a:buFont typeface="Wingdings 2" charset="2"/>
+              <a:buChar char=""/>
+              <a:defRPr sz="1400" kern="1200">
+                <a:ln>
+                  <a:solidFill>
+                    <a:schemeClr val="bg1">
+                      <a:lumMod val="75000"/>
+                      <a:lumOff val="25000"/>
+                      <a:alpha val="10000"/>
+                    </a:schemeClr>
+                  </a:solidFill>
+                </a:ln>
+                <a:solidFill>
+                  <a:schemeClr val="tx2"/>
+                </a:solidFill>
+                <a:effectLst>
+                  <a:outerShdw blurRad="9525" dist="25400" dir="14640000" algn="tl" rotWithShape="0">
+                    <a:schemeClr val="bg1">
+                      <a:alpha val="30000"/>
+                    </a:schemeClr>
+                  </a:outerShdw>
+                </a:effectLst>
+                <a:latin typeface="+mn-lt"/>
+                <a:ea typeface="+mn-ea"/>
+                <a:cs typeface="+mn-cs"/>
+              </a:defRPr>
+            </a:lvl8pPr>
+            <a:lvl9pPr marL="3106200" indent="-228600" algn="l" defTabSz="457200" rtl="0" eaLnBrk="1" latinLnBrk="0" hangingPunct="1">
+              <a:spcBef>
+                <a:spcPct val="20000"/>
+              </a:spcBef>
+              <a:spcAft>
+                <a:spcPts val="600"/>
+              </a:spcAft>
+              <a:buClr>
+                <a:schemeClr val="tx2"/>
+              </a:buClr>
+              <a:buSzPct val="70000"/>
+              <a:buFont typeface="Wingdings 2" charset="2"/>
+              <a:buChar char=""/>
+              <a:defRPr sz="1400" kern="1200">
+                <a:ln>
+                  <a:solidFill>
+                    <a:schemeClr val="bg1">
+                      <a:lumMod val="75000"/>
+                      <a:lumOff val="25000"/>
+                      <a:alpha val="10000"/>
+                    </a:schemeClr>
+                  </a:solidFill>
+                </a:ln>
+                <a:solidFill>
+                  <a:schemeClr val="tx2"/>
+                </a:solidFill>
+                <a:effectLst>
+                  <a:outerShdw blurRad="9525" dist="25400" dir="14640000" algn="tl" rotWithShape="0">
+                    <a:schemeClr val="bg1">
+                      <a:alpha val="30000"/>
+                    </a:schemeClr>
+                  </a:outerShdw>
+                </a:effectLst>
+                <a:latin typeface="+mn-lt"/>
+                <a:ea typeface="+mn-ea"/>
+                <a:cs typeface="+mn-cs"/>
+              </a:defRPr>
+            </a:lvl9pPr>
+          </a:lstStyle>
           <a:p>
             <a:r>
               <a:rPr lang="en-US" dirty="0"/>
@@ -11511,14 +12479,12 @@
               <a:rPr lang="en-US" dirty="0">
                 <a:hlinkClick r:id="rId3"/>
               </a:rPr>
-              <a:t>https://github.com/sevenwwu/sevenwwu.github.io/blob/main/write-ups/milestone_one_delieverable/surveyoutline.md</a:t>
-            </a:r>
-            <a:r>
-              <a:rPr lang="en-US" dirty="0"/>
-              <a:t> </a:t>
-            </a:r>
-          </a:p>
-          <a:p>
+              <a:t>https://sevenwwu.github.io</a:t>
+            </a:r>
+            <a:endParaRPr lang="en-US" dirty="0"/>
+          </a:p>
+          <a:p>
+            <a:pPr lvl="1"/>
             <a:r>
               <a:rPr lang="en-US" dirty="0"/>
               <a:t>Original Data was structured by Microsoft Forms</a:t>
@@ -11536,58 +12502,6 @@
               <a:rPr lang="en-US" dirty="0"/>
               <a:t>Data was primarily collected by asking random students on Campus</a:t>
             </a:r>
-          </a:p>
-          <a:p>
-            <a:r>
-              <a:rPr lang="en-US" dirty="0"/>
-              <a:t>Curation:</a:t>
-            </a:r>
-          </a:p>
-          <a:p>
-            <a:pPr lvl="1"/>
-            <a:r>
-              <a:rPr lang="en-US" dirty="0"/>
-              <a:t>Drop Metadata</a:t>
-            </a:r>
-          </a:p>
-          <a:p>
-            <a:pPr lvl="1"/>
-            <a:r>
-              <a:rPr lang="en-US" dirty="0"/>
-              <a:t>Rename Questions to Concise Field Names</a:t>
-            </a:r>
-          </a:p>
-          <a:p>
-            <a:pPr lvl="1"/>
-            <a:r>
-              <a:rPr lang="en-US" dirty="0"/>
-              <a:t>Transform Multi-Select Questions</a:t>
-            </a:r>
-          </a:p>
-          <a:p>
-            <a:pPr lvl="1"/>
-            <a:r>
-              <a:rPr lang="en-US" dirty="0"/>
-              <a:t>Manual Bucketing of Area of Study Freeform Responses</a:t>
-            </a:r>
-          </a:p>
-          <a:p>
-            <a:pPr lvl="1"/>
-            <a:r>
-              <a:rPr lang="en-US" dirty="0"/>
-              <a:t>Shorten Categorical Strings for Easier Analysis</a:t>
-            </a:r>
-          </a:p>
-          <a:p>
-            <a:pPr lvl="1"/>
-            <a:r>
-              <a:rPr lang="en-US" dirty="0"/>
-              <a:t>Assign Order to some Categorical Variables</a:t>
-            </a:r>
-          </a:p>
-          <a:p>
-            <a:pPr lvl="1"/>
-            <a:endParaRPr lang="en-US" dirty="0"/>
           </a:p>
           <a:p>
             <a:endParaRPr lang="en-US" dirty="0"/>

--- a/write-ups/presentation.pptx
+++ b/write-ups/presentation.pptx
@@ -14514,7 +14514,7 @@
         </p:spPr>
         <p:txBody>
           <a:bodyPr>
-            <a:normAutofit/>
+            <a:normAutofit lnSpcReduction="10000"/>
           </a:bodyPr>
           <a:lstStyle/>
           <a:p>
@@ -14540,8 +14540,13 @@
             <a:pPr lvl="1"/>
             <a:r>
               <a:rPr lang="en-US" dirty="0"/>
-              <a:t>“Arts &amp; Humanities” prefers “Heavy/Immersive Theming” by nearly double compared to STEM</a:t>
-            </a:r>
+              <a:t>“Arts &amp; Humanities” prefers “Heavy/Immersive Theming” by nearly double compared </a:t>
+            </a:r>
+            <a:r>
+              <a:rPr lang="en-US"/>
+              <a:t>to “STEM”</a:t>
+            </a:r>
+            <a:endParaRPr lang="en-US" dirty="0"/>
           </a:p>
         </p:txBody>
       </p:sp>

--- a/write-ups/presentation.pptx
+++ b/write-ups/presentation.pptx
@@ -211,7 +211,7 @@
           <a:p>
             <a:fld id="{BD82AF91-E7F2-4A39-BC23-24C00B262936}" type="datetimeFigureOut">
               <a:rPr lang="en-US" smtClean="0"/>
-              <a:t>12/7/2023</a:t>
+              <a:t>12/8/2023</a:t>
             </a:fld>
             <a:endParaRPr lang="en-US"/>
           </a:p>
@@ -1137,7 +1137,7 @@
           <a:p>
             <a:fld id="{BE7F38CD-72C9-4398-A24D-7646E8955F77}" type="datetimeFigureOut">
               <a:rPr lang="en-US" smtClean="0"/>
-              <a:t>12/7/2023</a:t>
+              <a:t>12/8/2023</a:t>
             </a:fld>
             <a:endParaRPr lang="en-US"/>
           </a:p>
@@ -1435,7 +1435,7 @@
           <a:p>
             <a:fld id="{BE7F38CD-72C9-4398-A24D-7646E8955F77}" type="datetimeFigureOut">
               <a:rPr lang="en-US" smtClean="0"/>
-              <a:t>12/7/2023</a:t>
+              <a:t>12/8/2023</a:t>
             </a:fld>
             <a:endParaRPr lang="en-US"/>
           </a:p>
@@ -1627,7 +1627,7 @@
           <a:p>
             <a:fld id="{BE7F38CD-72C9-4398-A24D-7646E8955F77}" type="datetimeFigureOut">
               <a:rPr lang="en-US" smtClean="0"/>
-              <a:t>12/7/2023</a:t>
+              <a:t>12/8/2023</a:t>
             </a:fld>
             <a:endParaRPr lang="en-US"/>
           </a:p>
@@ -1888,7 +1888,7 @@
           <a:p>
             <a:fld id="{BE7F38CD-72C9-4398-A24D-7646E8955F77}" type="datetimeFigureOut">
               <a:rPr lang="en-US" smtClean="0"/>
-              <a:t>12/7/2023</a:t>
+              <a:t>12/8/2023</a:t>
             </a:fld>
             <a:endParaRPr lang="en-US"/>
           </a:p>
@@ -2312,7 +2312,7 @@
           <a:p>
             <a:fld id="{BE7F38CD-72C9-4398-A24D-7646E8955F77}" type="datetimeFigureOut">
               <a:rPr lang="en-US" smtClean="0"/>
-              <a:t>12/7/2023</a:t>
+              <a:t>12/8/2023</a:t>
             </a:fld>
             <a:endParaRPr lang="en-US"/>
           </a:p>
@@ -2849,7 +2849,7 @@
           <a:p>
             <a:fld id="{BE7F38CD-72C9-4398-A24D-7646E8955F77}" type="datetimeFigureOut">
               <a:rPr lang="en-US" smtClean="0"/>
-              <a:t>12/7/2023</a:t>
+              <a:t>12/8/2023</a:t>
             </a:fld>
             <a:endParaRPr lang="en-US"/>
           </a:p>
@@ -3713,7 +3713,7 @@
           <a:p>
             <a:fld id="{BE7F38CD-72C9-4398-A24D-7646E8955F77}" type="datetimeFigureOut">
               <a:rPr lang="en-US" smtClean="0"/>
-              <a:t>12/7/2023</a:t>
+              <a:t>12/8/2023</a:t>
             </a:fld>
             <a:endParaRPr lang="en-US"/>
           </a:p>
@@ -3883,7 +3883,7 @@
           <a:p>
             <a:fld id="{BE7F38CD-72C9-4398-A24D-7646E8955F77}" type="datetimeFigureOut">
               <a:rPr lang="en-US" smtClean="0"/>
-              <a:t>12/7/2023</a:t>
+              <a:t>12/8/2023</a:t>
             </a:fld>
             <a:endParaRPr lang="en-US"/>
           </a:p>
@@ -4067,7 +4067,7 @@
           <a:p>
             <a:fld id="{BE7F38CD-72C9-4398-A24D-7646E8955F77}" type="datetimeFigureOut">
               <a:rPr lang="en-US" smtClean="0"/>
-              <a:t>12/7/2023</a:t>
+              <a:t>12/8/2023</a:t>
             </a:fld>
             <a:endParaRPr lang="en-US"/>
           </a:p>
@@ -4237,7 +4237,7 @@
           <a:p>
             <a:fld id="{BE7F38CD-72C9-4398-A24D-7646E8955F77}" type="datetimeFigureOut">
               <a:rPr lang="en-US" smtClean="0"/>
-              <a:t>12/7/2023</a:t>
+              <a:t>12/8/2023</a:t>
             </a:fld>
             <a:endParaRPr lang="en-US"/>
           </a:p>
@@ -4481,7 +4481,7 @@
           <a:p>
             <a:fld id="{BE7F38CD-72C9-4398-A24D-7646E8955F77}" type="datetimeFigureOut">
               <a:rPr lang="en-US" smtClean="0"/>
-              <a:t>12/7/2023</a:t>
+              <a:t>12/8/2023</a:t>
             </a:fld>
             <a:endParaRPr lang="en-US"/>
           </a:p>
@@ -4717,7 +4717,7 @@
           <a:p>
             <a:fld id="{BE7F38CD-72C9-4398-A24D-7646E8955F77}" type="datetimeFigureOut">
               <a:rPr lang="en-US" smtClean="0"/>
-              <a:t>12/7/2023</a:t>
+              <a:t>12/8/2023</a:t>
             </a:fld>
             <a:endParaRPr lang="en-US"/>
           </a:p>
@@ -5183,7 +5183,7 @@
           <a:p>
             <a:fld id="{BE7F38CD-72C9-4398-A24D-7646E8955F77}" type="datetimeFigureOut">
               <a:rPr lang="en-US" smtClean="0"/>
-              <a:t>12/7/2023</a:t>
+              <a:t>12/8/2023</a:t>
             </a:fld>
             <a:endParaRPr lang="en-US"/>
           </a:p>
@@ -5301,7 +5301,7 @@
           <a:p>
             <a:fld id="{BE7F38CD-72C9-4398-A24D-7646E8955F77}" type="datetimeFigureOut">
               <a:rPr lang="en-US" smtClean="0"/>
-              <a:t>12/7/2023</a:t>
+              <a:t>12/8/2023</a:t>
             </a:fld>
             <a:endParaRPr lang="en-US"/>
           </a:p>
@@ -5396,7 +5396,7 @@
           <a:p>
             <a:fld id="{BE7F38CD-72C9-4398-A24D-7646E8955F77}" type="datetimeFigureOut">
               <a:rPr lang="en-US" smtClean="0"/>
-              <a:t>12/7/2023</a:t>
+              <a:t>12/8/2023</a:t>
             </a:fld>
             <a:endParaRPr lang="en-US"/>
           </a:p>
@@ -5651,7 +5651,7 @@
           <a:p>
             <a:fld id="{BE7F38CD-72C9-4398-A24D-7646E8955F77}" type="datetimeFigureOut">
               <a:rPr lang="en-US" smtClean="0"/>
-              <a:t>12/7/2023</a:t>
+              <a:t>12/8/2023</a:t>
             </a:fld>
             <a:endParaRPr lang="en-US"/>
           </a:p>
@@ -5951,7 +5951,7 @@
           <a:p>
             <a:fld id="{BE7F38CD-72C9-4398-A24D-7646E8955F77}" type="datetimeFigureOut">
               <a:rPr lang="en-US" smtClean="0"/>
-              <a:t>12/7/2023</a:t>
+              <a:t>12/8/2023</a:t>
             </a:fld>
             <a:endParaRPr lang="en-US"/>
           </a:p>
@@ -6185,7 +6185,7 @@
           <a:p>
             <a:fld id="{BE7F38CD-72C9-4398-A24D-7646E8955F77}" type="datetimeFigureOut">
               <a:rPr lang="en-US" smtClean="0"/>
-              <a:t>12/7/2023</a:t>
+              <a:t>12/8/2023</a:t>
             </a:fld>
             <a:endParaRPr lang="en-US"/>
           </a:p>
@@ -7338,10 +7338,10 @@
       </p:sp>
       <p:pic>
         <p:nvPicPr>
-          <p:cNvPr id="14" name="Picture 13">
+          <p:cNvPr id="16" name="Picture 15">
             <a:extLst>
               <a:ext uri="{FF2B5EF4-FFF2-40B4-BE49-F238E27FC236}">
-                <a16:creationId xmlns:a16="http://schemas.microsoft.com/office/drawing/2014/main" id="{5945EF21-A138-AA23-A8BB-2076688CD5C7}"/>
+                <a16:creationId xmlns:a16="http://schemas.microsoft.com/office/drawing/2014/main" id="{1971DC98-1CB7-EEF0-EB92-FC81BA94DA1C}"/>
               </a:ext>
             </a:extLst>
           </p:cNvPr>
@@ -7358,8 +7358,8 @@
         </p:blipFill>
         <p:spPr>
           <a:xfrm>
-            <a:off x="8184063" y="0"/>
-            <a:ext cx="4007937" cy="3498992"/>
+            <a:off x="8080760" y="3429000"/>
+            <a:ext cx="4111240" cy="3429000"/>
           </a:xfrm>
           <a:prstGeom prst="rect">
             <a:avLst/>
@@ -7368,10 +7368,10 @@
       </p:pic>
       <p:pic>
         <p:nvPicPr>
-          <p:cNvPr id="16" name="Picture 15">
+          <p:cNvPr id="14" name="Picture 13">
             <a:extLst>
               <a:ext uri="{FF2B5EF4-FFF2-40B4-BE49-F238E27FC236}">
-                <a16:creationId xmlns:a16="http://schemas.microsoft.com/office/drawing/2014/main" id="{1971DC98-1CB7-EEF0-EB92-FC81BA94DA1C}"/>
+                <a16:creationId xmlns:a16="http://schemas.microsoft.com/office/drawing/2014/main" id="{5945EF21-A138-AA23-A8BB-2076688CD5C7}"/>
               </a:ext>
             </a:extLst>
           </p:cNvPr>
@@ -7388,8 +7388,8 @@
         </p:blipFill>
         <p:spPr>
           <a:xfrm>
-            <a:off x="8184062" y="3515160"/>
-            <a:ext cx="4007938" cy="3342840"/>
+            <a:off x="8080761" y="-1"/>
+            <a:ext cx="4111240" cy="3589177"/>
           </a:xfrm>
           <a:prstGeom prst="rect">
             <a:avLst/>
